--- a/BEcome.AIESEC.Tech.Levi9.March.2016.pptx
+++ b/BEcome.AIESEC.Tech.Levi9.March.2016.pptx
@@ -7,7 +7,7 @@
     <p:sldMasterId id="2147483660" r:id="rId7"/>
   </p:sldMasterIdLst>
   <p:notesMasterIdLst>
-    <p:notesMasterId r:id="rId20"/>
+    <p:notesMasterId r:id="rId25"/>
   </p:notesMasterIdLst>
   <p:sldIdLst>
     <p:sldId id="256" r:id="rId8"/>
@@ -21,7 +21,12 @@
     <p:sldId id="287" r:id="rId16"/>
     <p:sldId id="286" r:id="rId17"/>
     <p:sldId id="290" r:id="rId18"/>
-    <p:sldId id="291" r:id="rId19"/>
+    <p:sldId id="292" r:id="rId19"/>
+    <p:sldId id="293" r:id="rId20"/>
+    <p:sldId id="294" r:id="rId21"/>
+    <p:sldId id="295" r:id="rId22"/>
+    <p:sldId id="296" r:id="rId23"/>
+    <p:sldId id="291" r:id="rId24"/>
   </p:sldIdLst>
   <p:sldSz cx="9144000" cy="6858000" type="screen4x3"/>
   <p:notesSz cx="6858000" cy="9144000"/>
@@ -233,7 +238,7 @@
           <a:p>
             <a:fld id="{4BEF8651-3ED7-4908-89A0-BE7A233C7155}" type="datetimeFigureOut">
               <a:rPr lang="en-US" smtClean="0"/>
-              <a:t>2/24/2016</a:t>
+              <a:t>3/1/2016</a:t>
             </a:fld>
             <a:endParaRPr lang="en-US"/>
           </a:p>
@@ -616,17 +621,8 @@
           <a:p>
             <a:r>
               <a:rPr lang="en-US" b="1" dirty="0" smtClean="0"/>
-              <a:t>Why </a:t>
-            </a:r>
-            <a:r>
-              <a:rPr lang="en-US" b="1" dirty="0" smtClean="0"/>
-              <a:t>should I use Web Services</a:t>
-            </a:r>
-            <a:r>
-              <a:rPr lang="en-US" b="1" dirty="0" smtClean="0"/>
-              <a:t>?</a:t>
-            </a:r>
-            <a:endParaRPr lang="en-US" b="1" dirty="0" smtClean="0"/>
+              <a:t>Why should I use Web Services?</a:t>
+            </a:r>
           </a:p>
           <a:p>
             <a:r>
@@ -771,6 +767,2157 @@
     <p:extLst>
       <p:ext uri="{BB962C8B-B14F-4D97-AF65-F5344CB8AC3E}">
         <p14:creationId xmlns:p14="http://schemas.microsoft.com/office/powerpoint/2010/main" val="1942207241"/>
+      </p:ext>
+    </p:extLst>
+  </p:cSld>
+  <p:clrMapOvr>
+    <a:masterClrMapping/>
+  </p:clrMapOvr>
+</p:notes>
+</file>
+
+<file path=ppt/notesSlides/notesSlide10.xml><?xml version="1.0" encoding="utf-8"?>
+<p:notes xmlns:a="http://schemas.openxmlformats.org/drawingml/2006/main" xmlns:r="http://schemas.openxmlformats.org/officeDocument/2006/relationships" xmlns:p="http://schemas.openxmlformats.org/presentationml/2006/main">
+  <p:cSld>
+    <p:spTree>
+      <p:nvGrpSpPr>
+        <p:cNvPr id="1" name=""/>
+        <p:cNvGrpSpPr/>
+        <p:nvPr/>
+      </p:nvGrpSpPr>
+      <p:grpSpPr>
+        <a:xfrm>
+          <a:off x="0" y="0"/>
+          <a:ext cx="0" cy="0"/>
+          <a:chOff x="0" y="0"/>
+          <a:chExt cx="0" cy="0"/>
+        </a:xfrm>
+      </p:grpSpPr>
+      <p:sp>
+        <p:nvSpPr>
+          <p:cNvPr id="2" name="Slide Image Placeholder 1"/>
+          <p:cNvSpPr>
+            <a:spLocks noGrp="1" noRot="1" noChangeAspect="1"/>
+          </p:cNvSpPr>
+          <p:nvPr>
+            <p:ph type="sldImg"/>
+          </p:nvPr>
+        </p:nvSpPr>
+        <p:spPr/>
+      </p:sp>
+      <p:sp>
+        <p:nvSpPr>
+          <p:cNvPr id="3" name="Notes Placeholder 2"/>
+          <p:cNvSpPr>
+            <a:spLocks noGrp="1"/>
+          </p:cNvSpPr>
+          <p:nvPr>
+            <p:ph type="body" idx="1"/>
+          </p:nvPr>
+        </p:nvSpPr>
+        <p:spPr/>
+        <p:txBody>
+          <a:bodyPr/>
+          <a:lstStyle/>
+          <a:p>
+            <a:r>
+              <a:rPr lang="en-US" dirty="0" smtClean="0"/>
+              <a:t/>
+            </a:r>
+            <a:br>
+              <a:rPr lang="en-US" dirty="0" smtClean="0"/>
+            </a:br>
+            <a:r>
+              <a:rPr lang="en-US" dirty="0" smtClean="0"/>
+              <a:t>I've used HTTP POST verbs for all my interactions here in level 0 and 1, but some people use GETs instead or in addition. At these levels it doesn't make much difference, they are both being used as tunneling mechanisms allowing you to tunnel your interactions through HTTP. Level 2 moves away from this, using the HTTP verbs as closely as possible to how they are used in HTTP itself.</a:t>
+            </a:r>
+          </a:p>
+          <a:p>
+            <a:endParaRPr lang="en-US" b="0" dirty="0" smtClean="0"/>
+          </a:p>
+          <a:p>
+            <a:r>
+              <a:rPr lang="en-US" sz="1200" b="0" i="0" kern="1200" dirty="0" smtClean="0">
+                <a:solidFill>
+                  <a:schemeClr val="tx1"/>
+                </a:solidFill>
+                <a:effectLst/>
+                <a:latin typeface="+mn-lt"/>
+                <a:ea typeface="+mn-ea"/>
+                <a:cs typeface="+mn-cs"/>
+              </a:rPr>
+              <a:t>For our the list of slots, this means we want to use GET.</a:t>
+            </a:r>
+          </a:p>
+          <a:p>
+            <a:r>
+              <a:rPr lang="en-US" b="0" dirty="0" smtClean="0"/>
+              <a:t>GET /doctors/</a:t>
+            </a:r>
+            <a:r>
+              <a:rPr lang="en-US" b="0" dirty="0" err="1" smtClean="0"/>
+              <a:t>mjones</a:t>
+            </a:r>
+            <a:r>
+              <a:rPr lang="en-US" b="0" dirty="0" smtClean="0"/>
+              <a:t>/</a:t>
+            </a:r>
+            <a:r>
+              <a:rPr lang="en-US" b="0" dirty="0" err="1" smtClean="0"/>
+              <a:t>slots?date</a:t>
+            </a:r>
+            <a:r>
+              <a:rPr lang="en-US" b="0" dirty="0" smtClean="0"/>
+              <a:t>=20100104&amp;status=open HTTP/1.1</a:t>
+            </a:r>
+          </a:p>
+          <a:p>
+            <a:r>
+              <a:rPr lang="en-US" b="0" dirty="0" smtClean="0"/>
+              <a:t>Host: royalhope.nhs.uk</a:t>
+            </a:r>
+          </a:p>
+          <a:p>
+            <a:endParaRPr lang="en-US" b="0" dirty="0" smtClean="0"/>
+          </a:p>
+          <a:p>
+            <a:r>
+              <a:rPr lang="en-US" sz="1200" b="0" i="0" kern="1200" dirty="0" smtClean="0">
+                <a:solidFill>
+                  <a:schemeClr val="tx1"/>
+                </a:solidFill>
+                <a:effectLst/>
+                <a:latin typeface="+mn-lt"/>
+                <a:ea typeface="+mn-ea"/>
+                <a:cs typeface="+mn-cs"/>
+              </a:rPr>
+              <a:t>The reply is the same as it would have been with the POST</a:t>
+            </a:r>
+          </a:p>
+          <a:p>
+            <a:r>
+              <a:rPr lang="ro-RO" b="0" dirty="0" smtClean="0"/>
+              <a:t>HTTP/1.1 200 OK</a:t>
+            </a:r>
+          </a:p>
+          <a:p>
+            <a:r>
+              <a:rPr lang="ro-RO" b="0" dirty="0" smtClean="0"/>
+              <a:t>[various headers]</a:t>
+            </a:r>
+          </a:p>
+          <a:p>
+            <a:r>
+              <a:rPr lang="ro-RO" b="0" dirty="0" smtClean="0"/>
+              <a:t>&lt;openSlotList&gt;</a:t>
+            </a:r>
+          </a:p>
+          <a:p>
+            <a:r>
+              <a:rPr lang="ro-RO" b="0" dirty="0" smtClean="0"/>
+              <a:t>  &lt;slot id = "1234" doctor = "mjones" start = "1400" end = "1450"/&gt;</a:t>
+            </a:r>
+          </a:p>
+          <a:p>
+            <a:r>
+              <a:rPr lang="ro-RO" b="0" dirty="0" smtClean="0"/>
+              <a:t>  &lt;slot id = "5678" doctor = "mjones" start = "1600" end = "1650"/&gt;</a:t>
+            </a:r>
+          </a:p>
+          <a:p>
+            <a:r>
+              <a:rPr lang="ro-RO" b="0" dirty="0" smtClean="0"/>
+              <a:t>&lt;/openSlotList&gt;</a:t>
+            </a:r>
+            <a:endParaRPr lang="en-US" b="0" dirty="0" smtClean="0"/>
+          </a:p>
+          <a:p>
+            <a:r>
+              <a:rPr lang="en-US" sz="1200" b="0" i="0" kern="1200" dirty="0" smtClean="0">
+                <a:solidFill>
+                  <a:schemeClr val="tx1"/>
+                </a:solidFill>
+                <a:effectLst/>
+                <a:latin typeface="+mn-lt"/>
+                <a:ea typeface="+mn-ea"/>
+                <a:cs typeface="+mn-cs"/>
+              </a:rPr>
+              <a:t>At Level 2, the use of GET for a request like this is crucial. HTTP defines GET as a safe operation, that is it doesn't make any significant changes to the state of anything. This allows us to invoke GETs safely any number of times in any order and get the same results each time. An important consequence of this is that it allows any participant in the routing of requests to use caching, which is a key element in making the web perform as well as it does. HTTP includes various measures to support caching, which can be used by all participants in the communication. By following the rules of HTTP we're able to take advantage of that capability.</a:t>
+            </a:r>
+          </a:p>
+          <a:p>
+            <a:r>
+              <a:rPr lang="en-US" b="0" dirty="0" smtClean="0"/>
+              <a:t>To book an appointment we need an HTTP verb that does change state, a POST or a PUT. I'll use the same POST that I did earlier.</a:t>
+            </a:r>
+          </a:p>
+          <a:p>
+            <a:r>
+              <a:rPr lang="en-US" b="0" dirty="0" smtClean="0"/>
+              <a:t>POST /slots/1234 HTTP/1.1</a:t>
+            </a:r>
+          </a:p>
+          <a:p>
+            <a:r>
+              <a:rPr lang="en-US" b="0" dirty="0" smtClean="0"/>
+              <a:t>[various other headers]</a:t>
+            </a:r>
+          </a:p>
+          <a:p>
+            <a:endParaRPr lang="en-US" b="0" dirty="0" smtClean="0"/>
+          </a:p>
+          <a:p>
+            <a:r>
+              <a:rPr lang="en-US" b="0" dirty="0" smtClean="0"/>
+              <a:t>&lt;</a:t>
+            </a:r>
+            <a:r>
+              <a:rPr lang="en-US" b="0" dirty="0" err="1" smtClean="0"/>
+              <a:t>appointmentRequest</a:t>
+            </a:r>
+            <a:r>
+              <a:rPr lang="en-US" b="0" dirty="0" smtClean="0"/>
+              <a:t>&gt;</a:t>
+            </a:r>
+          </a:p>
+          <a:p>
+            <a:r>
+              <a:rPr lang="en-US" b="0" dirty="0" smtClean="0"/>
+              <a:t>  &lt;patient id = "</a:t>
+            </a:r>
+            <a:r>
+              <a:rPr lang="en-US" b="0" dirty="0" err="1" smtClean="0"/>
+              <a:t>jsmith</a:t>
+            </a:r>
+            <a:r>
+              <a:rPr lang="en-US" b="0" dirty="0" smtClean="0"/>
+              <a:t>"/&gt;</a:t>
+            </a:r>
+          </a:p>
+          <a:p>
+            <a:r>
+              <a:rPr lang="en-US" b="0" dirty="0" smtClean="0"/>
+              <a:t>&lt;/</a:t>
+            </a:r>
+            <a:r>
+              <a:rPr lang="en-US" b="0" dirty="0" err="1" smtClean="0"/>
+              <a:t>appointmentRequest</a:t>
+            </a:r>
+            <a:r>
+              <a:rPr lang="en-US" b="0" dirty="0" smtClean="0"/>
+              <a:t>&gt;</a:t>
+            </a:r>
+          </a:p>
+          <a:p>
+            <a:pPr fontAlgn="base"/>
+            <a:r>
+              <a:rPr lang="en-US" sz="1200" b="0" i="0" kern="1200" dirty="0" smtClean="0">
+                <a:solidFill>
+                  <a:schemeClr val="tx1"/>
+                </a:solidFill>
+                <a:effectLst/>
+                <a:latin typeface="+mn-lt"/>
+                <a:ea typeface="+mn-ea"/>
+                <a:cs typeface="+mn-cs"/>
+              </a:rPr>
+              <a:t>The trade-offs between using POST and PUT here are more than I want to go into here, maybe I'll do a separate article on them some day. But I do want to point out that some people incorrectly make a correspondence between POST/PUT and create/update. The choice between them is rather different to that.</a:t>
+            </a:r>
+          </a:p>
+          <a:p>
+            <a:pPr fontAlgn="base"/>
+            <a:r>
+              <a:rPr lang="en-US" sz="1200" b="0" i="0" kern="1200" dirty="0" smtClean="0">
+                <a:solidFill>
+                  <a:schemeClr val="tx1"/>
+                </a:solidFill>
+                <a:effectLst/>
+                <a:latin typeface="+mn-lt"/>
+                <a:ea typeface="+mn-ea"/>
+                <a:cs typeface="+mn-cs"/>
+              </a:rPr>
+              <a:t>Even if I use the same post as level 1, there's another significant difference in how the remote service responds. If all goes well, the service replies with a response code of 201 to indicate that there's a new resource in the world.</a:t>
+            </a:r>
+          </a:p>
+          <a:p>
+            <a:r>
+              <a:rPr lang="en-US" b="0" dirty="0" smtClean="0"/>
+              <a:t>HTTP/1.1 201 Created</a:t>
+            </a:r>
+          </a:p>
+          <a:p>
+            <a:r>
+              <a:rPr lang="en-US" b="0" dirty="0" smtClean="0"/>
+              <a:t>Location: slots/1234/appointment</a:t>
+            </a:r>
+          </a:p>
+          <a:p>
+            <a:r>
+              <a:rPr lang="en-US" b="0" dirty="0" smtClean="0"/>
+              <a:t>[various headers]</a:t>
+            </a:r>
+          </a:p>
+          <a:p>
+            <a:r>
+              <a:rPr lang="en-US" b="0" dirty="0" smtClean="0"/>
+              <a:t>&lt;appointment&gt;</a:t>
+            </a:r>
+          </a:p>
+          <a:p>
+            <a:r>
+              <a:rPr lang="en-US" b="0" dirty="0" smtClean="0"/>
+              <a:t>  &lt;slot id = "1234" doctor = "</a:t>
+            </a:r>
+            <a:r>
+              <a:rPr lang="en-US" b="0" dirty="0" err="1" smtClean="0"/>
+              <a:t>mjones</a:t>
+            </a:r>
+            <a:r>
+              <a:rPr lang="en-US" b="0" dirty="0" smtClean="0"/>
+              <a:t>" start = "1400" end = "1450"/&gt;</a:t>
+            </a:r>
+          </a:p>
+          <a:p>
+            <a:r>
+              <a:rPr lang="en-US" b="0" dirty="0" smtClean="0"/>
+              <a:t>  &lt;patient id = "</a:t>
+            </a:r>
+            <a:r>
+              <a:rPr lang="en-US" b="0" dirty="0" err="1" smtClean="0"/>
+              <a:t>jsmith</a:t>
+            </a:r>
+            <a:r>
+              <a:rPr lang="en-US" b="0" dirty="0" smtClean="0"/>
+              <a:t>"/&gt;</a:t>
+            </a:r>
+          </a:p>
+          <a:p>
+            <a:r>
+              <a:rPr lang="en-US" b="0" dirty="0" smtClean="0"/>
+              <a:t>&lt;/appointment&gt;</a:t>
+            </a:r>
+          </a:p>
+          <a:p>
+            <a:endParaRPr lang="en-US" b="0" dirty="0" smtClean="0"/>
+          </a:p>
+          <a:p>
+            <a:pPr fontAlgn="base"/>
+            <a:r>
+              <a:rPr lang="en-US" sz="1200" b="0" i="0" kern="1200" dirty="0" smtClean="0">
+                <a:solidFill>
+                  <a:schemeClr val="tx1"/>
+                </a:solidFill>
+                <a:effectLst/>
+                <a:latin typeface="+mn-lt"/>
+                <a:ea typeface="+mn-ea"/>
+                <a:cs typeface="+mn-cs"/>
+              </a:rPr>
+              <a:t>The 201 response includes a location attribute with a URI that the client can use to GET the current state of that resource in the future. The response here also includes a representation of that resource to save the client an extra call right now.</a:t>
+            </a:r>
+          </a:p>
+          <a:p>
+            <a:pPr fontAlgn="base"/>
+            <a:r>
+              <a:rPr lang="en-US" sz="1200" b="0" i="0" kern="1200" dirty="0" smtClean="0">
+                <a:solidFill>
+                  <a:schemeClr val="tx1"/>
+                </a:solidFill>
+                <a:effectLst/>
+                <a:latin typeface="+mn-lt"/>
+                <a:ea typeface="+mn-ea"/>
+                <a:cs typeface="+mn-cs"/>
+              </a:rPr>
+              <a:t>There is another difference if something goes wrong, such as someone else booking the session.</a:t>
+            </a:r>
+          </a:p>
+          <a:p>
+            <a:r>
+              <a:rPr lang="en-US" b="0" dirty="0" smtClean="0"/>
+              <a:t>HTTP/1.1 409 Conflict</a:t>
+            </a:r>
+          </a:p>
+          <a:p>
+            <a:r>
+              <a:rPr lang="en-US" b="0" dirty="0" smtClean="0"/>
+              <a:t>[various headers]</a:t>
+            </a:r>
+          </a:p>
+          <a:p>
+            <a:r>
+              <a:rPr lang="en-US" b="0" dirty="0" smtClean="0"/>
+              <a:t>&lt;</a:t>
+            </a:r>
+            <a:r>
+              <a:rPr lang="en-US" b="0" dirty="0" err="1" smtClean="0"/>
+              <a:t>openSlotList</a:t>
+            </a:r>
+            <a:r>
+              <a:rPr lang="en-US" b="0" dirty="0" smtClean="0"/>
+              <a:t>&gt;</a:t>
+            </a:r>
+          </a:p>
+          <a:p>
+            <a:r>
+              <a:rPr lang="en-US" b="0" dirty="0" smtClean="0"/>
+              <a:t>  &lt;slot id = "5678" doctor = "</a:t>
+            </a:r>
+            <a:r>
+              <a:rPr lang="en-US" b="0" dirty="0" err="1" smtClean="0"/>
+              <a:t>mjones</a:t>
+            </a:r>
+            <a:r>
+              <a:rPr lang="en-US" b="0" dirty="0" smtClean="0"/>
+              <a:t>" start = "1600" end = "1650"/&gt;</a:t>
+            </a:r>
+          </a:p>
+          <a:p>
+            <a:r>
+              <a:rPr lang="en-US" b="0" dirty="0" smtClean="0"/>
+              <a:t>&lt;/</a:t>
+            </a:r>
+            <a:r>
+              <a:rPr lang="en-US" b="0" dirty="0" err="1" smtClean="0"/>
+              <a:t>openSlotList</a:t>
+            </a:r>
+            <a:r>
+              <a:rPr lang="en-US" b="0" dirty="0" smtClean="0"/>
+              <a:t>&gt;</a:t>
+            </a:r>
+          </a:p>
+          <a:p>
+            <a:endParaRPr lang="en-US" b="0" dirty="0" smtClean="0"/>
+          </a:p>
+          <a:p>
+            <a:pPr fontAlgn="base"/>
+            <a:r>
+              <a:rPr lang="en-US" sz="1200" b="0" i="0" kern="1200" dirty="0" smtClean="0">
+                <a:solidFill>
+                  <a:schemeClr val="tx1"/>
+                </a:solidFill>
+                <a:effectLst/>
+                <a:latin typeface="+mn-lt"/>
+                <a:ea typeface="+mn-ea"/>
+                <a:cs typeface="+mn-cs"/>
+              </a:rPr>
+              <a:t>The important part of this response is the use of an HTTP response code to indicate something has gone wrong. In this case a 409 seems a good choice to indicate that someone else has already updated the resource in an incompatible way. Rather than using a return code of 200 but including an error response, at level 2 we explicitly use some kind of error response like this. It's up to the protocol designer to decide what codes to use, but there should be a non-2xx response if an error crops up. Level 2 introduces using HTTP verbs and HTTP response codes.</a:t>
+            </a:r>
+          </a:p>
+          <a:p>
+            <a:pPr fontAlgn="base"/>
+            <a:r>
+              <a:rPr lang="en-US" sz="1200" b="0" i="0" kern="1200" dirty="0" smtClean="0">
+                <a:solidFill>
+                  <a:schemeClr val="tx1"/>
+                </a:solidFill>
+                <a:effectLst/>
+                <a:latin typeface="+mn-lt"/>
+                <a:ea typeface="+mn-ea"/>
+                <a:cs typeface="+mn-cs"/>
+              </a:rPr>
+              <a:t>There is an inconsistency creeping in here. REST advocates talk about using all the HTTP verbs. They also justify their approach by saying that REST is attempting to learn from the practical success of the web. But the world-wide web doesn't use PUT or DELETE much in practice. There are sensible reasons for using PUT and DELETE more, but the existence proof of the web isn't one of them.</a:t>
+            </a:r>
+          </a:p>
+          <a:p>
+            <a:pPr fontAlgn="base"/>
+            <a:r>
+              <a:rPr lang="en-US" sz="1200" b="0" i="0" kern="1200" dirty="0" smtClean="0">
+                <a:solidFill>
+                  <a:schemeClr val="tx1"/>
+                </a:solidFill>
+                <a:effectLst/>
+                <a:latin typeface="+mn-lt"/>
+                <a:ea typeface="+mn-ea"/>
+                <a:cs typeface="+mn-cs"/>
+              </a:rPr>
+              <a:t>The key elements that are supported by the existence of the web are the strong separation between safe (</a:t>
+            </a:r>
+            <a:r>
+              <a:rPr lang="en-US" sz="1200" b="0" i="0" kern="1200" dirty="0" err="1" smtClean="0">
+                <a:solidFill>
+                  <a:schemeClr val="tx1"/>
+                </a:solidFill>
+                <a:effectLst/>
+                <a:latin typeface="+mn-lt"/>
+                <a:ea typeface="+mn-ea"/>
+                <a:cs typeface="+mn-cs"/>
+              </a:rPr>
+              <a:t>eg</a:t>
+            </a:r>
+            <a:r>
+              <a:rPr lang="en-US" sz="1200" b="0" i="0" kern="1200" dirty="0" smtClean="0">
+                <a:solidFill>
+                  <a:schemeClr val="tx1"/>
+                </a:solidFill>
+                <a:effectLst/>
+                <a:latin typeface="+mn-lt"/>
+                <a:ea typeface="+mn-ea"/>
+                <a:cs typeface="+mn-cs"/>
+              </a:rPr>
+              <a:t> GET) and non-safe operations, together with using status codes to help communicate the kinds of errors you run into.</a:t>
+            </a:r>
+          </a:p>
+          <a:p>
+            <a:endParaRPr lang="en-US" b="0" dirty="0" smtClean="0"/>
+          </a:p>
+        </p:txBody>
+      </p:sp>
+      <p:sp>
+        <p:nvSpPr>
+          <p:cNvPr id="4" name="Slide Number Placeholder 3"/>
+          <p:cNvSpPr>
+            <a:spLocks noGrp="1"/>
+          </p:cNvSpPr>
+          <p:nvPr>
+            <p:ph type="sldNum" sz="quarter" idx="10"/>
+          </p:nvPr>
+        </p:nvSpPr>
+        <p:spPr/>
+        <p:txBody>
+          <a:bodyPr/>
+          <a:lstStyle/>
+          <a:p>
+            <a:fld id="{5C84FE02-A589-41E9-8DDF-29CEE6AB9026}" type="slidenum">
+              <a:rPr lang="en-US" smtClean="0"/>
+              <a:t>15</a:t>
+            </a:fld>
+            <a:endParaRPr lang="en-US"/>
+          </a:p>
+        </p:txBody>
+      </p:sp>
+    </p:spTree>
+    <p:extLst>
+      <p:ext uri="{BB962C8B-B14F-4D97-AF65-F5344CB8AC3E}">
+        <p14:creationId xmlns:p14="http://schemas.microsoft.com/office/powerpoint/2010/main" val="3850911502"/>
+      </p:ext>
+    </p:extLst>
+  </p:cSld>
+  <p:clrMapOvr>
+    <a:masterClrMapping/>
+  </p:clrMapOvr>
+</p:notes>
+</file>
+
+<file path=ppt/notesSlides/notesSlide11.xml><?xml version="1.0" encoding="utf-8"?>
+<p:notes xmlns:a="http://schemas.openxmlformats.org/drawingml/2006/main" xmlns:r="http://schemas.openxmlformats.org/officeDocument/2006/relationships" xmlns:p="http://schemas.openxmlformats.org/presentationml/2006/main">
+  <p:cSld>
+    <p:spTree>
+      <p:nvGrpSpPr>
+        <p:cNvPr id="1" name=""/>
+        <p:cNvGrpSpPr/>
+        <p:nvPr/>
+      </p:nvGrpSpPr>
+      <p:grpSpPr>
+        <a:xfrm>
+          <a:off x="0" y="0"/>
+          <a:ext cx="0" cy="0"/>
+          <a:chOff x="0" y="0"/>
+          <a:chExt cx="0" cy="0"/>
+        </a:xfrm>
+      </p:grpSpPr>
+      <p:sp>
+        <p:nvSpPr>
+          <p:cNvPr id="2" name="Slide Image Placeholder 1"/>
+          <p:cNvSpPr>
+            <a:spLocks noGrp="1" noRot="1" noChangeAspect="1"/>
+          </p:cNvSpPr>
+          <p:nvPr>
+            <p:ph type="sldImg"/>
+          </p:nvPr>
+        </p:nvSpPr>
+        <p:spPr/>
+      </p:sp>
+      <p:sp>
+        <p:nvSpPr>
+          <p:cNvPr id="3" name="Notes Placeholder 2"/>
+          <p:cNvSpPr>
+            <a:spLocks noGrp="1"/>
+          </p:cNvSpPr>
+          <p:nvPr>
+            <p:ph type="body" idx="1"/>
+          </p:nvPr>
+        </p:nvSpPr>
+        <p:spPr/>
+        <p:txBody>
+          <a:bodyPr/>
+          <a:lstStyle/>
+          <a:p>
+            <a:r>
+              <a:rPr lang="en-US" dirty="0" smtClean="0"/>
+              <a:t/>
+            </a:r>
+            <a:br>
+              <a:rPr lang="en-US" dirty="0" smtClean="0"/>
+            </a:br>
+            <a:r>
+              <a:rPr lang="en-US" sz="1200" b="0" i="0" kern="1200" dirty="0" smtClean="0">
+                <a:solidFill>
+                  <a:schemeClr val="tx1"/>
+                </a:solidFill>
+                <a:effectLst/>
+                <a:latin typeface="+mn-lt"/>
+                <a:ea typeface="+mn-ea"/>
+                <a:cs typeface="+mn-cs"/>
+              </a:rPr>
+              <a:t>The final level introduces something that you often hear referred to under the ugly acronym of HATEOAS (Hypertext As The Engine Of Application State). It addresses the question of how to get from a list open slots to knowing what to do to book an appointment.</a:t>
+            </a:r>
+          </a:p>
+          <a:p>
+            <a:r>
+              <a:rPr lang="en-US" sz="1200" b="0" i="0" kern="1200" dirty="0" smtClean="0">
+                <a:solidFill>
+                  <a:schemeClr val="tx1"/>
+                </a:solidFill>
+                <a:effectLst/>
+                <a:latin typeface="+mn-lt"/>
+                <a:ea typeface="+mn-ea"/>
+                <a:cs typeface="+mn-cs"/>
+              </a:rPr>
+              <a:t>We begin with the same initial GET that we sent in level 2</a:t>
+            </a:r>
+          </a:p>
+          <a:p>
+            <a:r>
+              <a:rPr lang="en-US" b="0" dirty="0" smtClean="0"/>
+              <a:t>GET /doctors/</a:t>
+            </a:r>
+            <a:r>
+              <a:rPr lang="en-US" b="0" dirty="0" err="1" smtClean="0"/>
+              <a:t>mjones</a:t>
+            </a:r>
+            <a:r>
+              <a:rPr lang="en-US" b="0" dirty="0" smtClean="0"/>
+              <a:t>/</a:t>
+            </a:r>
+            <a:r>
+              <a:rPr lang="en-US" b="0" dirty="0" err="1" smtClean="0"/>
+              <a:t>slots?date</a:t>
+            </a:r>
+            <a:r>
+              <a:rPr lang="en-US" b="0" dirty="0" smtClean="0"/>
+              <a:t>=20100104&amp;status=open HTTP/1.1</a:t>
+            </a:r>
+          </a:p>
+          <a:p>
+            <a:r>
+              <a:rPr lang="en-US" b="0" dirty="0" smtClean="0"/>
+              <a:t>Host: royalhope.nhs.uk</a:t>
+            </a:r>
+          </a:p>
+          <a:p>
+            <a:endParaRPr lang="en-US" b="0" dirty="0" smtClean="0"/>
+          </a:p>
+          <a:p>
+            <a:r>
+              <a:rPr lang="en-US" sz="1200" b="0" i="0" kern="1200" dirty="0" smtClean="0">
+                <a:solidFill>
+                  <a:schemeClr val="tx1"/>
+                </a:solidFill>
+                <a:effectLst/>
+                <a:latin typeface="+mn-lt"/>
+                <a:ea typeface="+mn-ea"/>
+                <a:cs typeface="+mn-cs"/>
+              </a:rPr>
+              <a:t>But the response has a new element</a:t>
+            </a:r>
+          </a:p>
+          <a:p>
+            <a:r>
+              <a:rPr lang="ro-RO" b="0" dirty="0" smtClean="0"/>
+              <a:t>HTTP/1.1 200 OK</a:t>
+            </a:r>
+          </a:p>
+          <a:p>
+            <a:r>
+              <a:rPr lang="ro-RO" b="0" dirty="0" smtClean="0"/>
+              <a:t>[various headers]</a:t>
+            </a:r>
+          </a:p>
+          <a:p>
+            <a:endParaRPr lang="ro-RO" b="0" dirty="0" smtClean="0"/>
+          </a:p>
+          <a:p>
+            <a:r>
+              <a:rPr lang="ro-RO" b="0" dirty="0" smtClean="0"/>
+              <a:t>&lt;openSlotList&gt;</a:t>
+            </a:r>
+          </a:p>
+          <a:p>
+            <a:r>
+              <a:rPr lang="ro-RO" b="0" dirty="0" smtClean="0"/>
+              <a:t>  &lt;slot id = "1234" doctor = "mjones" start = "1400" end = "1450"&gt;</a:t>
+            </a:r>
+          </a:p>
+          <a:p>
+            <a:r>
+              <a:rPr lang="ro-RO" b="0" dirty="0" smtClean="0"/>
+              <a:t>     &lt;link rel = "/linkrels/slot/book" </a:t>
+            </a:r>
+          </a:p>
+          <a:p>
+            <a:r>
+              <a:rPr lang="ro-RO" b="0" dirty="0" smtClean="0"/>
+              <a:t>           uri = "/slots/1234"/&gt;</a:t>
+            </a:r>
+          </a:p>
+          <a:p>
+            <a:r>
+              <a:rPr lang="ro-RO" b="0" dirty="0" smtClean="0"/>
+              <a:t>  &lt;/slot&gt;</a:t>
+            </a:r>
+          </a:p>
+          <a:p>
+            <a:r>
+              <a:rPr lang="ro-RO" b="0" dirty="0" smtClean="0"/>
+              <a:t>  &lt;slot id = "5678" doctor = "mjones" start = "1600" end = "1650"&gt;</a:t>
+            </a:r>
+          </a:p>
+          <a:p>
+            <a:r>
+              <a:rPr lang="ro-RO" b="0" dirty="0" smtClean="0"/>
+              <a:t>     &lt;link rel = "/linkrels/slot/book" </a:t>
+            </a:r>
+          </a:p>
+          <a:p>
+            <a:r>
+              <a:rPr lang="ro-RO" b="0" dirty="0" smtClean="0"/>
+              <a:t>           uri = "/slots/5678"/&gt;</a:t>
+            </a:r>
+          </a:p>
+          <a:p>
+            <a:r>
+              <a:rPr lang="ro-RO" b="0" dirty="0" smtClean="0"/>
+              <a:t>  &lt;/slot&gt;</a:t>
+            </a:r>
+          </a:p>
+          <a:p>
+            <a:r>
+              <a:rPr lang="ro-RO" b="0" dirty="0" smtClean="0"/>
+              <a:t>&lt;/openSlotList&gt;</a:t>
+            </a:r>
+            <a:endParaRPr lang="en-US" b="0" dirty="0" smtClean="0"/>
+          </a:p>
+          <a:p>
+            <a:endParaRPr lang="en-US" b="0" dirty="0" smtClean="0"/>
+          </a:p>
+          <a:p>
+            <a:pPr fontAlgn="base"/>
+            <a:r>
+              <a:rPr lang="en-US" sz="1200" b="0" i="0" kern="1200" dirty="0" smtClean="0">
+                <a:solidFill>
+                  <a:schemeClr val="tx1"/>
+                </a:solidFill>
+                <a:effectLst/>
+                <a:latin typeface="+mn-lt"/>
+                <a:ea typeface="+mn-ea"/>
+                <a:cs typeface="+mn-cs"/>
+              </a:rPr>
+              <a:t>Each slot now has a link element which contains a URI to tell us how to book an appointment.</a:t>
+            </a:r>
+          </a:p>
+          <a:p>
+            <a:pPr fontAlgn="base"/>
+            <a:r>
+              <a:rPr lang="en-US" sz="1200" b="0" i="0" kern="1200" dirty="0" smtClean="0">
+                <a:solidFill>
+                  <a:schemeClr val="tx1"/>
+                </a:solidFill>
+                <a:effectLst/>
+                <a:latin typeface="+mn-lt"/>
+                <a:ea typeface="+mn-ea"/>
+                <a:cs typeface="+mn-cs"/>
+              </a:rPr>
+              <a:t>The point of hypermedia controls is that they tell us what we can do next, and the URI of the resource we need to manipulate to do it. Rather than us having to know where to post our appointment request, the hypermedia controls in the response tell us how to do it.</a:t>
+            </a:r>
+          </a:p>
+          <a:p>
+            <a:pPr fontAlgn="base"/>
+            <a:r>
+              <a:rPr lang="en-US" sz="1200" b="0" i="0" kern="1200" dirty="0" smtClean="0">
+                <a:solidFill>
+                  <a:schemeClr val="tx1"/>
+                </a:solidFill>
+                <a:effectLst/>
+                <a:latin typeface="+mn-lt"/>
+                <a:ea typeface="+mn-ea"/>
+                <a:cs typeface="+mn-cs"/>
+              </a:rPr>
+              <a:t>The POST would again copy that of level 2</a:t>
+            </a:r>
+          </a:p>
+          <a:p>
+            <a:r>
+              <a:rPr lang="en-US" b="0" dirty="0" smtClean="0"/>
+              <a:t>POST /slots/1234 HTTP/1.1</a:t>
+            </a:r>
+          </a:p>
+          <a:p>
+            <a:r>
+              <a:rPr lang="en-US" b="0" dirty="0" smtClean="0"/>
+              <a:t>[various other headers]</a:t>
+            </a:r>
+          </a:p>
+          <a:p>
+            <a:endParaRPr lang="en-US" b="0" dirty="0" smtClean="0"/>
+          </a:p>
+          <a:p>
+            <a:r>
+              <a:rPr lang="en-US" b="0" dirty="0" smtClean="0"/>
+              <a:t>&lt;</a:t>
+            </a:r>
+            <a:r>
+              <a:rPr lang="en-US" b="0" dirty="0" err="1" smtClean="0"/>
+              <a:t>appointmentRequest</a:t>
+            </a:r>
+            <a:r>
+              <a:rPr lang="en-US" b="0" dirty="0" smtClean="0"/>
+              <a:t>&gt;</a:t>
+            </a:r>
+          </a:p>
+          <a:p>
+            <a:r>
+              <a:rPr lang="en-US" b="0" dirty="0" smtClean="0"/>
+              <a:t>  &lt;patient id = "</a:t>
+            </a:r>
+            <a:r>
+              <a:rPr lang="en-US" b="0" dirty="0" err="1" smtClean="0"/>
+              <a:t>jsmith</a:t>
+            </a:r>
+            <a:r>
+              <a:rPr lang="en-US" b="0" dirty="0" smtClean="0"/>
+              <a:t>"/&gt;</a:t>
+            </a:r>
+          </a:p>
+          <a:p>
+            <a:r>
+              <a:rPr lang="en-US" b="0" dirty="0" smtClean="0"/>
+              <a:t>&lt;/</a:t>
+            </a:r>
+            <a:r>
+              <a:rPr lang="en-US" b="0" dirty="0" err="1" smtClean="0"/>
+              <a:t>appointmentRequest</a:t>
+            </a:r>
+            <a:r>
+              <a:rPr lang="en-US" b="0" dirty="0" smtClean="0"/>
+              <a:t>&gt;</a:t>
+            </a:r>
+          </a:p>
+          <a:p>
+            <a:r>
+              <a:rPr lang="en-US" sz="1200" b="0" i="0" kern="1200" dirty="0" smtClean="0">
+                <a:solidFill>
+                  <a:schemeClr val="tx1"/>
+                </a:solidFill>
+                <a:effectLst/>
+                <a:latin typeface="+mn-lt"/>
+                <a:ea typeface="+mn-ea"/>
+                <a:cs typeface="+mn-cs"/>
+              </a:rPr>
+              <a:t>And the reply contains a number of hypermedia controls for different things to do next.</a:t>
+            </a:r>
+          </a:p>
+          <a:p>
+            <a:r>
+              <a:rPr lang="en-US" sz="1200" b="0" i="0" kern="1200" dirty="0" smtClean="0">
+                <a:solidFill>
+                  <a:schemeClr val="tx1"/>
+                </a:solidFill>
+                <a:effectLst/>
+                <a:latin typeface="+mn-lt"/>
+                <a:ea typeface="+mn-ea"/>
+                <a:cs typeface="+mn-cs"/>
+              </a:rPr>
+              <a:t>HTTP/1.1 201 Created</a:t>
+            </a:r>
+          </a:p>
+          <a:p>
+            <a:r>
+              <a:rPr lang="en-US" sz="1200" b="0" i="0" kern="1200" dirty="0" smtClean="0">
+                <a:solidFill>
+                  <a:schemeClr val="tx1"/>
+                </a:solidFill>
+                <a:effectLst/>
+                <a:latin typeface="+mn-lt"/>
+                <a:ea typeface="+mn-ea"/>
+                <a:cs typeface="+mn-cs"/>
+              </a:rPr>
+              <a:t>Location: http://royalhope.nhs.uk/slots/1234/appointment</a:t>
+            </a:r>
+          </a:p>
+          <a:p>
+            <a:r>
+              <a:rPr lang="en-US" sz="1200" b="0" i="0" kern="1200" dirty="0" smtClean="0">
+                <a:solidFill>
+                  <a:schemeClr val="tx1"/>
+                </a:solidFill>
+                <a:effectLst/>
+                <a:latin typeface="+mn-lt"/>
+                <a:ea typeface="+mn-ea"/>
+                <a:cs typeface="+mn-cs"/>
+              </a:rPr>
+              <a:t>[various headers]</a:t>
+            </a:r>
+          </a:p>
+          <a:p>
+            <a:endParaRPr lang="en-US" sz="1200" b="0" i="0" kern="1200" dirty="0" smtClean="0">
+              <a:solidFill>
+                <a:schemeClr val="tx1"/>
+              </a:solidFill>
+              <a:effectLst/>
+              <a:latin typeface="+mn-lt"/>
+              <a:ea typeface="+mn-ea"/>
+              <a:cs typeface="+mn-cs"/>
+            </a:endParaRPr>
+          </a:p>
+          <a:p>
+            <a:r>
+              <a:rPr lang="en-US" sz="1200" b="0" i="0" kern="1200" dirty="0" smtClean="0">
+                <a:solidFill>
+                  <a:schemeClr val="tx1"/>
+                </a:solidFill>
+                <a:effectLst/>
+                <a:latin typeface="+mn-lt"/>
+                <a:ea typeface="+mn-ea"/>
+                <a:cs typeface="+mn-cs"/>
+              </a:rPr>
+              <a:t>&lt;appointment&gt;</a:t>
+            </a:r>
+          </a:p>
+          <a:p>
+            <a:r>
+              <a:rPr lang="en-US" sz="1200" b="0" i="0" kern="1200" dirty="0" smtClean="0">
+                <a:solidFill>
+                  <a:schemeClr val="tx1"/>
+                </a:solidFill>
+                <a:effectLst/>
+                <a:latin typeface="+mn-lt"/>
+                <a:ea typeface="+mn-ea"/>
+                <a:cs typeface="+mn-cs"/>
+              </a:rPr>
+              <a:t>  &lt;slot id = "1234" doctor = "</a:t>
+            </a:r>
+            <a:r>
+              <a:rPr lang="en-US" sz="1200" b="0" i="0" kern="1200" dirty="0" err="1" smtClean="0">
+                <a:solidFill>
+                  <a:schemeClr val="tx1"/>
+                </a:solidFill>
+                <a:effectLst/>
+                <a:latin typeface="+mn-lt"/>
+                <a:ea typeface="+mn-ea"/>
+                <a:cs typeface="+mn-cs"/>
+              </a:rPr>
+              <a:t>mjones</a:t>
+            </a:r>
+            <a:r>
+              <a:rPr lang="en-US" sz="1200" b="0" i="0" kern="1200" dirty="0" smtClean="0">
+                <a:solidFill>
+                  <a:schemeClr val="tx1"/>
+                </a:solidFill>
+                <a:effectLst/>
+                <a:latin typeface="+mn-lt"/>
+                <a:ea typeface="+mn-ea"/>
+                <a:cs typeface="+mn-cs"/>
+              </a:rPr>
+              <a:t>" start = "1400" end = "1450"/&gt;</a:t>
+            </a:r>
+          </a:p>
+          <a:p>
+            <a:r>
+              <a:rPr lang="en-US" sz="1200" b="0" i="0" kern="1200" dirty="0" smtClean="0">
+                <a:solidFill>
+                  <a:schemeClr val="tx1"/>
+                </a:solidFill>
+                <a:effectLst/>
+                <a:latin typeface="+mn-lt"/>
+                <a:ea typeface="+mn-ea"/>
+                <a:cs typeface="+mn-cs"/>
+              </a:rPr>
+              <a:t>  &lt;patient id = "</a:t>
+            </a:r>
+            <a:r>
+              <a:rPr lang="en-US" sz="1200" b="0" i="0" kern="1200" dirty="0" err="1" smtClean="0">
+                <a:solidFill>
+                  <a:schemeClr val="tx1"/>
+                </a:solidFill>
+                <a:effectLst/>
+                <a:latin typeface="+mn-lt"/>
+                <a:ea typeface="+mn-ea"/>
+                <a:cs typeface="+mn-cs"/>
+              </a:rPr>
+              <a:t>jsmith</a:t>
+            </a:r>
+            <a:r>
+              <a:rPr lang="en-US" sz="1200" b="0" i="0" kern="1200" dirty="0" smtClean="0">
+                <a:solidFill>
+                  <a:schemeClr val="tx1"/>
+                </a:solidFill>
+                <a:effectLst/>
+                <a:latin typeface="+mn-lt"/>
+                <a:ea typeface="+mn-ea"/>
+                <a:cs typeface="+mn-cs"/>
+              </a:rPr>
+              <a:t>"/&gt;</a:t>
+            </a:r>
+          </a:p>
+          <a:p>
+            <a:r>
+              <a:rPr lang="en-US" sz="1200" b="0" i="0" kern="1200" dirty="0" smtClean="0">
+                <a:solidFill>
+                  <a:schemeClr val="tx1"/>
+                </a:solidFill>
+                <a:effectLst/>
+                <a:latin typeface="+mn-lt"/>
+                <a:ea typeface="+mn-ea"/>
+                <a:cs typeface="+mn-cs"/>
+              </a:rPr>
+              <a:t>  &lt;link </a:t>
+            </a:r>
+            <a:r>
+              <a:rPr lang="en-US" sz="1200" b="0" i="0" kern="1200" dirty="0" err="1" smtClean="0">
+                <a:solidFill>
+                  <a:schemeClr val="tx1"/>
+                </a:solidFill>
+                <a:effectLst/>
+                <a:latin typeface="+mn-lt"/>
+                <a:ea typeface="+mn-ea"/>
+                <a:cs typeface="+mn-cs"/>
+              </a:rPr>
+              <a:t>rel</a:t>
+            </a:r>
+            <a:r>
+              <a:rPr lang="en-US" sz="1200" b="0" i="0" kern="1200" dirty="0" smtClean="0">
+                <a:solidFill>
+                  <a:schemeClr val="tx1"/>
+                </a:solidFill>
+                <a:effectLst/>
+                <a:latin typeface="+mn-lt"/>
+                <a:ea typeface="+mn-ea"/>
+                <a:cs typeface="+mn-cs"/>
+              </a:rPr>
+              <a:t> = "/</a:t>
+            </a:r>
+            <a:r>
+              <a:rPr lang="en-US" sz="1200" b="0" i="0" kern="1200" dirty="0" err="1" smtClean="0">
+                <a:solidFill>
+                  <a:schemeClr val="tx1"/>
+                </a:solidFill>
+                <a:effectLst/>
+                <a:latin typeface="+mn-lt"/>
+                <a:ea typeface="+mn-ea"/>
+                <a:cs typeface="+mn-cs"/>
+              </a:rPr>
+              <a:t>linkrels</a:t>
+            </a:r>
+            <a:r>
+              <a:rPr lang="en-US" sz="1200" b="0" i="0" kern="1200" dirty="0" smtClean="0">
+                <a:solidFill>
+                  <a:schemeClr val="tx1"/>
+                </a:solidFill>
+                <a:effectLst/>
+                <a:latin typeface="+mn-lt"/>
+                <a:ea typeface="+mn-ea"/>
+                <a:cs typeface="+mn-cs"/>
+              </a:rPr>
+              <a:t>/appointment/cancel"</a:t>
+            </a:r>
+          </a:p>
+          <a:p>
+            <a:r>
+              <a:rPr lang="en-US" sz="1200" b="0" i="0" kern="1200" dirty="0" smtClean="0">
+                <a:solidFill>
+                  <a:schemeClr val="tx1"/>
+                </a:solidFill>
+                <a:effectLst/>
+                <a:latin typeface="+mn-lt"/>
+                <a:ea typeface="+mn-ea"/>
+                <a:cs typeface="+mn-cs"/>
+              </a:rPr>
+              <a:t>        </a:t>
+            </a:r>
+            <a:r>
+              <a:rPr lang="en-US" sz="1200" b="0" i="0" kern="1200" dirty="0" err="1" smtClean="0">
+                <a:solidFill>
+                  <a:schemeClr val="tx1"/>
+                </a:solidFill>
+                <a:effectLst/>
+                <a:latin typeface="+mn-lt"/>
+                <a:ea typeface="+mn-ea"/>
+                <a:cs typeface="+mn-cs"/>
+              </a:rPr>
+              <a:t>uri</a:t>
+            </a:r>
+            <a:r>
+              <a:rPr lang="en-US" sz="1200" b="0" i="0" kern="1200" dirty="0" smtClean="0">
+                <a:solidFill>
+                  <a:schemeClr val="tx1"/>
+                </a:solidFill>
+                <a:effectLst/>
+                <a:latin typeface="+mn-lt"/>
+                <a:ea typeface="+mn-ea"/>
+                <a:cs typeface="+mn-cs"/>
+              </a:rPr>
+              <a:t> = "/slots/1234/appointment"/&gt;</a:t>
+            </a:r>
+          </a:p>
+          <a:p>
+            <a:r>
+              <a:rPr lang="en-US" sz="1200" b="0" i="0" kern="1200" dirty="0" smtClean="0">
+                <a:solidFill>
+                  <a:schemeClr val="tx1"/>
+                </a:solidFill>
+                <a:effectLst/>
+                <a:latin typeface="+mn-lt"/>
+                <a:ea typeface="+mn-ea"/>
+                <a:cs typeface="+mn-cs"/>
+              </a:rPr>
+              <a:t>  &lt;link </a:t>
+            </a:r>
+            <a:r>
+              <a:rPr lang="en-US" sz="1200" b="0" i="0" kern="1200" dirty="0" err="1" smtClean="0">
+                <a:solidFill>
+                  <a:schemeClr val="tx1"/>
+                </a:solidFill>
+                <a:effectLst/>
+                <a:latin typeface="+mn-lt"/>
+                <a:ea typeface="+mn-ea"/>
+                <a:cs typeface="+mn-cs"/>
+              </a:rPr>
+              <a:t>rel</a:t>
+            </a:r>
+            <a:r>
+              <a:rPr lang="en-US" sz="1200" b="0" i="0" kern="1200" dirty="0" smtClean="0">
+                <a:solidFill>
+                  <a:schemeClr val="tx1"/>
+                </a:solidFill>
+                <a:effectLst/>
+                <a:latin typeface="+mn-lt"/>
+                <a:ea typeface="+mn-ea"/>
+                <a:cs typeface="+mn-cs"/>
+              </a:rPr>
+              <a:t> = "/</a:t>
+            </a:r>
+            <a:r>
+              <a:rPr lang="en-US" sz="1200" b="0" i="0" kern="1200" dirty="0" err="1" smtClean="0">
+                <a:solidFill>
+                  <a:schemeClr val="tx1"/>
+                </a:solidFill>
+                <a:effectLst/>
+                <a:latin typeface="+mn-lt"/>
+                <a:ea typeface="+mn-ea"/>
+                <a:cs typeface="+mn-cs"/>
+              </a:rPr>
+              <a:t>linkrels</a:t>
+            </a:r>
+            <a:r>
+              <a:rPr lang="en-US" sz="1200" b="0" i="0" kern="1200" dirty="0" smtClean="0">
+                <a:solidFill>
+                  <a:schemeClr val="tx1"/>
+                </a:solidFill>
+                <a:effectLst/>
+                <a:latin typeface="+mn-lt"/>
+                <a:ea typeface="+mn-ea"/>
+                <a:cs typeface="+mn-cs"/>
+              </a:rPr>
+              <a:t>/appointment/</a:t>
+            </a:r>
+            <a:r>
+              <a:rPr lang="en-US" sz="1200" b="0" i="0" kern="1200" dirty="0" err="1" smtClean="0">
+                <a:solidFill>
+                  <a:schemeClr val="tx1"/>
+                </a:solidFill>
+                <a:effectLst/>
+                <a:latin typeface="+mn-lt"/>
+                <a:ea typeface="+mn-ea"/>
+                <a:cs typeface="+mn-cs"/>
+              </a:rPr>
+              <a:t>addTest</a:t>
+            </a:r>
+            <a:r>
+              <a:rPr lang="en-US" sz="1200" b="0" i="0" kern="1200" dirty="0" smtClean="0">
+                <a:solidFill>
+                  <a:schemeClr val="tx1"/>
+                </a:solidFill>
+                <a:effectLst/>
+                <a:latin typeface="+mn-lt"/>
+                <a:ea typeface="+mn-ea"/>
+                <a:cs typeface="+mn-cs"/>
+              </a:rPr>
+              <a:t>"</a:t>
+            </a:r>
+          </a:p>
+          <a:p>
+            <a:r>
+              <a:rPr lang="en-US" sz="1200" b="0" i="0" kern="1200" dirty="0" smtClean="0">
+                <a:solidFill>
+                  <a:schemeClr val="tx1"/>
+                </a:solidFill>
+                <a:effectLst/>
+                <a:latin typeface="+mn-lt"/>
+                <a:ea typeface="+mn-ea"/>
+                <a:cs typeface="+mn-cs"/>
+              </a:rPr>
+              <a:t>        </a:t>
+            </a:r>
+            <a:r>
+              <a:rPr lang="en-US" sz="1200" b="0" i="0" kern="1200" dirty="0" err="1" smtClean="0">
+                <a:solidFill>
+                  <a:schemeClr val="tx1"/>
+                </a:solidFill>
+                <a:effectLst/>
+                <a:latin typeface="+mn-lt"/>
+                <a:ea typeface="+mn-ea"/>
+                <a:cs typeface="+mn-cs"/>
+              </a:rPr>
+              <a:t>uri</a:t>
+            </a:r>
+            <a:r>
+              <a:rPr lang="en-US" sz="1200" b="0" i="0" kern="1200" dirty="0" smtClean="0">
+                <a:solidFill>
+                  <a:schemeClr val="tx1"/>
+                </a:solidFill>
+                <a:effectLst/>
+                <a:latin typeface="+mn-lt"/>
+                <a:ea typeface="+mn-ea"/>
+                <a:cs typeface="+mn-cs"/>
+              </a:rPr>
+              <a:t> = "/slots/1234/appointment/tests"/&gt;</a:t>
+            </a:r>
+          </a:p>
+          <a:p>
+            <a:r>
+              <a:rPr lang="en-US" sz="1200" b="0" i="0" kern="1200" dirty="0" smtClean="0">
+                <a:solidFill>
+                  <a:schemeClr val="tx1"/>
+                </a:solidFill>
+                <a:effectLst/>
+                <a:latin typeface="+mn-lt"/>
+                <a:ea typeface="+mn-ea"/>
+                <a:cs typeface="+mn-cs"/>
+              </a:rPr>
+              <a:t>  &lt;link </a:t>
+            </a:r>
+            <a:r>
+              <a:rPr lang="en-US" sz="1200" b="0" i="0" kern="1200" dirty="0" err="1" smtClean="0">
+                <a:solidFill>
+                  <a:schemeClr val="tx1"/>
+                </a:solidFill>
+                <a:effectLst/>
+                <a:latin typeface="+mn-lt"/>
+                <a:ea typeface="+mn-ea"/>
+                <a:cs typeface="+mn-cs"/>
+              </a:rPr>
+              <a:t>rel</a:t>
+            </a:r>
+            <a:r>
+              <a:rPr lang="en-US" sz="1200" b="0" i="0" kern="1200" dirty="0" smtClean="0">
+                <a:solidFill>
+                  <a:schemeClr val="tx1"/>
+                </a:solidFill>
+                <a:effectLst/>
+                <a:latin typeface="+mn-lt"/>
+                <a:ea typeface="+mn-ea"/>
+                <a:cs typeface="+mn-cs"/>
+              </a:rPr>
+              <a:t> = "self"</a:t>
+            </a:r>
+          </a:p>
+          <a:p>
+            <a:r>
+              <a:rPr lang="en-US" sz="1200" b="0" i="0" kern="1200" dirty="0" smtClean="0">
+                <a:solidFill>
+                  <a:schemeClr val="tx1"/>
+                </a:solidFill>
+                <a:effectLst/>
+                <a:latin typeface="+mn-lt"/>
+                <a:ea typeface="+mn-ea"/>
+                <a:cs typeface="+mn-cs"/>
+              </a:rPr>
+              <a:t>        </a:t>
+            </a:r>
+            <a:r>
+              <a:rPr lang="en-US" sz="1200" b="0" i="0" kern="1200" dirty="0" err="1" smtClean="0">
+                <a:solidFill>
+                  <a:schemeClr val="tx1"/>
+                </a:solidFill>
+                <a:effectLst/>
+                <a:latin typeface="+mn-lt"/>
+                <a:ea typeface="+mn-ea"/>
+                <a:cs typeface="+mn-cs"/>
+              </a:rPr>
+              <a:t>uri</a:t>
+            </a:r>
+            <a:r>
+              <a:rPr lang="en-US" sz="1200" b="0" i="0" kern="1200" dirty="0" smtClean="0">
+                <a:solidFill>
+                  <a:schemeClr val="tx1"/>
+                </a:solidFill>
+                <a:effectLst/>
+                <a:latin typeface="+mn-lt"/>
+                <a:ea typeface="+mn-ea"/>
+                <a:cs typeface="+mn-cs"/>
+              </a:rPr>
+              <a:t> = "/slots/1234/appointment"/&gt;</a:t>
+            </a:r>
+          </a:p>
+          <a:p>
+            <a:r>
+              <a:rPr lang="en-US" sz="1200" b="0" i="0" kern="1200" dirty="0" smtClean="0">
+                <a:solidFill>
+                  <a:schemeClr val="tx1"/>
+                </a:solidFill>
+                <a:effectLst/>
+                <a:latin typeface="+mn-lt"/>
+                <a:ea typeface="+mn-ea"/>
+                <a:cs typeface="+mn-cs"/>
+              </a:rPr>
+              <a:t>  &lt;link </a:t>
+            </a:r>
+            <a:r>
+              <a:rPr lang="en-US" sz="1200" b="0" i="0" kern="1200" dirty="0" err="1" smtClean="0">
+                <a:solidFill>
+                  <a:schemeClr val="tx1"/>
+                </a:solidFill>
+                <a:effectLst/>
+                <a:latin typeface="+mn-lt"/>
+                <a:ea typeface="+mn-ea"/>
+                <a:cs typeface="+mn-cs"/>
+              </a:rPr>
+              <a:t>rel</a:t>
+            </a:r>
+            <a:r>
+              <a:rPr lang="en-US" sz="1200" b="0" i="0" kern="1200" dirty="0" smtClean="0">
+                <a:solidFill>
+                  <a:schemeClr val="tx1"/>
+                </a:solidFill>
+                <a:effectLst/>
+                <a:latin typeface="+mn-lt"/>
+                <a:ea typeface="+mn-ea"/>
+                <a:cs typeface="+mn-cs"/>
+              </a:rPr>
+              <a:t> = "/</a:t>
+            </a:r>
+            <a:r>
+              <a:rPr lang="en-US" sz="1200" b="0" i="0" kern="1200" dirty="0" err="1" smtClean="0">
+                <a:solidFill>
+                  <a:schemeClr val="tx1"/>
+                </a:solidFill>
+                <a:effectLst/>
+                <a:latin typeface="+mn-lt"/>
+                <a:ea typeface="+mn-ea"/>
+                <a:cs typeface="+mn-cs"/>
+              </a:rPr>
+              <a:t>linkrels</a:t>
+            </a:r>
+            <a:r>
+              <a:rPr lang="en-US" sz="1200" b="0" i="0" kern="1200" dirty="0" smtClean="0">
+                <a:solidFill>
+                  <a:schemeClr val="tx1"/>
+                </a:solidFill>
+                <a:effectLst/>
+                <a:latin typeface="+mn-lt"/>
+                <a:ea typeface="+mn-ea"/>
+                <a:cs typeface="+mn-cs"/>
+              </a:rPr>
+              <a:t>/appointment/</a:t>
+            </a:r>
+            <a:r>
+              <a:rPr lang="en-US" sz="1200" b="0" i="0" kern="1200" dirty="0" err="1" smtClean="0">
+                <a:solidFill>
+                  <a:schemeClr val="tx1"/>
+                </a:solidFill>
+                <a:effectLst/>
+                <a:latin typeface="+mn-lt"/>
+                <a:ea typeface="+mn-ea"/>
+                <a:cs typeface="+mn-cs"/>
+              </a:rPr>
+              <a:t>changeTime</a:t>
+            </a:r>
+            <a:r>
+              <a:rPr lang="en-US" sz="1200" b="0" i="0" kern="1200" dirty="0" smtClean="0">
+                <a:solidFill>
+                  <a:schemeClr val="tx1"/>
+                </a:solidFill>
+                <a:effectLst/>
+                <a:latin typeface="+mn-lt"/>
+                <a:ea typeface="+mn-ea"/>
+                <a:cs typeface="+mn-cs"/>
+              </a:rPr>
+              <a:t>"</a:t>
+            </a:r>
+          </a:p>
+          <a:p>
+            <a:r>
+              <a:rPr lang="en-US" sz="1200" b="0" i="0" kern="1200" dirty="0" smtClean="0">
+                <a:solidFill>
+                  <a:schemeClr val="tx1"/>
+                </a:solidFill>
+                <a:effectLst/>
+                <a:latin typeface="+mn-lt"/>
+                <a:ea typeface="+mn-ea"/>
+                <a:cs typeface="+mn-cs"/>
+              </a:rPr>
+              <a:t>        </a:t>
+            </a:r>
+            <a:r>
+              <a:rPr lang="en-US" sz="1200" b="0" i="0" kern="1200" dirty="0" err="1" smtClean="0">
+                <a:solidFill>
+                  <a:schemeClr val="tx1"/>
+                </a:solidFill>
+                <a:effectLst/>
+                <a:latin typeface="+mn-lt"/>
+                <a:ea typeface="+mn-ea"/>
+                <a:cs typeface="+mn-cs"/>
+              </a:rPr>
+              <a:t>uri</a:t>
+            </a:r>
+            <a:r>
+              <a:rPr lang="en-US" sz="1200" b="0" i="0" kern="1200" dirty="0" smtClean="0">
+                <a:solidFill>
+                  <a:schemeClr val="tx1"/>
+                </a:solidFill>
+                <a:effectLst/>
+                <a:latin typeface="+mn-lt"/>
+                <a:ea typeface="+mn-ea"/>
+                <a:cs typeface="+mn-cs"/>
+              </a:rPr>
+              <a:t> = "/doctors/</a:t>
+            </a:r>
+            <a:r>
+              <a:rPr lang="en-US" sz="1200" b="0" i="0" kern="1200" dirty="0" err="1" smtClean="0">
+                <a:solidFill>
+                  <a:schemeClr val="tx1"/>
+                </a:solidFill>
+                <a:effectLst/>
+                <a:latin typeface="+mn-lt"/>
+                <a:ea typeface="+mn-ea"/>
+                <a:cs typeface="+mn-cs"/>
+              </a:rPr>
+              <a:t>mjones</a:t>
+            </a:r>
+            <a:r>
+              <a:rPr lang="en-US" sz="1200" b="0" i="0" kern="1200" dirty="0" smtClean="0">
+                <a:solidFill>
+                  <a:schemeClr val="tx1"/>
+                </a:solidFill>
+                <a:effectLst/>
+                <a:latin typeface="+mn-lt"/>
+                <a:ea typeface="+mn-ea"/>
+                <a:cs typeface="+mn-cs"/>
+              </a:rPr>
+              <a:t>/</a:t>
+            </a:r>
+            <a:r>
+              <a:rPr lang="en-US" sz="1200" b="0" i="0" kern="1200" dirty="0" err="1" smtClean="0">
+                <a:solidFill>
+                  <a:schemeClr val="tx1"/>
+                </a:solidFill>
+                <a:effectLst/>
+                <a:latin typeface="+mn-lt"/>
+                <a:ea typeface="+mn-ea"/>
+                <a:cs typeface="+mn-cs"/>
+              </a:rPr>
+              <a:t>slots?date</a:t>
+            </a:r>
+            <a:r>
+              <a:rPr lang="en-US" sz="1200" b="0" i="0" kern="1200" dirty="0" smtClean="0">
+                <a:solidFill>
+                  <a:schemeClr val="tx1"/>
+                </a:solidFill>
+                <a:effectLst/>
+                <a:latin typeface="+mn-lt"/>
+                <a:ea typeface="+mn-ea"/>
+                <a:cs typeface="+mn-cs"/>
+              </a:rPr>
+              <a:t>=20100104@status=open"/&gt;</a:t>
+            </a:r>
+          </a:p>
+          <a:p>
+            <a:r>
+              <a:rPr lang="en-US" sz="1200" b="0" i="0" kern="1200" dirty="0" smtClean="0">
+                <a:solidFill>
+                  <a:schemeClr val="tx1"/>
+                </a:solidFill>
+                <a:effectLst/>
+                <a:latin typeface="+mn-lt"/>
+                <a:ea typeface="+mn-ea"/>
+                <a:cs typeface="+mn-cs"/>
+              </a:rPr>
+              <a:t>  &lt;link </a:t>
+            </a:r>
+            <a:r>
+              <a:rPr lang="en-US" sz="1200" b="0" i="0" kern="1200" dirty="0" err="1" smtClean="0">
+                <a:solidFill>
+                  <a:schemeClr val="tx1"/>
+                </a:solidFill>
+                <a:effectLst/>
+                <a:latin typeface="+mn-lt"/>
+                <a:ea typeface="+mn-ea"/>
+                <a:cs typeface="+mn-cs"/>
+              </a:rPr>
+              <a:t>rel</a:t>
+            </a:r>
+            <a:r>
+              <a:rPr lang="en-US" sz="1200" b="0" i="0" kern="1200" dirty="0" smtClean="0">
+                <a:solidFill>
+                  <a:schemeClr val="tx1"/>
+                </a:solidFill>
+                <a:effectLst/>
+                <a:latin typeface="+mn-lt"/>
+                <a:ea typeface="+mn-ea"/>
+                <a:cs typeface="+mn-cs"/>
+              </a:rPr>
+              <a:t> = "/</a:t>
+            </a:r>
+            <a:r>
+              <a:rPr lang="en-US" sz="1200" b="0" i="0" kern="1200" dirty="0" err="1" smtClean="0">
+                <a:solidFill>
+                  <a:schemeClr val="tx1"/>
+                </a:solidFill>
+                <a:effectLst/>
+                <a:latin typeface="+mn-lt"/>
+                <a:ea typeface="+mn-ea"/>
+                <a:cs typeface="+mn-cs"/>
+              </a:rPr>
+              <a:t>linkrels</a:t>
+            </a:r>
+            <a:r>
+              <a:rPr lang="en-US" sz="1200" b="0" i="0" kern="1200" dirty="0" smtClean="0">
+                <a:solidFill>
+                  <a:schemeClr val="tx1"/>
+                </a:solidFill>
+                <a:effectLst/>
+                <a:latin typeface="+mn-lt"/>
+                <a:ea typeface="+mn-ea"/>
+                <a:cs typeface="+mn-cs"/>
+              </a:rPr>
+              <a:t>/appointment/</a:t>
+            </a:r>
+            <a:r>
+              <a:rPr lang="en-US" sz="1200" b="0" i="0" kern="1200" dirty="0" err="1" smtClean="0">
+                <a:solidFill>
+                  <a:schemeClr val="tx1"/>
+                </a:solidFill>
+                <a:effectLst/>
+                <a:latin typeface="+mn-lt"/>
+                <a:ea typeface="+mn-ea"/>
+                <a:cs typeface="+mn-cs"/>
+              </a:rPr>
+              <a:t>updateContactInfo</a:t>
+            </a:r>
+            <a:r>
+              <a:rPr lang="en-US" sz="1200" b="0" i="0" kern="1200" dirty="0" smtClean="0">
+                <a:solidFill>
+                  <a:schemeClr val="tx1"/>
+                </a:solidFill>
+                <a:effectLst/>
+                <a:latin typeface="+mn-lt"/>
+                <a:ea typeface="+mn-ea"/>
+                <a:cs typeface="+mn-cs"/>
+              </a:rPr>
+              <a:t>"</a:t>
+            </a:r>
+          </a:p>
+          <a:p>
+            <a:r>
+              <a:rPr lang="en-US" sz="1200" b="0" i="0" kern="1200" dirty="0" smtClean="0">
+                <a:solidFill>
+                  <a:schemeClr val="tx1"/>
+                </a:solidFill>
+                <a:effectLst/>
+                <a:latin typeface="+mn-lt"/>
+                <a:ea typeface="+mn-ea"/>
+                <a:cs typeface="+mn-cs"/>
+              </a:rPr>
+              <a:t>        </a:t>
+            </a:r>
+            <a:r>
+              <a:rPr lang="en-US" sz="1200" b="0" i="0" kern="1200" dirty="0" err="1" smtClean="0">
+                <a:solidFill>
+                  <a:schemeClr val="tx1"/>
+                </a:solidFill>
+                <a:effectLst/>
+                <a:latin typeface="+mn-lt"/>
+                <a:ea typeface="+mn-ea"/>
+                <a:cs typeface="+mn-cs"/>
+              </a:rPr>
+              <a:t>uri</a:t>
+            </a:r>
+            <a:r>
+              <a:rPr lang="en-US" sz="1200" b="0" i="0" kern="1200" dirty="0" smtClean="0">
+                <a:solidFill>
+                  <a:schemeClr val="tx1"/>
+                </a:solidFill>
+                <a:effectLst/>
+                <a:latin typeface="+mn-lt"/>
+                <a:ea typeface="+mn-ea"/>
+                <a:cs typeface="+mn-cs"/>
+              </a:rPr>
+              <a:t> = "/patients/</a:t>
+            </a:r>
+            <a:r>
+              <a:rPr lang="en-US" sz="1200" b="0" i="0" kern="1200" dirty="0" err="1" smtClean="0">
+                <a:solidFill>
+                  <a:schemeClr val="tx1"/>
+                </a:solidFill>
+                <a:effectLst/>
+                <a:latin typeface="+mn-lt"/>
+                <a:ea typeface="+mn-ea"/>
+                <a:cs typeface="+mn-cs"/>
+              </a:rPr>
+              <a:t>jsmith</a:t>
+            </a:r>
+            <a:r>
+              <a:rPr lang="en-US" sz="1200" b="0" i="0" kern="1200" dirty="0" smtClean="0">
+                <a:solidFill>
+                  <a:schemeClr val="tx1"/>
+                </a:solidFill>
+                <a:effectLst/>
+                <a:latin typeface="+mn-lt"/>
+                <a:ea typeface="+mn-ea"/>
+                <a:cs typeface="+mn-cs"/>
+              </a:rPr>
+              <a:t>/</a:t>
+            </a:r>
+            <a:r>
+              <a:rPr lang="en-US" sz="1200" b="0" i="0" kern="1200" dirty="0" err="1" smtClean="0">
+                <a:solidFill>
+                  <a:schemeClr val="tx1"/>
+                </a:solidFill>
+                <a:effectLst/>
+                <a:latin typeface="+mn-lt"/>
+                <a:ea typeface="+mn-ea"/>
+                <a:cs typeface="+mn-cs"/>
+              </a:rPr>
+              <a:t>contactInfo</a:t>
+            </a:r>
+            <a:r>
+              <a:rPr lang="en-US" sz="1200" b="0" i="0" kern="1200" dirty="0" smtClean="0">
+                <a:solidFill>
+                  <a:schemeClr val="tx1"/>
+                </a:solidFill>
+                <a:effectLst/>
+                <a:latin typeface="+mn-lt"/>
+                <a:ea typeface="+mn-ea"/>
+                <a:cs typeface="+mn-cs"/>
+              </a:rPr>
+              <a:t>"/&gt;</a:t>
+            </a:r>
+          </a:p>
+          <a:p>
+            <a:r>
+              <a:rPr lang="en-US" sz="1200" b="0" i="0" kern="1200" dirty="0" smtClean="0">
+                <a:solidFill>
+                  <a:schemeClr val="tx1"/>
+                </a:solidFill>
+                <a:effectLst/>
+                <a:latin typeface="+mn-lt"/>
+                <a:ea typeface="+mn-ea"/>
+                <a:cs typeface="+mn-cs"/>
+              </a:rPr>
+              <a:t>  &lt;link </a:t>
+            </a:r>
+            <a:r>
+              <a:rPr lang="en-US" sz="1200" b="0" i="0" kern="1200" dirty="0" err="1" smtClean="0">
+                <a:solidFill>
+                  <a:schemeClr val="tx1"/>
+                </a:solidFill>
+                <a:effectLst/>
+                <a:latin typeface="+mn-lt"/>
+                <a:ea typeface="+mn-ea"/>
+                <a:cs typeface="+mn-cs"/>
+              </a:rPr>
+              <a:t>rel</a:t>
+            </a:r>
+            <a:r>
+              <a:rPr lang="en-US" sz="1200" b="0" i="0" kern="1200" dirty="0" smtClean="0">
+                <a:solidFill>
+                  <a:schemeClr val="tx1"/>
+                </a:solidFill>
+                <a:effectLst/>
+                <a:latin typeface="+mn-lt"/>
+                <a:ea typeface="+mn-ea"/>
+                <a:cs typeface="+mn-cs"/>
+              </a:rPr>
+              <a:t> = "/</a:t>
+            </a:r>
+            <a:r>
+              <a:rPr lang="en-US" sz="1200" b="0" i="0" kern="1200" dirty="0" err="1" smtClean="0">
+                <a:solidFill>
+                  <a:schemeClr val="tx1"/>
+                </a:solidFill>
+                <a:effectLst/>
+                <a:latin typeface="+mn-lt"/>
+                <a:ea typeface="+mn-ea"/>
+                <a:cs typeface="+mn-cs"/>
+              </a:rPr>
+              <a:t>linkrels</a:t>
+            </a:r>
+            <a:r>
+              <a:rPr lang="en-US" sz="1200" b="0" i="0" kern="1200" dirty="0" smtClean="0">
+                <a:solidFill>
+                  <a:schemeClr val="tx1"/>
+                </a:solidFill>
+                <a:effectLst/>
+                <a:latin typeface="+mn-lt"/>
+                <a:ea typeface="+mn-ea"/>
+                <a:cs typeface="+mn-cs"/>
+              </a:rPr>
+              <a:t>/help"</a:t>
+            </a:r>
+          </a:p>
+          <a:p>
+            <a:r>
+              <a:rPr lang="en-US" sz="1200" b="0" i="0" kern="1200" dirty="0" smtClean="0">
+                <a:solidFill>
+                  <a:schemeClr val="tx1"/>
+                </a:solidFill>
+                <a:effectLst/>
+                <a:latin typeface="+mn-lt"/>
+                <a:ea typeface="+mn-ea"/>
+                <a:cs typeface="+mn-cs"/>
+              </a:rPr>
+              <a:t>        </a:t>
+            </a:r>
+            <a:r>
+              <a:rPr lang="en-US" sz="1200" b="0" i="0" kern="1200" dirty="0" err="1" smtClean="0">
+                <a:solidFill>
+                  <a:schemeClr val="tx1"/>
+                </a:solidFill>
+                <a:effectLst/>
+                <a:latin typeface="+mn-lt"/>
+                <a:ea typeface="+mn-ea"/>
+                <a:cs typeface="+mn-cs"/>
+              </a:rPr>
+              <a:t>uri</a:t>
+            </a:r>
+            <a:r>
+              <a:rPr lang="en-US" sz="1200" b="0" i="0" kern="1200" dirty="0" smtClean="0">
+                <a:solidFill>
+                  <a:schemeClr val="tx1"/>
+                </a:solidFill>
+                <a:effectLst/>
+                <a:latin typeface="+mn-lt"/>
+                <a:ea typeface="+mn-ea"/>
+                <a:cs typeface="+mn-cs"/>
+              </a:rPr>
+              <a:t> = "/help/appointment"/&gt;</a:t>
+            </a:r>
+          </a:p>
+          <a:p>
+            <a:r>
+              <a:rPr lang="en-US" sz="1200" b="0" i="0" kern="1200" dirty="0" smtClean="0">
+                <a:solidFill>
+                  <a:schemeClr val="tx1"/>
+                </a:solidFill>
+                <a:effectLst/>
+                <a:latin typeface="+mn-lt"/>
+                <a:ea typeface="+mn-ea"/>
+                <a:cs typeface="+mn-cs"/>
+              </a:rPr>
+              <a:t>&lt;/appointment&gt;</a:t>
+            </a:r>
+          </a:p>
+          <a:p>
+            <a:endParaRPr lang="en-US" sz="1200" b="0" i="0" kern="1200" dirty="0" smtClean="0">
+              <a:solidFill>
+                <a:schemeClr val="tx1"/>
+              </a:solidFill>
+              <a:effectLst/>
+              <a:latin typeface="+mn-lt"/>
+              <a:ea typeface="+mn-ea"/>
+              <a:cs typeface="+mn-cs"/>
+            </a:endParaRPr>
+          </a:p>
+          <a:p>
+            <a:pPr fontAlgn="base"/>
+            <a:r>
+              <a:rPr lang="en-US" sz="1200" b="0" i="0" kern="1200" dirty="0" smtClean="0">
+                <a:solidFill>
+                  <a:schemeClr val="tx1"/>
+                </a:solidFill>
+                <a:effectLst/>
+                <a:latin typeface="+mn-lt"/>
+                <a:ea typeface="+mn-ea"/>
+                <a:cs typeface="+mn-cs"/>
+              </a:rPr>
+              <a:t>One obvious benefit of hypermedia controls is that it allows the server to change its URI scheme without breaking clients. As long as clients look up the "</a:t>
+            </a:r>
+            <a:r>
+              <a:rPr lang="en-US" sz="1200" b="0" i="0" kern="1200" dirty="0" err="1" smtClean="0">
+                <a:solidFill>
+                  <a:schemeClr val="tx1"/>
+                </a:solidFill>
+                <a:effectLst/>
+                <a:latin typeface="+mn-lt"/>
+                <a:ea typeface="+mn-ea"/>
+                <a:cs typeface="+mn-cs"/>
+              </a:rPr>
+              <a:t>addTest</a:t>
+            </a:r>
+            <a:r>
+              <a:rPr lang="en-US" sz="1200" b="0" i="0" kern="1200" dirty="0" smtClean="0">
+                <a:solidFill>
+                  <a:schemeClr val="tx1"/>
+                </a:solidFill>
+                <a:effectLst/>
+                <a:latin typeface="+mn-lt"/>
+                <a:ea typeface="+mn-ea"/>
+                <a:cs typeface="+mn-cs"/>
+              </a:rPr>
+              <a:t>" link URI then the server team can juggle all URIs other than the initial entry points.</a:t>
+            </a:r>
+          </a:p>
+          <a:p>
+            <a:pPr fontAlgn="base"/>
+            <a:r>
+              <a:rPr lang="en-US" sz="1200" b="0" i="0" kern="1200" dirty="0" smtClean="0">
+                <a:solidFill>
+                  <a:schemeClr val="tx1"/>
+                </a:solidFill>
+                <a:effectLst/>
+                <a:latin typeface="+mn-lt"/>
+                <a:ea typeface="+mn-ea"/>
+                <a:cs typeface="+mn-cs"/>
+              </a:rPr>
+              <a:t>A further benefit is that it helps client developers explore the protocol. The links give client developers a hint as to what may be possible next. It doesn't give all the information: both the "latest" and "cancel" controls point to the same URI - they need to figure out that one is a GET and the other a DELETE. But at least it gives them a starting point as to what to think about for more information and to look for a similar URI in the protocol documentation.</a:t>
+            </a:r>
+          </a:p>
+          <a:p>
+            <a:pPr fontAlgn="base"/>
+            <a:r>
+              <a:rPr lang="en-US" sz="1200" b="0" i="0" kern="1200" dirty="0" smtClean="0">
+                <a:solidFill>
+                  <a:schemeClr val="tx1"/>
+                </a:solidFill>
+                <a:effectLst/>
+                <a:latin typeface="+mn-lt"/>
+                <a:ea typeface="+mn-ea"/>
+                <a:cs typeface="+mn-cs"/>
+              </a:rPr>
+              <a:t>Similarly it allows the server team to advertise new capabilities by putting new links in the responses. If the client developers are keeping an eye out for unknown links these links can be a trigger for further exploration.</a:t>
+            </a:r>
+          </a:p>
+          <a:p>
+            <a:pPr fontAlgn="base"/>
+            <a:r>
+              <a:rPr lang="en-US" sz="1200" b="0" i="0" kern="1200" dirty="0" smtClean="0">
+                <a:solidFill>
+                  <a:schemeClr val="tx1"/>
+                </a:solidFill>
+                <a:effectLst/>
+                <a:latin typeface="+mn-lt"/>
+                <a:ea typeface="+mn-ea"/>
+                <a:cs typeface="+mn-cs"/>
+              </a:rPr>
+              <a:t>There's no absolute standard as to how to represent hypermedia controls. What I've done here is to use the current recommendations of the REST in Practice team, which is to follow ATOM (</a:t>
+            </a:r>
+            <a:r>
+              <a:rPr lang="en-US" sz="1200" b="0" i="0" u="none" strike="noStrike" kern="1200" dirty="0" smtClean="0">
+                <a:solidFill>
+                  <a:schemeClr val="tx1"/>
+                </a:solidFill>
+                <a:effectLst/>
+                <a:latin typeface="+mn-lt"/>
+                <a:ea typeface="+mn-ea"/>
+                <a:cs typeface="+mn-cs"/>
+                <a:hlinkClick r:id="rId3"/>
+              </a:rPr>
+              <a:t>RFC 4287</a:t>
+            </a:r>
+            <a:r>
+              <a:rPr lang="en-US" sz="1200" b="0" i="0" kern="1200" dirty="0" smtClean="0">
+                <a:solidFill>
+                  <a:schemeClr val="tx1"/>
+                </a:solidFill>
+                <a:effectLst/>
+                <a:latin typeface="+mn-lt"/>
+                <a:ea typeface="+mn-ea"/>
+                <a:cs typeface="+mn-cs"/>
+              </a:rPr>
+              <a:t>) I use a &lt;link&gt; element with a </a:t>
+            </a:r>
+            <a:r>
+              <a:rPr lang="en-US" sz="1200" b="0" i="0" kern="1200" dirty="0" err="1" smtClean="0">
+                <a:solidFill>
+                  <a:schemeClr val="tx1"/>
+                </a:solidFill>
+                <a:effectLst/>
+                <a:latin typeface="+mn-lt"/>
+                <a:ea typeface="+mn-ea"/>
+                <a:cs typeface="+mn-cs"/>
+              </a:rPr>
+              <a:t>uri</a:t>
+            </a:r>
+            <a:r>
+              <a:rPr lang="en-US" sz="1200" b="0" i="0" kern="1200" dirty="0" smtClean="0">
+                <a:solidFill>
+                  <a:schemeClr val="tx1"/>
+                </a:solidFill>
+                <a:effectLst/>
+                <a:latin typeface="+mn-lt"/>
+                <a:ea typeface="+mn-ea"/>
+                <a:cs typeface="+mn-cs"/>
+              </a:rPr>
+              <a:t> attribute for the target URI and a </a:t>
+            </a:r>
+            <a:r>
+              <a:rPr lang="en-US" sz="1200" b="0" i="0" kern="1200" dirty="0" err="1" smtClean="0">
+                <a:solidFill>
+                  <a:schemeClr val="tx1"/>
+                </a:solidFill>
+                <a:effectLst/>
+                <a:latin typeface="+mn-lt"/>
+                <a:ea typeface="+mn-ea"/>
+                <a:cs typeface="+mn-cs"/>
+              </a:rPr>
+              <a:t>rel</a:t>
+            </a:r>
+            <a:r>
+              <a:rPr lang="en-US" sz="1200" b="0" i="0" kern="1200" dirty="0" smtClean="0">
+                <a:solidFill>
+                  <a:schemeClr val="tx1"/>
+                </a:solidFill>
+                <a:effectLst/>
+                <a:latin typeface="+mn-lt"/>
+                <a:ea typeface="+mn-ea"/>
+                <a:cs typeface="+mn-cs"/>
+              </a:rPr>
+              <a:t> attribute for to describe the kind of relationship. A well known relationship (such as self for a reference to the element itself) is bare, any specific to that server is a fully qualified URI. ATOM states that the definition for well-known </a:t>
+            </a:r>
+            <a:r>
+              <a:rPr lang="en-US" sz="1200" b="0" i="0" kern="1200" dirty="0" err="1" smtClean="0">
+                <a:solidFill>
+                  <a:schemeClr val="tx1"/>
+                </a:solidFill>
+                <a:effectLst/>
+                <a:latin typeface="+mn-lt"/>
+                <a:ea typeface="+mn-ea"/>
+                <a:cs typeface="+mn-cs"/>
+              </a:rPr>
+              <a:t>linkrels</a:t>
+            </a:r>
+            <a:r>
+              <a:rPr lang="en-US" sz="1200" b="0" i="0" kern="1200" dirty="0" smtClean="0">
+                <a:solidFill>
+                  <a:schemeClr val="tx1"/>
+                </a:solidFill>
+                <a:effectLst/>
+                <a:latin typeface="+mn-lt"/>
+                <a:ea typeface="+mn-ea"/>
+                <a:cs typeface="+mn-cs"/>
+              </a:rPr>
+              <a:t> is the </a:t>
+            </a:r>
+            <a:r>
+              <a:rPr lang="en-US" sz="1200" b="0" i="0" u="none" strike="noStrike" kern="1200" dirty="0" smtClean="0">
+                <a:solidFill>
+                  <a:schemeClr val="tx1"/>
+                </a:solidFill>
+                <a:effectLst/>
+                <a:latin typeface="+mn-lt"/>
+                <a:ea typeface="+mn-ea"/>
+                <a:cs typeface="+mn-cs"/>
+                <a:hlinkClick r:id="rId4"/>
+              </a:rPr>
+              <a:t>Registry of Link Relations </a:t>
+            </a:r>
+            <a:r>
+              <a:rPr lang="en-US" sz="1200" b="0" i="0" kern="1200" dirty="0" smtClean="0">
+                <a:solidFill>
+                  <a:schemeClr val="tx1"/>
+                </a:solidFill>
+                <a:effectLst/>
+                <a:latin typeface="+mn-lt"/>
+                <a:ea typeface="+mn-ea"/>
+                <a:cs typeface="+mn-cs"/>
+              </a:rPr>
+              <a:t>. As I write these are confined to what's done by ATOM, which is generally seen as a leader in level 3 restfulness.</a:t>
+            </a:r>
+          </a:p>
+          <a:p>
+            <a:pPr fontAlgn="base"/>
+            <a:endParaRPr lang="en-US" sz="1200" b="0" i="0" kern="1200" dirty="0" smtClean="0">
+              <a:solidFill>
+                <a:schemeClr val="tx1"/>
+              </a:solidFill>
+              <a:effectLst/>
+              <a:latin typeface="+mn-lt"/>
+              <a:ea typeface="+mn-ea"/>
+              <a:cs typeface="+mn-cs"/>
+            </a:endParaRPr>
+          </a:p>
+          <a:p>
+            <a:pPr fontAlgn="base"/>
+            <a:r>
+              <a:rPr lang="en-US" sz="1200" b="1" i="0" kern="1200" dirty="0" smtClean="0">
+                <a:solidFill>
+                  <a:schemeClr val="tx1"/>
+                </a:solidFill>
+                <a:effectLst/>
+                <a:latin typeface="+mn-lt"/>
+                <a:ea typeface="+mn-ea"/>
+                <a:cs typeface="+mn-cs"/>
+              </a:rPr>
+              <a:t>The Meaning of the Levels</a:t>
+            </a:r>
+          </a:p>
+          <a:p>
+            <a:pPr fontAlgn="base"/>
+            <a:r>
+              <a:rPr lang="en-US" sz="1200" b="0" i="0" kern="1200" dirty="0" smtClean="0">
+                <a:solidFill>
+                  <a:schemeClr val="tx1"/>
+                </a:solidFill>
+                <a:effectLst/>
+                <a:latin typeface="+mn-lt"/>
+                <a:ea typeface="+mn-ea"/>
+                <a:cs typeface="+mn-cs"/>
+              </a:rPr>
+              <a:t>I should stress that the RMM, while a good way to think about what the elements of REST, is not a definition of levels of REST itself. Roy Fielding has made it clear that </a:t>
+            </a:r>
+            <a:r>
+              <a:rPr lang="en-US" sz="1200" b="0" i="0" u="none" strike="noStrike" kern="1200" dirty="0" smtClean="0">
+                <a:solidFill>
+                  <a:schemeClr val="tx1"/>
+                </a:solidFill>
+                <a:effectLst/>
+                <a:latin typeface="+mn-lt"/>
+                <a:ea typeface="+mn-ea"/>
+                <a:cs typeface="+mn-cs"/>
+                <a:hlinkClick r:id="rId5"/>
+              </a:rPr>
+              <a:t>level 3 RMM is a pre-condition of REST</a:t>
+            </a:r>
+            <a:r>
+              <a:rPr lang="en-US" sz="1200" b="0" i="0" kern="1200" dirty="0" smtClean="0">
+                <a:solidFill>
+                  <a:schemeClr val="tx1"/>
+                </a:solidFill>
+                <a:effectLst/>
+                <a:latin typeface="+mn-lt"/>
+                <a:ea typeface="+mn-ea"/>
+                <a:cs typeface="+mn-cs"/>
+              </a:rPr>
+              <a:t>. Like many terms in software, REST gets lots of definitions, but since Roy Fielding coined the term, his definition should carry more weight than most.</a:t>
+            </a:r>
+          </a:p>
+          <a:p>
+            <a:pPr fontAlgn="base"/>
+            <a:r>
+              <a:rPr lang="en-US" sz="1200" b="0" i="0" kern="1200" dirty="0" smtClean="0">
+                <a:solidFill>
+                  <a:schemeClr val="tx1"/>
+                </a:solidFill>
+                <a:effectLst/>
+                <a:latin typeface="+mn-lt"/>
+                <a:ea typeface="+mn-ea"/>
+                <a:cs typeface="+mn-cs"/>
+              </a:rPr>
+              <a:t>What I find useful about this RMM is that it provides a good step by step way to understand the basic ideas behind restful thinking. As such I see it as tool to help us learn about the concepts and not something that should be used in some kind of assessment mechanism. I don't think we have enough examples yet to be really sure that the restful approach is the right way to integrate systems, I do think it's a very attractive approach and the one that I would recommend in most situations.</a:t>
+            </a:r>
+          </a:p>
+          <a:p>
+            <a:pPr fontAlgn="base"/>
+            <a:r>
+              <a:rPr lang="en-US" sz="1200" b="0" i="0" kern="1200" dirty="0" smtClean="0">
+                <a:solidFill>
+                  <a:schemeClr val="tx1"/>
+                </a:solidFill>
+                <a:effectLst/>
+                <a:latin typeface="+mn-lt"/>
+                <a:ea typeface="+mn-ea"/>
+                <a:cs typeface="+mn-cs"/>
+              </a:rPr>
+              <a:t>Talking about this with Ian Robinson, he stressed that something he found attractive about this model when Leonard Richardson first presented it was its relationship to common design techniques.</a:t>
+            </a:r>
+          </a:p>
+          <a:p>
+            <a:pPr fontAlgn="base"/>
+            <a:r>
+              <a:rPr lang="en-US" sz="1200" b="0" i="0" kern="1200" dirty="0" smtClean="0">
+                <a:solidFill>
+                  <a:schemeClr val="tx1"/>
+                </a:solidFill>
+                <a:effectLst/>
+                <a:latin typeface="+mn-lt"/>
+                <a:ea typeface="+mn-ea"/>
+                <a:cs typeface="+mn-cs"/>
+              </a:rPr>
+              <a:t>Level 1 tackles the question of handling complexity by using divide and conquer, breaking a large service endpoint down into multiple resources.</a:t>
+            </a:r>
+          </a:p>
+          <a:p>
+            <a:pPr fontAlgn="base"/>
+            <a:r>
+              <a:rPr lang="en-US" sz="1200" b="0" i="0" kern="1200" dirty="0" smtClean="0">
+                <a:solidFill>
+                  <a:schemeClr val="tx1"/>
+                </a:solidFill>
+                <a:effectLst/>
+                <a:latin typeface="+mn-lt"/>
+                <a:ea typeface="+mn-ea"/>
+                <a:cs typeface="+mn-cs"/>
+              </a:rPr>
+              <a:t>Level 2 introduces a standard set of verbs so that we handle similar situations in the same way, removing unnecessary variation.</a:t>
+            </a:r>
+          </a:p>
+          <a:p>
+            <a:pPr fontAlgn="base"/>
+            <a:r>
+              <a:rPr lang="en-US" sz="1200" b="0" i="0" kern="1200" dirty="0" smtClean="0">
+                <a:solidFill>
+                  <a:schemeClr val="tx1"/>
+                </a:solidFill>
+                <a:effectLst/>
+                <a:latin typeface="+mn-lt"/>
+                <a:ea typeface="+mn-ea"/>
+                <a:cs typeface="+mn-cs"/>
+              </a:rPr>
+              <a:t>Level 3 introduces discoverability, providing a way of making a protocol more self-documenting.</a:t>
+            </a:r>
+          </a:p>
+          <a:p>
+            <a:pPr fontAlgn="base"/>
+            <a:r>
+              <a:rPr lang="en-US" sz="1200" b="0" i="0" kern="1200" dirty="0" smtClean="0">
+                <a:solidFill>
+                  <a:schemeClr val="tx1"/>
+                </a:solidFill>
+                <a:effectLst/>
+                <a:latin typeface="+mn-lt"/>
+                <a:ea typeface="+mn-ea"/>
+                <a:cs typeface="+mn-cs"/>
+              </a:rPr>
+              <a:t>The result is a model that helps us think about the kind of HTTP service we want to provide and frame the expectations of people looking to interact with it.</a:t>
+            </a:r>
+          </a:p>
+        </p:txBody>
+      </p:sp>
+      <p:sp>
+        <p:nvSpPr>
+          <p:cNvPr id="4" name="Slide Number Placeholder 3"/>
+          <p:cNvSpPr>
+            <a:spLocks noGrp="1"/>
+          </p:cNvSpPr>
+          <p:nvPr>
+            <p:ph type="sldNum" sz="quarter" idx="10"/>
+          </p:nvPr>
+        </p:nvSpPr>
+        <p:spPr/>
+        <p:txBody>
+          <a:bodyPr/>
+          <a:lstStyle/>
+          <a:p>
+            <a:fld id="{5C84FE02-A589-41E9-8DDF-29CEE6AB9026}" type="slidenum">
+              <a:rPr lang="en-US" smtClean="0"/>
+              <a:t>16</a:t>
+            </a:fld>
+            <a:endParaRPr lang="en-US"/>
+          </a:p>
+        </p:txBody>
+      </p:sp>
+    </p:spTree>
+    <p:extLst>
+      <p:ext uri="{BB962C8B-B14F-4D97-AF65-F5344CB8AC3E}">
+        <p14:creationId xmlns:p14="http://schemas.microsoft.com/office/powerpoint/2010/main" val="1092337580"/>
       </p:ext>
     </p:extLst>
   </p:cSld>
@@ -994,7 +3141,19 @@
             </a:r>
             <a:r>
               <a:rPr lang="en-US" b="0" baseline="0" dirty="0" smtClean="0"/>
-              <a:t> are un SEI (Service Endpoint Interface – language specific) </a:t>
+              <a:t> </a:t>
+            </a:r>
+            <a:r>
+              <a:rPr lang="en-US" b="0" baseline="0" dirty="0" err="1" smtClean="0"/>
+              <a:t>implementeaza</a:t>
+            </a:r>
+            <a:r>
+              <a:rPr lang="en-US" b="0" baseline="0" dirty="0" smtClean="0"/>
+              <a:t> un </a:t>
+            </a:r>
+            <a:r>
+              <a:rPr lang="en-US" b="0" baseline="0" dirty="0" smtClean="0"/>
+              <a:t>SEI (Service Endpoint Interface – language specific) </a:t>
             </a:r>
             <a:r>
               <a:rPr lang="en-US" b="0" baseline="0" dirty="0" err="1" smtClean="0"/>
@@ -1428,7 +3587,117 @@
                 <a:ea typeface="+mn-ea"/>
                 <a:cs typeface="+mn-cs"/>
               </a:rPr>
-              <a:t> is an architecture style for designing networked applications.</a:t>
+              <a:t> is an architecture style for </a:t>
+            </a:r>
+            <a:r>
+              <a:rPr lang="en-US" sz="1200" b="0" i="0" kern="1200" dirty="0" smtClean="0">
+                <a:solidFill>
+                  <a:schemeClr val="tx1"/>
+                </a:solidFill>
+                <a:effectLst/>
+                <a:latin typeface="+mn-lt"/>
+                <a:ea typeface="+mn-ea"/>
+                <a:cs typeface="+mn-cs"/>
+              </a:rPr>
+              <a:t>designing </a:t>
+            </a:r>
+            <a:r>
+              <a:rPr lang="en-US" sz="1200" b="0" i="0" kern="1200" dirty="0" smtClean="0">
+                <a:solidFill>
+                  <a:schemeClr val="tx1"/>
+                </a:solidFill>
+                <a:effectLst/>
+                <a:latin typeface="+mn-lt"/>
+                <a:ea typeface="+mn-ea"/>
+                <a:cs typeface="+mn-cs"/>
+              </a:rPr>
+              <a:t>networked applications</a:t>
+            </a:r>
+            <a:r>
+              <a:rPr lang="en-US" sz="1200" b="0" i="0" kern="1200" dirty="0" smtClean="0">
+                <a:solidFill>
+                  <a:schemeClr val="tx1"/>
+                </a:solidFill>
+                <a:effectLst/>
+                <a:latin typeface="+mn-lt"/>
+                <a:ea typeface="+mn-ea"/>
+                <a:cs typeface="+mn-cs"/>
+              </a:rPr>
+              <a:t>.</a:t>
+            </a:r>
+          </a:p>
+          <a:p>
+            <a:endParaRPr lang="en-US" sz="1200" b="0" i="0" kern="1200" dirty="0" smtClean="0">
+              <a:solidFill>
+                <a:schemeClr val="tx1"/>
+              </a:solidFill>
+              <a:effectLst/>
+              <a:latin typeface="+mn-lt"/>
+              <a:ea typeface="+mn-ea"/>
+              <a:cs typeface="+mn-cs"/>
+            </a:endParaRPr>
+          </a:p>
+          <a:p>
+            <a:endParaRPr lang="en-US" sz="1200" b="0" i="0" kern="1200" dirty="0" smtClean="0">
+              <a:solidFill>
+                <a:schemeClr val="tx1"/>
+              </a:solidFill>
+              <a:effectLst/>
+              <a:latin typeface="+mn-lt"/>
+              <a:ea typeface="+mn-ea"/>
+              <a:cs typeface="+mn-cs"/>
+            </a:endParaRPr>
+          </a:p>
+          <a:p>
+            <a:r>
+              <a:rPr lang="en-US" sz="1200" b="0" i="0" kern="1200" dirty="0" smtClean="0">
+                <a:solidFill>
+                  <a:schemeClr val="tx1"/>
+                </a:solidFill>
+                <a:effectLst/>
+                <a:latin typeface="+mn-lt"/>
+                <a:ea typeface="+mn-ea"/>
+                <a:cs typeface="+mn-cs"/>
+              </a:rPr>
+              <a:t>REST</a:t>
+            </a:r>
+            <a:r>
+              <a:rPr lang="en-US" sz="1200" b="0" i="0" kern="1200" baseline="0" dirty="0" smtClean="0">
+                <a:solidFill>
+                  <a:schemeClr val="tx1"/>
+                </a:solidFill>
+                <a:effectLst/>
+                <a:latin typeface="+mn-lt"/>
+                <a:ea typeface="+mn-ea"/>
+                <a:cs typeface="+mn-cs"/>
+              </a:rPr>
+              <a:t> works over HTTP and uses the HTTP verbs (GET, POST, PUT, DELETE etc. which as you can think map on CRUD).</a:t>
+            </a:r>
+          </a:p>
+          <a:p>
+            <a:r>
+              <a:rPr lang="en-US" sz="1200" b="0" i="0" kern="1200" baseline="0" dirty="0" smtClean="0">
+                <a:solidFill>
+                  <a:schemeClr val="tx1"/>
+                </a:solidFill>
+                <a:effectLst/>
+                <a:latin typeface="+mn-lt"/>
+                <a:ea typeface="+mn-ea"/>
+                <a:cs typeface="+mn-cs"/>
+              </a:rPr>
+              <a:t>REST expose information as resources through URIs (uniform resource identifiers) and executes actions using </a:t>
+            </a:r>
+            <a:r>
+              <a:rPr lang="en-US" sz="1200" b="0" i="0" kern="1200" baseline="0" smtClean="0">
+                <a:solidFill>
+                  <a:schemeClr val="tx1"/>
+                </a:solidFill>
+                <a:effectLst/>
+                <a:latin typeface="+mn-lt"/>
+                <a:ea typeface="+mn-ea"/>
+                <a:cs typeface="+mn-cs"/>
+              </a:rPr>
+              <a:t>HTTP verbs.</a:t>
             </a:r>
             <a:endParaRPr lang="ro-RO" b="0" dirty="0" smtClean="0"/>
           </a:p>
@@ -1643,6 +3912,1029 @@
     <p:extLst>
       <p:ext uri="{BB962C8B-B14F-4D97-AF65-F5344CB8AC3E}">
         <p14:creationId xmlns:p14="http://schemas.microsoft.com/office/powerpoint/2010/main" val="530790064"/>
+      </p:ext>
+    </p:extLst>
+  </p:cSld>
+  <p:clrMapOvr>
+    <a:masterClrMapping/>
+  </p:clrMapOvr>
+</p:notes>
+</file>
+
+<file path=ppt/notesSlides/notesSlide7.xml><?xml version="1.0" encoding="utf-8"?>
+<p:notes xmlns:a="http://schemas.openxmlformats.org/drawingml/2006/main" xmlns:r="http://schemas.openxmlformats.org/officeDocument/2006/relationships" xmlns:p="http://schemas.openxmlformats.org/presentationml/2006/main">
+  <p:cSld>
+    <p:spTree>
+      <p:nvGrpSpPr>
+        <p:cNvPr id="1" name=""/>
+        <p:cNvGrpSpPr/>
+        <p:nvPr/>
+      </p:nvGrpSpPr>
+      <p:grpSpPr>
+        <a:xfrm>
+          <a:off x="0" y="0"/>
+          <a:ext cx="0" cy="0"/>
+          <a:chOff x="0" y="0"/>
+          <a:chExt cx="0" cy="0"/>
+        </a:xfrm>
+      </p:grpSpPr>
+      <p:sp>
+        <p:nvSpPr>
+          <p:cNvPr id="2" name="Slide Image Placeholder 1"/>
+          <p:cNvSpPr>
+            <a:spLocks noGrp="1" noRot="1" noChangeAspect="1"/>
+          </p:cNvSpPr>
+          <p:nvPr>
+            <p:ph type="sldImg"/>
+          </p:nvPr>
+        </p:nvSpPr>
+        <p:spPr/>
+      </p:sp>
+      <p:sp>
+        <p:nvSpPr>
+          <p:cNvPr id="3" name="Notes Placeholder 2"/>
+          <p:cNvSpPr>
+            <a:spLocks noGrp="1"/>
+          </p:cNvSpPr>
+          <p:nvPr>
+            <p:ph type="body" idx="1"/>
+          </p:nvPr>
+        </p:nvSpPr>
+        <p:spPr/>
+        <p:txBody>
+          <a:bodyPr/>
+          <a:lstStyle/>
+          <a:p>
+            <a:r>
+              <a:rPr lang="en-US" dirty="0" smtClean="0"/>
+              <a:t/>
+            </a:r>
+            <a:br>
+              <a:rPr lang="en-US" dirty="0" smtClean="0"/>
+            </a:br>
+            <a:endParaRPr lang="ro-RO" b="0" dirty="0" smtClean="0"/>
+          </a:p>
+        </p:txBody>
+      </p:sp>
+      <p:sp>
+        <p:nvSpPr>
+          <p:cNvPr id="4" name="Slide Number Placeholder 3"/>
+          <p:cNvSpPr>
+            <a:spLocks noGrp="1"/>
+          </p:cNvSpPr>
+          <p:nvPr>
+            <p:ph type="sldNum" sz="quarter" idx="10"/>
+          </p:nvPr>
+        </p:nvSpPr>
+        <p:spPr/>
+        <p:txBody>
+          <a:bodyPr/>
+          <a:lstStyle/>
+          <a:p>
+            <a:fld id="{5C84FE02-A589-41E9-8DDF-29CEE6AB9026}" type="slidenum">
+              <a:rPr lang="en-US" smtClean="0"/>
+              <a:t>12</a:t>
+            </a:fld>
+            <a:endParaRPr lang="en-US"/>
+          </a:p>
+        </p:txBody>
+      </p:sp>
+    </p:spTree>
+    <p:extLst>
+      <p:ext uri="{BB962C8B-B14F-4D97-AF65-F5344CB8AC3E}">
+        <p14:creationId xmlns:p14="http://schemas.microsoft.com/office/powerpoint/2010/main" val="1172823052"/>
+      </p:ext>
+    </p:extLst>
+  </p:cSld>
+  <p:clrMapOvr>
+    <a:masterClrMapping/>
+  </p:clrMapOvr>
+</p:notes>
+</file>
+
+<file path=ppt/notesSlides/notesSlide8.xml><?xml version="1.0" encoding="utf-8"?>
+<p:notes xmlns:a="http://schemas.openxmlformats.org/drawingml/2006/main" xmlns:r="http://schemas.openxmlformats.org/officeDocument/2006/relationships" xmlns:p="http://schemas.openxmlformats.org/presentationml/2006/main">
+  <p:cSld>
+    <p:spTree>
+      <p:nvGrpSpPr>
+        <p:cNvPr id="1" name=""/>
+        <p:cNvGrpSpPr/>
+        <p:nvPr/>
+      </p:nvGrpSpPr>
+      <p:grpSpPr>
+        <a:xfrm>
+          <a:off x="0" y="0"/>
+          <a:ext cx="0" cy="0"/>
+          <a:chOff x="0" y="0"/>
+          <a:chExt cx="0" cy="0"/>
+        </a:xfrm>
+      </p:grpSpPr>
+      <p:sp>
+        <p:nvSpPr>
+          <p:cNvPr id="2" name="Slide Image Placeholder 1"/>
+          <p:cNvSpPr>
+            <a:spLocks noGrp="1" noRot="1" noChangeAspect="1"/>
+          </p:cNvSpPr>
+          <p:nvPr>
+            <p:ph type="sldImg"/>
+          </p:nvPr>
+        </p:nvSpPr>
+        <p:spPr/>
+      </p:sp>
+      <p:sp>
+        <p:nvSpPr>
+          <p:cNvPr id="3" name="Notes Placeholder 2"/>
+          <p:cNvSpPr>
+            <a:spLocks noGrp="1"/>
+          </p:cNvSpPr>
+          <p:nvPr>
+            <p:ph type="body" idx="1"/>
+          </p:nvPr>
+        </p:nvSpPr>
+        <p:spPr/>
+        <p:txBody>
+          <a:bodyPr/>
+          <a:lstStyle/>
+          <a:p>
+            <a:r>
+              <a:rPr lang="en-US" dirty="0" smtClean="0"/>
+              <a:t/>
+            </a:r>
+            <a:br>
+              <a:rPr lang="en-US" dirty="0" smtClean="0"/>
+            </a:br>
+            <a:r>
+              <a:rPr lang="en-US" dirty="0" smtClean="0"/>
+              <a:t>The starting point for the model is using HTTP as a transport system for remote interactions, but without using any of the mechanisms of the web. Essentially what you are doing here is using HTTP as a tunneling mechanism for your own remote interaction mechanism, usually based on Remote Procedure Invocation.</a:t>
+            </a:r>
+          </a:p>
+          <a:p>
+            <a:endParaRPr lang="en-US" b="0" dirty="0" smtClean="0"/>
+          </a:p>
+          <a:p>
+            <a:r>
+              <a:rPr lang="en-US" sz="1200" b="0" i="0" kern="1200" dirty="0" smtClean="0">
+                <a:solidFill>
+                  <a:schemeClr val="tx1"/>
+                </a:solidFill>
+                <a:effectLst/>
+                <a:latin typeface="+mn-lt"/>
+                <a:ea typeface="+mn-ea"/>
+                <a:cs typeface="+mn-cs"/>
+              </a:rPr>
+              <a:t>Let's assume I want to book an appointment with my doctor. My appointment software first needs to know what open slots my doctor has on a given date, so it makes a request of the hospital appointment system to obtain that information. In a level 0 scenario, the hospital will expose a service endpoint at some URI. I then post to that endpoint a document containing the details of my request.</a:t>
+            </a:r>
+          </a:p>
+          <a:p>
+            <a:endParaRPr lang="en-US" sz="1200" b="0" i="0" kern="1200" dirty="0" smtClean="0">
+              <a:solidFill>
+                <a:schemeClr val="tx1"/>
+              </a:solidFill>
+              <a:effectLst/>
+              <a:latin typeface="+mn-lt"/>
+              <a:ea typeface="+mn-ea"/>
+              <a:cs typeface="+mn-cs"/>
+            </a:endParaRPr>
+          </a:p>
+          <a:p>
+            <a:r>
+              <a:rPr lang="en-US" b="0" dirty="0" smtClean="0"/>
+              <a:t>POST /</a:t>
+            </a:r>
+            <a:r>
+              <a:rPr lang="en-US" b="0" dirty="0" err="1" smtClean="0"/>
+              <a:t>appointmentService</a:t>
+            </a:r>
+            <a:r>
+              <a:rPr lang="en-US" b="0" dirty="0" smtClean="0"/>
+              <a:t> HTTP/1.1</a:t>
+            </a:r>
+          </a:p>
+          <a:p>
+            <a:r>
+              <a:rPr lang="en-US" b="0" dirty="0" smtClean="0"/>
+              <a:t>[various other headers]</a:t>
+            </a:r>
+          </a:p>
+          <a:p>
+            <a:r>
+              <a:rPr lang="en-US" b="0" dirty="0" smtClean="0"/>
+              <a:t>&lt;</a:t>
+            </a:r>
+            <a:r>
+              <a:rPr lang="en-US" b="0" dirty="0" err="1" smtClean="0"/>
+              <a:t>openSlotRequest</a:t>
+            </a:r>
+            <a:r>
+              <a:rPr lang="en-US" b="0" dirty="0" smtClean="0"/>
+              <a:t> date = "2010-01-04" doctor = "</a:t>
+            </a:r>
+            <a:r>
+              <a:rPr lang="en-US" b="0" dirty="0" err="1" smtClean="0"/>
+              <a:t>mjones</a:t>
+            </a:r>
+            <a:r>
+              <a:rPr lang="en-US" b="0" dirty="0" smtClean="0"/>
+              <a:t>"/&gt;</a:t>
+            </a:r>
+          </a:p>
+          <a:p>
+            <a:endParaRPr lang="en-US" b="0" dirty="0" smtClean="0"/>
+          </a:p>
+          <a:p>
+            <a:r>
+              <a:rPr lang="ro-RO" b="0" dirty="0" smtClean="0"/>
+              <a:t>The server then will return a document giving me this information</a:t>
+            </a:r>
+          </a:p>
+          <a:p>
+            <a:endParaRPr lang="ro-RO" b="0" dirty="0" smtClean="0"/>
+          </a:p>
+          <a:p>
+            <a:r>
+              <a:rPr lang="ro-RO" b="0" dirty="0" smtClean="0"/>
+              <a:t>HTTP/1.1 200 OK</a:t>
+            </a:r>
+          </a:p>
+          <a:p>
+            <a:r>
+              <a:rPr lang="ro-RO" b="0" dirty="0" smtClean="0"/>
+              <a:t>[various headers]</a:t>
+            </a:r>
+          </a:p>
+          <a:p>
+            <a:endParaRPr lang="ro-RO" b="0" dirty="0" smtClean="0"/>
+          </a:p>
+          <a:p>
+            <a:r>
+              <a:rPr lang="ro-RO" b="0" dirty="0" smtClean="0"/>
+              <a:t>&lt;openSlotList&gt;</a:t>
+            </a:r>
+          </a:p>
+          <a:p>
+            <a:r>
+              <a:rPr lang="ro-RO" b="0" dirty="0" smtClean="0"/>
+              <a:t>  &lt;slot start = "1400" end = "1450"&gt;</a:t>
+            </a:r>
+          </a:p>
+          <a:p>
+            <a:r>
+              <a:rPr lang="ro-RO" b="0" dirty="0" smtClean="0"/>
+              <a:t>    &lt;doctor id = "mjones"/&gt;</a:t>
+            </a:r>
+          </a:p>
+          <a:p>
+            <a:r>
+              <a:rPr lang="ro-RO" b="0" dirty="0" smtClean="0"/>
+              <a:t>  &lt;/slot&gt;</a:t>
+            </a:r>
+          </a:p>
+          <a:p>
+            <a:r>
+              <a:rPr lang="ro-RO" b="0" dirty="0" smtClean="0"/>
+              <a:t>  &lt;slot start = "1600" end = "1650"&gt;</a:t>
+            </a:r>
+          </a:p>
+          <a:p>
+            <a:r>
+              <a:rPr lang="ro-RO" b="0" dirty="0" smtClean="0"/>
+              <a:t>    &lt;doctor id = "mjones"/&gt;</a:t>
+            </a:r>
+          </a:p>
+          <a:p>
+            <a:r>
+              <a:rPr lang="ro-RO" b="0" dirty="0" smtClean="0"/>
+              <a:t>  &lt;/slot&gt;</a:t>
+            </a:r>
+          </a:p>
+          <a:p>
+            <a:r>
+              <a:rPr lang="ro-RO" b="0" dirty="0" smtClean="0"/>
+              <a:t>&lt;/openSlotList&gt;</a:t>
+            </a:r>
+            <a:endParaRPr lang="en-US" b="0" dirty="0" smtClean="0"/>
+          </a:p>
+          <a:p>
+            <a:endParaRPr lang="en-US" b="0" dirty="0" smtClean="0"/>
+          </a:p>
+          <a:p>
+            <a:endParaRPr lang="en-US" b="0" dirty="0" smtClean="0"/>
+          </a:p>
+          <a:p>
+            <a:pPr fontAlgn="base"/>
+            <a:r>
+              <a:rPr lang="en-US" sz="1200" b="0" i="0" kern="1200" dirty="0" smtClean="0">
+                <a:solidFill>
+                  <a:schemeClr val="tx1"/>
+                </a:solidFill>
+                <a:effectLst/>
+                <a:latin typeface="+mn-lt"/>
+                <a:ea typeface="+mn-ea"/>
+                <a:cs typeface="+mn-cs"/>
+              </a:rPr>
+              <a:t>I'm using XML here for the example, but the content can actually be anything: JSON, YAML, key-value pairs, or any custom format.</a:t>
+            </a:r>
+          </a:p>
+          <a:p>
+            <a:pPr fontAlgn="base"/>
+            <a:r>
+              <a:rPr lang="en-US" sz="1200" b="0" i="0" kern="1200" dirty="0" smtClean="0">
+                <a:solidFill>
+                  <a:schemeClr val="tx1"/>
+                </a:solidFill>
+                <a:effectLst/>
+                <a:latin typeface="+mn-lt"/>
+                <a:ea typeface="+mn-ea"/>
+                <a:cs typeface="+mn-cs"/>
+              </a:rPr>
+              <a:t>My next step is to book an appointment, which I can again do by posting a document to the endpoint.</a:t>
+            </a:r>
+          </a:p>
+          <a:p>
+            <a:r>
+              <a:rPr lang="en-US" b="0" dirty="0" smtClean="0"/>
+              <a:t>POST /</a:t>
+            </a:r>
+            <a:r>
+              <a:rPr lang="en-US" b="0" dirty="0" err="1" smtClean="0"/>
+              <a:t>appointmentService</a:t>
+            </a:r>
+            <a:r>
+              <a:rPr lang="en-US" b="0" dirty="0" smtClean="0"/>
+              <a:t> HTTP/1.1</a:t>
+            </a:r>
+          </a:p>
+          <a:p>
+            <a:r>
+              <a:rPr lang="en-US" b="0" dirty="0" smtClean="0"/>
+              <a:t>[various other headers]</a:t>
+            </a:r>
+          </a:p>
+          <a:p>
+            <a:endParaRPr lang="en-US" b="0" dirty="0" smtClean="0"/>
+          </a:p>
+          <a:p>
+            <a:r>
+              <a:rPr lang="en-US" b="0" dirty="0" smtClean="0"/>
+              <a:t>&lt;</a:t>
+            </a:r>
+            <a:r>
+              <a:rPr lang="en-US" b="0" dirty="0" err="1" smtClean="0"/>
+              <a:t>appointmentRequest</a:t>
+            </a:r>
+            <a:r>
+              <a:rPr lang="en-US" b="0" dirty="0" smtClean="0"/>
+              <a:t>&gt;</a:t>
+            </a:r>
+          </a:p>
+          <a:p>
+            <a:r>
+              <a:rPr lang="en-US" b="0" dirty="0" smtClean="0"/>
+              <a:t>  &lt;slot doctor = "</a:t>
+            </a:r>
+            <a:r>
+              <a:rPr lang="en-US" b="0" dirty="0" err="1" smtClean="0"/>
+              <a:t>mjones</a:t>
+            </a:r>
+            <a:r>
+              <a:rPr lang="en-US" b="0" dirty="0" smtClean="0"/>
+              <a:t>" start = "1400" end = "1450"/&gt;</a:t>
+            </a:r>
+          </a:p>
+          <a:p>
+            <a:r>
+              <a:rPr lang="en-US" b="0" dirty="0" smtClean="0"/>
+              <a:t>  &lt;patient id = "</a:t>
+            </a:r>
+            <a:r>
+              <a:rPr lang="en-US" b="0" dirty="0" err="1" smtClean="0"/>
+              <a:t>jsmith</a:t>
+            </a:r>
+            <a:r>
+              <a:rPr lang="en-US" b="0" dirty="0" smtClean="0"/>
+              <a:t>"/&gt;</a:t>
+            </a:r>
+          </a:p>
+          <a:p>
+            <a:r>
+              <a:rPr lang="en-US" b="0" dirty="0" smtClean="0"/>
+              <a:t>&lt;/</a:t>
+            </a:r>
+            <a:r>
+              <a:rPr lang="en-US" b="0" dirty="0" err="1" smtClean="0"/>
+              <a:t>appointmentRequest</a:t>
+            </a:r>
+            <a:r>
+              <a:rPr lang="en-US" b="0" dirty="0" smtClean="0"/>
+              <a:t>&gt;</a:t>
+            </a:r>
+          </a:p>
+          <a:p>
+            <a:endParaRPr lang="en-US" b="0" dirty="0" smtClean="0"/>
+          </a:p>
+          <a:p>
+            <a:r>
+              <a:rPr lang="en-US" sz="1200" b="0" i="0" kern="1200" dirty="0" smtClean="0">
+                <a:solidFill>
+                  <a:schemeClr val="tx1"/>
+                </a:solidFill>
+                <a:effectLst/>
+                <a:latin typeface="+mn-lt"/>
+                <a:ea typeface="+mn-ea"/>
+                <a:cs typeface="+mn-cs"/>
+              </a:rPr>
+              <a:t>If all is well I get a response saying my appointment is booked.</a:t>
+            </a:r>
+          </a:p>
+          <a:p>
+            <a:endParaRPr lang="en-US" sz="1200" b="0" i="0" kern="1200" dirty="0" smtClean="0">
+              <a:solidFill>
+                <a:schemeClr val="tx1"/>
+              </a:solidFill>
+              <a:effectLst/>
+              <a:latin typeface="+mn-lt"/>
+              <a:ea typeface="+mn-ea"/>
+              <a:cs typeface="+mn-cs"/>
+            </a:endParaRPr>
+          </a:p>
+          <a:p>
+            <a:r>
+              <a:rPr lang="en-US" b="0" dirty="0" smtClean="0"/>
+              <a:t>HTTP/1.1 200 OK</a:t>
+            </a:r>
+          </a:p>
+          <a:p>
+            <a:r>
+              <a:rPr lang="en-US" b="0" dirty="0" smtClean="0"/>
+              <a:t>[various headers]</a:t>
+            </a:r>
+          </a:p>
+          <a:p>
+            <a:endParaRPr lang="en-US" b="0" dirty="0" smtClean="0"/>
+          </a:p>
+          <a:p>
+            <a:r>
+              <a:rPr lang="en-US" b="0" dirty="0" smtClean="0"/>
+              <a:t>&lt;appointment&gt;</a:t>
+            </a:r>
+          </a:p>
+          <a:p>
+            <a:r>
+              <a:rPr lang="en-US" b="0" dirty="0" smtClean="0"/>
+              <a:t>  &lt;slot doctor = "</a:t>
+            </a:r>
+            <a:r>
+              <a:rPr lang="en-US" b="0" dirty="0" err="1" smtClean="0"/>
+              <a:t>mjones</a:t>
+            </a:r>
+            <a:r>
+              <a:rPr lang="en-US" b="0" dirty="0" smtClean="0"/>
+              <a:t>" start = "1400" end = "1450"/&gt;</a:t>
+            </a:r>
+          </a:p>
+          <a:p>
+            <a:r>
+              <a:rPr lang="en-US" b="0" dirty="0" smtClean="0"/>
+              <a:t>  &lt;patient id = "</a:t>
+            </a:r>
+            <a:r>
+              <a:rPr lang="en-US" b="0" dirty="0" err="1" smtClean="0"/>
+              <a:t>jsmith</a:t>
+            </a:r>
+            <a:r>
+              <a:rPr lang="en-US" b="0" dirty="0" smtClean="0"/>
+              <a:t>"/&gt;</a:t>
+            </a:r>
+          </a:p>
+          <a:p>
+            <a:r>
+              <a:rPr lang="en-US" b="0" dirty="0" smtClean="0"/>
+              <a:t>&lt;/appointment&gt;</a:t>
+            </a:r>
+          </a:p>
+          <a:p>
+            <a:endParaRPr lang="en-US" b="0" dirty="0" smtClean="0"/>
+          </a:p>
+          <a:p>
+            <a:r>
+              <a:rPr lang="en-US" b="0" dirty="0" smtClean="0"/>
+              <a:t>If there is a problem, say someone else got in before me, then I'll get some kind of error message in the reply body.</a:t>
+            </a:r>
+          </a:p>
+          <a:p>
+            <a:endParaRPr lang="en-US" b="0" dirty="0" smtClean="0"/>
+          </a:p>
+          <a:p>
+            <a:r>
+              <a:rPr lang="en-US" b="0" dirty="0" smtClean="0"/>
+              <a:t>HTTP/1.1 200 OK</a:t>
+            </a:r>
+          </a:p>
+          <a:p>
+            <a:r>
+              <a:rPr lang="en-US" b="0" dirty="0" smtClean="0"/>
+              <a:t>[various headers]</a:t>
+            </a:r>
+          </a:p>
+          <a:p>
+            <a:endParaRPr lang="en-US" b="0" dirty="0" smtClean="0"/>
+          </a:p>
+          <a:p>
+            <a:r>
+              <a:rPr lang="en-US" b="0" dirty="0" smtClean="0"/>
+              <a:t>&lt;</a:t>
+            </a:r>
+            <a:r>
+              <a:rPr lang="en-US" b="0" dirty="0" err="1" smtClean="0"/>
+              <a:t>appointmentRequestFailure</a:t>
+            </a:r>
+            <a:r>
+              <a:rPr lang="en-US" b="0" dirty="0" smtClean="0"/>
+              <a:t>&gt;</a:t>
+            </a:r>
+          </a:p>
+          <a:p>
+            <a:r>
+              <a:rPr lang="en-US" b="0" dirty="0" smtClean="0"/>
+              <a:t>  &lt;slot doctor = "</a:t>
+            </a:r>
+            <a:r>
+              <a:rPr lang="en-US" b="0" dirty="0" err="1" smtClean="0"/>
+              <a:t>mjones</a:t>
+            </a:r>
+            <a:r>
+              <a:rPr lang="en-US" b="0" dirty="0" smtClean="0"/>
+              <a:t>" start = "1400" end = "1450"/&gt;</a:t>
+            </a:r>
+          </a:p>
+          <a:p>
+            <a:r>
+              <a:rPr lang="en-US" b="0" dirty="0" smtClean="0"/>
+              <a:t>  &lt;patient id = "</a:t>
+            </a:r>
+            <a:r>
+              <a:rPr lang="en-US" b="0" dirty="0" err="1" smtClean="0"/>
+              <a:t>jsmith</a:t>
+            </a:r>
+            <a:r>
+              <a:rPr lang="en-US" b="0" dirty="0" smtClean="0"/>
+              <a:t>"/&gt;</a:t>
+            </a:r>
+          </a:p>
+          <a:p>
+            <a:r>
+              <a:rPr lang="en-US" b="0" dirty="0" smtClean="0"/>
+              <a:t>  &lt;reason&gt;Slot not available&lt;/reason&gt;</a:t>
+            </a:r>
+          </a:p>
+          <a:p>
+            <a:r>
+              <a:rPr lang="en-US" b="0" dirty="0" smtClean="0"/>
+              <a:t>&lt;/</a:t>
+            </a:r>
+            <a:r>
+              <a:rPr lang="en-US" b="0" dirty="0" err="1" smtClean="0"/>
+              <a:t>appointmentRequestFailure</a:t>
+            </a:r>
+            <a:r>
+              <a:rPr lang="en-US" b="0" dirty="0" smtClean="0"/>
+              <a:t>&gt;</a:t>
+            </a:r>
+          </a:p>
+          <a:p>
+            <a:endParaRPr lang="en-US" b="0" dirty="0" smtClean="0"/>
+          </a:p>
+          <a:p>
+            <a:r>
+              <a:rPr lang="en-US" sz="1200" b="0" i="0" kern="1200" dirty="0" smtClean="0">
+                <a:solidFill>
+                  <a:schemeClr val="tx1"/>
+                </a:solidFill>
+                <a:effectLst/>
+                <a:latin typeface="+mn-lt"/>
+                <a:ea typeface="+mn-ea"/>
+                <a:cs typeface="+mn-cs"/>
+              </a:rPr>
+              <a:t>So far this is a straightforward RPC style system. It's simple as it's just slinging plain old XML (POX) back and forth. If you use SOAP or XML-RPC it's basically the same mechanism, the only difference is that you wrap the XML messages in some kind of envelope.</a:t>
+            </a:r>
+            <a:endParaRPr lang="ro-RO" b="0" dirty="0" smtClean="0"/>
+          </a:p>
+        </p:txBody>
+      </p:sp>
+      <p:sp>
+        <p:nvSpPr>
+          <p:cNvPr id="4" name="Slide Number Placeholder 3"/>
+          <p:cNvSpPr>
+            <a:spLocks noGrp="1"/>
+          </p:cNvSpPr>
+          <p:nvPr>
+            <p:ph type="sldNum" sz="quarter" idx="10"/>
+          </p:nvPr>
+        </p:nvSpPr>
+        <p:spPr/>
+        <p:txBody>
+          <a:bodyPr/>
+          <a:lstStyle/>
+          <a:p>
+            <a:fld id="{5C84FE02-A589-41E9-8DDF-29CEE6AB9026}" type="slidenum">
+              <a:rPr lang="en-US" smtClean="0"/>
+              <a:t>13</a:t>
+            </a:fld>
+            <a:endParaRPr lang="en-US"/>
+          </a:p>
+        </p:txBody>
+      </p:sp>
+    </p:spTree>
+    <p:extLst>
+      <p:ext uri="{BB962C8B-B14F-4D97-AF65-F5344CB8AC3E}">
+        <p14:creationId xmlns:p14="http://schemas.microsoft.com/office/powerpoint/2010/main" val="2506377283"/>
+      </p:ext>
+    </p:extLst>
+  </p:cSld>
+  <p:clrMapOvr>
+    <a:masterClrMapping/>
+  </p:clrMapOvr>
+</p:notes>
+</file>
+
+<file path=ppt/notesSlides/notesSlide9.xml><?xml version="1.0" encoding="utf-8"?>
+<p:notes xmlns:a="http://schemas.openxmlformats.org/drawingml/2006/main" xmlns:r="http://schemas.openxmlformats.org/officeDocument/2006/relationships" xmlns:p="http://schemas.openxmlformats.org/presentationml/2006/main">
+  <p:cSld>
+    <p:spTree>
+      <p:nvGrpSpPr>
+        <p:cNvPr id="1" name=""/>
+        <p:cNvGrpSpPr/>
+        <p:nvPr/>
+      </p:nvGrpSpPr>
+      <p:grpSpPr>
+        <a:xfrm>
+          <a:off x="0" y="0"/>
+          <a:ext cx="0" cy="0"/>
+          <a:chOff x="0" y="0"/>
+          <a:chExt cx="0" cy="0"/>
+        </a:xfrm>
+      </p:grpSpPr>
+      <p:sp>
+        <p:nvSpPr>
+          <p:cNvPr id="2" name="Slide Image Placeholder 1"/>
+          <p:cNvSpPr>
+            <a:spLocks noGrp="1" noRot="1" noChangeAspect="1"/>
+          </p:cNvSpPr>
+          <p:nvPr>
+            <p:ph type="sldImg"/>
+          </p:nvPr>
+        </p:nvSpPr>
+        <p:spPr/>
+      </p:sp>
+      <p:sp>
+        <p:nvSpPr>
+          <p:cNvPr id="3" name="Notes Placeholder 2"/>
+          <p:cNvSpPr>
+            <a:spLocks noGrp="1"/>
+          </p:cNvSpPr>
+          <p:nvPr>
+            <p:ph type="body" idx="1"/>
+          </p:nvPr>
+        </p:nvSpPr>
+        <p:spPr/>
+        <p:txBody>
+          <a:bodyPr/>
+          <a:lstStyle/>
+          <a:p>
+            <a:r>
+              <a:rPr lang="en-US" dirty="0" smtClean="0"/>
+              <a:t/>
+            </a:r>
+            <a:br>
+              <a:rPr lang="en-US" dirty="0" smtClean="0"/>
+            </a:br>
+            <a:r>
+              <a:rPr lang="en-US" sz="1200" b="0" i="0" kern="1200" dirty="0" smtClean="0">
+                <a:solidFill>
+                  <a:schemeClr val="tx1"/>
+                </a:solidFill>
+                <a:effectLst/>
+                <a:latin typeface="+mn-lt"/>
+                <a:ea typeface="+mn-ea"/>
+                <a:cs typeface="+mn-cs"/>
+              </a:rPr>
+              <a:t>The first step towards the Glory of Rest in the RMM is to introduce resources. So now rather than making all our requests to a singular service endpoint, we now start talking to individual resources.</a:t>
+            </a:r>
+          </a:p>
+          <a:p>
+            <a:endParaRPr lang="en-US" sz="1200" b="0" i="0" kern="1200" dirty="0" smtClean="0">
+              <a:solidFill>
+                <a:schemeClr val="tx1"/>
+              </a:solidFill>
+              <a:effectLst/>
+              <a:latin typeface="+mn-lt"/>
+              <a:ea typeface="+mn-ea"/>
+              <a:cs typeface="+mn-cs"/>
+            </a:endParaRPr>
+          </a:p>
+          <a:p>
+            <a:r>
+              <a:rPr lang="en-US" sz="1200" b="0" i="0" kern="1200" dirty="0" smtClean="0">
+                <a:solidFill>
+                  <a:schemeClr val="tx1"/>
+                </a:solidFill>
+                <a:effectLst/>
+                <a:latin typeface="+mn-lt"/>
+                <a:ea typeface="+mn-ea"/>
+                <a:cs typeface="+mn-cs"/>
+              </a:rPr>
+              <a:t>So with our initial query, we might have a resource for given doctor.</a:t>
+            </a:r>
+          </a:p>
+          <a:p>
+            <a:r>
+              <a:rPr lang="en-US" b="0" dirty="0" smtClean="0"/>
+              <a:t>POST /doctors/</a:t>
+            </a:r>
+            <a:r>
+              <a:rPr lang="en-US" b="0" dirty="0" err="1" smtClean="0"/>
+              <a:t>mjones</a:t>
+            </a:r>
+            <a:r>
+              <a:rPr lang="en-US" b="0" dirty="0" smtClean="0"/>
+              <a:t> HTTP/1.1</a:t>
+            </a:r>
+          </a:p>
+          <a:p>
+            <a:r>
+              <a:rPr lang="en-US" b="0" dirty="0" smtClean="0"/>
+              <a:t>[various other headers]</a:t>
+            </a:r>
+          </a:p>
+          <a:p>
+            <a:endParaRPr lang="en-US" b="0" dirty="0" smtClean="0"/>
+          </a:p>
+          <a:p>
+            <a:r>
+              <a:rPr lang="en-US" b="0" dirty="0" smtClean="0"/>
+              <a:t>&lt;</a:t>
+            </a:r>
+            <a:r>
+              <a:rPr lang="en-US" b="0" dirty="0" err="1" smtClean="0"/>
+              <a:t>openSlotRequest</a:t>
+            </a:r>
+            <a:r>
+              <a:rPr lang="en-US" b="0" dirty="0" smtClean="0"/>
+              <a:t> date = "2010-01-04"/&gt;</a:t>
+            </a:r>
+          </a:p>
+          <a:p>
+            <a:r>
+              <a:rPr lang="en-US" sz="1200" b="0" i="0" kern="1200" dirty="0" smtClean="0">
+                <a:solidFill>
+                  <a:schemeClr val="tx1"/>
+                </a:solidFill>
+                <a:effectLst/>
+                <a:latin typeface="+mn-lt"/>
+                <a:ea typeface="+mn-ea"/>
+                <a:cs typeface="+mn-cs"/>
+              </a:rPr>
+              <a:t>The reply carries the same basic information, but each slot is now a resource that can be addressed individually.</a:t>
+            </a:r>
+          </a:p>
+          <a:p>
+            <a:r>
+              <a:rPr lang="ro-RO" b="0" dirty="0" smtClean="0"/>
+              <a:t>HTTP/1.1 200 OK</a:t>
+            </a:r>
+          </a:p>
+          <a:p>
+            <a:r>
+              <a:rPr lang="ro-RO" b="0" dirty="0" smtClean="0"/>
+              <a:t>[various headers]</a:t>
+            </a:r>
+          </a:p>
+          <a:p>
+            <a:endParaRPr lang="ro-RO" b="0" dirty="0" smtClean="0"/>
+          </a:p>
+          <a:p>
+            <a:r>
+              <a:rPr lang="ro-RO" b="0" dirty="0" smtClean="0"/>
+              <a:t>&lt;openSlotList&gt;</a:t>
+            </a:r>
+          </a:p>
+          <a:p>
+            <a:r>
+              <a:rPr lang="ro-RO" b="0" dirty="0" smtClean="0"/>
+              <a:t>  &lt;slot id = "1234" doctor = "mjones" start = "1400" end = "1450"/&gt;</a:t>
+            </a:r>
+          </a:p>
+          <a:p>
+            <a:r>
+              <a:rPr lang="ro-RO" b="0" dirty="0" smtClean="0"/>
+              <a:t>  &lt;slot id = "5678" doctor = "mjones" start = "1600" end = "1650"/&gt;</a:t>
+            </a:r>
+          </a:p>
+          <a:p>
+            <a:r>
+              <a:rPr lang="ro-RO" b="0" dirty="0" smtClean="0"/>
+              <a:t>&lt;/openSlotList&gt;</a:t>
+            </a:r>
+            <a:endParaRPr lang="en-US" b="0" dirty="0" smtClean="0"/>
+          </a:p>
+          <a:p>
+            <a:endParaRPr lang="en-US" b="0" dirty="0" smtClean="0"/>
+          </a:p>
+          <a:p>
+            <a:r>
+              <a:rPr lang="en-US" b="0" dirty="0" smtClean="0"/>
+              <a:t>With specific resources booking an appointment means posting to a particular slot.</a:t>
+            </a:r>
+          </a:p>
+          <a:p>
+            <a:r>
+              <a:rPr lang="en-US" b="0" dirty="0" smtClean="0"/>
+              <a:t>POST /slots/1234 HTTP/1.1</a:t>
+            </a:r>
+          </a:p>
+          <a:p>
+            <a:r>
+              <a:rPr lang="en-US" b="0" dirty="0" smtClean="0"/>
+              <a:t>[various other headers]</a:t>
+            </a:r>
+          </a:p>
+          <a:p>
+            <a:endParaRPr lang="en-US" b="0" dirty="0" smtClean="0"/>
+          </a:p>
+          <a:p>
+            <a:r>
+              <a:rPr lang="en-US" b="0" dirty="0" smtClean="0"/>
+              <a:t>&lt;</a:t>
+            </a:r>
+            <a:r>
+              <a:rPr lang="en-US" b="0" dirty="0" err="1" smtClean="0"/>
+              <a:t>appointmentRequest</a:t>
+            </a:r>
+            <a:r>
+              <a:rPr lang="en-US" b="0" dirty="0" smtClean="0"/>
+              <a:t>&gt;</a:t>
+            </a:r>
+          </a:p>
+          <a:p>
+            <a:r>
+              <a:rPr lang="en-US" b="0" dirty="0" smtClean="0"/>
+              <a:t>  &lt;patient id = "</a:t>
+            </a:r>
+            <a:r>
+              <a:rPr lang="en-US" b="0" dirty="0" err="1" smtClean="0"/>
+              <a:t>jsmith</a:t>
+            </a:r>
+            <a:r>
+              <a:rPr lang="en-US" b="0" dirty="0" smtClean="0"/>
+              <a:t>"/&gt;</a:t>
+            </a:r>
+          </a:p>
+          <a:p>
+            <a:r>
+              <a:rPr lang="en-US" b="0" dirty="0" smtClean="0"/>
+              <a:t>&lt;/</a:t>
+            </a:r>
+            <a:r>
+              <a:rPr lang="en-US" b="0" dirty="0" err="1" smtClean="0"/>
+              <a:t>appointmentRequest</a:t>
+            </a:r>
+            <a:r>
+              <a:rPr lang="en-US" b="0" dirty="0" smtClean="0"/>
+              <a:t>&gt;</a:t>
+            </a:r>
+          </a:p>
+          <a:p>
+            <a:endParaRPr lang="en-US" b="0" dirty="0" smtClean="0"/>
+          </a:p>
+          <a:p>
+            <a:r>
+              <a:rPr lang="en-US" b="0" dirty="0" smtClean="0"/>
+              <a:t>If all goes well I get a similar reply to before.</a:t>
+            </a:r>
+          </a:p>
+          <a:p>
+            <a:endParaRPr lang="en-US" b="0" dirty="0" smtClean="0"/>
+          </a:p>
+          <a:p>
+            <a:r>
+              <a:rPr lang="en-US" b="0" dirty="0" smtClean="0"/>
+              <a:t>HTTP/1.1 200 OK</a:t>
+            </a:r>
+          </a:p>
+          <a:p>
+            <a:r>
+              <a:rPr lang="en-US" b="0" dirty="0" smtClean="0"/>
+              <a:t>[various headers]</a:t>
+            </a:r>
+          </a:p>
+          <a:p>
+            <a:endParaRPr lang="en-US" b="0" dirty="0" smtClean="0"/>
+          </a:p>
+          <a:p>
+            <a:r>
+              <a:rPr lang="en-US" b="0" dirty="0" smtClean="0"/>
+              <a:t>&lt;appointment&gt;</a:t>
+            </a:r>
+          </a:p>
+          <a:p>
+            <a:r>
+              <a:rPr lang="en-US" b="0" dirty="0" smtClean="0"/>
+              <a:t>  &lt;slot id = "1234" doctor = "</a:t>
+            </a:r>
+            <a:r>
+              <a:rPr lang="en-US" b="0" dirty="0" err="1" smtClean="0"/>
+              <a:t>mjones</a:t>
+            </a:r>
+            <a:r>
+              <a:rPr lang="en-US" b="0" dirty="0" smtClean="0"/>
+              <a:t>" start = "1400" end = "1450"/&gt;</a:t>
+            </a:r>
+          </a:p>
+          <a:p>
+            <a:r>
+              <a:rPr lang="en-US" b="0" dirty="0" smtClean="0"/>
+              <a:t>  &lt;patient id = "</a:t>
+            </a:r>
+            <a:r>
+              <a:rPr lang="en-US" b="0" dirty="0" err="1" smtClean="0"/>
+              <a:t>jsmith</a:t>
+            </a:r>
+            <a:r>
+              <a:rPr lang="en-US" b="0" dirty="0" smtClean="0"/>
+              <a:t>"/&gt;</a:t>
+            </a:r>
+          </a:p>
+          <a:p>
+            <a:r>
+              <a:rPr lang="en-US" b="0" dirty="0" smtClean="0"/>
+              <a:t>&lt;/appointment&gt;</a:t>
+            </a:r>
+          </a:p>
+          <a:p>
+            <a:endParaRPr lang="en-US" b="0" dirty="0" smtClean="0"/>
+          </a:p>
+          <a:p>
+            <a:pPr fontAlgn="base"/>
+            <a:r>
+              <a:rPr lang="en-US" sz="1200" b="0" i="0" kern="1200" dirty="0" smtClean="0">
+                <a:solidFill>
+                  <a:schemeClr val="tx1"/>
+                </a:solidFill>
+                <a:effectLst/>
+                <a:latin typeface="+mn-lt"/>
+                <a:ea typeface="+mn-ea"/>
+                <a:cs typeface="+mn-cs"/>
+              </a:rPr>
+              <a:t>The difference now is that if anyone needs to do anything about the appointment, like book some tests, they first get hold of the appointment resource, which might have a URI like http://royalhope.nhs.uk/slots/1234/appointment, and post to that resource.</a:t>
+            </a:r>
+          </a:p>
+          <a:p>
+            <a:pPr fontAlgn="base"/>
+            <a:r>
+              <a:rPr lang="en-US" sz="1200" b="0" i="0" kern="1200" dirty="0" smtClean="0">
+                <a:solidFill>
+                  <a:schemeClr val="tx1"/>
+                </a:solidFill>
+                <a:effectLst/>
+                <a:latin typeface="+mn-lt"/>
+                <a:ea typeface="+mn-ea"/>
+                <a:cs typeface="+mn-cs"/>
+              </a:rPr>
+              <a:t>To an object guy like me this is like the notion of object identity. Rather than calling some function in the ether and passing arguments, we call a method on one particular object providing arguments for the other information.</a:t>
+            </a:r>
+          </a:p>
+          <a:p>
+            <a:endParaRPr lang="en-US" b="0" dirty="0" smtClean="0"/>
+          </a:p>
+        </p:txBody>
+      </p:sp>
+      <p:sp>
+        <p:nvSpPr>
+          <p:cNvPr id="4" name="Slide Number Placeholder 3"/>
+          <p:cNvSpPr>
+            <a:spLocks noGrp="1"/>
+          </p:cNvSpPr>
+          <p:nvPr>
+            <p:ph type="sldNum" sz="quarter" idx="10"/>
+          </p:nvPr>
+        </p:nvSpPr>
+        <p:spPr/>
+        <p:txBody>
+          <a:bodyPr/>
+          <a:lstStyle/>
+          <a:p>
+            <a:fld id="{5C84FE02-A589-41E9-8DDF-29CEE6AB9026}" type="slidenum">
+              <a:rPr lang="en-US" smtClean="0"/>
+              <a:t>14</a:t>
+            </a:fld>
+            <a:endParaRPr lang="en-US"/>
+          </a:p>
+        </p:txBody>
+      </p:sp>
+    </p:spTree>
+    <p:extLst>
+      <p:ext uri="{BB962C8B-B14F-4D97-AF65-F5344CB8AC3E}">
+        <p14:creationId xmlns:p14="http://schemas.microsoft.com/office/powerpoint/2010/main" val="2904026228"/>
       </p:ext>
     </p:extLst>
   </p:cSld>
@@ -4718,29 +8010,8 @@
                 <a:latin typeface="Helvetica Neue Light"/>
                 <a:ea typeface="ヒラギノ明朝 ProN W3" pitchFamily="-84" charset="-128"/>
               </a:rPr>
-              <a:t>Developing a REST </a:t>
-            </a:r>
-            <a:r>
-              <a:rPr lang="en-US" sz="2600" b="1" dirty="0" smtClean="0">
-                <a:solidFill>
-                  <a:schemeClr val="bg1">
-                    <a:lumMod val="75000"/>
-                  </a:schemeClr>
-                </a:solidFill>
-                <a:latin typeface="Helvetica Neue Light"/>
-                <a:ea typeface="ヒラギノ明朝 ProN W3" pitchFamily="-84" charset="-128"/>
-              </a:rPr>
-              <a:t>application</a:t>
-            </a:r>
-            <a:endParaRPr lang="en-US" sz="2600" b="1" dirty="0" smtClean="0">
-              <a:solidFill>
-                <a:schemeClr val="bg1">
-                  <a:lumMod val="75000"/>
-                </a:schemeClr>
-              </a:solidFill>
-              <a:latin typeface="Helvetica Neue Light"/>
-              <a:ea typeface="ヒラギノ明朝 ProN W3" pitchFamily="-84" charset="-128"/>
-            </a:endParaRPr>
+              <a:t>Developing a REST application</a:t>
+            </a:r>
           </a:p>
           <a:p>
             <a:pPr marL="342900" indent="-342900">
@@ -4875,6 +8146,1220 @@
           <a:chExt cx="0" cy="0"/>
         </a:xfrm>
       </p:grpSpPr>
+      <p:pic>
+        <p:nvPicPr>
+          <p:cNvPr id="6" name="Afbeelding 4"/>
+          <p:cNvPicPr>
+            <a:picLocks noChangeAspect="1"/>
+          </p:cNvPicPr>
+          <p:nvPr/>
+        </p:nvPicPr>
+        <p:blipFill>
+          <a:blip r:embed="rId3">
+            <a:extLst>
+              <a:ext uri="{28A0092B-C50C-407E-A947-70E740481C1C}">
+                <a14:useLocalDpi xmlns:a14="http://schemas.microsoft.com/office/drawing/2010/main"/>
+              </a:ext>
+            </a:extLst>
+          </a:blip>
+          <a:stretch>
+            <a:fillRect/>
+          </a:stretch>
+        </p:blipFill>
+        <p:spPr>
+          <a:xfrm>
+            <a:off x="390071" y="492902"/>
+            <a:ext cx="8363858" cy="934179"/>
+          </a:xfrm>
+          <a:prstGeom prst="rect">
+            <a:avLst/>
+          </a:prstGeom>
+        </p:spPr>
+      </p:pic>
+      <p:sp>
+        <p:nvSpPr>
+          <p:cNvPr id="8" name="TextBox 7"/>
+          <p:cNvSpPr txBox="1"/>
+          <p:nvPr/>
+        </p:nvSpPr>
+        <p:spPr>
+          <a:xfrm>
+            <a:off x="3329603" y="707060"/>
+            <a:ext cx="2395471" cy="505861"/>
+          </a:xfrm>
+          <a:prstGeom prst="rect">
+            <a:avLst/>
+          </a:prstGeom>
+          <a:noFill/>
+        </p:spPr>
+        <p:txBody>
+          <a:bodyPr wrap="none" rtlCol="0">
+            <a:normAutofit lnSpcReduction="10000"/>
+          </a:bodyPr>
+          <a:lstStyle/>
+          <a:p>
+            <a:pPr algn="ctr"/>
+            <a:r>
+              <a:rPr lang="en-US" sz="2800" dirty="0">
+                <a:solidFill>
+                  <a:schemeClr val="bg1"/>
+                </a:solidFill>
+                <a:latin typeface="Helvetica Neue Light"/>
+              </a:rPr>
+              <a:t>Richardson Maturity Model</a:t>
+            </a:r>
+            <a:endParaRPr lang="en-US" sz="2800" dirty="0" smtClean="0">
+              <a:solidFill>
+                <a:schemeClr val="bg1"/>
+              </a:solidFill>
+              <a:latin typeface="Helvetica Neue Light"/>
+            </a:endParaRPr>
+          </a:p>
+        </p:txBody>
+      </p:sp>
+      <p:sp>
+        <p:nvSpPr>
+          <p:cNvPr id="4" name="TextBox 3"/>
+          <p:cNvSpPr txBox="1"/>
+          <p:nvPr/>
+        </p:nvSpPr>
+        <p:spPr>
+          <a:xfrm>
+            <a:off x="390071" y="1641239"/>
+            <a:ext cx="8363858" cy="4936025"/>
+          </a:xfrm>
+          <a:prstGeom prst="rect">
+            <a:avLst/>
+          </a:prstGeom>
+        </p:spPr>
+        <p:txBody>
+          <a:bodyPr>
+            <a:normAutofit/>
+          </a:bodyPr>
+          <a:lstStyle>
+            <a:lvl1pPr lvl="0" indent="0">
+              <a:lnSpc>
+                <a:spcPct val="120000"/>
+              </a:lnSpc>
+              <a:spcBef>
+                <a:spcPts val="0"/>
+              </a:spcBef>
+              <a:buFont typeface="Arial"/>
+              <a:buNone/>
+              <a:defRPr sz="1600" b="1" i="0">
+                <a:solidFill>
+                  <a:srgbClr val="424D43"/>
+                </a:solidFill>
+                <a:latin typeface="Helvetica Neue Light"/>
+                <a:ea typeface="ヒラギノ明朝 ProN W3" pitchFamily="-84" charset="-128"/>
+              </a:defRPr>
+            </a:lvl1pPr>
+            <a:lvl2pPr marL="742950" indent="-285750">
+              <a:spcBef>
+                <a:spcPct val="20000"/>
+              </a:spcBef>
+              <a:buSzPct val="100000"/>
+              <a:buFont typeface="Arial"/>
+              <a:buChar char="•"/>
+              <a:defRPr sz="2400" b="0" i="0">
+                <a:solidFill>
+                  <a:schemeClr val="tx1">
+                    <a:lumMod val="75000"/>
+                    <a:lumOff val="25000"/>
+                  </a:schemeClr>
+                </a:solidFill>
+                <a:latin typeface="Helvetica Neue Light"/>
+                <a:cs typeface="Helvetica Neue Light"/>
+              </a:defRPr>
+            </a:lvl2pPr>
+            <a:lvl3pPr marL="1143000" indent="-228600">
+              <a:spcBef>
+                <a:spcPct val="20000"/>
+              </a:spcBef>
+              <a:buSzPct val="100000"/>
+              <a:buFont typeface="Arial"/>
+              <a:buChar char="•"/>
+              <a:defRPr sz="2000" b="0" i="0">
+                <a:solidFill>
+                  <a:schemeClr val="tx1">
+                    <a:lumMod val="75000"/>
+                    <a:lumOff val="25000"/>
+                  </a:schemeClr>
+                </a:solidFill>
+                <a:latin typeface="Helvetica Neue Light"/>
+                <a:cs typeface="Helvetica Neue Light"/>
+              </a:defRPr>
+            </a:lvl3pPr>
+            <a:lvl4pPr marL="1600200" indent="-228600">
+              <a:spcBef>
+                <a:spcPct val="20000"/>
+              </a:spcBef>
+              <a:buSzPct val="100000"/>
+              <a:buFont typeface="Arial"/>
+              <a:buChar char="•"/>
+              <a:defRPr b="0" i="0">
+                <a:solidFill>
+                  <a:schemeClr val="tx1">
+                    <a:lumMod val="75000"/>
+                    <a:lumOff val="25000"/>
+                  </a:schemeClr>
+                </a:solidFill>
+                <a:latin typeface="Helvetica Neue Light"/>
+                <a:cs typeface="Helvetica Neue Light"/>
+              </a:defRPr>
+            </a:lvl4pPr>
+            <a:lvl5pPr marL="2057400" indent="-228600">
+              <a:spcBef>
+                <a:spcPct val="20000"/>
+              </a:spcBef>
+              <a:buSzPct val="100000"/>
+              <a:buFont typeface="Arial"/>
+              <a:buChar char="•"/>
+              <a:defRPr sz="1600" b="0" i="0" baseline="0">
+                <a:solidFill>
+                  <a:schemeClr val="tx1">
+                    <a:lumMod val="75000"/>
+                    <a:lumOff val="25000"/>
+                  </a:schemeClr>
+                </a:solidFill>
+                <a:latin typeface="Helvetica Neue Light"/>
+                <a:cs typeface="Helvetica Neue Light"/>
+              </a:defRPr>
+            </a:lvl5pPr>
+            <a:lvl6pPr marL="2514600" indent="-228600">
+              <a:spcBef>
+                <a:spcPct val="20000"/>
+              </a:spcBef>
+              <a:buFont typeface="Arial"/>
+              <a:buChar char="•"/>
+            </a:lvl6pPr>
+            <a:lvl7pPr marL="2971800" indent="-228600">
+              <a:spcBef>
+                <a:spcPct val="20000"/>
+              </a:spcBef>
+              <a:buFont typeface="Arial"/>
+              <a:buChar char="•"/>
+            </a:lvl7pPr>
+            <a:lvl8pPr marL="3429000" indent="-228600">
+              <a:spcBef>
+                <a:spcPct val="20000"/>
+              </a:spcBef>
+              <a:buFont typeface="Arial"/>
+              <a:buChar char="•"/>
+            </a:lvl8pPr>
+            <a:lvl9pPr marL="3886200" indent="-228600">
+              <a:spcBef>
+                <a:spcPct val="20000"/>
+              </a:spcBef>
+              <a:buFont typeface="Arial"/>
+              <a:buChar char="•"/>
+            </a:lvl9pPr>
+          </a:lstStyle>
+          <a:p>
+            <a:r>
+              <a:rPr lang="en-US" b="0" dirty="0"/>
+              <a:t>A model (developed by Leonard Richardson) that breaks down the principal elements of a REST approach into three steps. These introduce resources, http verbs, and hypermedia controls.</a:t>
+            </a:r>
+            <a:endParaRPr lang="en-US" b="0" dirty="0"/>
+          </a:p>
+        </p:txBody>
+      </p:sp>
+      <p:pic>
+        <p:nvPicPr>
+          <p:cNvPr id="1026" name="Picture 2" descr="Figure 1"/>
+          <p:cNvPicPr>
+            <a:picLocks noChangeAspect="1" noChangeArrowheads="1"/>
+          </p:cNvPicPr>
+          <p:nvPr/>
+        </p:nvPicPr>
+        <p:blipFill>
+          <a:blip r:embed="rId4">
+            <a:extLst>
+              <a:ext uri="{28A0092B-C50C-407E-A947-70E740481C1C}">
+                <a14:useLocalDpi xmlns:a14="http://schemas.microsoft.com/office/drawing/2010/main" val="0"/>
+              </a:ext>
+            </a:extLst>
+          </a:blip>
+          <a:srcRect/>
+          <a:stretch>
+            <a:fillRect/>
+          </a:stretch>
+        </p:blipFill>
+        <p:spPr bwMode="auto">
+          <a:xfrm>
+            <a:off x="1322175" y="2786314"/>
+            <a:ext cx="6410325" cy="3790950"/>
+          </a:xfrm>
+          <a:prstGeom prst="rect">
+            <a:avLst/>
+          </a:prstGeom>
+          <a:noFill/>
+          <a:extLst>
+            <a:ext uri="{909E8E84-426E-40DD-AFC4-6F175D3DCCD1}">
+              <a14:hiddenFill xmlns:a14="http://schemas.microsoft.com/office/drawing/2010/main">
+                <a:solidFill>
+                  <a:srgbClr val="FFFFFF"/>
+                </a:solidFill>
+              </a14:hiddenFill>
+            </a:ext>
+          </a:extLst>
+        </p:spPr>
+      </p:pic>
+    </p:spTree>
+    <p:extLst>
+      <p:ext uri="{BB962C8B-B14F-4D97-AF65-F5344CB8AC3E}">
+        <p14:creationId xmlns:p14="http://schemas.microsoft.com/office/powerpoint/2010/main" val="3048168643"/>
+      </p:ext>
+    </p:extLst>
+  </p:cSld>
+  <p:clrMapOvr>
+    <a:masterClrMapping/>
+  </p:clrMapOvr>
+  <p:timing>
+    <p:tnLst>
+      <p:par>
+        <p:cTn id="1" dur="indefinite" restart="never" nodeType="tmRoot"/>
+      </p:par>
+    </p:tnLst>
+  </p:timing>
+</p:sld>
+</file>
+
+<file path=ppt/slides/slide13.xml><?xml version="1.0" encoding="utf-8"?>
+<p:sld xmlns:a="http://schemas.openxmlformats.org/drawingml/2006/main" xmlns:r="http://schemas.openxmlformats.org/officeDocument/2006/relationships" xmlns:p="http://schemas.openxmlformats.org/presentationml/2006/main">
+  <p:cSld>
+    <p:spTree>
+      <p:nvGrpSpPr>
+        <p:cNvPr id="1" name=""/>
+        <p:cNvGrpSpPr/>
+        <p:nvPr/>
+      </p:nvGrpSpPr>
+      <p:grpSpPr>
+        <a:xfrm>
+          <a:off x="0" y="0"/>
+          <a:ext cx="0" cy="0"/>
+          <a:chOff x="0" y="0"/>
+          <a:chExt cx="0" cy="0"/>
+        </a:xfrm>
+      </p:grpSpPr>
+      <p:pic>
+        <p:nvPicPr>
+          <p:cNvPr id="6" name="Afbeelding 4"/>
+          <p:cNvPicPr>
+            <a:picLocks noChangeAspect="1"/>
+          </p:cNvPicPr>
+          <p:nvPr/>
+        </p:nvPicPr>
+        <p:blipFill>
+          <a:blip r:embed="rId3">
+            <a:extLst>
+              <a:ext uri="{28A0092B-C50C-407E-A947-70E740481C1C}">
+                <a14:useLocalDpi xmlns:a14="http://schemas.microsoft.com/office/drawing/2010/main"/>
+              </a:ext>
+            </a:extLst>
+          </a:blip>
+          <a:stretch>
+            <a:fillRect/>
+          </a:stretch>
+        </p:blipFill>
+        <p:spPr>
+          <a:xfrm>
+            <a:off x="390071" y="492902"/>
+            <a:ext cx="8363858" cy="934179"/>
+          </a:xfrm>
+          <a:prstGeom prst="rect">
+            <a:avLst/>
+          </a:prstGeom>
+        </p:spPr>
+      </p:pic>
+      <p:sp>
+        <p:nvSpPr>
+          <p:cNvPr id="8" name="TextBox 7"/>
+          <p:cNvSpPr txBox="1"/>
+          <p:nvPr/>
+        </p:nvSpPr>
+        <p:spPr>
+          <a:xfrm>
+            <a:off x="3329603" y="707060"/>
+            <a:ext cx="2395471" cy="505861"/>
+          </a:xfrm>
+          <a:prstGeom prst="rect">
+            <a:avLst/>
+          </a:prstGeom>
+          <a:noFill/>
+        </p:spPr>
+        <p:txBody>
+          <a:bodyPr wrap="none" rtlCol="0">
+            <a:normAutofit lnSpcReduction="10000"/>
+          </a:bodyPr>
+          <a:lstStyle/>
+          <a:p>
+            <a:pPr algn="ctr"/>
+            <a:r>
+              <a:rPr lang="en-US" sz="2800" dirty="0">
+                <a:solidFill>
+                  <a:schemeClr val="bg1"/>
+                </a:solidFill>
+                <a:latin typeface="Helvetica Neue Light"/>
+              </a:rPr>
+              <a:t>Richardson Maturity </a:t>
+            </a:r>
+            <a:r>
+              <a:rPr lang="en-US" sz="2800" dirty="0" smtClean="0">
+                <a:solidFill>
+                  <a:schemeClr val="bg1"/>
+                </a:solidFill>
+                <a:latin typeface="Helvetica Neue Light"/>
+              </a:rPr>
+              <a:t>Model – Level 0</a:t>
+            </a:r>
+            <a:endParaRPr lang="en-US" sz="2800" dirty="0" smtClean="0">
+              <a:solidFill>
+                <a:schemeClr val="bg1"/>
+              </a:solidFill>
+              <a:latin typeface="Helvetica Neue Light"/>
+            </a:endParaRPr>
+          </a:p>
+        </p:txBody>
+      </p:sp>
+      <p:sp>
+        <p:nvSpPr>
+          <p:cNvPr id="4" name="TextBox 3"/>
+          <p:cNvSpPr txBox="1"/>
+          <p:nvPr/>
+        </p:nvSpPr>
+        <p:spPr>
+          <a:xfrm>
+            <a:off x="624566" y="4288186"/>
+            <a:ext cx="9787271" cy="7676717"/>
+          </a:xfrm>
+          <a:prstGeom prst="rect">
+            <a:avLst/>
+          </a:prstGeom>
+        </p:spPr>
+        <p:txBody>
+          <a:bodyPr>
+            <a:normAutofit/>
+          </a:bodyPr>
+          <a:lstStyle>
+            <a:lvl1pPr lvl="0" indent="0">
+              <a:lnSpc>
+                <a:spcPct val="120000"/>
+              </a:lnSpc>
+              <a:spcBef>
+                <a:spcPts val="0"/>
+              </a:spcBef>
+              <a:buFont typeface="Arial"/>
+              <a:buNone/>
+              <a:defRPr sz="1600" b="1" i="0">
+                <a:solidFill>
+                  <a:srgbClr val="424D43"/>
+                </a:solidFill>
+                <a:latin typeface="Helvetica Neue Light"/>
+                <a:ea typeface="ヒラギノ明朝 ProN W3" pitchFamily="-84" charset="-128"/>
+              </a:defRPr>
+            </a:lvl1pPr>
+            <a:lvl2pPr marL="742950" indent="-285750">
+              <a:spcBef>
+                <a:spcPct val="20000"/>
+              </a:spcBef>
+              <a:buSzPct val="100000"/>
+              <a:buFont typeface="Arial"/>
+              <a:buChar char="•"/>
+              <a:defRPr sz="2400" b="0" i="0">
+                <a:solidFill>
+                  <a:schemeClr val="tx1">
+                    <a:lumMod val="75000"/>
+                    <a:lumOff val="25000"/>
+                  </a:schemeClr>
+                </a:solidFill>
+                <a:latin typeface="Helvetica Neue Light"/>
+                <a:cs typeface="Helvetica Neue Light"/>
+              </a:defRPr>
+            </a:lvl2pPr>
+            <a:lvl3pPr marL="1143000" indent="-228600">
+              <a:spcBef>
+                <a:spcPct val="20000"/>
+              </a:spcBef>
+              <a:buSzPct val="100000"/>
+              <a:buFont typeface="Arial"/>
+              <a:buChar char="•"/>
+              <a:defRPr sz="2000" b="0" i="0">
+                <a:solidFill>
+                  <a:schemeClr val="tx1">
+                    <a:lumMod val="75000"/>
+                    <a:lumOff val="25000"/>
+                  </a:schemeClr>
+                </a:solidFill>
+                <a:latin typeface="Helvetica Neue Light"/>
+                <a:cs typeface="Helvetica Neue Light"/>
+              </a:defRPr>
+            </a:lvl3pPr>
+            <a:lvl4pPr marL="1600200" indent="-228600">
+              <a:spcBef>
+                <a:spcPct val="20000"/>
+              </a:spcBef>
+              <a:buSzPct val="100000"/>
+              <a:buFont typeface="Arial"/>
+              <a:buChar char="•"/>
+              <a:defRPr b="0" i="0">
+                <a:solidFill>
+                  <a:schemeClr val="tx1">
+                    <a:lumMod val="75000"/>
+                    <a:lumOff val="25000"/>
+                  </a:schemeClr>
+                </a:solidFill>
+                <a:latin typeface="Helvetica Neue Light"/>
+                <a:cs typeface="Helvetica Neue Light"/>
+              </a:defRPr>
+            </a:lvl4pPr>
+            <a:lvl5pPr marL="2057400" indent="-228600">
+              <a:spcBef>
+                <a:spcPct val="20000"/>
+              </a:spcBef>
+              <a:buSzPct val="100000"/>
+              <a:buFont typeface="Arial"/>
+              <a:buChar char="•"/>
+              <a:defRPr sz="1600" b="0" i="0" baseline="0">
+                <a:solidFill>
+                  <a:schemeClr val="tx1">
+                    <a:lumMod val="75000"/>
+                    <a:lumOff val="25000"/>
+                  </a:schemeClr>
+                </a:solidFill>
+                <a:latin typeface="Helvetica Neue Light"/>
+                <a:cs typeface="Helvetica Neue Light"/>
+              </a:defRPr>
+            </a:lvl5pPr>
+            <a:lvl6pPr marL="2514600" indent="-228600">
+              <a:spcBef>
+                <a:spcPct val="20000"/>
+              </a:spcBef>
+              <a:buFont typeface="Arial"/>
+              <a:buChar char="•"/>
+            </a:lvl6pPr>
+            <a:lvl7pPr marL="2971800" indent="-228600">
+              <a:spcBef>
+                <a:spcPct val="20000"/>
+              </a:spcBef>
+              <a:buFont typeface="Arial"/>
+              <a:buChar char="•"/>
+            </a:lvl7pPr>
+            <a:lvl8pPr marL="3429000" indent="-228600">
+              <a:spcBef>
+                <a:spcPct val="20000"/>
+              </a:spcBef>
+              <a:buFont typeface="Arial"/>
+              <a:buChar char="•"/>
+            </a:lvl8pPr>
+            <a:lvl9pPr marL="3886200" indent="-228600">
+              <a:spcBef>
+                <a:spcPct val="20000"/>
+              </a:spcBef>
+              <a:buFont typeface="Arial"/>
+              <a:buChar char="•"/>
+            </a:lvl9pPr>
+          </a:lstStyle>
+          <a:p>
+            <a:endParaRPr lang="en-US" b="0" dirty="0"/>
+          </a:p>
+        </p:txBody>
+      </p:sp>
+      <p:pic>
+        <p:nvPicPr>
+          <p:cNvPr id="2050" name="Picture 2" descr="Figure 2"/>
+          <p:cNvPicPr>
+            <a:picLocks noChangeAspect="1" noChangeArrowheads="1"/>
+          </p:cNvPicPr>
+          <p:nvPr/>
+        </p:nvPicPr>
+        <p:blipFill>
+          <a:blip r:embed="rId4">
+            <a:extLst>
+              <a:ext uri="{28A0092B-C50C-407E-A947-70E740481C1C}">
+                <a14:useLocalDpi xmlns:a14="http://schemas.microsoft.com/office/drawing/2010/main" val="0"/>
+              </a:ext>
+            </a:extLst>
+          </a:blip>
+          <a:srcRect/>
+          <a:stretch>
+            <a:fillRect/>
+          </a:stretch>
+        </p:blipFill>
+        <p:spPr bwMode="auto">
+          <a:xfrm>
+            <a:off x="390070" y="2448509"/>
+            <a:ext cx="8363859" cy="2852046"/>
+          </a:xfrm>
+          <a:prstGeom prst="rect">
+            <a:avLst/>
+          </a:prstGeom>
+          <a:noFill/>
+          <a:extLst>
+            <a:ext uri="{909E8E84-426E-40DD-AFC4-6F175D3DCCD1}">
+              <a14:hiddenFill xmlns:a14="http://schemas.microsoft.com/office/drawing/2010/main">
+                <a:solidFill>
+                  <a:srgbClr val="FFFFFF"/>
+                </a:solidFill>
+              </a14:hiddenFill>
+            </a:ext>
+          </a:extLst>
+        </p:spPr>
+      </p:pic>
+    </p:spTree>
+    <p:extLst>
+      <p:ext uri="{BB962C8B-B14F-4D97-AF65-F5344CB8AC3E}">
+        <p14:creationId xmlns:p14="http://schemas.microsoft.com/office/powerpoint/2010/main" val="3755039426"/>
+      </p:ext>
+    </p:extLst>
+  </p:cSld>
+  <p:clrMapOvr>
+    <a:masterClrMapping/>
+  </p:clrMapOvr>
+  <p:timing>
+    <p:tnLst>
+      <p:par>
+        <p:cTn id="1" dur="indefinite" restart="never" nodeType="tmRoot"/>
+      </p:par>
+    </p:tnLst>
+  </p:timing>
+</p:sld>
+</file>
+
+<file path=ppt/slides/slide14.xml><?xml version="1.0" encoding="utf-8"?>
+<p:sld xmlns:a="http://schemas.openxmlformats.org/drawingml/2006/main" xmlns:r="http://schemas.openxmlformats.org/officeDocument/2006/relationships" xmlns:p="http://schemas.openxmlformats.org/presentationml/2006/main">
+  <p:cSld>
+    <p:spTree>
+      <p:nvGrpSpPr>
+        <p:cNvPr id="1" name=""/>
+        <p:cNvGrpSpPr/>
+        <p:nvPr/>
+      </p:nvGrpSpPr>
+      <p:grpSpPr>
+        <a:xfrm>
+          <a:off x="0" y="0"/>
+          <a:ext cx="0" cy="0"/>
+          <a:chOff x="0" y="0"/>
+          <a:chExt cx="0" cy="0"/>
+        </a:xfrm>
+      </p:grpSpPr>
+      <p:pic>
+        <p:nvPicPr>
+          <p:cNvPr id="6" name="Afbeelding 4"/>
+          <p:cNvPicPr>
+            <a:picLocks noChangeAspect="1"/>
+          </p:cNvPicPr>
+          <p:nvPr/>
+        </p:nvPicPr>
+        <p:blipFill>
+          <a:blip r:embed="rId3">
+            <a:extLst>
+              <a:ext uri="{28A0092B-C50C-407E-A947-70E740481C1C}">
+                <a14:useLocalDpi xmlns:a14="http://schemas.microsoft.com/office/drawing/2010/main"/>
+              </a:ext>
+            </a:extLst>
+          </a:blip>
+          <a:stretch>
+            <a:fillRect/>
+          </a:stretch>
+        </p:blipFill>
+        <p:spPr>
+          <a:xfrm>
+            <a:off x="390071" y="492902"/>
+            <a:ext cx="8363858" cy="934179"/>
+          </a:xfrm>
+          <a:prstGeom prst="rect">
+            <a:avLst/>
+          </a:prstGeom>
+        </p:spPr>
+      </p:pic>
+      <p:sp>
+        <p:nvSpPr>
+          <p:cNvPr id="8" name="TextBox 7"/>
+          <p:cNvSpPr txBox="1"/>
+          <p:nvPr/>
+        </p:nvSpPr>
+        <p:spPr>
+          <a:xfrm>
+            <a:off x="3329603" y="707060"/>
+            <a:ext cx="2395471" cy="505861"/>
+          </a:xfrm>
+          <a:prstGeom prst="rect">
+            <a:avLst/>
+          </a:prstGeom>
+          <a:noFill/>
+        </p:spPr>
+        <p:txBody>
+          <a:bodyPr wrap="none" rtlCol="0">
+            <a:normAutofit lnSpcReduction="10000"/>
+          </a:bodyPr>
+          <a:lstStyle/>
+          <a:p>
+            <a:pPr algn="ctr"/>
+            <a:r>
+              <a:rPr lang="en-US" sz="2800" dirty="0">
+                <a:solidFill>
+                  <a:schemeClr val="bg1"/>
+                </a:solidFill>
+                <a:latin typeface="Helvetica Neue Light"/>
+              </a:rPr>
+              <a:t>Richardson Maturity Model – Level </a:t>
+            </a:r>
+            <a:r>
+              <a:rPr lang="en-US" sz="2800" dirty="0" smtClean="0">
+                <a:solidFill>
+                  <a:schemeClr val="bg1"/>
+                </a:solidFill>
+                <a:latin typeface="Helvetica Neue Light"/>
+              </a:rPr>
+              <a:t>1</a:t>
+            </a:r>
+            <a:endParaRPr lang="en-US" sz="2800" dirty="0" smtClean="0">
+              <a:solidFill>
+                <a:schemeClr val="bg1"/>
+              </a:solidFill>
+              <a:latin typeface="Helvetica Neue Light"/>
+            </a:endParaRPr>
+          </a:p>
+        </p:txBody>
+      </p:sp>
+      <p:sp>
+        <p:nvSpPr>
+          <p:cNvPr id="4" name="TextBox 3"/>
+          <p:cNvSpPr txBox="1"/>
+          <p:nvPr/>
+        </p:nvSpPr>
+        <p:spPr>
+          <a:xfrm>
+            <a:off x="390071" y="1641239"/>
+            <a:ext cx="8363858" cy="4936025"/>
+          </a:xfrm>
+          <a:prstGeom prst="rect">
+            <a:avLst/>
+          </a:prstGeom>
+        </p:spPr>
+        <p:txBody>
+          <a:bodyPr>
+            <a:normAutofit/>
+          </a:bodyPr>
+          <a:lstStyle>
+            <a:lvl1pPr lvl="0" indent="0">
+              <a:lnSpc>
+                <a:spcPct val="120000"/>
+              </a:lnSpc>
+              <a:spcBef>
+                <a:spcPts val="0"/>
+              </a:spcBef>
+              <a:buFont typeface="Arial"/>
+              <a:buNone/>
+              <a:defRPr sz="1600" b="1" i="0">
+                <a:solidFill>
+                  <a:srgbClr val="424D43"/>
+                </a:solidFill>
+                <a:latin typeface="Helvetica Neue Light"/>
+                <a:ea typeface="ヒラギノ明朝 ProN W3" pitchFamily="-84" charset="-128"/>
+              </a:defRPr>
+            </a:lvl1pPr>
+            <a:lvl2pPr marL="742950" indent="-285750">
+              <a:spcBef>
+                <a:spcPct val="20000"/>
+              </a:spcBef>
+              <a:buSzPct val="100000"/>
+              <a:buFont typeface="Arial"/>
+              <a:buChar char="•"/>
+              <a:defRPr sz="2400" b="0" i="0">
+                <a:solidFill>
+                  <a:schemeClr val="tx1">
+                    <a:lumMod val="75000"/>
+                    <a:lumOff val="25000"/>
+                  </a:schemeClr>
+                </a:solidFill>
+                <a:latin typeface="Helvetica Neue Light"/>
+                <a:cs typeface="Helvetica Neue Light"/>
+              </a:defRPr>
+            </a:lvl2pPr>
+            <a:lvl3pPr marL="1143000" indent="-228600">
+              <a:spcBef>
+                <a:spcPct val="20000"/>
+              </a:spcBef>
+              <a:buSzPct val="100000"/>
+              <a:buFont typeface="Arial"/>
+              <a:buChar char="•"/>
+              <a:defRPr sz="2000" b="0" i="0">
+                <a:solidFill>
+                  <a:schemeClr val="tx1">
+                    <a:lumMod val="75000"/>
+                    <a:lumOff val="25000"/>
+                  </a:schemeClr>
+                </a:solidFill>
+                <a:latin typeface="Helvetica Neue Light"/>
+                <a:cs typeface="Helvetica Neue Light"/>
+              </a:defRPr>
+            </a:lvl3pPr>
+            <a:lvl4pPr marL="1600200" indent="-228600">
+              <a:spcBef>
+                <a:spcPct val="20000"/>
+              </a:spcBef>
+              <a:buSzPct val="100000"/>
+              <a:buFont typeface="Arial"/>
+              <a:buChar char="•"/>
+              <a:defRPr b="0" i="0">
+                <a:solidFill>
+                  <a:schemeClr val="tx1">
+                    <a:lumMod val="75000"/>
+                    <a:lumOff val="25000"/>
+                  </a:schemeClr>
+                </a:solidFill>
+                <a:latin typeface="Helvetica Neue Light"/>
+                <a:cs typeface="Helvetica Neue Light"/>
+              </a:defRPr>
+            </a:lvl4pPr>
+            <a:lvl5pPr marL="2057400" indent="-228600">
+              <a:spcBef>
+                <a:spcPct val="20000"/>
+              </a:spcBef>
+              <a:buSzPct val="100000"/>
+              <a:buFont typeface="Arial"/>
+              <a:buChar char="•"/>
+              <a:defRPr sz="1600" b="0" i="0" baseline="0">
+                <a:solidFill>
+                  <a:schemeClr val="tx1">
+                    <a:lumMod val="75000"/>
+                    <a:lumOff val="25000"/>
+                  </a:schemeClr>
+                </a:solidFill>
+                <a:latin typeface="Helvetica Neue Light"/>
+                <a:cs typeface="Helvetica Neue Light"/>
+              </a:defRPr>
+            </a:lvl5pPr>
+            <a:lvl6pPr marL="2514600" indent="-228600">
+              <a:spcBef>
+                <a:spcPct val="20000"/>
+              </a:spcBef>
+              <a:buFont typeface="Arial"/>
+              <a:buChar char="•"/>
+            </a:lvl6pPr>
+            <a:lvl7pPr marL="2971800" indent="-228600">
+              <a:spcBef>
+                <a:spcPct val="20000"/>
+              </a:spcBef>
+              <a:buFont typeface="Arial"/>
+              <a:buChar char="•"/>
+            </a:lvl7pPr>
+            <a:lvl8pPr marL="3429000" indent="-228600">
+              <a:spcBef>
+                <a:spcPct val="20000"/>
+              </a:spcBef>
+              <a:buFont typeface="Arial"/>
+              <a:buChar char="•"/>
+            </a:lvl8pPr>
+            <a:lvl9pPr marL="3886200" indent="-228600">
+              <a:spcBef>
+                <a:spcPct val="20000"/>
+              </a:spcBef>
+              <a:buFont typeface="Arial"/>
+              <a:buChar char="•"/>
+            </a:lvl9pPr>
+          </a:lstStyle>
+          <a:p>
+            <a:endParaRPr lang="en-US" b="0" dirty="0"/>
+          </a:p>
+        </p:txBody>
+      </p:sp>
+      <p:pic>
+        <p:nvPicPr>
+          <p:cNvPr id="3074" name="Picture 2" descr="Figure 3"/>
+          <p:cNvPicPr>
+            <a:picLocks noChangeAspect="1" noChangeArrowheads="1"/>
+          </p:cNvPicPr>
+          <p:nvPr/>
+        </p:nvPicPr>
+        <p:blipFill>
+          <a:blip r:embed="rId4">
+            <a:extLst>
+              <a:ext uri="{28A0092B-C50C-407E-A947-70E740481C1C}">
+                <a14:useLocalDpi xmlns:a14="http://schemas.microsoft.com/office/drawing/2010/main" val="0"/>
+              </a:ext>
+            </a:extLst>
+          </a:blip>
+          <a:srcRect/>
+          <a:stretch>
+            <a:fillRect/>
+          </a:stretch>
+        </p:blipFill>
+        <p:spPr bwMode="auto">
+          <a:xfrm>
+            <a:off x="390071" y="2395216"/>
+            <a:ext cx="8363858" cy="2852045"/>
+          </a:xfrm>
+          <a:prstGeom prst="rect">
+            <a:avLst/>
+          </a:prstGeom>
+          <a:noFill/>
+          <a:extLst>
+            <a:ext uri="{909E8E84-426E-40DD-AFC4-6F175D3DCCD1}">
+              <a14:hiddenFill xmlns:a14="http://schemas.microsoft.com/office/drawing/2010/main">
+                <a:solidFill>
+                  <a:srgbClr val="FFFFFF"/>
+                </a:solidFill>
+              </a14:hiddenFill>
+            </a:ext>
+          </a:extLst>
+        </p:spPr>
+      </p:pic>
+    </p:spTree>
+    <p:extLst>
+      <p:ext uri="{BB962C8B-B14F-4D97-AF65-F5344CB8AC3E}">
+        <p14:creationId xmlns:p14="http://schemas.microsoft.com/office/powerpoint/2010/main" val="59128595"/>
+      </p:ext>
+    </p:extLst>
+  </p:cSld>
+  <p:clrMapOvr>
+    <a:masterClrMapping/>
+  </p:clrMapOvr>
+  <p:timing>
+    <p:tnLst>
+      <p:par>
+        <p:cTn id="1" dur="indefinite" restart="never" nodeType="tmRoot"/>
+      </p:par>
+    </p:tnLst>
+  </p:timing>
+</p:sld>
+</file>
+
+<file path=ppt/slides/slide15.xml><?xml version="1.0" encoding="utf-8"?>
+<p:sld xmlns:a="http://schemas.openxmlformats.org/drawingml/2006/main" xmlns:r="http://schemas.openxmlformats.org/officeDocument/2006/relationships" xmlns:p="http://schemas.openxmlformats.org/presentationml/2006/main">
+  <p:cSld>
+    <p:spTree>
+      <p:nvGrpSpPr>
+        <p:cNvPr id="1" name=""/>
+        <p:cNvGrpSpPr/>
+        <p:nvPr/>
+      </p:nvGrpSpPr>
+      <p:grpSpPr>
+        <a:xfrm>
+          <a:off x="0" y="0"/>
+          <a:ext cx="0" cy="0"/>
+          <a:chOff x="0" y="0"/>
+          <a:chExt cx="0" cy="0"/>
+        </a:xfrm>
+      </p:grpSpPr>
+      <p:pic>
+        <p:nvPicPr>
+          <p:cNvPr id="6" name="Afbeelding 4"/>
+          <p:cNvPicPr>
+            <a:picLocks noChangeAspect="1"/>
+          </p:cNvPicPr>
+          <p:nvPr/>
+        </p:nvPicPr>
+        <p:blipFill>
+          <a:blip r:embed="rId3">
+            <a:extLst>
+              <a:ext uri="{28A0092B-C50C-407E-A947-70E740481C1C}">
+                <a14:useLocalDpi xmlns:a14="http://schemas.microsoft.com/office/drawing/2010/main"/>
+              </a:ext>
+            </a:extLst>
+          </a:blip>
+          <a:stretch>
+            <a:fillRect/>
+          </a:stretch>
+        </p:blipFill>
+        <p:spPr>
+          <a:xfrm>
+            <a:off x="390071" y="492902"/>
+            <a:ext cx="8363858" cy="934179"/>
+          </a:xfrm>
+          <a:prstGeom prst="rect">
+            <a:avLst/>
+          </a:prstGeom>
+        </p:spPr>
+      </p:pic>
+      <p:sp>
+        <p:nvSpPr>
+          <p:cNvPr id="8" name="TextBox 7"/>
+          <p:cNvSpPr txBox="1"/>
+          <p:nvPr/>
+        </p:nvSpPr>
+        <p:spPr>
+          <a:xfrm>
+            <a:off x="3329603" y="707060"/>
+            <a:ext cx="2395471" cy="505861"/>
+          </a:xfrm>
+          <a:prstGeom prst="rect">
+            <a:avLst/>
+          </a:prstGeom>
+          <a:noFill/>
+        </p:spPr>
+        <p:txBody>
+          <a:bodyPr wrap="none" rtlCol="0">
+            <a:normAutofit lnSpcReduction="10000"/>
+          </a:bodyPr>
+          <a:lstStyle/>
+          <a:p>
+            <a:pPr algn="ctr"/>
+            <a:r>
+              <a:rPr lang="en-US" sz="2800" dirty="0">
+                <a:solidFill>
+                  <a:schemeClr val="bg1"/>
+                </a:solidFill>
+                <a:latin typeface="Helvetica Neue Light"/>
+              </a:rPr>
+              <a:t>Richardson Maturity Model – Level </a:t>
+            </a:r>
+            <a:r>
+              <a:rPr lang="en-US" sz="2800" dirty="0" smtClean="0">
+                <a:solidFill>
+                  <a:schemeClr val="bg1"/>
+                </a:solidFill>
+                <a:latin typeface="Helvetica Neue Light"/>
+              </a:rPr>
+              <a:t>2</a:t>
+            </a:r>
+            <a:endParaRPr lang="en-US" sz="2800" dirty="0" smtClean="0">
+              <a:solidFill>
+                <a:schemeClr val="bg1"/>
+              </a:solidFill>
+              <a:latin typeface="Helvetica Neue Light"/>
+            </a:endParaRPr>
+          </a:p>
+        </p:txBody>
+      </p:sp>
+      <p:pic>
+        <p:nvPicPr>
+          <p:cNvPr id="4098" name="Picture 2" descr="Figure 4"/>
+          <p:cNvPicPr>
+            <a:picLocks noChangeAspect="1" noChangeArrowheads="1"/>
+          </p:cNvPicPr>
+          <p:nvPr/>
+        </p:nvPicPr>
+        <p:blipFill>
+          <a:blip r:embed="rId4">
+            <a:extLst>
+              <a:ext uri="{28A0092B-C50C-407E-A947-70E740481C1C}">
+                <a14:useLocalDpi xmlns:a14="http://schemas.microsoft.com/office/drawing/2010/main" val="0"/>
+              </a:ext>
+            </a:extLst>
+          </a:blip>
+          <a:srcRect/>
+          <a:stretch>
+            <a:fillRect/>
+          </a:stretch>
+        </p:blipFill>
+        <p:spPr bwMode="auto">
+          <a:xfrm>
+            <a:off x="390071" y="2432467"/>
+            <a:ext cx="8363858" cy="2852045"/>
+          </a:xfrm>
+          <a:prstGeom prst="rect">
+            <a:avLst/>
+          </a:prstGeom>
+          <a:noFill/>
+          <a:extLst>
+            <a:ext uri="{909E8E84-426E-40DD-AFC4-6F175D3DCCD1}">
+              <a14:hiddenFill xmlns:a14="http://schemas.microsoft.com/office/drawing/2010/main">
+                <a:solidFill>
+                  <a:srgbClr val="FFFFFF"/>
+                </a:solidFill>
+              </a14:hiddenFill>
+            </a:ext>
+          </a:extLst>
+        </p:spPr>
+      </p:pic>
+    </p:spTree>
+    <p:extLst>
+      <p:ext uri="{BB962C8B-B14F-4D97-AF65-F5344CB8AC3E}">
+        <p14:creationId xmlns:p14="http://schemas.microsoft.com/office/powerpoint/2010/main" val="963248993"/>
+      </p:ext>
+    </p:extLst>
+  </p:cSld>
+  <p:clrMapOvr>
+    <a:masterClrMapping/>
+  </p:clrMapOvr>
+  <p:timing>
+    <p:tnLst>
+      <p:par>
+        <p:cTn id="1" dur="indefinite" restart="never" nodeType="tmRoot"/>
+      </p:par>
+    </p:tnLst>
+  </p:timing>
+</p:sld>
+</file>
+
+<file path=ppt/slides/slide16.xml><?xml version="1.0" encoding="utf-8"?>
+<p:sld xmlns:a="http://schemas.openxmlformats.org/drawingml/2006/main" xmlns:r="http://schemas.openxmlformats.org/officeDocument/2006/relationships" xmlns:p="http://schemas.openxmlformats.org/presentationml/2006/main">
+  <p:cSld>
+    <p:spTree>
+      <p:nvGrpSpPr>
+        <p:cNvPr id="1" name=""/>
+        <p:cNvGrpSpPr/>
+        <p:nvPr/>
+      </p:nvGrpSpPr>
+      <p:grpSpPr>
+        <a:xfrm>
+          <a:off x="0" y="0"/>
+          <a:ext cx="0" cy="0"/>
+          <a:chOff x="0" y="0"/>
+          <a:chExt cx="0" cy="0"/>
+        </a:xfrm>
+      </p:grpSpPr>
+      <p:pic>
+        <p:nvPicPr>
+          <p:cNvPr id="6" name="Afbeelding 4"/>
+          <p:cNvPicPr>
+            <a:picLocks noChangeAspect="1"/>
+          </p:cNvPicPr>
+          <p:nvPr/>
+        </p:nvPicPr>
+        <p:blipFill>
+          <a:blip r:embed="rId3">
+            <a:extLst>
+              <a:ext uri="{28A0092B-C50C-407E-A947-70E740481C1C}">
+                <a14:useLocalDpi xmlns:a14="http://schemas.microsoft.com/office/drawing/2010/main"/>
+              </a:ext>
+            </a:extLst>
+          </a:blip>
+          <a:stretch>
+            <a:fillRect/>
+          </a:stretch>
+        </p:blipFill>
+        <p:spPr>
+          <a:xfrm>
+            <a:off x="390071" y="492902"/>
+            <a:ext cx="8363858" cy="934179"/>
+          </a:xfrm>
+          <a:prstGeom prst="rect">
+            <a:avLst/>
+          </a:prstGeom>
+        </p:spPr>
+      </p:pic>
+      <p:sp>
+        <p:nvSpPr>
+          <p:cNvPr id="8" name="TextBox 7"/>
+          <p:cNvSpPr txBox="1"/>
+          <p:nvPr/>
+        </p:nvSpPr>
+        <p:spPr>
+          <a:xfrm>
+            <a:off x="3329603" y="707060"/>
+            <a:ext cx="2395471" cy="505861"/>
+          </a:xfrm>
+          <a:prstGeom prst="rect">
+            <a:avLst/>
+          </a:prstGeom>
+          <a:noFill/>
+        </p:spPr>
+        <p:txBody>
+          <a:bodyPr wrap="none" rtlCol="0">
+            <a:normAutofit lnSpcReduction="10000"/>
+          </a:bodyPr>
+          <a:lstStyle/>
+          <a:p>
+            <a:pPr algn="ctr"/>
+            <a:r>
+              <a:rPr lang="en-US" sz="2800" dirty="0">
+                <a:solidFill>
+                  <a:schemeClr val="bg1"/>
+                </a:solidFill>
+                <a:latin typeface="Helvetica Neue Light"/>
+              </a:rPr>
+              <a:t>Richardson Maturity Model – Level </a:t>
+            </a:r>
+            <a:r>
+              <a:rPr lang="en-US" sz="2800" dirty="0" smtClean="0">
+                <a:solidFill>
+                  <a:schemeClr val="bg1"/>
+                </a:solidFill>
+                <a:latin typeface="Helvetica Neue Light"/>
+              </a:rPr>
+              <a:t>3</a:t>
+            </a:r>
+            <a:endParaRPr lang="en-US" sz="2800" dirty="0" smtClean="0">
+              <a:solidFill>
+                <a:schemeClr val="bg1"/>
+              </a:solidFill>
+              <a:latin typeface="Helvetica Neue Light"/>
+            </a:endParaRPr>
+          </a:p>
+        </p:txBody>
+      </p:sp>
+      <p:pic>
+        <p:nvPicPr>
+          <p:cNvPr id="5122" name="Picture 2" descr="Figure 5"/>
+          <p:cNvPicPr>
+            <a:picLocks noChangeAspect="1" noChangeArrowheads="1"/>
+          </p:cNvPicPr>
+          <p:nvPr/>
+        </p:nvPicPr>
+        <p:blipFill>
+          <a:blip r:embed="rId4">
+            <a:extLst>
+              <a:ext uri="{28A0092B-C50C-407E-A947-70E740481C1C}">
+                <a14:useLocalDpi xmlns:a14="http://schemas.microsoft.com/office/drawing/2010/main" val="0"/>
+              </a:ext>
+            </a:extLst>
+          </a:blip>
+          <a:srcRect/>
+          <a:stretch>
+            <a:fillRect/>
+          </a:stretch>
+        </p:blipFill>
+        <p:spPr bwMode="auto">
+          <a:xfrm>
+            <a:off x="390071" y="2107365"/>
+            <a:ext cx="8064118" cy="3766209"/>
+          </a:xfrm>
+          <a:prstGeom prst="rect">
+            <a:avLst/>
+          </a:prstGeom>
+          <a:noFill/>
+          <a:extLst>
+            <a:ext uri="{909E8E84-426E-40DD-AFC4-6F175D3DCCD1}">
+              <a14:hiddenFill xmlns:a14="http://schemas.microsoft.com/office/drawing/2010/main">
+                <a:solidFill>
+                  <a:srgbClr val="FFFFFF"/>
+                </a:solidFill>
+              </a14:hiddenFill>
+            </a:ext>
+          </a:extLst>
+        </p:spPr>
+      </p:pic>
+    </p:spTree>
+    <p:extLst>
+      <p:ext uri="{BB962C8B-B14F-4D97-AF65-F5344CB8AC3E}">
+        <p14:creationId xmlns:p14="http://schemas.microsoft.com/office/powerpoint/2010/main" val="467502724"/>
+      </p:ext>
+    </p:extLst>
+  </p:cSld>
+  <p:clrMapOvr>
+    <a:masterClrMapping/>
+  </p:clrMapOvr>
+  <p:timing>
+    <p:tnLst>
+      <p:par>
+        <p:cTn id="1" dur="indefinite" restart="never" nodeType="tmRoot"/>
+      </p:par>
+    </p:tnLst>
+  </p:timing>
+</p:sld>
+</file>
+
+<file path=ppt/slides/slide17.xml><?xml version="1.0" encoding="utf-8"?>
+<p:sld xmlns:a="http://schemas.openxmlformats.org/drawingml/2006/main" xmlns:r="http://schemas.openxmlformats.org/officeDocument/2006/relationships" xmlns:p="http://schemas.openxmlformats.org/presentationml/2006/main">
+  <p:cSld>
+    <p:spTree>
+      <p:nvGrpSpPr>
+        <p:cNvPr id="1" name=""/>
+        <p:cNvGrpSpPr/>
+        <p:nvPr/>
+      </p:nvGrpSpPr>
+      <p:grpSpPr>
+        <a:xfrm>
+          <a:off x="0" y="0"/>
+          <a:ext cx="0" cy="0"/>
+          <a:chOff x="0" y="0"/>
+          <a:chExt cx="0" cy="0"/>
+        </a:xfrm>
+      </p:grpSpPr>
       <p:sp>
         <p:nvSpPr>
           <p:cNvPr id="3" name="Rechthoek 2"/>
@@ -4958,17 +9443,7 @@
                 <a:latin typeface="Helvetica Neue Light"/>
                 <a:ea typeface="ヒラギノ明朝 ProN W3" pitchFamily="-84" charset="-128"/>
               </a:rPr>
-              <a:t>Developing</a:t>
-            </a:r>
-            <a:r>
-              <a:rPr lang="en-US" sz="2600" b="1" dirty="0">
-                <a:solidFill>
-                  <a:srgbClr val="424D43"/>
-                </a:solidFill>
-                <a:latin typeface="Helvetica Neue Light"/>
-                <a:ea typeface="ヒラギノ明朝 ProN W3" pitchFamily="-84" charset="-128"/>
-              </a:rPr>
-              <a:t> a REST application</a:t>
+              <a:t>Developing a REST application</a:t>
             </a:r>
           </a:p>
           <a:p>
@@ -5181,25 +9656,8 @@
                 <a:latin typeface="Helvetica Neue Light"/>
                 <a:ea typeface="ヒラギノ明朝 ProN W3" pitchFamily="-84" charset="-128"/>
               </a:rPr>
-              <a:t>Developing a REST </a:t>
-            </a:r>
-            <a:r>
-              <a:rPr lang="en-US" sz="2600" b="1" dirty="0" smtClean="0">
-                <a:solidFill>
-                  <a:srgbClr val="424D43"/>
-                </a:solidFill>
-                <a:latin typeface="Helvetica Neue Light"/>
-                <a:ea typeface="ヒラギノ明朝 ProN W3" pitchFamily="-84" charset="-128"/>
-              </a:rPr>
-              <a:t>application</a:t>
-            </a:r>
-            <a:endParaRPr lang="en-US" sz="2600" b="1" dirty="0" smtClean="0">
-              <a:solidFill>
-                <a:srgbClr val="424D43"/>
-              </a:solidFill>
-              <a:latin typeface="Helvetica Neue Light"/>
-              <a:ea typeface="ヒラギノ明朝 ProN W3" pitchFamily="-84" charset="-128"/>
-            </a:endParaRPr>
+              <a:t>Developing a REST application</a:t>
+            </a:r>
           </a:p>
           <a:p>
             <a:pPr marL="342900" indent="-342900">
@@ -5417,29 +9875,8 @@
                 <a:latin typeface="Helvetica Neue Light"/>
                 <a:ea typeface="ヒラギノ明朝 ProN W3" pitchFamily="-84" charset="-128"/>
               </a:rPr>
-              <a:t>Developing a REST </a:t>
-            </a:r>
-            <a:r>
-              <a:rPr lang="en-US" sz="2600" b="1" dirty="0" smtClean="0">
-                <a:solidFill>
-                  <a:schemeClr val="bg1">
-                    <a:lumMod val="75000"/>
-                  </a:schemeClr>
-                </a:solidFill>
-                <a:latin typeface="Helvetica Neue Light"/>
-                <a:ea typeface="ヒラギノ明朝 ProN W3" pitchFamily="-84" charset="-128"/>
-              </a:rPr>
-              <a:t>application</a:t>
-            </a:r>
-            <a:endParaRPr lang="en-US" sz="2600" b="1" dirty="0" smtClean="0">
-              <a:solidFill>
-                <a:schemeClr val="bg1">
-                  <a:lumMod val="75000"/>
-                </a:schemeClr>
-              </a:solidFill>
-              <a:latin typeface="Helvetica Neue Light"/>
-              <a:ea typeface="ヒラギノ明朝 ProN W3" pitchFamily="-84" charset="-128"/>
-            </a:endParaRPr>
+              <a:t>Developing a REST application</a:t>
+            </a:r>
           </a:p>
           <a:p>
             <a:pPr marL="342900" indent="-342900">
@@ -5643,17 +10080,7 @@
                 <a:ea typeface="ヒラギノ明朝 ProN W3" pitchFamily="-84" charset="-128"/>
                 <a:cs typeface="+mn-cs"/>
               </a:rPr>
-              <a:t>Why </a:t>
-            </a:r>
-            <a:r>
-              <a:rPr lang="en-US" sz="2600" b="1" dirty="0" smtClean="0">
-                <a:solidFill>
-                  <a:srgbClr val="424D43"/>
-                </a:solidFill>
-                <a:ea typeface="ヒラギノ明朝 ProN W3" pitchFamily="-84" charset="-128"/>
-                <a:cs typeface="+mn-cs"/>
-              </a:rPr>
-              <a:t>should I use Web Services?</a:t>
+              <a:t>Why should I use Web Services?</a:t>
             </a:r>
           </a:p>
           <a:p>
@@ -5923,29 +10350,8 @@
                 <a:latin typeface="Helvetica Neue Light"/>
                 <a:ea typeface="ヒラギノ明朝 ProN W3" pitchFamily="-84" charset="-128"/>
               </a:rPr>
-              <a:t>Developing a REST </a:t>
-            </a:r>
-            <a:r>
-              <a:rPr lang="en-US" sz="2600" b="1" dirty="0" smtClean="0">
-                <a:solidFill>
-                  <a:schemeClr val="bg1">
-                    <a:lumMod val="75000"/>
-                  </a:schemeClr>
-                </a:solidFill>
-                <a:latin typeface="Helvetica Neue Light"/>
-                <a:ea typeface="ヒラギノ明朝 ProN W3" pitchFamily="-84" charset="-128"/>
-              </a:rPr>
-              <a:t>application</a:t>
-            </a:r>
-            <a:endParaRPr lang="en-US" sz="2600" b="1" dirty="0" smtClean="0">
-              <a:solidFill>
-                <a:schemeClr val="bg1">
-                  <a:lumMod val="75000"/>
-                </a:schemeClr>
-              </a:solidFill>
-              <a:latin typeface="Helvetica Neue Light"/>
-              <a:ea typeface="ヒラギノ明朝 ProN W3" pitchFamily="-84" charset="-128"/>
-            </a:endParaRPr>
+              <a:t>Developing a REST application</a:t>
+            </a:r>
           </a:p>
           <a:p>
             <a:pPr marL="342900" indent="-342900">
@@ -6833,23 +11239,8 @@
                 </a:solidFill>
                 <a:latin typeface="Helvetica Neue Light"/>
               </a:rPr>
-              <a:t>Types of Web </a:t>
-            </a:r>
-            <a:r>
-              <a:rPr lang="en-US" sz="2800" dirty="0" smtClean="0">
-                <a:solidFill>
-                  <a:schemeClr val="bg1"/>
-                </a:solidFill>
-                <a:latin typeface="Helvetica Neue Light"/>
-              </a:rPr>
-              <a:t>Services – SOAP</a:t>
-            </a:r>
-            <a:endParaRPr lang="en-US" sz="2800" dirty="0" smtClean="0">
-              <a:solidFill>
-                <a:schemeClr val="bg1"/>
-              </a:solidFill>
-              <a:latin typeface="Helvetica Neue Light"/>
-            </a:endParaRPr>
+              <a:t>Types of Web Services – SOAP</a:t>
+            </a:r>
           </a:p>
         </p:txBody>
       </p:sp>
@@ -7052,6 +11443,16 @@
               </a:spcBef>
               <a:buNone/>
             </a:pPr>
+            <a:r>
+              <a:rPr lang="en-US" sz="1600" b="1" noProof="1" smtClean="0">
+                <a:solidFill>
+                  <a:srgbClr val="424D43"/>
+                </a:solidFill>
+                <a:ea typeface="ヒラギノ明朝 ProN W3" pitchFamily="-84" charset="-128"/>
+                <a:cs typeface="+mn-cs"/>
+              </a:rPr>
+              <a:t>How REST works?</a:t>
+            </a:r>
             <a:endParaRPr lang="ro-RO" sz="1600" b="1" noProof="1" smtClean="0">
               <a:solidFill>
                 <a:srgbClr val="424D43"/>
@@ -7088,6 +11489,70 @@
               </a:spcBef>
               <a:buNone/>
             </a:pPr>
+            <a:endParaRPr lang="en-US" sz="1600" b="1" noProof="1" smtClean="0">
+              <a:solidFill>
+                <a:srgbClr val="424D43"/>
+              </a:solidFill>
+              <a:ea typeface="ヒラギノ明朝 ProN W3" pitchFamily="-84" charset="-128"/>
+              <a:cs typeface="+mn-cs"/>
+            </a:endParaRPr>
+          </a:p>
+          <a:p>
+            <a:pPr marL="0" lvl="0" indent="0">
+              <a:lnSpc>
+                <a:spcPct val="120000"/>
+              </a:lnSpc>
+              <a:spcBef>
+                <a:spcPts val="0"/>
+              </a:spcBef>
+              <a:buNone/>
+            </a:pPr>
+            <a:endParaRPr lang="en-US" sz="1600" b="1" noProof="1">
+              <a:solidFill>
+                <a:srgbClr val="424D43"/>
+              </a:solidFill>
+              <a:ea typeface="ヒラギノ明朝 ProN W3" pitchFamily="-84" charset="-128"/>
+              <a:cs typeface="+mn-cs"/>
+            </a:endParaRPr>
+          </a:p>
+          <a:p>
+            <a:pPr marL="0" lvl="0" indent="0">
+              <a:lnSpc>
+                <a:spcPct val="120000"/>
+              </a:lnSpc>
+              <a:spcBef>
+                <a:spcPts val="0"/>
+              </a:spcBef>
+              <a:buNone/>
+            </a:pPr>
+            <a:endParaRPr lang="en-US" sz="1600" b="1" noProof="1" smtClean="0">
+              <a:solidFill>
+                <a:srgbClr val="424D43"/>
+              </a:solidFill>
+              <a:ea typeface="ヒラギノ明朝 ProN W3" pitchFamily="-84" charset="-128"/>
+              <a:cs typeface="+mn-cs"/>
+            </a:endParaRPr>
+          </a:p>
+          <a:p>
+            <a:pPr marL="0" lvl="0" indent="0">
+              <a:lnSpc>
+                <a:spcPct val="120000"/>
+              </a:lnSpc>
+              <a:spcBef>
+                <a:spcPts val="0"/>
+              </a:spcBef>
+              <a:buNone/>
+            </a:pPr>
+            <a:r>
+              <a:rPr lang="en-US" sz="1600" b="1" noProof="1" smtClean="0">
+                <a:solidFill>
+                  <a:srgbClr val="424D43"/>
+                </a:solidFill>
+                <a:ea typeface="ヒラギノ明朝 ProN W3" pitchFamily="-84" charset="-128"/>
+                <a:cs typeface="+mn-cs"/>
+              </a:rPr>
+              <a:t>REST diagram</a:t>
+            </a:r>
             <a:endParaRPr lang="ro-RO" sz="1600" b="1" noProof="1" smtClean="0">
               <a:solidFill>
                 <a:srgbClr val="424D43"/>
@@ -7196,78 +11661,6 @@
               </a:spcBef>
               <a:buNone/>
             </a:pPr>
-            <a:endParaRPr lang="ro-RO" sz="1600" b="1" noProof="1" smtClean="0">
-              <a:solidFill>
-                <a:srgbClr val="424D43"/>
-              </a:solidFill>
-              <a:ea typeface="ヒラギノ明朝 ProN W3" pitchFamily="-84" charset="-128"/>
-              <a:cs typeface="+mn-cs"/>
-            </a:endParaRPr>
-          </a:p>
-          <a:p>
-            <a:pPr marL="0" lvl="0" indent="0">
-              <a:lnSpc>
-                <a:spcPct val="120000"/>
-              </a:lnSpc>
-              <a:spcBef>
-                <a:spcPts val="0"/>
-              </a:spcBef>
-              <a:buNone/>
-            </a:pPr>
-            <a:endParaRPr lang="ro-RO" sz="1600" b="1" noProof="1">
-              <a:solidFill>
-                <a:srgbClr val="424D43"/>
-              </a:solidFill>
-              <a:ea typeface="ヒラギノ明朝 ProN W3" pitchFamily="-84" charset="-128"/>
-              <a:cs typeface="+mn-cs"/>
-            </a:endParaRPr>
-          </a:p>
-          <a:p>
-            <a:pPr marL="0" lvl="0" indent="0">
-              <a:lnSpc>
-                <a:spcPct val="120000"/>
-              </a:lnSpc>
-              <a:spcBef>
-                <a:spcPts val="0"/>
-              </a:spcBef>
-              <a:buNone/>
-            </a:pPr>
-            <a:endParaRPr lang="ro-RO" sz="1600" b="1" noProof="1" smtClean="0">
-              <a:solidFill>
-                <a:srgbClr val="424D43"/>
-              </a:solidFill>
-              <a:ea typeface="ヒラギノ明朝 ProN W3" pitchFamily="-84" charset="-128"/>
-              <a:cs typeface="+mn-cs"/>
-            </a:endParaRPr>
-          </a:p>
-          <a:p>
-            <a:pPr marL="0" lvl="0" indent="0">
-              <a:lnSpc>
-                <a:spcPct val="120000"/>
-              </a:lnSpc>
-              <a:spcBef>
-                <a:spcPts val="0"/>
-              </a:spcBef>
-              <a:buNone/>
-            </a:pPr>
-            <a:endParaRPr lang="ro-RO" sz="1600" b="1" noProof="1">
-              <a:solidFill>
-                <a:srgbClr val="424D43"/>
-              </a:solidFill>
-              <a:ea typeface="ヒラギノ明朝 ProN W3" pitchFamily="-84" charset="-128"/>
-              <a:cs typeface="+mn-cs"/>
-            </a:endParaRPr>
-          </a:p>
-          <a:p>
-            <a:pPr marL="0" lvl="0" indent="0">
-              <a:lnSpc>
-                <a:spcPct val="120000"/>
-              </a:lnSpc>
-              <a:spcBef>
-                <a:spcPts val="0"/>
-              </a:spcBef>
-              <a:buNone/>
-            </a:pPr>
             <a:endParaRPr lang="nl-NL" sz="1600" b="1" noProof="1" smtClean="0">
               <a:solidFill>
                 <a:srgbClr val="424D43"/>
@@ -7319,7 +11712,25 @@
                 </a:solidFill>
                 <a:ea typeface="ヒラギノ明朝 ProN W3" pitchFamily="-84" charset="-128"/>
               </a:rPr>
-              <a:t>presentation on SOAP can be found </a:t>
+              <a:t>presentation on </a:t>
+            </a:r>
+            <a:r>
+              <a:rPr lang="en-US" sz="1600" b="1" noProof="1" smtClean="0">
+                <a:solidFill>
+                  <a:srgbClr val="424D43"/>
+                </a:solidFill>
+                <a:ea typeface="ヒラギノ明朝 ProN W3" pitchFamily="-84" charset="-128"/>
+              </a:rPr>
+              <a:t>REST can </a:t>
+            </a:r>
+            <a:r>
+              <a:rPr lang="en-US" sz="1600" b="1" noProof="1">
+                <a:solidFill>
+                  <a:srgbClr val="424D43"/>
+                </a:solidFill>
+                <a:ea typeface="ヒラギノ明朝 ProN W3" pitchFamily="-84" charset="-128"/>
+              </a:rPr>
+              <a:t>be found </a:t>
             </a:r>
             <a:r>
               <a:rPr lang="en-US" sz="1600" b="1" noProof="1">
@@ -7457,16 +11868,7 @@
                 </a:solidFill>
                 <a:latin typeface="Helvetica Neue Light"/>
               </a:rPr>
-              <a:t>Types of Web </a:t>
-            </a:r>
-            <a:r>
-              <a:rPr lang="en-US" sz="2800" dirty="0" smtClean="0">
-                <a:solidFill>
-                  <a:schemeClr val="bg1"/>
-                </a:solidFill>
-                <a:latin typeface="Helvetica Neue Light"/>
-              </a:rPr>
-              <a:t>Services – </a:t>
+              <a:t>Types of Web Services – </a:t>
             </a:r>
             <a:r>
               <a:rPr lang="ro-RO" sz="2800" dirty="0" smtClean="0">
@@ -7486,6 +11888,47 @@
           </a:p>
         </p:txBody>
       </p:sp>
+      <p:pic>
+        <p:nvPicPr>
+          <p:cNvPr id="6146" name="Picture 2" descr="http://www.comune.cagliari.it/resources/cms/images/rest-websrvices_d0.jpg"/>
+          <p:cNvPicPr>
+            <a:picLocks noChangeAspect="1" noChangeArrowheads="1"/>
+          </p:cNvPicPr>
+          <p:nvPr/>
+        </p:nvPicPr>
+        <p:blipFill>
+          <a:blip r:embed="rId5">
+            <a:extLst>
+              <a:ext uri="{28A0092B-C50C-407E-A947-70E740481C1C}">
+                <a14:useLocalDpi xmlns:a14="http://schemas.microsoft.com/office/drawing/2010/main" val="0"/>
+              </a:ext>
+            </a:extLst>
+          </a:blip>
+          <a:srcRect/>
+          <a:stretch>
+            <a:fillRect/>
+          </a:stretch>
+        </p:blipFill>
+        <p:spPr bwMode="auto">
+          <a:xfrm>
+            <a:off x="3120796" y="1946038"/>
+            <a:ext cx="5633133" cy="3524320"/>
+          </a:xfrm>
+          <a:prstGeom prst="rect">
+            <a:avLst/>
+          </a:prstGeom>
+          <a:noFill/>
+          <a:extLst>
+            <a:ext uri="{909E8E84-426E-40DD-AFC4-6F175D3DCCD1}">
+              <a14:hiddenFill xmlns:a14="http://schemas.microsoft.com/office/drawing/2010/main">
+                <a:solidFill>
+                  <a:srgbClr val="FFFFFF"/>
+                </a:solidFill>
+              </a14:hiddenFill>
+            </a:ext>
+          </a:extLst>
+        </p:spPr>
+      </p:pic>
     </p:spTree>
     <p:extLst>
       <p:ext uri="{BB962C8B-B14F-4D97-AF65-F5344CB8AC3E}">
@@ -7603,12 +12046,6 @@
               </a:rPr>
               <a:t>vs REST</a:t>
             </a:r>
-            <a:endParaRPr lang="en-US" sz="2800" dirty="0" smtClean="0">
-              <a:solidFill>
-                <a:schemeClr val="bg1"/>
-              </a:solidFill>
-              <a:latin typeface="Helvetica Neue Light"/>
-            </a:endParaRPr>
           </a:p>
         </p:txBody>
       </p:sp>
@@ -9680,6 +14117,34 @@
 </file>
 
 <file path=customXml/item2.xml><?xml version="1.0" encoding="utf-8"?>
+<p:properties xmlns:p="http://schemas.microsoft.com/office/2006/metadata/properties" xmlns:xsi="http://www.w3.org/2001/XMLSchema-instance" xmlns:pc="http://schemas.microsoft.com/office/infopath/2007/PartnerControls">
+  <documentManagement>
+    <TemplateUrl xmlns="http://schemas.microsoft.com/sharepoint/v3" xsi:nil="true"/>
+    <_SourceUrl xmlns="http://schemas.microsoft.com/sharepoint/v3" xsi:nil="true"/>
+    <xd_ProgID xmlns="http://schemas.microsoft.com/sharepoint/v3" xsi:nil="true"/>
+    <Order xmlns="http://schemas.microsoft.com/sharepoint/v3" xsi:nil="true"/>
+    <_SharedFileIndex xmlns="http://schemas.microsoft.com/sharepoint/v3" xsi:nil="true"/>
+    <MetaInfo xmlns="http://schemas.microsoft.com/sharepoint/v3" xsi:nil="true"/>
+    <ContentTypeId xmlns="http://schemas.microsoft.com/sharepoint/v3">0x010100E25DA1609B7607469C1AC9B6F8A6FE9D</ContentTypeId>
+    <_dlc_DocId xmlns="696890a7-2738-473a-8580-15948eca3069">Y5ANCCKZ2MDQ-10-1542</_dlc_DocId>
+    <_dlc_DocIdUrl xmlns="696890a7-2738-473a-8580-15948eca3069">
+      <Url>https://internal.levi9.com/_layouts/15/DocIdRedir.aspx?ID=Y5ANCCKZ2MDQ-10-1542</Url>
+      <Description>Y5ANCCKZ2MDQ-10-1542</Description>
+    </_dlc_DocIdUrl>
+  </documentManagement>
+</p:properties>
+</file>
+
+<file path=customXml/item3.xml><?xml version="1.0" encoding="utf-8"?>
+<?mso-contentType ?>
+<FormTemplates xmlns="http://schemas.microsoft.com/sharepoint/v3/contenttype/forms">
+  <Display>DocumentLibraryForm</Display>
+  <Edit>DocumentLibraryForm</Edit>
+  <New>DocumentLibraryForm</New>
+</FormTemplates>
+</file>
+
+<file path=customXml/item4.xml><?xml version="1.0" encoding="utf-8"?>
 <?mso-contentType ?>
 <spe:Receivers xmlns:spe="http://schemas.microsoft.com/sharepoint/events">
   <Receiver>
@@ -9729,34 +14194,6 @@
 </spe:Receivers>
 </file>
 
-<file path=customXml/item3.xml><?xml version="1.0" encoding="utf-8"?>
-<?mso-contentType ?>
-<FormTemplates xmlns="http://schemas.microsoft.com/sharepoint/v3/contenttype/forms">
-  <Display>DocumentLibraryForm</Display>
-  <Edit>DocumentLibraryForm</Edit>
-  <New>DocumentLibraryForm</New>
-</FormTemplates>
-</file>
-
-<file path=customXml/item4.xml><?xml version="1.0" encoding="utf-8"?>
-<p:properties xmlns:p="http://schemas.microsoft.com/office/2006/metadata/properties" xmlns:xsi="http://www.w3.org/2001/XMLSchema-instance" xmlns:pc="http://schemas.microsoft.com/office/infopath/2007/PartnerControls">
-  <documentManagement>
-    <TemplateUrl xmlns="http://schemas.microsoft.com/sharepoint/v3" xsi:nil="true"/>
-    <_SourceUrl xmlns="http://schemas.microsoft.com/sharepoint/v3" xsi:nil="true"/>
-    <xd_ProgID xmlns="http://schemas.microsoft.com/sharepoint/v3" xsi:nil="true"/>
-    <Order xmlns="http://schemas.microsoft.com/sharepoint/v3" xsi:nil="true"/>
-    <_SharedFileIndex xmlns="http://schemas.microsoft.com/sharepoint/v3" xsi:nil="true"/>
-    <MetaInfo xmlns="http://schemas.microsoft.com/sharepoint/v3" xsi:nil="true"/>
-    <ContentTypeId xmlns="http://schemas.microsoft.com/sharepoint/v3">0x010100E25DA1609B7607469C1AC9B6F8A6FE9D</ContentTypeId>
-    <_dlc_DocId xmlns="696890a7-2738-473a-8580-15948eca3069">Y5ANCCKZ2MDQ-10-1542</_dlc_DocId>
-    <_dlc_DocIdUrl xmlns="696890a7-2738-473a-8580-15948eca3069">
-      <Url>https://internal.levi9.com/_layouts/15/DocIdRedir.aspx?ID=Y5ANCCKZ2MDQ-10-1542</Url>
-      <Description>Y5ANCCKZ2MDQ-10-1542</Description>
-    </_dlc_DocIdUrl>
-  </documentManagement>
-</p:properties>
-</file>
-
 <file path=customXml/itemProps1.xml><?xml version="1.0" encoding="utf-8"?>
 <ds:datastoreItem xmlns:ds="http://schemas.openxmlformats.org/officeDocument/2006/customXml" ds:itemID="{9537DA68-33FD-40D7-963A-955D4E055832}">
   <ds:schemaRefs>
@@ -9777,22 +14214,6 @@
 </file>
 
 <file path=customXml/itemProps2.xml><?xml version="1.0" encoding="utf-8"?>
-<ds:datastoreItem xmlns:ds="http://schemas.openxmlformats.org/officeDocument/2006/customXml" ds:itemID="{DFBE2CE3-A764-49E9-945D-1AE464F7016A}">
-  <ds:schemaRefs>
-    <ds:schemaRef ds:uri="http://schemas.microsoft.com/sharepoint/events"/>
-  </ds:schemaRefs>
-</ds:datastoreItem>
-</file>
-
-<file path=customXml/itemProps3.xml><?xml version="1.0" encoding="utf-8"?>
-<ds:datastoreItem xmlns:ds="http://schemas.openxmlformats.org/officeDocument/2006/customXml" ds:itemID="{EBB62213-8F90-4EF1-A6A4-641F0452CB52}">
-  <ds:schemaRefs>
-    <ds:schemaRef ds:uri="http://schemas.microsoft.com/sharepoint/v3/contenttype/forms"/>
-  </ds:schemaRefs>
-</ds:datastoreItem>
-</file>
-
-<file path=customXml/itemProps4.xml><?xml version="1.0" encoding="utf-8"?>
 <ds:datastoreItem xmlns:ds="http://schemas.openxmlformats.org/officeDocument/2006/customXml" ds:itemID="{61631425-235C-4781-93DD-7928AF7173EF}">
   <ds:schemaRefs>
     <ds:schemaRef ds:uri="http://schemas.microsoft.com/office/2006/metadata/properties"/>
@@ -9807,4 +14228,20 @@
     <ds:schemaRef ds:uri="http://purl.org/dc/terms/"/>
   </ds:schemaRefs>
 </ds:datastoreItem>
+</file>
+
+<file path=customXml/itemProps3.xml><?xml version="1.0" encoding="utf-8"?>
+<ds:datastoreItem xmlns:ds="http://schemas.openxmlformats.org/officeDocument/2006/customXml" ds:itemID="{EBB62213-8F90-4EF1-A6A4-641F0452CB52}">
+  <ds:schemaRefs>
+    <ds:schemaRef ds:uri="http://schemas.microsoft.com/sharepoint/v3/contenttype/forms"/>
+  </ds:schemaRefs>
+</ds:datastoreItem>
+</file>
+
+<file path=customXml/itemProps4.xml><?xml version="1.0" encoding="utf-8"?>
+<ds:datastoreItem xmlns:ds="http://schemas.openxmlformats.org/officeDocument/2006/customXml" ds:itemID="{DFBE2CE3-A764-49E9-945D-1AE464F7016A}">
+  <ds:schemaRefs>
+    <ds:schemaRef ds:uri="http://schemas.microsoft.com/sharepoint/events"/>
+  </ds:schemaRefs>
+</ds:datastoreItem>
 </file>
--- a/BEcome.AIESEC.Tech.Levi9.March.2016.pptx
+++ b/BEcome.AIESEC.Tech.Levi9.March.2016.pptx
@@ -238,7 +238,7 @@
           <a:p>
             <a:fld id="{4BEF8651-3ED7-4908-89A0-BE7A233C7155}" type="datetimeFigureOut">
               <a:rPr lang="en-US" smtClean="0"/>
-              <a:t>3/1/2016</a:t>
+              <a:t>3/2/2016</a:t>
             </a:fld>
             <a:endParaRPr lang="en-US"/>
           </a:p>
@@ -3149,11 +3149,7 @@
             </a:r>
             <a:r>
               <a:rPr lang="en-US" b="0" baseline="0" dirty="0" smtClean="0"/>
-              <a:t> un </a:t>
-            </a:r>
-            <a:r>
-              <a:rPr lang="en-US" b="0" baseline="0" dirty="0" smtClean="0"/>
-              <a:t>SEI (Service Endpoint Interface – language specific) </a:t>
+              <a:t> un SEI (Service Endpoint Interface – language specific) </a:t>
             </a:r>
             <a:r>
               <a:rPr lang="en-US" b="0" baseline="0" dirty="0" err="1" smtClean="0"/>
@@ -3587,43 +3583,7 @@
                 <a:ea typeface="+mn-ea"/>
                 <a:cs typeface="+mn-cs"/>
               </a:rPr>
-              <a:t> is an architecture style for </a:t>
-            </a:r>
-            <a:r>
-              <a:rPr lang="en-US" sz="1200" b="0" i="0" kern="1200" dirty="0" smtClean="0">
-                <a:solidFill>
-                  <a:schemeClr val="tx1"/>
-                </a:solidFill>
-                <a:effectLst/>
-                <a:latin typeface="+mn-lt"/>
-                <a:ea typeface="+mn-ea"/>
-                <a:cs typeface="+mn-cs"/>
-              </a:rPr>
-              <a:t>designing </a:t>
-            </a:r>
-            <a:r>
-              <a:rPr lang="en-US" sz="1200" b="0" i="0" kern="1200" dirty="0" smtClean="0">
-                <a:solidFill>
-                  <a:schemeClr val="tx1"/>
-                </a:solidFill>
-                <a:effectLst/>
-                <a:latin typeface="+mn-lt"/>
-                <a:ea typeface="+mn-ea"/>
-                <a:cs typeface="+mn-cs"/>
-              </a:rPr>
-              <a:t>networked applications</a:t>
-            </a:r>
-            <a:r>
-              <a:rPr lang="en-US" sz="1200" b="0" i="0" kern="1200" dirty="0" smtClean="0">
-                <a:solidFill>
-                  <a:schemeClr val="tx1"/>
-                </a:solidFill>
-                <a:effectLst/>
-                <a:latin typeface="+mn-lt"/>
-                <a:ea typeface="+mn-ea"/>
-                <a:cs typeface="+mn-cs"/>
-              </a:rPr>
-              <a:t>.</a:t>
+              <a:t> is an architecture style for designing networked applications.</a:t>
             </a:r>
           </a:p>
           <a:p>
@@ -7511,7 +7471,7 @@
           <a:lstStyle/>
           <a:p>
             <a:r>
-              <a:rPr lang="en-US" smtClean="0"/>
+              <a:rPr lang="en-US" dirty="0" err="1" smtClean="0"/>
               <a:t>BEcome</a:t>
             </a:r>
             <a:r>
@@ -7568,6 +7528,117 @@
           </a:p>
         </p:txBody>
       </p:sp>
+      <p:grpSp>
+        <p:nvGrpSpPr>
+          <p:cNvPr id="4" name="Group 4"/>
+          <p:cNvGrpSpPr>
+            <a:grpSpLocks noChangeAspect="1"/>
+          </p:cNvGrpSpPr>
+          <p:nvPr/>
+        </p:nvGrpSpPr>
+        <p:grpSpPr bwMode="auto">
+          <a:xfrm>
+            <a:off x="1708150" y="5348288"/>
+            <a:ext cx="5934075" cy="1260475"/>
+            <a:chOff x="1076" y="3369"/>
+            <a:chExt cx="3738" cy="794"/>
+          </a:xfrm>
+        </p:grpSpPr>
+        <p:sp>
+          <p:nvSpPr>
+            <p:cNvPr id="5" name="AutoShape 3"/>
+            <p:cNvSpPr>
+              <a:spLocks noChangeAspect="1" noChangeArrowheads="1" noTextEdit="1"/>
+            </p:cNvSpPr>
+            <p:nvPr/>
+          </p:nvSpPr>
+          <p:spPr bwMode="auto">
+            <a:xfrm>
+              <a:off x="1076" y="3369"/>
+              <a:ext cx="3738" cy="794"/>
+            </a:xfrm>
+            <a:prstGeom prst="rect">
+              <a:avLst/>
+            </a:prstGeom>
+            <a:ln/>
+          </p:spPr>
+          <p:style>
+            <a:lnRef idx="2">
+              <a:schemeClr val="accent1">
+                <a:shade val="50000"/>
+              </a:schemeClr>
+            </a:lnRef>
+            <a:fillRef idx="1">
+              <a:schemeClr val="accent1"/>
+            </a:fillRef>
+            <a:effectRef idx="0">
+              <a:schemeClr val="accent1"/>
+            </a:effectRef>
+            <a:fontRef idx="minor">
+              <a:schemeClr val="lt1"/>
+            </a:fontRef>
+          </p:style>
+          <p:txBody>
+            <a:bodyPr vert="horz" wrap="square" lIns="91440" tIns="45720" rIns="91440" bIns="45720" numCol="1" anchor="t" anchorCtr="0" compatLnSpc="1">
+              <a:prstTxWarp prst="textNoShape">
+                <a:avLst/>
+              </a:prstTxWarp>
+            </a:bodyPr>
+            <a:lstStyle/>
+            <a:p>
+              <a:endParaRPr lang="en-US"/>
+            </a:p>
+          </p:txBody>
+        </p:sp>
+        <p:pic>
+          <p:nvPicPr>
+            <p:cNvPr id="6" name="Picture 5"/>
+            <p:cNvPicPr>
+              <a:picLocks noChangeAspect="1" noChangeArrowheads="1"/>
+            </p:cNvPicPr>
+            <p:nvPr/>
+          </p:nvPicPr>
+          <p:blipFill>
+            <a:blip r:embed="rId2">
+              <a:extLst>
+                <a:ext uri="{28A0092B-C50C-407E-A947-70E740481C1C}">
+                  <a14:useLocalDpi xmlns:a14="http://schemas.microsoft.com/office/drawing/2010/main" val="0"/>
+                </a:ext>
+              </a:extLst>
+            </a:blip>
+            <a:srcRect/>
+            <a:stretch>
+              <a:fillRect/>
+            </a:stretch>
+          </p:blipFill>
+          <p:spPr bwMode="auto">
+            <a:xfrm>
+              <a:off x="1076" y="3369"/>
+              <a:ext cx="3741" cy="797"/>
+            </a:xfrm>
+            <a:prstGeom prst="rect">
+              <a:avLst/>
+            </a:prstGeom>
+            <a:ln/>
+          </p:spPr>
+          <p:style>
+            <a:lnRef idx="2">
+              <a:schemeClr val="accent1">
+                <a:shade val="50000"/>
+              </a:schemeClr>
+            </a:lnRef>
+            <a:fillRef idx="1">
+              <a:schemeClr val="accent1"/>
+            </a:fillRef>
+            <a:effectRef idx="0">
+              <a:schemeClr val="accent1"/>
+            </a:effectRef>
+            <a:fontRef idx="minor">
+              <a:schemeClr val="lt1"/>
+            </a:fontRef>
+          </p:style>
+        </p:pic>
+      </p:grpSp>
     </p:spTree>
     <p:extLst>
       <p:ext uri="{BB962C8B-B14F-4D97-AF65-F5344CB8AC3E}">
@@ -8360,7 +8431,6 @@
               <a:rPr lang="en-US" b="0" dirty="0"/>
               <a:t>A model (developed by Leonard Richardson) that breaks down the principal elements of a REST approach into three steps. These introduce resources, http verbs, and hypermedia controls.</a:t>
             </a:r>
-            <a:endParaRPr lang="en-US" b="0" dirty="0"/>
           </a:p>
         </p:txBody>
       </p:sp>
@@ -8513,12 +8583,6 @@
               </a:rPr>
               <a:t>Model – Level 0</a:t>
             </a:r>
-            <a:endParaRPr lang="en-US" sz="2800" dirty="0" smtClean="0">
-              <a:solidFill>
-                <a:schemeClr val="bg1"/>
-              </a:solidFill>
-              <a:latin typeface="Helvetica Neue Light"/>
-            </a:endParaRPr>
           </a:p>
         </p:txBody>
       </p:sp>
@@ -8814,12 +8878,6 @@
               </a:rPr>
               <a:t>1</a:t>
             </a:r>
-            <a:endParaRPr lang="en-US" sz="2800" dirty="0" smtClean="0">
-              <a:solidFill>
-                <a:schemeClr val="bg1"/>
-              </a:solidFill>
-              <a:latin typeface="Helvetica Neue Light"/>
-            </a:endParaRPr>
           </a:p>
         </p:txBody>
       </p:sp>
@@ -9115,12 +9173,6 @@
               </a:rPr>
               <a:t>2</a:t>
             </a:r>
-            <a:endParaRPr lang="en-US" sz="2800" dirty="0" smtClean="0">
-              <a:solidFill>
-                <a:schemeClr val="bg1"/>
-              </a:solidFill>
-              <a:latin typeface="Helvetica Neue Light"/>
-            </a:endParaRPr>
           </a:p>
         </p:txBody>
       </p:sp>
@@ -9273,12 +9325,6 @@
               </a:rPr>
               <a:t>3</a:t>
             </a:r>
-            <a:endParaRPr lang="en-US" sz="2800" dirty="0" smtClean="0">
-              <a:solidFill>
-                <a:schemeClr val="bg1"/>
-              </a:solidFill>
-              <a:latin typeface="Helvetica Neue Light"/>
-            </a:endParaRPr>
           </a:p>
         </p:txBody>
       </p:sp>
@@ -13625,6 +13671,34 @@
 </file>
 
 <file path=customXml/item1.xml><?xml version="1.0" encoding="utf-8"?>
+<?mso-contentType ?>
+<FormTemplates xmlns="http://schemas.microsoft.com/sharepoint/v3/contenttype/forms">
+  <Display>DocumentLibraryForm</Display>
+  <Edit>DocumentLibraryForm</Edit>
+  <New>DocumentLibraryForm</New>
+</FormTemplates>
+</file>
+
+<file path=customXml/item2.xml><?xml version="1.0" encoding="utf-8"?>
+<p:properties xmlns:p="http://schemas.microsoft.com/office/2006/metadata/properties" xmlns:xsi="http://www.w3.org/2001/XMLSchema-instance" xmlns:pc="http://schemas.microsoft.com/office/infopath/2007/PartnerControls">
+  <documentManagement>
+    <TemplateUrl xmlns="http://schemas.microsoft.com/sharepoint/v3" xsi:nil="true"/>
+    <_SourceUrl xmlns="http://schemas.microsoft.com/sharepoint/v3" xsi:nil="true"/>
+    <xd_ProgID xmlns="http://schemas.microsoft.com/sharepoint/v3" xsi:nil="true"/>
+    <Order xmlns="http://schemas.microsoft.com/sharepoint/v3" xsi:nil="true"/>
+    <_SharedFileIndex xmlns="http://schemas.microsoft.com/sharepoint/v3" xsi:nil="true"/>
+    <MetaInfo xmlns="http://schemas.microsoft.com/sharepoint/v3" xsi:nil="true"/>
+    <ContentTypeId xmlns="http://schemas.microsoft.com/sharepoint/v3">0x010100E25DA1609B7607469C1AC9B6F8A6FE9D</ContentTypeId>
+    <_dlc_DocId xmlns="696890a7-2738-473a-8580-15948eca3069">Y5ANCCKZ2MDQ-10-1542</_dlc_DocId>
+    <_dlc_DocIdUrl xmlns="696890a7-2738-473a-8580-15948eca3069">
+      <Url>https://internal.levi9.com/_layouts/15/DocIdRedir.aspx?ID=Y5ANCCKZ2MDQ-10-1542</Url>
+      <Description>Y5ANCCKZ2MDQ-10-1542</Description>
+    </_dlc_DocIdUrl>
+  </documentManagement>
+</p:properties>
+</file>
+
+<file path=customXml/item3.xml><?xml version="1.0" encoding="utf-8"?>
 <ct:contentTypeSchema xmlns:ct="http://schemas.microsoft.com/office/2006/metadata/contentType" xmlns:ma="http://schemas.microsoft.com/office/2006/metadata/properties/metaAttributes" ct:_="" ma:_="" ma:contentTypeName="Document" ma:contentTypeID="0x010100E25DA1609B7607469C1AC9B6F8A6FE9D" ma:contentTypeVersion="2" ma:contentTypeDescription="Create a new document." ma:contentTypeScope="" ma:versionID="4a9137d238132a7f3847ed896ce73801">
   <xsd:schema xmlns:xsd="http://www.w3.org/2001/XMLSchema" xmlns:xs="http://www.w3.org/2001/XMLSchema" xmlns:p="http://schemas.microsoft.com/office/2006/metadata/properties" xmlns:ns1="http://schemas.microsoft.com/sharepoint/v3" xmlns:ns2="696890a7-2738-473a-8580-15948eca3069" targetNamespace="http://schemas.microsoft.com/office/2006/metadata/properties" ma:root="true" ma:fieldsID="cc6804599cb381d96cddd0f9a4d92b86" ns1:_="" ns2:_="">
     <xsd:import namespace="http://schemas.microsoft.com/sharepoint/v3"/>
@@ -14116,34 +14190,6 @@
 </ct:contentTypeSchema>
 </file>
 
-<file path=customXml/item2.xml><?xml version="1.0" encoding="utf-8"?>
-<p:properties xmlns:p="http://schemas.microsoft.com/office/2006/metadata/properties" xmlns:xsi="http://www.w3.org/2001/XMLSchema-instance" xmlns:pc="http://schemas.microsoft.com/office/infopath/2007/PartnerControls">
-  <documentManagement>
-    <TemplateUrl xmlns="http://schemas.microsoft.com/sharepoint/v3" xsi:nil="true"/>
-    <_SourceUrl xmlns="http://schemas.microsoft.com/sharepoint/v3" xsi:nil="true"/>
-    <xd_ProgID xmlns="http://schemas.microsoft.com/sharepoint/v3" xsi:nil="true"/>
-    <Order xmlns="http://schemas.microsoft.com/sharepoint/v3" xsi:nil="true"/>
-    <_SharedFileIndex xmlns="http://schemas.microsoft.com/sharepoint/v3" xsi:nil="true"/>
-    <MetaInfo xmlns="http://schemas.microsoft.com/sharepoint/v3" xsi:nil="true"/>
-    <ContentTypeId xmlns="http://schemas.microsoft.com/sharepoint/v3">0x010100E25DA1609B7607469C1AC9B6F8A6FE9D</ContentTypeId>
-    <_dlc_DocId xmlns="696890a7-2738-473a-8580-15948eca3069">Y5ANCCKZ2MDQ-10-1542</_dlc_DocId>
-    <_dlc_DocIdUrl xmlns="696890a7-2738-473a-8580-15948eca3069">
-      <Url>https://internal.levi9.com/_layouts/15/DocIdRedir.aspx?ID=Y5ANCCKZ2MDQ-10-1542</Url>
-      <Description>Y5ANCCKZ2MDQ-10-1542</Description>
-    </_dlc_DocIdUrl>
-  </documentManagement>
-</p:properties>
-</file>
-
-<file path=customXml/item3.xml><?xml version="1.0" encoding="utf-8"?>
-<?mso-contentType ?>
-<FormTemplates xmlns="http://schemas.microsoft.com/sharepoint/v3/contenttype/forms">
-  <Display>DocumentLibraryForm</Display>
-  <Edit>DocumentLibraryForm</Edit>
-  <New>DocumentLibraryForm</New>
-</FormTemplates>
-</file>
-
 <file path=customXml/item4.xml><?xml version="1.0" encoding="utf-8"?>
 <?mso-contentType ?>
 <spe:Receivers xmlns:spe="http://schemas.microsoft.com/sharepoint/events">
@@ -14195,20 +14241,9 @@
 </file>
 
 <file path=customXml/itemProps1.xml><?xml version="1.0" encoding="utf-8"?>
-<ds:datastoreItem xmlns:ds="http://schemas.openxmlformats.org/officeDocument/2006/customXml" ds:itemID="{9537DA68-33FD-40D7-963A-955D4E055832}">
+<ds:datastoreItem xmlns:ds="http://schemas.openxmlformats.org/officeDocument/2006/customXml" ds:itemID="{EBB62213-8F90-4EF1-A6A4-641F0452CB52}">
   <ds:schemaRefs>
-    <ds:schemaRef ds:uri="http://schemas.microsoft.com/office/2006/metadata/contentType"/>
-    <ds:schemaRef ds:uri="http://schemas.microsoft.com/office/2006/metadata/properties/metaAttributes"/>
-    <ds:schemaRef ds:uri="http://www.w3.org/2001/XMLSchema"/>
-    <ds:schemaRef ds:uri="http://schemas.microsoft.com/office/2006/metadata/properties"/>
-    <ds:schemaRef ds:uri="http://schemas.microsoft.com/sharepoint/v3"/>
-    <ds:schemaRef ds:uri="696890a7-2738-473a-8580-15948eca3069"/>
-    <ds:schemaRef ds:uri="http://schemas.microsoft.com/office/2006/documentManagement/types"/>
-    <ds:schemaRef ds:uri="http://schemas.microsoft.com/office/infopath/2007/PartnerControls"/>
-    <ds:schemaRef ds:uri="http://schemas.openxmlformats.org/package/2006/metadata/core-properties"/>
-    <ds:schemaRef ds:uri="http://purl.org/dc/elements/1.1/"/>
-    <ds:schemaRef ds:uri="http://purl.org/dc/terms/"/>
-    <ds:schemaRef ds:uri="http://schemas.microsoft.com/internal/obd"/>
+    <ds:schemaRef ds:uri="http://schemas.microsoft.com/sharepoint/v3/contenttype/forms"/>
   </ds:schemaRefs>
 </ds:datastoreItem>
 </file>
@@ -14231,9 +14266,20 @@
 </file>
 
 <file path=customXml/itemProps3.xml><?xml version="1.0" encoding="utf-8"?>
-<ds:datastoreItem xmlns:ds="http://schemas.openxmlformats.org/officeDocument/2006/customXml" ds:itemID="{EBB62213-8F90-4EF1-A6A4-641F0452CB52}">
+<ds:datastoreItem xmlns:ds="http://schemas.openxmlformats.org/officeDocument/2006/customXml" ds:itemID="{9537DA68-33FD-40D7-963A-955D4E055832}">
   <ds:schemaRefs>
-    <ds:schemaRef ds:uri="http://schemas.microsoft.com/sharepoint/v3/contenttype/forms"/>
+    <ds:schemaRef ds:uri="http://schemas.microsoft.com/office/2006/metadata/contentType"/>
+    <ds:schemaRef ds:uri="http://schemas.microsoft.com/office/2006/metadata/properties/metaAttributes"/>
+    <ds:schemaRef ds:uri="http://www.w3.org/2001/XMLSchema"/>
+    <ds:schemaRef ds:uri="http://schemas.microsoft.com/office/2006/metadata/properties"/>
+    <ds:schemaRef ds:uri="http://schemas.microsoft.com/sharepoint/v3"/>
+    <ds:schemaRef ds:uri="696890a7-2738-473a-8580-15948eca3069"/>
+    <ds:schemaRef ds:uri="http://schemas.microsoft.com/office/2006/documentManagement/types"/>
+    <ds:schemaRef ds:uri="http://schemas.microsoft.com/office/infopath/2007/PartnerControls"/>
+    <ds:schemaRef ds:uri="http://schemas.openxmlformats.org/package/2006/metadata/core-properties"/>
+    <ds:schemaRef ds:uri="http://purl.org/dc/elements/1.1/"/>
+    <ds:schemaRef ds:uri="http://purl.org/dc/terms/"/>
+    <ds:schemaRef ds:uri="http://schemas.microsoft.com/internal/obd"/>
   </ds:schemaRefs>
 </ds:datastoreItem>
 </file>

--- a/BEcome.AIESEC.Tech.Levi9.March.2016.pptx
+++ b/BEcome.AIESEC.Tech.Levi9.March.2016.pptx
@@ -3645,10 +3645,10 @@
                 <a:ea typeface="+mn-ea"/>
                 <a:cs typeface="+mn-cs"/>
               </a:rPr>
-              <a:t>REST expose information as resources through URIs (uniform resource identifiers) and executes actions using </a:t>
-            </a:r>
-            <a:r>
-              <a:rPr lang="en-US" sz="1200" b="0" i="0" kern="1200" baseline="0" smtClean="0">
+              <a:t>REST expose information as </a:t>
+            </a:r>
+            <a:r>
+              <a:rPr lang="en-US" sz="1200" b="0" i="0" kern="1200" baseline="0" dirty="0" smtClean="0">
                 <a:solidFill>
                   <a:schemeClr val="tx1"/>
                 </a:solidFill>
@@ -3657,9 +3657,358 @@
                 <a:ea typeface="+mn-ea"/>
                 <a:cs typeface="+mn-cs"/>
               </a:rPr>
-              <a:t>HTTP verbs.</a:t>
-            </a:r>
-            <a:endParaRPr lang="ro-RO" b="0" dirty="0" smtClean="0"/>
+              <a:t>resources </a:t>
+            </a:r>
+            <a:r>
+              <a:rPr lang="en-US" sz="1200" b="0" i="0" kern="1200" baseline="0" dirty="0" smtClean="0">
+                <a:solidFill>
+                  <a:schemeClr val="tx1"/>
+                </a:solidFill>
+                <a:effectLst/>
+                <a:latin typeface="+mn-lt"/>
+                <a:ea typeface="+mn-ea"/>
+                <a:cs typeface="+mn-cs"/>
+              </a:rPr>
+              <a:t>through URIs (uniform resource identifiers) and executes actions using HTTP verbs</a:t>
+            </a:r>
+            <a:r>
+              <a:rPr lang="en-US" sz="1200" b="0" i="0" kern="1200" baseline="0" dirty="0" smtClean="0">
+                <a:solidFill>
+                  <a:schemeClr val="tx1"/>
+                </a:solidFill>
+                <a:effectLst/>
+                <a:latin typeface="+mn-lt"/>
+                <a:ea typeface="+mn-ea"/>
+                <a:cs typeface="+mn-cs"/>
+              </a:rPr>
+              <a:t>.</a:t>
+            </a:r>
+          </a:p>
+          <a:p>
+            <a:endParaRPr lang="en-US" sz="1200" b="0" i="0" kern="1200" baseline="0" dirty="0" smtClean="0">
+              <a:solidFill>
+                <a:schemeClr val="tx1"/>
+              </a:solidFill>
+              <a:effectLst/>
+              <a:latin typeface="+mn-lt"/>
+              <a:ea typeface="+mn-ea"/>
+              <a:cs typeface="+mn-cs"/>
+            </a:endParaRPr>
+          </a:p>
+          <a:p>
+            <a:pPr marL="0" marR="0" indent="0" algn="l" defTabSz="914400" rtl="0" eaLnBrk="1" fontAlgn="auto" latinLnBrk="0" hangingPunct="1">
+              <a:lnSpc>
+                <a:spcPct val="100000"/>
+              </a:lnSpc>
+              <a:spcBef>
+                <a:spcPts val="0"/>
+              </a:spcBef>
+              <a:spcAft>
+                <a:spcPts val="0"/>
+              </a:spcAft>
+              <a:buClrTx/>
+              <a:buSzTx/>
+              <a:buFontTx/>
+              <a:buNone/>
+              <a:tabLst/>
+              <a:defRPr/>
+            </a:pPr>
+            <a:r>
+              <a:rPr lang="en-US" sz="1200" b="0" i="0" kern="1200" dirty="0" smtClean="0">
+                <a:solidFill>
+                  <a:schemeClr val="tx1"/>
+                </a:solidFill>
+                <a:effectLst/>
+                <a:latin typeface="+mn-lt"/>
+                <a:ea typeface="+mn-ea"/>
+                <a:cs typeface="+mn-cs"/>
+              </a:rPr>
+              <a:t>1xx Informational</a:t>
+            </a:r>
+          </a:p>
+          <a:p>
+            <a:r>
+              <a:rPr lang="en-US" b="0" dirty="0" smtClean="0"/>
+              <a:t>Request received, continuing process.[4]</a:t>
+            </a:r>
+          </a:p>
+          <a:p>
+            <a:endParaRPr lang="en-US" b="0" dirty="0" smtClean="0"/>
+          </a:p>
+          <a:p>
+            <a:pPr marL="0" marR="0" indent="0" algn="l" defTabSz="914400" rtl="0" eaLnBrk="1" fontAlgn="auto" latinLnBrk="0" hangingPunct="1">
+              <a:lnSpc>
+                <a:spcPct val="100000"/>
+              </a:lnSpc>
+              <a:spcBef>
+                <a:spcPts val="0"/>
+              </a:spcBef>
+              <a:spcAft>
+                <a:spcPts val="0"/>
+              </a:spcAft>
+              <a:buClrTx/>
+              <a:buSzTx/>
+              <a:buFontTx/>
+              <a:buNone/>
+              <a:tabLst/>
+              <a:defRPr/>
+            </a:pPr>
+            <a:r>
+              <a:rPr lang="en-US" sz="1200" b="0" i="0" kern="1200" dirty="0" smtClean="0">
+                <a:solidFill>
+                  <a:schemeClr val="tx1"/>
+                </a:solidFill>
+                <a:effectLst/>
+                <a:latin typeface="+mn-lt"/>
+                <a:ea typeface="+mn-ea"/>
+                <a:cs typeface="+mn-cs"/>
+              </a:rPr>
+              <a:t>2xx Success</a:t>
+            </a:r>
+          </a:p>
+          <a:p>
+            <a:r>
+              <a:rPr lang="en-US" b="0" dirty="0" smtClean="0"/>
+              <a:t>This class of status codes indicates the action requested by the client was received, understood, accepted, and processed successfully.[9]</a:t>
+            </a:r>
+          </a:p>
+          <a:p>
+            <a:r>
+              <a:rPr lang="en-US" b="0" dirty="0" smtClean="0"/>
+              <a:t>200 OK</a:t>
+            </a:r>
+          </a:p>
+          <a:p>
+            <a:r>
+              <a:rPr lang="en-US" b="0" dirty="0" smtClean="0"/>
+              <a:t>Standard response for successful HTTP requests. The actual response will depend on the request method used. In a GET request, the response will contain an entity corresponding to the requested resource. In a POST request, the response will contain an entity describing or containing the result of the action.[10]</a:t>
+            </a:r>
+          </a:p>
+          <a:p>
+            <a:r>
+              <a:rPr lang="en-US" b="0" dirty="0" smtClean="0"/>
+              <a:t>201 Created</a:t>
+            </a:r>
+          </a:p>
+          <a:p>
+            <a:r>
+              <a:rPr lang="en-US" b="0" dirty="0" smtClean="0"/>
+              <a:t>The request has been fulfilled, resulting in the creation of a new resource.[11]</a:t>
+            </a:r>
+          </a:p>
+          <a:p>
+            <a:r>
+              <a:rPr lang="en-US" b="0" dirty="0" smtClean="0"/>
+              <a:t>204 No Content</a:t>
+            </a:r>
+          </a:p>
+          <a:p>
+            <a:r>
+              <a:rPr lang="en-US" b="0" dirty="0" smtClean="0"/>
+              <a:t>The server successfully processed the request and is not returning any content.[15]</a:t>
+            </a:r>
+          </a:p>
+          <a:p>
+            <a:endParaRPr lang="en-US" b="0" dirty="0" smtClean="0"/>
+          </a:p>
+          <a:p>
+            <a:r>
+              <a:rPr lang="en-US" b="0" dirty="0" smtClean="0"/>
+              <a:t>3xx Redirection</a:t>
+            </a:r>
+          </a:p>
+          <a:p>
+            <a:endParaRPr lang="en-US" b="0" dirty="0" smtClean="0"/>
+          </a:p>
+          <a:p>
+            <a:pPr marL="0" marR="0" indent="0" algn="l" defTabSz="914400" rtl="0" eaLnBrk="1" fontAlgn="auto" latinLnBrk="0" hangingPunct="1">
+              <a:lnSpc>
+                <a:spcPct val="100000"/>
+              </a:lnSpc>
+              <a:spcBef>
+                <a:spcPts val="0"/>
+              </a:spcBef>
+              <a:spcAft>
+                <a:spcPts val="0"/>
+              </a:spcAft>
+              <a:buClrTx/>
+              <a:buSzTx/>
+              <a:buFontTx/>
+              <a:buNone/>
+              <a:tabLst/>
+              <a:defRPr/>
+            </a:pPr>
+            <a:r>
+              <a:rPr lang="en-US" sz="1200" b="0" i="0" kern="1200" dirty="0" smtClean="0">
+                <a:solidFill>
+                  <a:schemeClr val="tx1"/>
+                </a:solidFill>
+                <a:effectLst/>
+                <a:latin typeface="+mn-lt"/>
+                <a:ea typeface="+mn-ea"/>
+                <a:cs typeface="+mn-cs"/>
+              </a:rPr>
+              <a:t>4xx Client Error</a:t>
+            </a:r>
+          </a:p>
+          <a:p>
+            <a:r>
+              <a:rPr lang="en-US" b="0" dirty="0" smtClean="0"/>
+              <a:t>400 Bad Request</a:t>
+            </a:r>
+          </a:p>
+          <a:p>
+            <a:r>
+              <a:rPr lang="en-US" b="0" dirty="0" smtClean="0"/>
+              <a:t>The server cannot or will not process the request due to an apparent client error (e.g., malformed request syntax, invalid request message framing, or deceptive request routing).[36]</a:t>
+            </a:r>
+          </a:p>
+          <a:p>
+            <a:r>
+              <a:rPr lang="en-US" b="0" dirty="0" smtClean="0"/>
+              <a:t>401 Unauthorized (RFC 7235)</a:t>
+            </a:r>
+          </a:p>
+          <a:p>
+            <a:r>
+              <a:rPr lang="en-US" b="0" dirty="0" smtClean="0"/>
+              <a:t>Similar to 403 Forbidden, but specifically for use when authentication is required and has failed or has not yet been provided. The response must include a WWW-Authenticate header field containing a challenge applicable to the requested resource. See Basic access authentication and Digest access authentication.[37] 401 semantically means "unauthenticated",[38] i.e. the user does not have the necessary credentials.</a:t>
+            </a:r>
+          </a:p>
+          <a:p>
+            <a:r>
+              <a:rPr lang="en-US" b="0" dirty="0" smtClean="0"/>
+              <a:t>Note: Some sites issue HTTP 401 when an IP address is banned from the website (usually the website domain) and that specific address is refused permission to access a website.</a:t>
+            </a:r>
+          </a:p>
+          <a:p>
+            <a:r>
+              <a:rPr lang="en-US" b="0" dirty="0" smtClean="0"/>
+              <a:t>403 Forbidden</a:t>
+            </a:r>
+          </a:p>
+          <a:p>
+            <a:r>
+              <a:rPr lang="en-US" b="0" dirty="0" smtClean="0"/>
+              <a:t>The request was a valid request, but the server is refusing to respond to it. 403 error semantically means "unauthorized", i.e. the user does not have the necessary permissions for the resource.</a:t>
+            </a:r>
+          </a:p>
+          <a:p>
+            <a:r>
+              <a:rPr lang="en-US" b="0" dirty="0" smtClean="0"/>
+              <a:t>404 Not Found</a:t>
+            </a:r>
+          </a:p>
+          <a:p>
+            <a:r>
+              <a:rPr lang="en-US" b="0" dirty="0" smtClean="0"/>
+              <a:t>The requested resource could not be found but may be available again in the future. Subsequent requests by the client are permissible.[40]</a:t>
+            </a:r>
+          </a:p>
+          <a:p>
+            <a:r>
+              <a:rPr lang="en-US" b="0" dirty="0" smtClean="0"/>
+              <a:t>405 Method Not Allowed</a:t>
+            </a:r>
+          </a:p>
+          <a:p>
+            <a:r>
+              <a:rPr lang="en-US" b="0" dirty="0" smtClean="0"/>
+              <a:t>A request method is not supported for the requested resource; for example, a GET request on a form which requires data to be presented via POST, or a PUT request on a read-only resource.</a:t>
+            </a:r>
+          </a:p>
+          <a:p>
+            <a:r>
+              <a:rPr lang="en-US" b="0" dirty="0" smtClean="0"/>
+              <a:t>415 Unsupported Media Type</a:t>
+            </a:r>
+          </a:p>
+          <a:p>
+            <a:r>
+              <a:rPr lang="en-US" b="0" dirty="0" smtClean="0"/>
+              <a:t>The request entity has a media type which the server or resource does not support. For example, the client uploads an image as image/</a:t>
+            </a:r>
+            <a:r>
+              <a:rPr lang="en-US" b="0" dirty="0" err="1" smtClean="0"/>
+              <a:t>svg+xml</a:t>
+            </a:r>
+            <a:r>
+              <a:rPr lang="en-US" b="0" dirty="0" smtClean="0"/>
+              <a:t>, but the server requires that images use a different format.</a:t>
+            </a:r>
+          </a:p>
+          <a:p>
+            <a:endParaRPr lang="en-US" b="0" dirty="0" smtClean="0"/>
+          </a:p>
+          <a:p>
+            <a:r>
+              <a:rPr lang="en-US" b="0" dirty="0" smtClean="0"/>
+              <a:t>429 Too Many Requests (RFC 6585)</a:t>
+            </a:r>
+          </a:p>
+          <a:p>
+            <a:r>
+              <a:rPr lang="en-US" b="0" dirty="0" smtClean="0"/>
+              <a:t>The user has sent too many requests in a given amount of time. Intended for use with rate limiting schemes.[57]</a:t>
+            </a:r>
+          </a:p>
+          <a:p>
+            <a:endParaRPr lang="en-US" b="0" dirty="0" smtClean="0"/>
+          </a:p>
+          <a:p>
+            <a:pPr marL="0" marR="0" indent="0" algn="l" defTabSz="914400" rtl="0" eaLnBrk="1" fontAlgn="auto" latinLnBrk="0" hangingPunct="1">
+              <a:lnSpc>
+                <a:spcPct val="100000"/>
+              </a:lnSpc>
+              <a:spcBef>
+                <a:spcPts val="0"/>
+              </a:spcBef>
+              <a:spcAft>
+                <a:spcPts val="0"/>
+              </a:spcAft>
+              <a:buClrTx/>
+              <a:buSzTx/>
+              <a:buFontTx/>
+              <a:buNone/>
+              <a:tabLst/>
+              <a:defRPr/>
+            </a:pPr>
+            <a:r>
+              <a:rPr lang="en-US" sz="1200" b="0" i="0" kern="1200" dirty="0" smtClean="0">
+                <a:solidFill>
+                  <a:schemeClr val="tx1"/>
+                </a:solidFill>
+                <a:effectLst/>
+                <a:latin typeface="+mn-lt"/>
+                <a:ea typeface="+mn-ea"/>
+                <a:cs typeface="+mn-cs"/>
+              </a:rPr>
+              <a:t>5xx Server Error</a:t>
+            </a:r>
+          </a:p>
+          <a:p>
+            <a:r>
+              <a:rPr lang="en-US" b="0" dirty="0" smtClean="0"/>
+              <a:t>500 Internal Server Error</a:t>
+            </a:r>
+          </a:p>
+          <a:p>
+            <a:r>
+              <a:rPr lang="en-US" b="0" dirty="0" smtClean="0"/>
+              <a:t>A generic error message, given when an unexpected condition was encountered and no more specific message is suitable.[62]</a:t>
+            </a:r>
+          </a:p>
+          <a:p>
+            <a:r>
+              <a:rPr lang="en-US" b="0" dirty="0" smtClean="0"/>
+              <a:t>501 Not Implemented</a:t>
+            </a:r>
+          </a:p>
+          <a:p>
+            <a:r>
+              <a:rPr lang="en-US" b="0" dirty="0" smtClean="0"/>
+              <a:t>The server either does not recognize the request method, or it lacks the ability to fulfill the request. Usually this implies future availability (e.g., a new feature of a web-service API).[63]</a:t>
+            </a:r>
           </a:p>
         </p:txBody>
       </p:sp>
@@ -13671,15 +14020,6 @@
 </file>
 
 <file path=customXml/item1.xml><?xml version="1.0" encoding="utf-8"?>
-<?mso-contentType ?>
-<FormTemplates xmlns="http://schemas.microsoft.com/sharepoint/v3/contenttype/forms">
-  <Display>DocumentLibraryForm</Display>
-  <Edit>DocumentLibraryForm</Edit>
-  <New>DocumentLibraryForm</New>
-</FormTemplates>
-</file>
-
-<file path=customXml/item2.xml><?xml version="1.0" encoding="utf-8"?>
 <p:properties xmlns:p="http://schemas.microsoft.com/office/2006/metadata/properties" xmlns:xsi="http://www.w3.org/2001/XMLSchema-instance" xmlns:pc="http://schemas.microsoft.com/office/infopath/2007/PartnerControls">
   <documentManagement>
     <TemplateUrl xmlns="http://schemas.microsoft.com/sharepoint/v3" xsi:nil="true"/>
@@ -13698,7 +14038,66 @@
 </p:properties>
 </file>
 
+<file path=customXml/item2.xml><?xml version="1.0" encoding="utf-8"?>
+<?mso-contentType ?>
+<FormTemplates xmlns="http://schemas.microsoft.com/sharepoint/v3/contenttype/forms">
+  <Display>DocumentLibraryForm</Display>
+  <Edit>DocumentLibraryForm</Edit>
+  <New>DocumentLibraryForm</New>
+</FormTemplates>
+</file>
+
 <file path=customXml/item3.xml><?xml version="1.0" encoding="utf-8"?>
+<?mso-contentType ?>
+<spe:Receivers xmlns:spe="http://schemas.microsoft.com/sharepoint/events">
+  <Receiver>
+    <Name>Document ID Generator</Name>
+    <Synchronization>Synchronous</Synchronization>
+    <Type>10001</Type>
+    <SequenceNumber>1000</SequenceNumber>
+    <Url/>
+    <Assembly>Microsoft.Office.DocumentManagement, Version=15.0.0.0, Culture=neutral, PublicKeyToken=71e9bce111e9429c</Assembly>
+    <Class>Microsoft.Office.DocumentManagement.Internal.DocIdHandler</Class>
+    <Data/>
+    <Filter/>
+  </Receiver>
+  <Receiver>
+    <Name>Document ID Generator</Name>
+    <Synchronization>Synchronous</Synchronization>
+    <Type>10002</Type>
+    <SequenceNumber>1001</SequenceNumber>
+    <Url/>
+    <Assembly>Microsoft.Office.DocumentManagement, Version=15.0.0.0, Culture=neutral, PublicKeyToken=71e9bce111e9429c</Assembly>
+    <Class>Microsoft.Office.DocumentManagement.Internal.DocIdHandler</Class>
+    <Data/>
+    <Filter/>
+  </Receiver>
+  <Receiver>
+    <Name>Document ID Generator</Name>
+    <Synchronization>Synchronous</Synchronization>
+    <Type>10004</Type>
+    <SequenceNumber>1002</SequenceNumber>
+    <Url/>
+    <Assembly>Microsoft.Office.DocumentManagement, Version=15.0.0.0, Culture=neutral, PublicKeyToken=71e9bce111e9429c</Assembly>
+    <Class>Microsoft.Office.DocumentManagement.Internal.DocIdHandler</Class>
+    <Data/>
+    <Filter/>
+  </Receiver>
+  <Receiver>
+    <Name>Document ID Generator</Name>
+    <Synchronization>Synchronous</Synchronization>
+    <Type>10006</Type>
+    <SequenceNumber>1003</SequenceNumber>
+    <Url/>
+    <Assembly>Microsoft.Office.DocumentManagement, Version=15.0.0.0, Culture=neutral, PublicKeyToken=71e9bce111e9429c</Assembly>
+    <Class>Microsoft.Office.DocumentManagement.Internal.DocIdHandler</Class>
+    <Data/>
+    <Filter/>
+  </Receiver>
+</spe:Receivers>
+</file>
+
+<file path=customXml/item4.xml><?xml version="1.0" encoding="utf-8"?>
 <ct:contentTypeSchema xmlns:ct="http://schemas.microsoft.com/office/2006/metadata/contentType" xmlns:ma="http://schemas.microsoft.com/office/2006/metadata/properties/metaAttributes" ct:_="" ma:_="" ma:contentTypeName="Document" ma:contentTypeID="0x010100E25DA1609B7607469C1AC9B6F8A6FE9D" ma:contentTypeVersion="2" ma:contentTypeDescription="Create a new document." ma:contentTypeScope="" ma:versionID="4a9137d238132a7f3847ed896ce73801">
   <xsd:schema xmlns:xsd="http://www.w3.org/2001/XMLSchema" xmlns:xs="http://www.w3.org/2001/XMLSchema" xmlns:p="http://schemas.microsoft.com/office/2006/metadata/properties" xmlns:ns1="http://schemas.microsoft.com/sharepoint/v3" xmlns:ns2="696890a7-2738-473a-8580-15948eca3069" targetNamespace="http://schemas.microsoft.com/office/2006/metadata/properties" ma:root="true" ma:fieldsID="cc6804599cb381d96cddd0f9a4d92b86" ns1:_="" ns2:_="">
     <xsd:import namespace="http://schemas.microsoft.com/sharepoint/v3"/>
@@ -14190,65 +14589,7 @@
 </ct:contentTypeSchema>
 </file>
 
-<file path=customXml/item4.xml><?xml version="1.0" encoding="utf-8"?>
-<?mso-contentType ?>
-<spe:Receivers xmlns:spe="http://schemas.microsoft.com/sharepoint/events">
-  <Receiver>
-    <Name>Document ID Generator</Name>
-    <Synchronization>Synchronous</Synchronization>
-    <Type>10001</Type>
-    <SequenceNumber>1000</SequenceNumber>
-    <Url/>
-    <Assembly>Microsoft.Office.DocumentManagement, Version=15.0.0.0, Culture=neutral, PublicKeyToken=71e9bce111e9429c</Assembly>
-    <Class>Microsoft.Office.DocumentManagement.Internal.DocIdHandler</Class>
-    <Data/>
-    <Filter/>
-  </Receiver>
-  <Receiver>
-    <Name>Document ID Generator</Name>
-    <Synchronization>Synchronous</Synchronization>
-    <Type>10002</Type>
-    <SequenceNumber>1001</SequenceNumber>
-    <Url/>
-    <Assembly>Microsoft.Office.DocumentManagement, Version=15.0.0.0, Culture=neutral, PublicKeyToken=71e9bce111e9429c</Assembly>
-    <Class>Microsoft.Office.DocumentManagement.Internal.DocIdHandler</Class>
-    <Data/>
-    <Filter/>
-  </Receiver>
-  <Receiver>
-    <Name>Document ID Generator</Name>
-    <Synchronization>Synchronous</Synchronization>
-    <Type>10004</Type>
-    <SequenceNumber>1002</SequenceNumber>
-    <Url/>
-    <Assembly>Microsoft.Office.DocumentManagement, Version=15.0.0.0, Culture=neutral, PublicKeyToken=71e9bce111e9429c</Assembly>
-    <Class>Microsoft.Office.DocumentManagement.Internal.DocIdHandler</Class>
-    <Data/>
-    <Filter/>
-  </Receiver>
-  <Receiver>
-    <Name>Document ID Generator</Name>
-    <Synchronization>Synchronous</Synchronization>
-    <Type>10006</Type>
-    <SequenceNumber>1003</SequenceNumber>
-    <Url/>
-    <Assembly>Microsoft.Office.DocumentManagement, Version=15.0.0.0, Culture=neutral, PublicKeyToken=71e9bce111e9429c</Assembly>
-    <Class>Microsoft.Office.DocumentManagement.Internal.DocIdHandler</Class>
-    <Data/>
-    <Filter/>
-  </Receiver>
-</spe:Receivers>
-</file>
-
 <file path=customXml/itemProps1.xml><?xml version="1.0" encoding="utf-8"?>
-<ds:datastoreItem xmlns:ds="http://schemas.openxmlformats.org/officeDocument/2006/customXml" ds:itemID="{EBB62213-8F90-4EF1-A6A4-641F0452CB52}">
-  <ds:schemaRefs>
-    <ds:schemaRef ds:uri="http://schemas.microsoft.com/sharepoint/v3/contenttype/forms"/>
-  </ds:schemaRefs>
-</ds:datastoreItem>
-</file>
-
-<file path=customXml/itemProps2.xml><?xml version="1.0" encoding="utf-8"?>
 <ds:datastoreItem xmlns:ds="http://schemas.openxmlformats.org/officeDocument/2006/customXml" ds:itemID="{61631425-235C-4781-93DD-7928AF7173EF}">
   <ds:schemaRefs>
     <ds:schemaRef ds:uri="http://schemas.microsoft.com/office/2006/metadata/properties"/>
@@ -14265,7 +14606,23 @@
 </ds:datastoreItem>
 </file>
 
+<file path=customXml/itemProps2.xml><?xml version="1.0" encoding="utf-8"?>
+<ds:datastoreItem xmlns:ds="http://schemas.openxmlformats.org/officeDocument/2006/customXml" ds:itemID="{EBB62213-8F90-4EF1-A6A4-641F0452CB52}">
+  <ds:schemaRefs>
+    <ds:schemaRef ds:uri="http://schemas.microsoft.com/sharepoint/v3/contenttype/forms"/>
+  </ds:schemaRefs>
+</ds:datastoreItem>
+</file>
+
 <file path=customXml/itemProps3.xml><?xml version="1.0" encoding="utf-8"?>
+<ds:datastoreItem xmlns:ds="http://schemas.openxmlformats.org/officeDocument/2006/customXml" ds:itemID="{DFBE2CE3-A764-49E9-945D-1AE464F7016A}">
+  <ds:schemaRefs>
+    <ds:schemaRef ds:uri="http://schemas.microsoft.com/sharepoint/events"/>
+  </ds:schemaRefs>
+</ds:datastoreItem>
+</file>
+
+<file path=customXml/itemProps4.xml><?xml version="1.0" encoding="utf-8"?>
 <ds:datastoreItem xmlns:ds="http://schemas.openxmlformats.org/officeDocument/2006/customXml" ds:itemID="{9537DA68-33FD-40D7-963A-955D4E055832}">
   <ds:schemaRefs>
     <ds:schemaRef ds:uri="http://schemas.microsoft.com/office/2006/metadata/contentType"/>
@@ -14282,12 +14639,4 @@
     <ds:schemaRef ds:uri="http://schemas.microsoft.com/internal/obd"/>
   </ds:schemaRefs>
 </ds:datastoreItem>
-</file>
-
-<file path=customXml/itemProps4.xml><?xml version="1.0" encoding="utf-8"?>
-<ds:datastoreItem xmlns:ds="http://schemas.openxmlformats.org/officeDocument/2006/customXml" ds:itemID="{DFBE2CE3-A764-49E9-945D-1AE464F7016A}">
-  <ds:schemaRefs>
-    <ds:schemaRef ds:uri="http://schemas.microsoft.com/sharepoint/events"/>
-  </ds:schemaRefs>
-</ds:datastoreItem>
 </file>
--- a/BEcome.AIESEC.Tech.Levi9.March.2016.pptx
+++ b/BEcome.AIESEC.Tech.Levi9.March.2016.pptx
@@ -7,7 +7,7 @@
     <p:sldMasterId id="2147483660" r:id="rId7"/>
   </p:sldMasterIdLst>
   <p:notesMasterIdLst>
-    <p:notesMasterId r:id="rId25"/>
+    <p:notesMasterId r:id="rId26"/>
   </p:notesMasterIdLst>
   <p:sldIdLst>
     <p:sldId id="256" r:id="rId8"/>
@@ -20,13 +20,14 @@
     <p:sldId id="283" r:id="rId15"/>
     <p:sldId id="287" r:id="rId16"/>
     <p:sldId id="286" r:id="rId17"/>
-    <p:sldId id="290" r:id="rId18"/>
-    <p:sldId id="292" r:id="rId19"/>
-    <p:sldId id="293" r:id="rId20"/>
-    <p:sldId id="294" r:id="rId21"/>
-    <p:sldId id="295" r:id="rId22"/>
-    <p:sldId id="296" r:id="rId23"/>
-    <p:sldId id="291" r:id="rId24"/>
+    <p:sldId id="297" r:id="rId18"/>
+    <p:sldId id="290" r:id="rId19"/>
+    <p:sldId id="292" r:id="rId20"/>
+    <p:sldId id="293" r:id="rId21"/>
+    <p:sldId id="294" r:id="rId22"/>
+    <p:sldId id="295" r:id="rId23"/>
+    <p:sldId id="296" r:id="rId24"/>
+    <p:sldId id="291" r:id="rId25"/>
   </p:sldIdLst>
   <p:sldSz cx="9144000" cy="6858000" type="screen4x3"/>
   <p:notesSz cx="6858000" cy="9144000"/>
@@ -828,15 +829,6 @@
               <a:rPr lang="en-US" dirty="0" smtClean="0"/>
             </a:br>
             <a:r>
-              <a:rPr lang="en-US" dirty="0" smtClean="0"/>
-              <a:t>I've used HTTP POST verbs for all my interactions here in level 0 and 1, but some people use GETs instead or in addition. At these levels it doesn't make much difference, they are both being used as tunneling mechanisms allowing you to tunnel your interactions through HTTP. Level 2 moves away from this, using the HTTP verbs as closely as possible to how they are used in HTTP itself.</a:t>
-            </a:r>
-          </a:p>
-          <a:p>
-            <a:endParaRPr lang="en-US" b="0" dirty="0" smtClean="0"/>
-          </a:p>
-          <a:p>
-            <a:r>
               <a:rPr lang="en-US" sz="1200" b="0" i="0" kern="1200" dirty="0" smtClean="0">
                 <a:solidFill>
                   <a:schemeClr val="tx1"/>
@@ -846,13 +838,38 @@
                 <a:ea typeface="+mn-ea"/>
                 <a:cs typeface="+mn-cs"/>
               </a:rPr>
-              <a:t>For our the list of slots, this means we want to use GET.</a:t>
+              <a:t>The first step towards the Glory of Rest in the RMM is to introduce resources. So now rather than making all our requests to a singular service endpoint, we now start talking to individual resources.</a:t>
+            </a:r>
+          </a:p>
+          <a:p>
+            <a:endParaRPr lang="en-US" sz="1200" b="0" i="0" kern="1200" dirty="0" smtClean="0">
+              <a:solidFill>
+                <a:schemeClr val="tx1"/>
+              </a:solidFill>
+              <a:effectLst/>
+              <a:latin typeface="+mn-lt"/>
+              <a:ea typeface="+mn-ea"/>
+              <a:cs typeface="+mn-cs"/>
+            </a:endParaRPr>
+          </a:p>
+          <a:p>
+            <a:r>
+              <a:rPr lang="en-US" sz="1200" b="0" i="0" kern="1200" dirty="0" smtClean="0">
+                <a:solidFill>
+                  <a:schemeClr val="tx1"/>
+                </a:solidFill>
+                <a:effectLst/>
+                <a:latin typeface="+mn-lt"/>
+                <a:ea typeface="+mn-ea"/>
+                <a:cs typeface="+mn-cs"/>
+              </a:rPr>
+              <a:t>So with our initial query, we might have a resource for given doctor.</a:t>
             </a:r>
           </a:p>
           <a:p>
             <a:r>
               <a:rPr lang="en-US" b="0" dirty="0" smtClean="0"/>
-              <a:t>GET /doctors/</a:t>
+              <a:t>POST /doctors/</a:t>
             </a:r>
             <a:r>
               <a:rPr lang="en-US" b="0" dirty="0" err="1" smtClean="0"/>
@@ -860,25 +877,31 @@
             </a:r>
             <a:r>
               <a:rPr lang="en-US" b="0" dirty="0" smtClean="0"/>
-              <a:t>/</a:t>
+              <a:t> HTTP/1.1</a:t>
+            </a:r>
+          </a:p>
+          <a:p>
+            <a:r>
+              <a:rPr lang="en-US" b="0" dirty="0" smtClean="0"/>
+              <a:t>[various other headers]</a:t>
+            </a:r>
+          </a:p>
+          <a:p>
+            <a:endParaRPr lang="en-US" b="0" dirty="0" smtClean="0"/>
+          </a:p>
+          <a:p>
+            <a:r>
+              <a:rPr lang="en-US" b="0" dirty="0" smtClean="0"/>
+              <a:t>&lt;</a:t>
             </a:r>
             <a:r>
               <a:rPr lang="en-US" b="0" dirty="0" err="1" smtClean="0"/>
-              <a:t>slots?date</a:t>
+              <a:t>openSlotRequest</a:t>
             </a:r>
             <a:r>
               <a:rPr lang="en-US" b="0" dirty="0" smtClean="0"/>
-              <a:t>=20100104&amp;status=open HTTP/1.1</a:t>
-            </a:r>
-          </a:p>
-          <a:p>
-            <a:r>
-              <a:rPr lang="en-US" b="0" dirty="0" smtClean="0"/>
-              <a:t>Host: royalhope.nhs.uk</a:t>
-            </a:r>
-          </a:p>
-          <a:p>
-            <a:endParaRPr lang="en-US" b="0" dirty="0" smtClean="0"/>
+              <a:t> date = "2010-01-04"/&gt;</a:t>
+            </a:r>
           </a:p>
           <a:p>
             <a:r>
@@ -891,7 +914,7 @@
                 <a:ea typeface="+mn-ea"/>
                 <a:cs typeface="+mn-cs"/>
               </a:rPr>
-              <a:t>The reply is the same as it would have been with the POST</a:t>
+              <a:t>The reply carries the same basic information, but each slot is now a resource that can be addressed individually.</a:t>
             </a:r>
           </a:p>
           <a:p>
@@ -907,6 +930,9 @@
             </a:r>
           </a:p>
           <a:p>
+            <a:endParaRPr lang="ro-RO" b="0" dirty="0" smtClean="0"/>
+          </a:p>
+          <a:p>
             <a:r>
               <a:rPr lang="ro-RO" b="0" dirty="0" smtClean="0"/>
               <a:t>&lt;openSlotList&gt;</a:t>
@@ -932,6 +958,143 @@
             <a:endParaRPr lang="en-US" b="0" dirty="0" smtClean="0"/>
           </a:p>
           <a:p>
+            <a:endParaRPr lang="en-US" b="0" dirty="0" smtClean="0"/>
+          </a:p>
+          <a:p>
+            <a:r>
+              <a:rPr lang="en-US" b="0" dirty="0" smtClean="0"/>
+              <a:t>With specific resources booking an appointment means posting to a particular slot.</a:t>
+            </a:r>
+          </a:p>
+          <a:p>
+            <a:r>
+              <a:rPr lang="en-US" b="0" dirty="0" smtClean="0"/>
+              <a:t>POST /slots/1234 HTTP/1.1</a:t>
+            </a:r>
+          </a:p>
+          <a:p>
+            <a:r>
+              <a:rPr lang="en-US" b="0" dirty="0" smtClean="0"/>
+              <a:t>[various other headers]</a:t>
+            </a:r>
+          </a:p>
+          <a:p>
+            <a:endParaRPr lang="en-US" b="0" dirty="0" smtClean="0"/>
+          </a:p>
+          <a:p>
+            <a:r>
+              <a:rPr lang="en-US" b="0" dirty="0" smtClean="0"/>
+              <a:t>&lt;</a:t>
+            </a:r>
+            <a:r>
+              <a:rPr lang="en-US" b="0" dirty="0" err="1" smtClean="0"/>
+              <a:t>appointmentRequest</a:t>
+            </a:r>
+            <a:r>
+              <a:rPr lang="en-US" b="0" dirty="0" smtClean="0"/>
+              <a:t>&gt;</a:t>
+            </a:r>
+          </a:p>
+          <a:p>
+            <a:r>
+              <a:rPr lang="en-US" b="0" dirty="0" smtClean="0"/>
+              <a:t>  &lt;patient id = "</a:t>
+            </a:r>
+            <a:r>
+              <a:rPr lang="en-US" b="0" dirty="0" err="1" smtClean="0"/>
+              <a:t>jsmith</a:t>
+            </a:r>
+            <a:r>
+              <a:rPr lang="en-US" b="0" dirty="0" smtClean="0"/>
+              <a:t>"/&gt;</a:t>
+            </a:r>
+          </a:p>
+          <a:p>
+            <a:r>
+              <a:rPr lang="en-US" b="0" dirty="0" smtClean="0"/>
+              <a:t>&lt;/</a:t>
+            </a:r>
+            <a:r>
+              <a:rPr lang="en-US" b="0" dirty="0" err="1" smtClean="0"/>
+              <a:t>appointmentRequest</a:t>
+            </a:r>
+            <a:r>
+              <a:rPr lang="en-US" b="0" dirty="0" smtClean="0"/>
+              <a:t>&gt;</a:t>
+            </a:r>
+          </a:p>
+          <a:p>
+            <a:endParaRPr lang="en-US" b="0" dirty="0" smtClean="0"/>
+          </a:p>
+          <a:p>
+            <a:r>
+              <a:rPr lang="en-US" b="0" dirty="0" smtClean="0"/>
+              <a:t>If all goes well I get a similar reply to before.</a:t>
+            </a:r>
+          </a:p>
+          <a:p>
+            <a:endParaRPr lang="en-US" b="0" dirty="0" smtClean="0"/>
+          </a:p>
+          <a:p>
+            <a:r>
+              <a:rPr lang="en-US" b="0" dirty="0" smtClean="0"/>
+              <a:t>HTTP/1.1 200 OK</a:t>
+            </a:r>
+          </a:p>
+          <a:p>
+            <a:r>
+              <a:rPr lang="en-US" b="0" dirty="0" smtClean="0"/>
+              <a:t>[various headers]</a:t>
+            </a:r>
+          </a:p>
+          <a:p>
+            <a:endParaRPr lang="en-US" b="0" dirty="0" smtClean="0"/>
+          </a:p>
+          <a:p>
+            <a:r>
+              <a:rPr lang="en-US" b="0" dirty="0" smtClean="0"/>
+              <a:t>&lt;appointment&gt;</a:t>
+            </a:r>
+          </a:p>
+          <a:p>
+            <a:r>
+              <a:rPr lang="en-US" b="0" dirty="0" smtClean="0"/>
+              <a:t>  &lt;slot id = "1234" doctor = "</a:t>
+            </a:r>
+            <a:r>
+              <a:rPr lang="en-US" b="0" dirty="0" err="1" smtClean="0"/>
+              <a:t>mjones</a:t>
+            </a:r>
+            <a:r>
+              <a:rPr lang="en-US" b="0" dirty="0" smtClean="0"/>
+              <a:t>" start = "1400" end = "1450"/&gt;</a:t>
+            </a:r>
+          </a:p>
+          <a:p>
+            <a:r>
+              <a:rPr lang="en-US" b="0" dirty="0" smtClean="0"/>
+              <a:t>  &lt;patient id = "</a:t>
+            </a:r>
+            <a:r>
+              <a:rPr lang="en-US" b="0" dirty="0" err="1" smtClean="0"/>
+              <a:t>jsmith</a:t>
+            </a:r>
+            <a:r>
+              <a:rPr lang="en-US" b="0" dirty="0" smtClean="0"/>
+              <a:t>"/&gt;</a:t>
+            </a:r>
+          </a:p>
+          <a:p>
+            <a:r>
+              <a:rPr lang="en-US" b="0" dirty="0" smtClean="0"/>
+              <a:t>&lt;/appointment&gt;</a:t>
+            </a:r>
+          </a:p>
+          <a:p>
+            <a:endParaRPr lang="en-US" b="0" dirty="0" smtClean="0"/>
+          </a:p>
+          <a:p>
+            <a:pPr fontAlgn="base"/>
             <a:r>
               <a:rPr lang="en-US" sz="1200" b="0" i="0" kern="1200" dirty="0" smtClean="0">
                 <a:solidFill>
@@ -942,70 +1105,7 @@
                 <a:ea typeface="+mn-ea"/>
                 <a:cs typeface="+mn-cs"/>
               </a:rPr>
-              <a:t>At Level 2, the use of GET for a request like this is crucial. HTTP defines GET as a safe operation, that is it doesn't make any significant changes to the state of anything. This allows us to invoke GETs safely any number of times in any order and get the same results each time. An important consequence of this is that it allows any participant in the routing of requests to use caching, which is a key element in making the web perform as well as it does. HTTP includes various measures to support caching, which can be used by all participants in the communication. By following the rules of HTTP we're able to take advantage of that capability.</a:t>
-            </a:r>
-          </a:p>
-          <a:p>
-            <a:r>
-              <a:rPr lang="en-US" b="0" dirty="0" smtClean="0"/>
-              <a:t>To book an appointment we need an HTTP verb that does change state, a POST or a PUT. I'll use the same POST that I did earlier.</a:t>
-            </a:r>
-          </a:p>
-          <a:p>
-            <a:r>
-              <a:rPr lang="en-US" b="0" dirty="0" smtClean="0"/>
-              <a:t>POST /slots/1234 HTTP/1.1</a:t>
-            </a:r>
-          </a:p>
-          <a:p>
-            <a:r>
-              <a:rPr lang="en-US" b="0" dirty="0" smtClean="0"/>
-              <a:t>[various other headers]</a:t>
-            </a:r>
-          </a:p>
-          <a:p>
-            <a:endParaRPr lang="en-US" b="0" dirty="0" smtClean="0"/>
-          </a:p>
-          <a:p>
-            <a:r>
-              <a:rPr lang="en-US" b="0" dirty="0" smtClean="0"/>
-              <a:t>&lt;</a:t>
-            </a:r>
-            <a:r>
-              <a:rPr lang="en-US" b="0" dirty="0" err="1" smtClean="0"/>
-              <a:t>appointmentRequest</a:t>
-            </a:r>
-            <a:r>
-              <a:rPr lang="en-US" b="0" dirty="0" smtClean="0"/>
-              <a:t>&gt;</a:t>
-            </a:r>
-          </a:p>
-          <a:p>
-            <a:r>
-              <a:rPr lang="en-US" b="0" dirty="0" smtClean="0"/>
-              <a:t>  &lt;patient id = "</a:t>
-            </a:r>
-            <a:r>
-              <a:rPr lang="en-US" b="0" dirty="0" err="1" smtClean="0"/>
-              <a:t>jsmith</a:t>
-            </a:r>
-            <a:r>
-              <a:rPr lang="en-US" b="0" dirty="0" smtClean="0"/>
-              <a:t>"/&gt;</a:t>
-            </a:r>
-          </a:p>
-          <a:p>
-            <a:r>
-              <a:rPr lang="en-US" b="0" dirty="0" smtClean="0"/>
-              <a:t>&lt;/</a:t>
-            </a:r>
-            <a:r>
-              <a:rPr lang="en-US" b="0" dirty="0" err="1" smtClean="0"/>
-              <a:t>appointmentRequest</a:t>
-            </a:r>
-            <a:r>
-              <a:rPr lang="en-US" b="0" dirty="0" smtClean="0"/>
-              <a:t>&gt;</a:t>
+              <a:t>The difference now is that if anyone needs to do anything about the appointment, like book some tests, they first get hold of the appointment resource, which might have a URI like http://royalhope.nhs.uk/slots/1234/appointment, and post to that resource.</a:t>
             </a:r>
           </a:p>
           <a:p>
@@ -1020,239 +1120,7 @@
                 <a:ea typeface="+mn-ea"/>
                 <a:cs typeface="+mn-cs"/>
               </a:rPr>
-              <a:t>The trade-offs between using POST and PUT here are more than I want to go into here, maybe I'll do a separate article on them some day. But I do want to point out that some people incorrectly make a correspondence between POST/PUT and create/update. The choice between them is rather different to that.</a:t>
-            </a:r>
-          </a:p>
-          <a:p>
-            <a:pPr fontAlgn="base"/>
-            <a:r>
-              <a:rPr lang="en-US" sz="1200" b="0" i="0" kern="1200" dirty="0" smtClean="0">
-                <a:solidFill>
-                  <a:schemeClr val="tx1"/>
-                </a:solidFill>
-                <a:effectLst/>
-                <a:latin typeface="+mn-lt"/>
-                <a:ea typeface="+mn-ea"/>
-                <a:cs typeface="+mn-cs"/>
-              </a:rPr>
-              <a:t>Even if I use the same post as level 1, there's another significant difference in how the remote service responds. If all goes well, the service replies with a response code of 201 to indicate that there's a new resource in the world.</a:t>
-            </a:r>
-          </a:p>
-          <a:p>
-            <a:r>
-              <a:rPr lang="en-US" b="0" dirty="0" smtClean="0"/>
-              <a:t>HTTP/1.1 201 Created</a:t>
-            </a:r>
-          </a:p>
-          <a:p>
-            <a:r>
-              <a:rPr lang="en-US" b="0" dirty="0" smtClean="0"/>
-              <a:t>Location: slots/1234/appointment</a:t>
-            </a:r>
-          </a:p>
-          <a:p>
-            <a:r>
-              <a:rPr lang="en-US" b="0" dirty="0" smtClean="0"/>
-              <a:t>[various headers]</a:t>
-            </a:r>
-          </a:p>
-          <a:p>
-            <a:r>
-              <a:rPr lang="en-US" b="0" dirty="0" smtClean="0"/>
-              <a:t>&lt;appointment&gt;</a:t>
-            </a:r>
-          </a:p>
-          <a:p>
-            <a:r>
-              <a:rPr lang="en-US" b="0" dirty="0" smtClean="0"/>
-              <a:t>  &lt;slot id = "1234" doctor = "</a:t>
-            </a:r>
-            <a:r>
-              <a:rPr lang="en-US" b="0" dirty="0" err="1" smtClean="0"/>
-              <a:t>mjones</a:t>
-            </a:r>
-            <a:r>
-              <a:rPr lang="en-US" b="0" dirty="0" smtClean="0"/>
-              <a:t>" start = "1400" end = "1450"/&gt;</a:t>
-            </a:r>
-          </a:p>
-          <a:p>
-            <a:r>
-              <a:rPr lang="en-US" b="0" dirty="0" smtClean="0"/>
-              <a:t>  &lt;patient id = "</a:t>
-            </a:r>
-            <a:r>
-              <a:rPr lang="en-US" b="0" dirty="0" err="1" smtClean="0"/>
-              <a:t>jsmith</a:t>
-            </a:r>
-            <a:r>
-              <a:rPr lang="en-US" b="0" dirty="0" smtClean="0"/>
-              <a:t>"/&gt;</a:t>
-            </a:r>
-          </a:p>
-          <a:p>
-            <a:r>
-              <a:rPr lang="en-US" b="0" dirty="0" smtClean="0"/>
-              <a:t>&lt;/appointment&gt;</a:t>
-            </a:r>
-          </a:p>
-          <a:p>
-            <a:endParaRPr lang="en-US" b="0" dirty="0" smtClean="0"/>
-          </a:p>
-          <a:p>
-            <a:pPr fontAlgn="base"/>
-            <a:r>
-              <a:rPr lang="en-US" sz="1200" b="0" i="0" kern="1200" dirty="0" smtClean="0">
-                <a:solidFill>
-                  <a:schemeClr val="tx1"/>
-                </a:solidFill>
-                <a:effectLst/>
-                <a:latin typeface="+mn-lt"/>
-                <a:ea typeface="+mn-ea"/>
-                <a:cs typeface="+mn-cs"/>
-              </a:rPr>
-              <a:t>The 201 response includes a location attribute with a URI that the client can use to GET the current state of that resource in the future. The response here also includes a representation of that resource to save the client an extra call right now.</a:t>
-            </a:r>
-          </a:p>
-          <a:p>
-            <a:pPr fontAlgn="base"/>
-            <a:r>
-              <a:rPr lang="en-US" sz="1200" b="0" i="0" kern="1200" dirty="0" smtClean="0">
-                <a:solidFill>
-                  <a:schemeClr val="tx1"/>
-                </a:solidFill>
-                <a:effectLst/>
-                <a:latin typeface="+mn-lt"/>
-                <a:ea typeface="+mn-ea"/>
-                <a:cs typeface="+mn-cs"/>
-              </a:rPr>
-              <a:t>There is another difference if something goes wrong, such as someone else booking the session.</a:t>
-            </a:r>
-          </a:p>
-          <a:p>
-            <a:r>
-              <a:rPr lang="en-US" b="0" dirty="0" smtClean="0"/>
-              <a:t>HTTP/1.1 409 Conflict</a:t>
-            </a:r>
-          </a:p>
-          <a:p>
-            <a:r>
-              <a:rPr lang="en-US" b="0" dirty="0" smtClean="0"/>
-              <a:t>[various headers]</a:t>
-            </a:r>
-          </a:p>
-          <a:p>
-            <a:r>
-              <a:rPr lang="en-US" b="0" dirty="0" smtClean="0"/>
-              <a:t>&lt;</a:t>
-            </a:r>
-            <a:r>
-              <a:rPr lang="en-US" b="0" dirty="0" err="1" smtClean="0"/>
-              <a:t>openSlotList</a:t>
-            </a:r>
-            <a:r>
-              <a:rPr lang="en-US" b="0" dirty="0" smtClean="0"/>
-              <a:t>&gt;</a:t>
-            </a:r>
-          </a:p>
-          <a:p>
-            <a:r>
-              <a:rPr lang="en-US" b="0" dirty="0" smtClean="0"/>
-              <a:t>  &lt;slot id = "5678" doctor = "</a:t>
-            </a:r>
-            <a:r>
-              <a:rPr lang="en-US" b="0" dirty="0" err="1" smtClean="0"/>
-              <a:t>mjones</a:t>
-            </a:r>
-            <a:r>
-              <a:rPr lang="en-US" b="0" dirty="0" smtClean="0"/>
-              <a:t>" start = "1600" end = "1650"/&gt;</a:t>
-            </a:r>
-          </a:p>
-          <a:p>
-            <a:r>
-              <a:rPr lang="en-US" b="0" dirty="0" smtClean="0"/>
-              <a:t>&lt;/</a:t>
-            </a:r>
-            <a:r>
-              <a:rPr lang="en-US" b="0" dirty="0" err="1" smtClean="0"/>
-              <a:t>openSlotList</a:t>
-            </a:r>
-            <a:r>
-              <a:rPr lang="en-US" b="0" dirty="0" smtClean="0"/>
-              <a:t>&gt;</a:t>
-            </a:r>
-          </a:p>
-          <a:p>
-            <a:endParaRPr lang="en-US" b="0" dirty="0" smtClean="0"/>
-          </a:p>
-          <a:p>
-            <a:pPr fontAlgn="base"/>
-            <a:r>
-              <a:rPr lang="en-US" sz="1200" b="0" i="0" kern="1200" dirty="0" smtClean="0">
-                <a:solidFill>
-                  <a:schemeClr val="tx1"/>
-                </a:solidFill>
-                <a:effectLst/>
-                <a:latin typeface="+mn-lt"/>
-                <a:ea typeface="+mn-ea"/>
-                <a:cs typeface="+mn-cs"/>
-              </a:rPr>
-              <a:t>The important part of this response is the use of an HTTP response code to indicate something has gone wrong. In this case a 409 seems a good choice to indicate that someone else has already updated the resource in an incompatible way. Rather than using a return code of 200 but including an error response, at level 2 we explicitly use some kind of error response like this. It's up to the protocol designer to decide what codes to use, but there should be a non-2xx response if an error crops up. Level 2 introduces using HTTP verbs and HTTP response codes.</a:t>
-            </a:r>
-          </a:p>
-          <a:p>
-            <a:pPr fontAlgn="base"/>
-            <a:r>
-              <a:rPr lang="en-US" sz="1200" b="0" i="0" kern="1200" dirty="0" smtClean="0">
-                <a:solidFill>
-                  <a:schemeClr val="tx1"/>
-                </a:solidFill>
-                <a:effectLst/>
-                <a:latin typeface="+mn-lt"/>
-                <a:ea typeface="+mn-ea"/>
-                <a:cs typeface="+mn-cs"/>
-              </a:rPr>
-              <a:t>There is an inconsistency creeping in here. REST advocates talk about using all the HTTP verbs. They also justify their approach by saying that REST is attempting to learn from the practical success of the web. But the world-wide web doesn't use PUT or DELETE much in practice. There are sensible reasons for using PUT and DELETE more, but the existence proof of the web isn't one of them.</a:t>
-            </a:r>
-          </a:p>
-          <a:p>
-            <a:pPr fontAlgn="base"/>
-            <a:r>
-              <a:rPr lang="en-US" sz="1200" b="0" i="0" kern="1200" dirty="0" smtClean="0">
-                <a:solidFill>
-                  <a:schemeClr val="tx1"/>
-                </a:solidFill>
-                <a:effectLst/>
-                <a:latin typeface="+mn-lt"/>
-                <a:ea typeface="+mn-ea"/>
-                <a:cs typeface="+mn-cs"/>
-              </a:rPr>
-              <a:t>The key elements that are supported by the existence of the web are the strong separation between safe (</a:t>
-            </a:r>
-            <a:r>
-              <a:rPr lang="en-US" sz="1200" b="0" i="0" kern="1200" dirty="0" err="1" smtClean="0">
-                <a:solidFill>
-                  <a:schemeClr val="tx1"/>
-                </a:solidFill>
-                <a:effectLst/>
-                <a:latin typeface="+mn-lt"/>
-                <a:ea typeface="+mn-ea"/>
-                <a:cs typeface="+mn-cs"/>
-              </a:rPr>
-              <a:t>eg</a:t>
-            </a:r>
-            <a:r>
-              <a:rPr lang="en-US" sz="1200" b="0" i="0" kern="1200" dirty="0" smtClean="0">
-                <a:solidFill>
-                  <a:schemeClr val="tx1"/>
-                </a:solidFill>
-                <a:effectLst/>
-                <a:latin typeface="+mn-lt"/>
-                <a:ea typeface="+mn-ea"/>
-                <a:cs typeface="+mn-cs"/>
-              </a:rPr>
-              <a:t> GET) and non-safe operations, together with using status codes to help communicate the kinds of errors you run into.</a:t>
+              <a:t>To an object guy like me this is like the notion of object identity. Rather than calling some function in the ether and passing arguments, we call a method on one particular object providing arguments for the other information.</a:t>
             </a:r>
           </a:p>
           <a:p>
@@ -1286,7 +1154,7 @@
     </p:spTree>
     <p:extLst>
       <p:ext uri="{BB962C8B-B14F-4D97-AF65-F5344CB8AC3E}">
-        <p14:creationId xmlns:p14="http://schemas.microsoft.com/office/powerpoint/2010/main" val="3850911502"/>
+        <p14:creationId xmlns:p14="http://schemas.microsoft.com/office/powerpoint/2010/main" val="2904026228"/>
       </p:ext>
     </p:extLst>
   </p:cSld>
@@ -1348,6 +1216,15 @@
               <a:rPr lang="en-US" dirty="0" smtClean="0"/>
             </a:br>
             <a:r>
+              <a:rPr lang="en-US" dirty="0" smtClean="0"/>
+              <a:t>I've used HTTP POST verbs for all my interactions here in level 0 and 1, but some people use GETs instead or in addition. At these levels it doesn't make much difference, they are both being used as tunneling mechanisms allowing you to tunnel your interactions through HTTP. Level 2 moves away from this, using the HTTP verbs as closely as possible to how they are used in HTTP itself.</a:t>
+            </a:r>
+          </a:p>
+          <a:p>
+            <a:endParaRPr lang="en-US" b="0" dirty="0" smtClean="0"/>
+          </a:p>
+          <a:p>
+            <a:r>
               <a:rPr lang="en-US" sz="1200" b="0" i="0" kern="1200" dirty="0" smtClean="0">
                 <a:solidFill>
                   <a:schemeClr val="tx1"/>
@@ -1357,8 +1234,39 @@
                 <a:ea typeface="+mn-ea"/>
                 <a:cs typeface="+mn-cs"/>
               </a:rPr>
-              <a:t>The final level introduces something that you often hear referred to under the ugly acronym of HATEOAS (Hypertext As The Engine Of Application State). It addresses the question of how to get from a list open slots to knowing what to do to book an appointment.</a:t>
-            </a:r>
+              <a:t>For our the list of slots, this means we want to use GET.</a:t>
+            </a:r>
+          </a:p>
+          <a:p>
+            <a:r>
+              <a:rPr lang="en-US" b="0" dirty="0" smtClean="0"/>
+              <a:t>GET /doctors/</a:t>
+            </a:r>
+            <a:r>
+              <a:rPr lang="en-US" b="0" dirty="0" err="1" smtClean="0"/>
+              <a:t>mjones</a:t>
+            </a:r>
+            <a:r>
+              <a:rPr lang="en-US" b="0" dirty="0" smtClean="0"/>
+              <a:t>/</a:t>
+            </a:r>
+            <a:r>
+              <a:rPr lang="en-US" b="0" dirty="0" err="1" smtClean="0"/>
+              <a:t>slots?date</a:t>
+            </a:r>
+            <a:r>
+              <a:rPr lang="en-US" b="0" dirty="0" smtClean="0"/>
+              <a:t>=20100104&amp;status=open HTTP/1.1</a:t>
+            </a:r>
+          </a:p>
+          <a:p>
+            <a:r>
+              <a:rPr lang="en-US" b="0" dirty="0" smtClean="0"/>
+              <a:t>Host: royalhope.nhs.uk</a:t>
+            </a:r>
+          </a:p>
+          <a:p>
+            <a:endParaRPr lang="en-US" b="0" dirty="0" smtClean="0"/>
           </a:p>
           <a:p>
             <a:r>
@@ -1371,13 +1279,181 @@
                 <a:ea typeface="+mn-ea"/>
                 <a:cs typeface="+mn-cs"/>
               </a:rPr>
-              <a:t>We begin with the same initial GET that we sent in level 2</a:t>
+              <a:t>The reply is the same as it would have been with the POST</a:t>
+            </a:r>
+          </a:p>
+          <a:p>
+            <a:r>
+              <a:rPr lang="ro-RO" b="0" dirty="0" smtClean="0"/>
+              <a:t>HTTP/1.1 200 OK</a:t>
+            </a:r>
+          </a:p>
+          <a:p>
+            <a:r>
+              <a:rPr lang="ro-RO" b="0" dirty="0" smtClean="0"/>
+              <a:t>[various headers]</a:t>
+            </a:r>
+          </a:p>
+          <a:p>
+            <a:r>
+              <a:rPr lang="ro-RO" b="0" dirty="0" smtClean="0"/>
+              <a:t>&lt;openSlotList&gt;</a:t>
+            </a:r>
+          </a:p>
+          <a:p>
+            <a:r>
+              <a:rPr lang="ro-RO" b="0" dirty="0" smtClean="0"/>
+              <a:t>  &lt;slot id = "1234" doctor = "mjones" start = "1400" end = "1450"/&gt;</a:t>
+            </a:r>
+          </a:p>
+          <a:p>
+            <a:r>
+              <a:rPr lang="ro-RO" b="0" dirty="0" smtClean="0"/>
+              <a:t>  &lt;slot id = "5678" doctor = "mjones" start = "1600" end = "1650"/&gt;</a:t>
+            </a:r>
+          </a:p>
+          <a:p>
+            <a:r>
+              <a:rPr lang="ro-RO" b="0" dirty="0" smtClean="0"/>
+              <a:t>&lt;/openSlotList&gt;</a:t>
+            </a:r>
+            <a:endParaRPr lang="en-US" b="0" dirty="0" smtClean="0"/>
+          </a:p>
+          <a:p>
+            <a:r>
+              <a:rPr lang="en-US" sz="1200" b="0" i="0" kern="1200" dirty="0" smtClean="0">
+                <a:solidFill>
+                  <a:schemeClr val="tx1"/>
+                </a:solidFill>
+                <a:effectLst/>
+                <a:latin typeface="+mn-lt"/>
+                <a:ea typeface="+mn-ea"/>
+                <a:cs typeface="+mn-cs"/>
+              </a:rPr>
+              <a:t>At Level 2, the use of GET for a request like this is crucial. HTTP defines GET as a safe operation, that is it doesn't make any significant changes to the state of anything. This allows us to invoke GETs safely any number of times in any order and get the same results each time. An important consequence of this is that it allows any participant in the routing of requests to use caching, which is a key element in making the web perform as well as it does. HTTP includes various measures to support caching, which can be used by all participants in the communication. By following the rules of HTTP we're able to take advantage of that capability.</a:t>
             </a:r>
           </a:p>
           <a:p>
             <a:r>
               <a:rPr lang="en-US" b="0" dirty="0" smtClean="0"/>
-              <a:t>GET /doctors/</a:t>
+              <a:t>To book an appointment we need an HTTP verb that does change state, a POST or a PUT. I'll use the same POST that I did earlier.</a:t>
+            </a:r>
+          </a:p>
+          <a:p>
+            <a:r>
+              <a:rPr lang="en-US" b="0" dirty="0" smtClean="0"/>
+              <a:t>POST /slots/1234 HTTP/1.1</a:t>
+            </a:r>
+          </a:p>
+          <a:p>
+            <a:r>
+              <a:rPr lang="en-US" b="0" dirty="0" smtClean="0"/>
+              <a:t>[various other headers]</a:t>
+            </a:r>
+          </a:p>
+          <a:p>
+            <a:endParaRPr lang="en-US" b="0" dirty="0" smtClean="0"/>
+          </a:p>
+          <a:p>
+            <a:r>
+              <a:rPr lang="en-US" b="0" dirty="0" smtClean="0"/>
+              <a:t>&lt;</a:t>
+            </a:r>
+            <a:r>
+              <a:rPr lang="en-US" b="0" dirty="0" err="1" smtClean="0"/>
+              <a:t>appointmentRequest</a:t>
+            </a:r>
+            <a:r>
+              <a:rPr lang="en-US" b="0" dirty="0" smtClean="0"/>
+              <a:t>&gt;</a:t>
+            </a:r>
+          </a:p>
+          <a:p>
+            <a:r>
+              <a:rPr lang="en-US" b="0" dirty="0" smtClean="0"/>
+              <a:t>  &lt;patient id = "</a:t>
+            </a:r>
+            <a:r>
+              <a:rPr lang="en-US" b="0" dirty="0" err="1" smtClean="0"/>
+              <a:t>jsmith</a:t>
+            </a:r>
+            <a:r>
+              <a:rPr lang="en-US" b="0" dirty="0" smtClean="0"/>
+              <a:t>"/&gt;</a:t>
+            </a:r>
+          </a:p>
+          <a:p>
+            <a:r>
+              <a:rPr lang="en-US" b="0" dirty="0" smtClean="0"/>
+              <a:t>&lt;/</a:t>
+            </a:r>
+            <a:r>
+              <a:rPr lang="en-US" b="0" dirty="0" err="1" smtClean="0"/>
+              <a:t>appointmentRequest</a:t>
+            </a:r>
+            <a:r>
+              <a:rPr lang="en-US" b="0" dirty="0" smtClean="0"/>
+              <a:t>&gt;</a:t>
+            </a:r>
+          </a:p>
+          <a:p>
+            <a:pPr fontAlgn="base"/>
+            <a:r>
+              <a:rPr lang="en-US" sz="1200" b="0" i="0" kern="1200" dirty="0" smtClean="0">
+                <a:solidFill>
+                  <a:schemeClr val="tx1"/>
+                </a:solidFill>
+                <a:effectLst/>
+                <a:latin typeface="+mn-lt"/>
+                <a:ea typeface="+mn-ea"/>
+                <a:cs typeface="+mn-cs"/>
+              </a:rPr>
+              <a:t>The trade-offs between using POST and PUT here are more than I want to go into here, maybe I'll do a separate article on them some day. But I do want to point out that some people incorrectly make a correspondence between POST/PUT and create/update. The choice between them is rather different to that.</a:t>
+            </a:r>
+          </a:p>
+          <a:p>
+            <a:pPr fontAlgn="base"/>
+            <a:r>
+              <a:rPr lang="en-US" sz="1200" b="0" i="0" kern="1200" dirty="0" smtClean="0">
+                <a:solidFill>
+                  <a:schemeClr val="tx1"/>
+                </a:solidFill>
+                <a:effectLst/>
+                <a:latin typeface="+mn-lt"/>
+                <a:ea typeface="+mn-ea"/>
+                <a:cs typeface="+mn-cs"/>
+              </a:rPr>
+              <a:t>Even if I use the same post as level 1, there's another significant difference in how the remote service responds. If all goes well, the service replies with a response code of 201 to indicate that there's a new resource in the world.</a:t>
+            </a:r>
+          </a:p>
+          <a:p>
+            <a:r>
+              <a:rPr lang="en-US" b="0" dirty="0" smtClean="0"/>
+              <a:t>HTTP/1.1 201 Created</a:t>
+            </a:r>
+          </a:p>
+          <a:p>
+            <a:r>
+              <a:rPr lang="en-US" b="0" dirty="0" smtClean="0"/>
+              <a:t>Location: slots/1234/appointment</a:t>
+            </a:r>
+          </a:p>
+          <a:p>
+            <a:r>
+              <a:rPr lang="en-US" b="0" dirty="0" smtClean="0"/>
+              <a:t>[various headers]</a:t>
+            </a:r>
+          </a:p>
+          <a:p>
+            <a:r>
+              <a:rPr lang="en-US" b="0" dirty="0" smtClean="0"/>
+              <a:t>&lt;appointment&gt;</a:t>
+            </a:r>
+          </a:p>
+          <a:p>
+            <a:r>
+              <a:rPr lang="en-US" b="0" dirty="0" smtClean="0"/>
+              <a:t>  &lt;slot id = "1234" doctor = "</a:t>
             </a:r>
             <a:r>
               <a:rPr lang="en-US" b="0" dirty="0" err="1" smtClean="0"/>
@@ -1385,27 +1461,34 @@
             </a:r>
             <a:r>
               <a:rPr lang="en-US" b="0" dirty="0" smtClean="0"/>
-              <a:t>/</a:t>
+              <a:t>" start = "1400" end = "1450"/&gt;</a:t>
+            </a:r>
+          </a:p>
+          <a:p>
+            <a:r>
+              <a:rPr lang="en-US" b="0" dirty="0" smtClean="0"/>
+              <a:t>  &lt;patient id = "</a:t>
             </a:r>
             <a:r>
               <a:rPr lang="en-US" b="0" dirty="0" err="1" smtClean="0"/>
-              <a:t>slots?date</a:t>
+              <a:t>jsmith</a:t>
             </a:r>
             <a:r>
               <a:rPr lang="en-US" b="0" dirty="0" smtClean="0"/>
-              <a:t>=20100104&amp;status=open HTTP/1.1</a:t>
+              <a:t>"/&gt;</a:t>
             </a:r>
           </a:p>
           <a:p>
             <a:r>
               <a:rPr lang="en-US" b="0" dirty="0" smtClean="0"/>
-              <a:t>Host: royalhope.nhs.uk</a:t>
+              <a:t>&lt;/appointment&gt;</a:t>
             </a:r>
           </a:p>
           <a:p>
             <a:endParaRPr lang="en-US" b="0" dirty="0" smtClean="0"/>
           </a:p>
           <a:p>
+            <a:pPr fontAlgn="base"/>
             <a:r>
               <a:rPr lang="en-US" sz="1200" b="0" i="0" kern="1200" dirty="0" smtClean="0">
                 <a:solidFill>
@@ -1416,87 +1499,8 @@
                 <a:ea typeface="+mn-ea"/>
                 <a:cs typeface="+mn-cs"/>
               </a:rPr>
-              <a:t>But the response has a new element</a:t>
-            </a:r>
-          </a:p>
-          <a:p>
-            <a:r>
-              <a:rPr lang="ro-RO" b="0" dirty="0" smtClean="0"/>
-              <a:t>HTTP/1.1 200 OK</a:t>
-            </a:r>
-          </a:p>
-          <a:p>
-            <a:r>
-              <a:rPr lang="ro-RO" b="0" dirty="0" smtClean="0"/>
-              <a:t>[various headers]</a:t>
-            </a:r>
-          </a:p>
-          <a:p>
-            <a:endParaRPr lang="ro-RO" b="0" dirty="0" smtClean="0"/>
-          </a:p>
-          <a:p>
-            <a:r>
-              <a:rPr lang="ro-RO" b="0" dirty="0" smtClean="0"/>
-              <a:t>&lt;openSlotList&gt;</a:t>
-            </a:r>
-          </a:p>
-          <a:p>
-            <a:r>
-              <a:rPr lang="ro-RO" b="0" dirty="0" smtClean="0"/>
-              <a:t>  &lt;slot id = "1234" doctor = "mjones" start = "1400" end = "1450"&gt;</a:t>
-            </a:r>
-          </a:p>
-          <a:p>
-            <a:r>
-              <a:rPr lang="ro-RO" b="0" dirty="0" smtClean="0"/>
-              <a:t>     &lt;link rel = "/linkrels/slot/book" </a:t>
-            </a:r>
-          </a:p>
-          <a:p>
-            <a:r>
-              <a:rPr lang="ro-RO" b="0" dirty="0" smtClean="0"/>
-              <a:t>           uri = "/slots/1234"/&gt;</a:t>
-            </a:r>
-          </a:p>
-          <a:p>
-            <a:r>
-              <a:rPr lang="ro-RO" b="0" dirty="0" smtClean="0"/>
-              <a:t>  &lt;/slot&gt;</a:t>
-            </a:r>
-          </a:p>
-          <a:p>
-            <a:r>
-              <a:rPr lang="ro-RO" b="0" dirty="0" smtClean="0"/>
-              <a:t>  &lt;slot id = "5678" doctor = "mjones" start = "1600" end = "1650"&gt;</a:t>
-            </a:r>
-          </a:p>
-          <a:p>
-            <a:r>
-              <a:rPr lang="ro-RO" b="0" dirty="0" smtClean="0"/>
-              <a:t>     &lt;link rel = "/linkrels/slot/book" </a:t>
-            </a:r>
-          </a:p>
-          <a:p>
-            <a:r>
-              <a:rPr lang="ro-RO" b="0" dirty="0" smtClean="0"/>
-              <a:t>           uri = "/slots/5678"/&gt;</a:t>
-            </a:r>
-          </a:p>
-          <a:p>
-            <a:r>
-              <a:rPr lang="ro-RO" b="0" dirty="0" smtClean="0"/>
-              <a:t>  &lt;/slot&gt;</a:t>
-            </a:r>
-          </a:p>
-          <a:p>
-            <a:r>
-              <a:rPr lang="ro-RO" b="0" dirty="0" smtClean="0"/>
-              <a:t>&lt;/openSlotList&gt;</a:t>
-            </a:r>
-            <a:endParaRPr lang="en-US" b="0" dirty="0" smtClean="0"/>
-          </a:p>
-          <a:p>
-            <a:endParaRPr lang="en-US" b="0" dirty="0" smtClean="0"/>
+              <a:t>The 201 response includes a location attribute with a URI that the client can use to GET the current state of that resource in the future. The response here also includes a representation of that resource to save the client an extra call right now.</a:t>
+            </a:r>
           </a:p>
           <a:p>
             <a:pPr fontAlgn="base"/>
@@ -1510,8 +1514,65 @@
                 <a:ea typeface="+mn-ea"/>
                 <a:cs typeface="+mn-cs"/>
               </a:rPr>
-              <a:t>Each slot now has a link element which contains a URI to tell us how to book an appointment.</a:t>
-            </a:r>
+              <a:t>There is another difference if something goes wrong, such as someone else booking the session.</a:t>
+            </a:r>
+          </a:p>
+          <a:p>
+            <a:r>
+              <a:rPr lang="en-US" b="0" dirty="0" smtClean="0"/>
+              <a:t>HTTP/1.1 409 Conflict</a:t>
+            </a:r>
+          </a:p>
+          <a:p>
+            <a:r>
+              <a:rPr lang="en-US" b="0" dirty="0" smtClean="0"/>
+              <a:t>[various headers]</a:t>
+            </a:r>
+          </a:p>
+          <a:p>
+            <a:r>
+              <a:rPr lang="en-US" b="0" dirty="0" smtClean="0"/>
+              <a:t>&lt;</a:t>
+            </a:r>
+            <a:r>
+              <a:rPr lang="en-US" b="0" dirty="0" err="1" smtClean="0"/>
+              <a:t>openSlotList</a:t>
+            </a:r>
+            <a:r>
+              <a:rPr lang="en-US" b="0" dirty="0" smtClean="0"/>
+              <a:t>&gt;</a:t>
+            </a:r>
+          </a:p>
+          <a:p>
+            <a:r>
+              <a:rPr lang="en-US" b="0" dirty="0" smtClean="0"/>
+              <a:t>  &lt;slot id = "5678" doctor = "</a:t>
+            </a:r>
+            <a:r>
+              <a:rPr lang="en-US" b="0" dirty="0" err="1" smtClean="0"/>
+              <a:t>mjones</a:t>
+            </a:r>
+            <a:r>
+              <a:rPr lang="en-US" b="0" dirty="0" smtClean="0"/>
+              <a:t>" start = "1600" end = "1650"/&gt;</a:t>
+            </a:r>
+          </a:p>
+          <a:p>
+            <a:r>
+              <a:rPr lang="en-US" b="0" dirty="0" smtClean="0"/>
+              <a:t>&lt;/</a:t>
+            </a:r>
+            <a:r>
+              <a:rPr lang="en-US" b="0" dirty="0" err="1" smtClean="0"/>
+              <a:t>openSlotList</a:t>
+            </a:r>
+            <a:r>
+              <a:rPr lang="en-US" b="0" dirty="0" smtClean="0"/>
+              <a:t>&gt;</a:t>
+            </a:r>
+          </a:p>
+          <a:p>
+            <a:endParaRPr lang="en-US" b="0" dirty="0" smtClean="0"/>
           </a:p>
           <a:p>
             <a:pPr fontAlgn="base"/>
@@ -1525,7 +1586,7 @@
                 <a:ea typeface="+mn-ea"/>
                 <a:cs typeface="+mn-cs"/>
               </a:rPr>
-              <a:t>The point of hypermedia controls is that they tell us what we can do next, and the URI of the resource we need to manipulate to do it. Rather than us having to know where to post our appointment request, the hypermedia controls in the response tell us how to do it.</a:t>
+              <a:t>The important part of this response is the use of an HTTP response code to indicate something has gone wrong. In this case a 409 seems a good choice to indicate that someone else has already updated the resource in an incompatible way. Rather than using a return code of 200 but including an error response, at level 2 we explicitly use some kind of error response like this. It's up to the protocol designer to decide what codes to use, but there should be a non-2xx response if an error crops up. Level 2 introduces using HTTP verbs and HTTP response codes.</a:t>
             </a:r>
           </a:p>
           <a:p>
@@ -1540,67 +1601,11 @@
                 <a:ea typeface="+mn-ea"/>
                 <a:cs typeface="+mn-cs"/>
               </a:rPr>
-              <a:t>The POST would again copy that of level 2</a:t>
-            </a:r>
-          </a:p>
-          <a:p>
-            <a:r>
-              <a:rPr lang="en-US" b="0" dirty="0" smtClean="0"/>
-              <a:t>POST /slots/1234 HTTP/1.1</a:t>
-            </a:r>
-          </a:p>
-          <a:p>
-            <a:r>
-              <a:rPr lang="en-US" b="0" dirty="0" smtClean="0"/>
-              <a:t>[various other headers]</a:t>
-            </a:r>
-          </a:p>
-          <a:p>
-            <a:endParaRPr lang="en-US" b="0" dirty="0" smtClean="0"/>
-          </a:p>
-          <a:p>
-            <a:r>
-              <a:rPr lang="en-US" b="0" dirty="0" smtClean="0"/>
-              <a:t>&lt;</a:t>
-            </a:r>
-            <a:r>
-              <a:rPr lang="en-US" b="0" dirty="0" err="1" smtClean="0"/>
-              <a:t>appointmentRequest</a:t>
-            </a:r>
-            <a:r>
-              <a:rPr lang="en-US" b="0" dirty="0" smtClean="0"/>
-              <a:t>&gt;</a:t>
-            </a:r>
-          </a:p>
-          <a:p>
-            <a:r>
-              <a:rPr lang="en-US" b="0" dirty="0" smtClean="0"/>
-              <a:t>  &lt;patient id = "</a:t>
-            </a:r>
-            <a:r>
-              <a:rPr lang="en-US" b="0" dirty="0" err="1" smtClean="0"/>
-              <a:t>jsmith</a:t>
-            </a:r>
-            <a:r>
-              <a:rPr lang="en-US" b="0" dirty="0" smtClean="0"/>
-              <a:t>"/&gt;</a:t>
-            </a:r>
-          </a:p>
-          <a:p>
-            <a:r>
-              <a:rPr lang="en-US" b="0" dirty="0" smtClean="0"/>
-              <a:t>&lt;/</a:t>
-            </a:r>
-            <a:r>
-              <a:rPr lang="en-US" b="0" dirty="0" err="1" smtClean="0"/>
-              <a:t>appointmentRequest</a:t>
-            </a:r>
-            <a:r>
-              <a:rPr lang="en-US" b="0" dirty="0" smtClean="0"/>
-              <a:t>&gt;</a:t>
-            </a:r>
-          </a:p>
-          <a:p>
+              <a:t>There is an inconsistency creeping in here. REST advocates talk about using all the HTTP verbs. They also justify their approach by saying that REST is attempting to learn from the practical success of the web. But the world-wide web doesn't use PUT or DELETE much in practice. There are sensible reasons for using PUT and DELETE more, but the existence proof of the web isn't one of them.</a:t>
+            </a:r>
+          </a:p>
+          <a:p>
+            <a:pPr fontAlgn="base"/>
             <a:r>
               <a:rPr lang="en-US" sz="1200" b="0" i="0" kern="1200" dirty="0" smtClean="0">
                 <a:solidFill>
@@ -1611,12 +1616,10 @@
                 <a:ea typeface="+mn-ea"/>
                 <a:cs typeface="+mn-cs"/>
               </a:rPr>
-              <a:t>And the reply contains a number of hypermedia controls for different things to do next.</a:t>
-            </a:r>
-          </a:p>
-          <a:p>
-            <a:r>
-              <a:rPr lang="en-US" sz="1200" b="0" i="0" kern="1200" dirty="0" smtClean="0">
+              <a:t>The key elements that are supported by the existence of the web are the strong separation between safe (</a:t>
+            </a:r>
+            <a:r>
+              <a:rPr lang="en-US" sz="1200" b="0" i="0" kern="1200" dirty="0" err="1" smtClean="0">
                 <a:solidFill>
                   <a:schemeClr val="tx1"/>
                 </a:solidFill>
@@ -1625,10 +1628,8 @@
                 <a:ea typeface="+mn-ea"/>
                 <a:cs typeface="+mn-cs"/>
               </a:rPr>
-              <a:t>HTTP/1.1 201 Created</a:t>
-            </a:r>
-          </a:p>
-          <a:p>
+              <a:t>eg</a:t>
+            </a:r>
             <a:r>
               <a:rPr lang="en-US" sz="1200" b="0" i="0" kern="1200" dirty="0" smtClean="0">
                 <a:solidFill>
@@ -1639,1255 +1640,11 @@
                 <a:ea typeface="+mn-ea"/>
                 <a:cs typeface="+mn-cs"/>
               </a:rPr>
-              <a:t>Location: http://royalhope.nhs.uk/slots/1234/appointment</a:t>
-            </a:r>
-          </a:p>
-          <a:p>
-            <a:r>
-              <a:rPr lang="en-US" sz="1200" b="0" i="0" kern="1200" dirty="0" smtClean="0">
-                <a:solidFill>
-                  <a:schemeClr val="tx1"/>
-                </a:solidFill>
-                <a:effectLst/>
-                <a:latin typeface="+mn-lt"/>
-                <a:ea typeface="+mn-ea"/>
-                <a:cs typeface="+mn-cs"/>
-              </a:rPr>
-              <a:t>[various headers]</a:t>
-            </a:r>
-          </a:p>
-          <a:p>
-            <a:endParaRPr lang="en-US" sz="1200" b="0" i="0" kern="1200" dirty="0" smtClean="0">
-              <a:solidFill>
-                <a:schemeClr val="tx1"/>
-              </a:solidFill>
-              <a:effectLst/>
-              <a:latin typeface="+mn-lt"/>
-              <a:ea typeface="+mn-ea"/>
-              <a:cs typeface="+mn-cs"/>
-            </a:endParaRPr>
-          </a:p>
-          <a:p>
-            <a:r>
-              <a:rPr lang="en-US" sz="1200" b="0" i="0" kern="1200" dirty="0" smtClean="0">
-                <a:solidFill>
-                  <a:schemeClr val="tx1"/>
-                </a:solidFill>
-                <a:effectLst/>
-                <a:latin typeface="+mn-lt"/>
-                <a:ea typeface="+mn-ea"/>
-                <a:cs typeface="+mn-cs"/>
-              </a:rPr>
-              <a:t>&lt;appointment&gt;</a:t>
-            </a:r>
-          </a:p>
-          <a:p>
-            <a:r>
-              <a:rPr lang="en-US" sz="1200" b="0" i="0" kern="1200" dirty="0" smtClean="0">
-                <a:solidFill>
-                  <a:schemeClr val="tx1"/>
-                </a:solidFill>
-                <a:effectLst/>
-                <a:latin typeface="+mn-lt"/>
-                <a:ea typeface="+mn-ea"/>
-                <a:cs typeface="+mn-cs"/>
-              </a:rPr>
-              <a:t>  &lt;slot id = "1234" doctor = "</a:t>
-            </a:r>
-            <a:r>
-              <a:rPr lang="en-US" sz="1200" b="0" i="0" kern="1200" dirty="0" err="1" smtClean="0">
-                <a:solidFill>
-                  <a:schemeClr val="tx1"/>
-                </a:solidFill>
-                <a:effectLst/>
-                <a:latin typeface="+mn-lt"/>
-                <a:ea typeface="+mn-ea"/>
-                <a:cs typeface="+mn-cs"/>
-              </a:rPr>
-              <a:t>mjones</a:t>
-            </a:r>
-            <a:r>
-              <a:rPr lang="en-US" sz="1200" b="0" i="0" kern="1200" dirty="0" smtClean="0">
-                <a:solidFill>
-                  <a:schemeClr val="tx1"/>
-                </a:solidFill>
-                <a:effectLst/>
-                <a:latin typeface="+mn-lt"/>
-                <a:ea typeface="+mn-ea"/>
-                <a:cs typeface="+mn-cs"/>
-              </a:rPr>
-              <a:t>" start = "1400" end = "1450"/&gt;</a:t>
-            </a:r>
-          </a:p>
-          <a:p>
-            <a:r>
-              <a:rPr lang="en-US" sz="1200" b="0" i="0" kern="1200" dirty="0" smtClean="0">
-                <a:solidFill>
-                  <a:schemeClr val="tx1"/>
-                </a:solidFill>
-                <a:effectLst/>
-                <a:latin typeface="+mn-lt"/>
-                <a:ea typeface="+mn-ea"/>
-                <a:cs typeface="+mn-cs"/>
-              </a:rPr>
-              <a:t>  &lt;patient id = "</a:t>
-            </a:r>
-            <a:r>
-              <a:rPr lang="en-US" sz="1200" b="0" i="0" kern="1200" dirty="0" err="1" smtClean="0">
-                <a:solidFill>
-                  <a:schemeClr val="tx1"/>
-                </a:solidFill>
-                <a:effectLst/>
-                <a:latin typeface="+mn-lt"/>
-                <a:ea typeface="+mn-ea"/>
-                <a:cs typeface="+mn-cs"/>
-              </a:rPr>
-              <a:t>jsmith</a:t>
-            </a:r>
-            <a:r>
-              <a:rPr lang="en-US" sz="1200" b="0" i="0" kern="1200" dirty="0" smtClean="0">
-                <a:solidFill>
-                  <a:schemeClr val="tx1"/>
-                </a:solidFill>
-                <a:effectLst/>
-                <a:latin typeface="+mn-lt"/>
-                <a:ea typeface="+mn-ea"/>
-                <a:cs typeface="+mn-cs"/>
-              </a:rPr>
-              <a:t>"/&gt;</a:t>
-            </a:r>
-          </a:p>
-          <a:p>
-            <a:r>
-              <a:rPr lang="en-US" sz="1200" b="0" i="0" kern="1200" dirty="0" smtClean="0">
-                <a:solidFill>
-                  <a:schemeClr val="tx1"/>
-                </a:solidFill>
-                <a:effectLst/>
-                <a:latin typeface="+mn-lt"/>
-                <a:ea typeface="+mn-ea"/>
-                <a:cs typeface="+mn-cs"/>
-              </a:rPr>
-              <a:t>  &lt;link </a:t>
-            </a:r>
-            <a:r>
-              <a:rPr lang="en-US" sz="1200" b="0" i="0" kern="1200" dirty="0" err="1" smtClean="0">
-                <a:solidFill>
-                  <a:schemeClr val="tx1"/>
-                </a:solidFill>
-                <a:effectLst/>
-                <a:latin typeface="+mn-lt"/>
-                <a:ea typeface="+mn-ea"/>
-                <a:cs typeface="+mn-cs"/>
-              </a:rPr>
-              <a:t>rel</a:t>
-            </a:r>
-            <a:r>
-              <a:rPr lang="en-US" sz="1200" b="0" i="0" kern="1200" dirty="0" smtClean="0">
-                <a:solidFill>
-                  <a:schemeClr val="tx1"/>
-                </a:solidFill>
-                <a:effectLst/>
-                <a:latin typeface="+mn-lt"/>
-                <a:ea typeface="+mn-ea"/>
-                <a:cs typeface="+mn-cs"/>
-              </a:rPr>
-              <a:t> = "/</a:t>
-            </a:r>
-            <a:r>
-              <a:rPr lang="en-US" sz="1200" b="0" i="0" kern="1200" dirty="0" err="1" smtClean="0">
-                <a:solidFill>
-                  <a:schemeClr val="tx1"/>
-                </a:solidFill>
-                <a:effectLst/>
-                <a:latin typeface="+mn-lt"/>
-                <a:ea typeface="+mn-ea"/>
-                <a:cs typeface="+mn-cs"/>
-              </a:rPr>
-              <a:t>linkrels</a:t>
-            </a:r>
-            <a:r>
-              <a:rPr lang="en-US" sz="1200" b="0" i="0" kern="1200" dirty="0" smtClean="0">
-                <a:solidFill>
-                  <a:schemeClr val="tx1"/>
-                </a:solidFill>
-                <a:effectLst/>
-                <a:latin typeface="+mn-lt"/>
-                <a:ea typeface="+mn-ea"/>
-                <a:cs typeface="+mn-cs"/>
-              </a:rPr>
-              <a:t>/appointment/cancel"</a:t>
-            </a:r>
-          </a:p>
-          <a:p>
-            <a:r>
-              <a:rPr lang="en-US" sz="1200" b="0" i="0" kern="1200" dirty="0" smtClean="0">
-                <a:solidFill>
-                  <a:schemeClr val="tx1"/>
-                </a:solidFill>
-                <a:effectLst/>
-                <a:latin typeface="+mn-lt"/>
-                <a:ea typeface="+mn-ea"/>
-                <a:cs typeface="+mn-cs"/>
-              </a:rPr>
-              <a:t>        </a:t>
-            </a:r>
-            <a:r>
-              <a:rPr lang="en-US" sz="1200" b="0" i="0" kern="1200" dirty="0" err="1" smtClean="0">
-                <a:solidFill>
-                  <a:schemeClr val="tx1"/>
-                </a:solidFill>
-                <a:effectLst/>
-                <a:latin typeface="+mn-lt"/>
-                <a:ea typeface="+mn-ea"/>
-                <a:cs typeface="+mn-cs"/>
-              </a:rPr>
-              <a:t>uri</a:t>
-            </a:r>
-            <a:r>
-              <a:rPr lang="en-US" sz="1200" b="0" i="0" kern="1200" dirty="0" smtClean="0">
-                <a:solidFill>
-                  <a:schemeClr val="tx1"/>
-                </a:solidFill>
-                <a:effectLst/>
-                <a:latin typeface="+mn-lt"/>
-                <a:ea typeface="+mn-ea"/>
-                <a:cs typeface="+mn-cs"/>
-              </a:rPr>
-              <a:t> = "/slots/1234/appointment"/&gt;</a:t>
-            </a:r>
-          </a:p>
-          <a:p>
-            <a:r>
-              <a:rPr lang="en-US" sz="1200" b="0" i="0" kern="1200" dirty="0" smtClean="0">
-                <a:solidFill>
-                  <a:schemeClr val="tx1"/>
-                </a:solidFill>
-                <a:effectLst/>
-                <a:latin typeface="+mn-lt"/>
-                <a:ea typeface="+mn-ea"/>
-                <a:cs typeface="+mn-cs"/>
-              </a:rPr>
-              <a:t>  &lt;link </a:t>
-            </a:r>
-            <a:r>
-              <a:rPr lang="en-US" sz="1200" b="0" i="0" kern="1200" dirty="0" err="1" smtClean="0">
-                <a:solidFill>
-                  <a:schemeClr val="tx1"/>
-                </a:solidFill>
-                <a:effectLst/>
-                <a:latin typeface="+mn-lt"/>
-                <a:ea typeface="+mn-ea"/>
-                <a:cs typeface="+mn-cs"/>
-              </a:rPr>
-              <a:t>rel</a:t>
-            </a:r>
-            <a:r>
-              <a:rPr lang="en-US" sz="1200" b="0" i="0" kern="1200" dirty="0" smtClean="0">
-                <a:solidFill>
-                  <a:schemeClr val="tx1"/>
-                </a:solidFill>
-                <a:effectLst/>
-                <a:latin typeface="+mn-lt"/>
-                <a:ea typeface="+mn-ea"/>
-                <a:cs typeface="+mn-cs"/>
-              </a:rPr>
-              <a:t> = "/</a:t>
-            </a:r>
-            <a:r>
-              <a:rPr lang="en-US" sz="1200" b="0" i="0" kern="1200" dirty="0" err="1" smtClean="0">
-                <a:solidFill>
-                  <a:schemeClr val="tx1"/>
-                </a:solidFill>
-                <a:effectLst/>
-                <a:latin typeface="+mn-lt"/>
-                <a:ea typeface="+mn-ea"/>
-                <a:cs typeface="+mn-cs"/>
-              </a:rPr>
-              <a:t>linkrels</a:t>
-            </a:r>
-            <a:r>
-              <a:rPr lang="en-US" sz="1200" b="0" i="0" kern="1200" dirty="0" smtClean="0">
-                <a:solidFill>
-                  <a:schemeClr val="tx1"/>
-                </a:solidFill>
-                <a:effectLst/>
-                <a:latin typeface="+mn-lt"/>
-                <a:ea typeface="+mn-ea"/>
-                <a:cs typeface="+mn-cs"/>
-              </a:rPr>
-              <a:t>/appointment/</a:t>
-            </a:r>
-            <a:r>
-              <a:rPr lang="en-US" sz="1200" b="0" i="0" kern="1200" dirty="0" err="1" smtClean="0">
-                <a:solidFill>
-                  <a:schemeClr val="tx1"/>
-                </a:solidFill>
-                <a:effectLst/>
-                <a:latin typeface="+mn-lt"/>
-                <a:ea typeface="+mn-ea"/>
-                <a:cs typeface="+mn-cs"/>
-              </a:rPr>
-              <a:t>addTest</a:t>
-            </a:r>
-            <a:r>
-              <a:rPr lang="en-US" sz="1200" b="0" i="0" kern="1200" dirty="0" smtClean="0">
-                <a:solidFill>
-                  <a:schemeClr val="tx1"/>
-                </a:solidFill>
-                <a:effectLst/>
-                <a:latin typeface="+mn-lt"/>
-                <a:ea typeface="+mn-ea"/>
-                <a:cs typeface="+mn-cs"/>
-              </a:rPr>
-              <a:t>"</a:t>
-            </a:r>
-          </a:p>
-          <a:p>
-            <a:r>
-              <a:rPr lang="en-US" sz="1200" b="0" i="0" kern="1200" dirty="0" smtClean="0">
-                <a:solidFill>
-                  <a:schemeClr val="tx1"/>
-                </a:solidFill>
-                <a:effectLst/>
-                <a:latin typeface="+mn-lt"/>
-                <a:ea typeface="+mn-ea"/>
-                <a:cs typeface="+mn-cs"/>
-              </a:rPr>
-              <a:t>        </a:t>
-            </a:r>
-            <a:r>
-              <a:rPr lang="en-US" sz="1200" b="0" i="0" kern="1200" dirty="0" err="1" smtClean="0">
-                <a:solidFill>
-                  <a:schemeClr val="tx1"/>
-                </a:solidFill>
-                <a:effectLst/>
-                <a:latin typeface="+mn-lt"/>
-                <a:ea typeface="+mn-ea"/>
-                <a:cs typeface="+mn-cs"/>
-              </a:rPr>
-              <a:t>uri</a:t>
-            </a:r>
-            <a:r>
-              <a:rPr lang="en-US" sz="1200" b="0" i="0" kern="1200" dirty="0" smtClean="0">
-                <a:solidFill>
-                  <a:schemeClr val="tx1"/>
-                </a:solidFill>
-                <a:effectLst/>
-                <a:latin typeface="+mn-lt"/>
-                <a:ea typeface="+mn-ea"/>
-                <a:cs typeface="+mn-cs"/>
-              </a:rPr>
-              <a:t> = "/slots/1234/appointment/tests"/&gt;</a:t>
-            </a:r>
-          </a:p>
-          <a:p>
-            <a:r>
-              <a:rPr lang="en-US" sz="1200" b="0" i="0" kern="1200" dirty="0" smtClean="0">
-                <a:solidFill>
-                  <a:schemeClr val="tx1"/>
-                </a:solidFill>
-                <a:effectLst/>
-                <a:latin typeface="+mn-lt"/>
-                <a:ea typeface="+mn-ea"/>
-                <a:cs typeface="+mn-cs"/>
-              </a:rPr>
-              <a:t>  &lt;link </a:t>
-            </a:r>
-            <a:r>
-              <a:rPr lang="en-US" sz="1200" b="0" i="0" kern="1200" dirty="0" err="1" smtClean="0">
-                <a:solidFill>
-                  <a:schemeClr val="tx1"/>
-                </a:solidFill>
-                <a:effectLst/>
-                <a:latin typeface="+mn-lt"/>
-                <a:ea typeface="+mn-ea"/>
-                <a:cs typeface="+mn-cs"/>
-              </a:rPr>
-              <a:t>rel</a:t>
-            </a:r>
-            <a:r>
-              <a:rPr lang="en-US" sz="1200" b="0" i="0" kern="1200" dirty="0" smtClean="0">
-                <a:solidFill>
-                  <a:schemeClr val="tx1"/>
-                </a:solidFill>
-                <a:effectLst/>
-                <a:latin typeface="+mn-lt"/>
-                <a:ea typeface="+mn-ea"/>
-                <a:cs typeface="+mn-cs"/>
-              </a:rPr>
-              <a:t> = "self"</a:t>
-            </a:r>
-          </a:p>
-          <a:p>
-            <a:r>
-              <a:rPr lang="en-US" sz="1200" b="0" i="0" kern="1200" dirty="0" smtClean="0">
-                <a:solidFill>
-                  <a:schemeClr val="tx1"/>
-                </a:solidFill>
-                <a:effectLst/>
-                <a:latin typeface="+mn-lt"/>
-                <a:ea typeface="+mn-ea"/>
-                <a:cs typeface="+mn-cs"/>
-              </a:rPr>
-              <a:t>        </a:t>
-            </a:r>
-            <a:r>
-              <a:rPr lang="en-US" sz="1200" b="0" i="0" kern="1200" dirty="0" err="1" smtClean="0">
-                <a:solidFill>
-                  <a:schemeClr val="tx1"/>
-                </a:solidFill>
-                <a:effectLst/>
-                <a:latin typeface="+mn-lt"/>
-                <a:ea typeface="+mn-ea"/>
-                <a:cs typeface="+mn-cs"/>
-              </a:rPr>
-              <a:t>uri</a:t>
-            </a:r>
-            <a:r>
-              <a:rPr lang="en-US" sz="1200" b="0" i="0" kern="1200" dirty="0" smtClean="0">
-                <a:solidFill>
-                  <a:schemeClr val="tx1"/>
-                </a:solidFill>
-                <a:effectLst/>
-                <a:latin typeface="+mn-lt"/>
-                <a:ea typeface="+mn-ea"/>
-                <a:cs typeface="+mn-cs"/>
-              </a:rPr>
-              <a:t> = "/slots/1234/appointment"/&gt;</a:t>
-            </a:r>
-          </a:p>
-          <a:p>
-            <a:r>
-              <a:rPr lang="en-US" sz="1200" b="0" i="0" kern="1200" dirty="0" smtClean="0">
-                <a:solidFill>
-                  <a:schemeClr val="tx1"/>
-                </a:solidFill>
-                <a:effectLst/>
-                <a:latin typeface="+mn-lt"/>
-                <a:ea typeface="+mn-ea"/>
-                <a:cs typeface="+mn-cs"/>
-              </a:rPr>
-              <a:t>  &lt;link </a:t>
-            </a:r>
-            <a:r>
-              <a:rPr lang="en-US" sz="1200" b="0" i="0" kern="1200" dirty="0" err="1" smtClean="0">
-                <a:solidFill>
-                  <a:schemeClr val="tx1"/>
-                </a:solidFill>
-                <a:effectLst/>
-                <a:latin typeface="+mn-lt"/>
-                <a:ea typeface="+mn-ea"/>
-                <a:cs typeface="+mn-cs"/>
-              </a:rPr>
-              <a:t>rel</a:t>
-            </a:r>
-            <a:r>
-              <a:rPr lang="en-US" sz="1200" b="0" i="0" kern="1200" dirty="0" smtClean="0">
-                <a:solidFill>
-                  <a:schemeClr val="tx1"/>
-                </a:solidFill>
-                <a:effectLst/>
-                <a:latin typeface="+mn-lt"/>
-                <a:ea typeface="+mn-ea"/>
-                <a:cs typeface="+mn-cs"/>
-              </a:rPr>
-              <a:t> = "/</a:t>
-            </a:r>
-            <a:r>
-              <a:rPr lang="en-US" sz="1200" b="0" i="0" kern="1200" dirty="0" err="1" smtClean="0">
-                <a:solidFill>
-                  <a:schemeClr val="tx1"/>
-                </a:solidFill>
-                <a:effectLst/>
-                <a:latin typeface="+mn-lt"/>
-                <a:ea typeface="+mn-ea"/>
-                <a:cs typeface="+mn-cs"/>
-              </a:rPr>
-              <a:t>linkrels</a:t>
-            </a:r>
-            <a:r>
-              <a:rPr lang="en-US" sz="1200" b="0" i="0" kern="1200" dirty="0" smtClean="0">
-                <a:solidFill>
-                  <a:schemeClr val="tx1"/>
-                </a:solidFill>
-                <a:effectLst/>
-                <a:latin typeface="+mn-lt"/>
-                <a:ea typeface="+mn-ea"/>
-                <a:cs typeface="+mn-cs"/>
-              </a:rPr>
-              <a:t>/appointment/</a:t>
-            </a:r>
-            <a:r>
-              <a:rPr lang="en-US" sz="1200" b="0" i="0" kern="1200" dirty="0" err="1" smtClean="0">
-                <a:solidFill>
-                  <a:schemeClr val="tx1"/>
-                </a:solidFill>
-                <a:effectLst/>
-                <a:latin typeface="+mn-lt"/>
-                <a:ea typeface="+mn-ea"/>
-                <a:cs typeface="+mn-cs"/>
-              </a:rPr>
-              <a:t>changeTime</a:t>
-            </a:r>
-            <a:r>
-              <a:rPr lang="en-US" sz="1200" b="0" i="0" kern="1200" dirty="0" smtClean="0">
-                <a:solidFill>
-                  <a:schemeClr val="tx1"/>
-                </a:solidFill>
-                <a:effectLst/>
-                <a:latin typeface="+mn-lt"/>
-                <a:ea typeface="+mn-ea"/>
-                <a:cs typeface="+mn-cs"/>
-              </a:rPr>
-              <a:t>"</a:t>
-            </a:r>
-          </a:p>
-          <a:p>
-            <a:r>
-              <a:rPr lang="en-US" sz="1200" b="0" i="0" kern="1200" dirty="0" smtClean="0">
-                <a:solidFill>
-                  <a:schemeClr val="tx1"/>
-                </a:solidFill>
-                <a:effectLst/>
-                <a:latin typeface="+mn-lt"/>
-                <a:ea typeface="+mn-ea"/>
-                <a:cs typeface="+mn-cs"/>
-              </a:rPr>
-              <a:t>        </a:t>
-            </a:r>
-            <a:r>
-              <a:rPr lang="en-US" sz="1200" b="0" i="0" kern="1200" dirty="0" err="1" smtClean="0">
-                <a:solidFill>
-                  <a:schemeClr val="tx1"/>
-                </a:solidFill>
-                <a:effectLst/>
-                <a:latin typeface="+mn-lt"/>
-                <a:ea typeface="+mn-ea"/>
-                <a:cs typeface="+mn-cs"/>
-              </a:rPr>
-              <a:t>uri</a:t>
-            </a:r>
-            <a:r>
-              <a:rPr lang="en-US" sz="1200" b="0" i="0" kern="1200" dirty="0" smtClean="0">
-                <a:solidFill>
-                  <a:schemeClr val="tx1"/>
-                </a:solidFill>
-                <a:effectLst/>
-                <a:latin typeface="+mn-lt"/>
-                <a:ea typeface="+mn-ea"/>
-                <a:cs typeface="+mn-cs"/>
-              </a:rPr>
-              <a:t> = "/doctors/</a:t>
-            </a:r>
-            <a:r>
-              <a:rPr lang="en-US" sz="1200" b="0" i="0" kern="1200" dirty="0" err="1" smtClean="0">
-                <a:solidFill>
-                  <a:schemeClr val="tx1"/>
-                </a:solidFill>
-                <a:effectLst/>
-                <a:latin typeface="+mn-lt"/>
-                <a:ea typeface="+mn-ea"/>
-                <a:cs typeface="+mn-cs"/>
-              </a:rPr>
-              <a:t>mjones</a:t>
-            </a:r>
-            <a:r>
-              <a:rPr lang="en-US" sz="1200" b="0" i="0" kern="1200" dirty="0" smtClean="0">
-                <a:solidFill>
-                  <a:schemeClr val="tx1"/>
-                </a:solidFill>
-                <a:effectLst/>
-                <a:latin typeface="+mn-lt"/>
-                <a:ea typeface="+mn-ea"/>
-                <a:cs typeface="+mn-cs"/>
-              </a:rPr>
-              <a:t>/</a:t>
-            </a:r>
-            <a:r>
-              <a:rPr lang="en-US" sz="1200" b="0" i="0" kern="1200" dirty="0" err="1" smtClean="0">
-                <a:solidFill>
-                  <a:schemeClr val="tx1"/>
-                </a:solidFill>
-                <a:effectLst/>
-                <a:latin typeface="+mn-lt"/>
-                <a:ea typeface="+mn-ea"/>
-                <a:cs typeface="+mn-cs"/>
-              </a:rPr>
-              <a:t>slots?date</a:t>
-            </a:r>
-            <a:r>
-              <a:rPr lang="en-US" sz="1200" b="0" i="0" kern="1200" dirty="0" smtClean="0">
-                <a:solidFill>
-                  <a:schemeClr val="tx1"/>
-                </a:solidFill>
-                <a:effectLst/>
-                <a:latin typeface="+mn-lt"/>
-                <a:ea typeface="+mn-ea"/>
-                <a:cs typeface="+mn-cs"/>
-              </a:rPr>
-              <a:t>=20100104@status=open"/&gt;</a:t>
-            </a:r>
-          </a:p>
-          <a:p>
-            <a:r>
-              <a:rPr lang="en-US" sz="1200" b="0" i="0" kern="1200" dirty="0" smtClean="0">
-                <a:solidFill>
-                  <a:schemeClr val="tx1"/>
-                </a:solidFill>
-                <a:effectLst/>
-                <a:latin typeface="+mn-lt"/>
-                <a:ea typeface="+mn-ea"/>
-                <a:cs typeface="+mn-cs"/>
-              </a:rPr>
-              <a:t>  &lt;link </a:t>
-            </a:r>
-            <a:r>
-              <a:rPr lang="en-US" sz="1200" b="0" i="0" kern="1200" dirty="0" err="1" smtClean="0">
-                <a:solidFill>
-                  <a:schemeClr val="tx1"/>
-                </a:solidFill>
-                <a:effectLst/>
-                <a:latin typeface="+mn-lt"/>
-                <a:ea typeface="+mn-ea"/>
-                <a:cs typeface="+mn-cs"/>
-              </a:rPr>
-              <a:t>rel</a:t>
-            </a:r>
-            <a:r>
-              <a:rPr lang="en-US" sz="1200" b="0" i="0" kern="1200" dirty="0" smtClean="0">
-                <a:solidFill>
-                  <a:schemeClr val="tx1"/>
-                </a:solidFill>
-                <a:effectLst/>
-                <a:latin typeface="+mn-lt"/>
-                <a:ea typeface="+mn-ea"/>
-                <a:cs typeface="+mn-cs"/>
-              </a:rPr>
-              <a:t> = "/</a:t>
-            </a:r>
-            <a:r>
-              <a:rPr lang="en-US" sz="1200" b="0" i="0" kern="1200" dirty="0" err="1" smtClean="0">
-                <a:solidFill>
-                  <a:schemeClr val="tx1"/>
-                </a:solidFill>
-                <a:effectLst/>
-                <a:latin typeface="+mn-lt"/>
-                <a:ea typeface="+mn-ea"/>
-                <a:cs typeface="+mn-cs"/>
-              </a:rPr>
-              <a:t>linkrels</a:t>
-            </a:r>
-            <a:r>
-              <a:rPr lang="en-US" sz="1200" b="0" i="0" kern="1200" dirty="0" smtClean="0">
-                <a:solidFill>
-                  <a:schemeClr val="tx1"/>
-                </a:solidFill>
-                <a:effectLst/>
-                <a:latin typeface="+mn-lt"/>
-                <a:ea typeface="+mn-ea"/>
-                <a:cs typeface="+mn-cs"/>
-              </a:rPr>
-              <a:t>/appointment/</a:t>
-            </a:r>
-            <a:r>
-              <a:rPr lang="en-US" sz="1200" b="0" i="0" kern="1200" dirty="0" err="1" smtClean="0">
-                <a:solidFill>
-                  <a:schemeClr val="tx1"/>
-                </a:solidFill>
-                <a:effectLst/>
-                <a:latin typeface="+mn-lt"/>
-                <a:ea typeface="+mn-ea"/>
-                <a:cs typeface="+mn-cs"/>
-              </a:rPr>
-              <a:t>updateContactInfo</a:t>
-            </a:r>
-            <a:r>
-              <a:rPr lang="en-US" sz="1200" b="0" i="0" kern="1200" dirty="0" smtClean="0">
-                <a:solidFill>
-                  <a:schemeClr val="tx1"/>
-                </a:solidFill>
-                <a:effectLst/>
-                <a:latin typeface="+mn-lt"/>
-                <a:ea typeface="+mn-ea"/>
-                <a:cs typeface="+mn-cs"/>
-              </a:rPr>
-              <a:t>"</a:t>
-            </a:r>
-          </a:p>
-          <a:p>
-            <a:r>
-              <a:rPr lang="en-US" sz="1200" b="0" i="0" kern="1200" dirty="0" smtClean="0">
-                <a:solidFill>
-                  <a:schemeClr val="tx1"/>
-                </a:solidFill>
-                <a:effectLst/>
-                <a:latin typeface="+mn-lt"/>
-                <a:ea typeface="+mn-ea"/>
-                <a:cs typeface="+mn-cs"/>
-              </a:rPr>
-              <a:t>        </a:t>
-            </a:r>
-            <a:r>
-              <a:rPr lang="en-US" sz="1200" b="0" i="0" kern="1200" dirty="0" err="1" smtClean="0">
-                <a:solidFill>
-                  <a:schemeClr val="tx1"/>
-                </a:solidFill>
-                <a:effectLst/>
-                <a:latin typeface="+mn-lt"/>
-                <a:ea typeface="+mn-ea"/>
-                <a:cs typeface="+mn-cs"/>
-              </a:rPr>
-              <a:t>uri</a:t>
-            </a:r>
-            <a:r>
-              <a:rPr lang="en-US" sz="1200" b="0" i="0" kern="1200" dirty="0" smtClean="0">
-                <a:solidFill>
-                  <a:schemeClr val="tx1"/>
-                </a:solidFill>
-                <a:effectLst/>
-                <a:latin typeface="+mn-lt"/>
-                <a:ea typeface="+mn-ea"/>
-                <a:cs typeface="+mn-cs"/>
-              </a:rPr>
-              <a:t> = "/patients/</a:t>
-            </a:r>
-            <a:r>
-              <a:rPr lang="en-US" sz="1200" b="0" i="0" kern="1200" dirty="0" err="1" smtClean="0">
-                <a:solidFill>
-                  <a:schemeClr val="tx1"/>
-                </a:solidFill>
-                <a:effectLst/>
-                <a:latin typeface="+mn-lt"/>
-                <a:ea typeface="+mn-ea"/>
-                <a:cs typeface="+mn-cs"/>
-              </a:rPr>
-              <a:t>jsmith</a:t>
-            </a:r>
-            <a:r>
-              <a:rPr lang="en-US" sz="1200" b="0" i="0" kern="1200" dirty="0" smtClean="0">
-                <a:solidFill>
-                  <a:schemeClr val="tx1"/>
-                </a:solidFill>
-                <a:effectLst/>
-                <a:latin typeface="+mn-lt"/>
-                <a:ea typeface="+mn-ea"/>
-                <a:cs typeface="+mn-cs"/>
-              </a:rPr>
-              <a:t>/</a:t>
-            </a:r>
-            <a:r>
-              <a:rPr lang="en-US" sz="1200" b="0" i="0" kern="1200" dirty="0" err="1" smtClean="0">
-                <a:solidFill>
-                  <a:schemeClr val="tx1"/>
-                </a:solidFill>
-                <a:effectLst/>
-                <a:latin typeface="+mn-lt"/>
-                <a:ea typeface="+mn-ea"/>
-                <a:cs typeface="+mn-cs"/>
-              </a:rPr>
-              <a:t>contactInfo</a:t>
-            </a:r>
-            <a:r>
-              <a:rPr lang="en-US" sz="1200" b="0" i="0" kern="1200" dirty="0" smtClean="0">
-                <a:solidFill>
-                  <a:schemeClr val="tx1"/>
-                </a:solidFill>
-                <a:effectLst/>
-                <a:latin typeface="+mn-lt"/>
-                <a:ea typeface="+mn-ea"/>
-                <a:cs typeface="+mn-cs"/>
-              </a:rPr>
-              <a:t>"/&gt;</a:t>
-            </a:r>
-          </a:p>
-          <a:p>
-            <a:r>
-              <a:rPr lang="en-US" sz="1200" b="0" i="0" kern="1200" dirty="0" smtClean="0">
-                <a:solidFill>
-                  <a:schemeClr val="tx1"/>
-                </a:solidFill>
-                <a:effectLst/>
-                <a:latin typeface="+mn-lt"/>
-                <a:ea typeface="+mn-ea"/>
-                <a:cs typeface="+mn-cs"/>
-              </a:rPr>
-              <a:t>  &lt;link </a:t>
-            </a:r>
-            <a:r>
-              <a:rPr lang="en-US" sz="1200" b="0" i="0" kern="1200" dirty="0" err="1" smtClean="0">
-                <a:solidFill>
-                  <a:schemeClr val="tx1"/>
-                </a:solidFill>
-                <a:effectLst/>
-                <a:latin typeface="+mn-lt"/>
-                <a:ea typeface="+mn-ea"/>
-                <a:cs typeface="+mn-cs"/>
-              </a:rPr>
-              <a:t>rel</a:t>
-            </a:r>
-            <a:r>
-              <a:rPr lang="en-US" sz="1200" b="0" i="0" kern="1200" dirty="0" smtClean="0">
-                <a:solidFill>
-                  <a:schemeClr val="tx1"/>
-                </a:solidFill>
-                <a:effectLst/>
-                <a:latin typeface="+mn-lt"/>
-                <a:ea typeface="+mn-ea"/>
-                <a:cs typeface="+mn-cs"/>
-              </a:rPr>
-              <a:t> = "/</a:t>
-            </a:r>
-            <a:r>
-              <a:rPr lang="en-US" sz="1200" b="0" i="0" kern="1200" dirty="0" err="1" smtClean="0">
-                <a:solidFill>
-                  <a:schemeClr val="tx1"/>
-                </a:solidFill>
-                <a:effectLst/>
-                <a:latin typeface="+mn-lt"/>
-                <a:ea typeface="+mn-ea"/>
-                <a:cs typeface="+mn-cs"/>
-              </a:rPr>
-              <a:t>linkrels</a:t>
-            </a:r>
-            <a:r>
-              <a:rPr lang="en-US" sz="1200" b="0" i="0" kern="1200" dirty="0" smtClean="0">
-                <a:solidFill>
-                  <a:schemeClr val="tx1"/>
-                </a:solidFill>
-                <a:effectLst/>
-                <a:latin typeface="+mn-lt"/>
-                <a:ea typeface="+mn-ea"/>
-                <a:cs typeface="+mn-cs"/>
-              </a:rPr>
-              <a:t>/help"</a:t>
-            </a:r>
-          </a:p>
-          <a:p>
-            <a:r>
-              <a:rPr lang="en-US" sz="1200" b="0" i="0" kern="1200" dirty="0" smtClean="0">
-                <a:solidFill>
-                  <a:schemeClr val="tx1"/>
-                </a:solidFill>
-                <a:effectLst/>
-                <a:latin typeface="+mn-lt"/>
-                <a:ea typeface="+mn-ea"/>
-                <a:cs typeface="+mn-cs"/>
-              </a:rPr>
-              <a:t>        </a:t>
-            </a:r>
-            <a:r>
-              <a:rPr lang="en-US" sz="1200" b="0" i="0" kern="1200" dirty="0" err="1" smtClean="0">
-                <a:solidFill>
-                  <a:schemeClr val="tx1"/>
-                </a:solidFill>
-                <a:effectLst/>
-                <a:latin typeface="+mn-lt"/>
-                <a:ea typeface="+mn-ea"/>
-                <a:cs typeface="+mn-cs"/>
-              </a:rPr>
-              <a:t>uri</a:t>
-            </a:r>
-            <a:r>
-              <a:rPr lang="en-US" sz="1200" b="0" i="0" kern="1200" dirty="0" smtClean="0">
-                <a:solidFill>
-                  <a:schemeClr val="tx1"/>
-                </a:solidFill>
-                <a:effectLst/>
-                <a:latin typeface="+mn-lt"/>
-                <a:ea typeface="+mn-ea"/>
-                <a:cs typeface="+mn-cs"/>
-              </a:rPr>
-              <a:t> = "/help/appointment"/&gt;</a:t>
-            </a:r>
-          </a:p>
-          <a:p>
-            <a:r>
-              <a:rPr lang="en-US" sz="1200" b="0" i="0" kern="1200" dirty="0" smtClean="0">
-                <a:solidFill>
-                  <a:schemeClr val="tx1"/>
-                </a:solidFill>
-                <a:effectLst/>
-                <a:latin typeface="+mn-lt"/>
-                <a:ea typeface="+mn-ea"/>
-                <a:cs typeface="+mn-cs"/>
-              </a:rPr>
-              <a:t>&lt;/appointment&gt;</a:t>
-            </a:r>
-          </a:p>
-          <a:p>
-            <a:endParaRPr lang="en-US" sz="1200" b="0" i="0" kern="1200" dirty="0" smtClean="0">
-              <a:solidFill>
-                <a:schemeClr val="tx1"/>
-              </a:solidFill>
-              <a:effectLst/>
-              <a:latin typeface="+mn-lt"/>
-              <a:ea typeface="+mn-ea"/>
-              <a:cs typeface="+mn-cs"/>
-            </a:endParaRPr>
-          </a:p>
-          <a:p>
-            <a:pPr fontAlgn="base"/>
-            <a:r>
-              <a:rPr lang="en-US" sz="1200" b="0" i="0" kern="1200" dirty="0" smtClean="0">
-                <a:solidFill>
-                  <a:schemeClr val="tx1"/>
-                </a:solidFill>
-                <a:effectLst/>
-                <a:latin typeface="+mn-lt"/>
-                <a:ea typeface="+mn-ea"/>
-                <a:cs typeface="+mn-cs"/>
-              </a:rPr>
-              <a:t>One obvious benefit of hypermedia controls is that it allows the server to change its URI scheme without breaking clients. As long as clients look up the "</a:t>
-            </a:r>
-            <a:r>
-              <a:rPr lang="en-US" sz="1200" b="0" i="0" kern="1200" dirty="0" err="1" smtClean="0">
-                <a:solidFill>
-                  <a:schemeClr val="tx1"/>
-                </a:solidFill>
-                <a:effectLst/>
-                <a:latin typeface="+mn-lt"/>
-                <a:ea typeface="+mn-ea"/>
-                <a:cs typeface="+mn-cs"/>
-              </a:rPr>
-              <a:t>addTest</a:t>
-            </a:r>
-            <a:r>
-              <a:rPr lang="en-US" sz="1200" b="0" i="0" kern="1200" dirty="0" smtClean="0">
-                <a:solidFill>
-                  <a:schemeClr val="tx1"/>
-                </a:solidFill>
-                <a:effectLst/>
-                <a:latin typeface="+mn-lt"/>
-                <a:ea typeface="+mn-ea"/>
-                <a:cs typeface="+mn-cs"/>
-              </a:rPr>
-              <a:t>" link URI then the server team can juggle all URIs other than the initial entry points.</a:t>
-            </a:r>
-          </a:p>
-          <a:p>
-            <a:pPr fontAlgn="base"/>
-            <a:r>
-              <a:rPr lang="en-US" sz="1200" b="0" i="0" kern="1200" dirty="0" smtClean="0">
-                <a:solidFill>
-                  <a:schemeClr val="tx1"/>
-                </a:solidFill>
-                <a:effectLst/>
-                <a:latin typeface="+mn-lt"/>
-                <a:ea typeface="+mn-ea"/>
-                <a:cs typeface="+mn-cs"/>
-              </a:rPr>
-              <a:t>A further benefit is that it helps client developers explore the protocol. The links give client developers a hint as to what may be possible next. It doesn't give all the information: both the "latest" and "cancel" controls point to the same URI - they need to figure out that one is a GET and the other a DELETE. But at least it gives them a starting point as to what to think about for more information and to look for a similar URI in the protocol documentation.</a:t>
-            </a:r>
-          </a:p>
-          <a:p>
-            <a:pPr fontAlgn="base"/>
-            <a:r>
-              <a:rPr lang="en-US" sz="1200" b="0" i="0" kern="1200" dirty="0" smtClean="0">
-                <a:solidFill>
-                  <a:schemeClr val="tx1"/>
-                </a:solidFill>
-                <a:effectLst/>
-                <a:latin typeface="+mn-lt"/>
-                <a:ea typeface="+mn-ea"/>
-                <a:cs typeface="+mn-cs"/>
-              </a:rPr>
-              <a:t>Similarly it allows the server team to advertise new capabilities by putting new links in the responses. If the client developers are keeping an eye out for unknown links these links can be a trigger for further exploration.</a:t>
-            </a:r>
-          </a:p>
-          <a:p>
-            <a:pPr fontAlgn="base"/>
-            <a:r>
-              <a:rPr lang="en-US" sz="1200" b="0" i="0" kern="1200" dirty="0" smtClean="0">
-                <a:solidFill>
-                  <a:schemeClr val="tx1"/>
-                </a:solidFill>
-                <a:effectLst/>
-                <a:latin typeface="+mn-lt"/>
-                <a:ea typeface="+mn-ea"/>
-                <a:cs typeface="+mn-cs"/>
-              </a:rPr>
-              <a:t>There's no absolute standard as to how to represent hypermedia controls. What I've done here is to use the current recommendations of the REST in Practice team, which is to follow ATOM (</a:t>
-            </a:r>
-            <a:r>
-              <a:rPr lang="en-US" sz="1200" b="0" i="0" u="none" strike="noStrike" kern="1200" dirty="0" smtClean="0">
-                <a:solidFill>
-                  <a:schemeClr val="tx1"/>
-                </a:solidFill>
-                <a:effectLst/>
-                <a:latin typeface="+mn-lt"/>
-                <a:ea typeface="+mn-ea"/>
-                <a:cs typeface="+mn-cs"/>
-                <a:hlinkClick r:id="rId3"/>
-              </a:rPr>
-              <a:t>RFC 4287</a:t>
-            </a:r>
-            <a:r>
-              <a:rPr lang="en-US" sz="1200" b="0" i="0" kern="1200" dirty="0" smtClean="0">
-                <a:solidFill>
-                  <a:schemeClr val="tx1"/>
-                </a:solidFill>
-                <a:effectLst/>
-                <a:latin typeface="+mn-lt"/>
-                <a:ea typeface="+mn-ea"/>
-                <a:cs typeface="+mn-cs"/>
-              </a:rPr>
-              <a:t>) I use a &lt;link&gt; element with a </a:t>
-            </a:r>
-            <a:r>
-              <a:rPr lang="en-US" sz="1200" b="0" i="0" kern="1200" dirty="0" err="1" smtClean="0">
-                <a:solidFill>
-                  <a:schemeClr val="tx1"/>
-                </a:solidFill>
-                <a:effectLst/>
-                <a:latin typeface="+mn-lt"/>
-                <a:ea typeface="+mn-ea"/>
-                <a:cs typeface="+mn-cs"/>
-              </a:rPr>
-              <a:t>uri</a:t>
-            </a:r>
-            <a:r>
-              <a:rPr lang="en-US" sz="1200" b="0" i="0" kern="1200" dirty="0" smtClean="0">
-                <a:solidFill>
-                  <a:schemeClr val="tx1"/>
-                </a:solidFill>
-                <a:effectLst/>
-                <a:latin typeface="+mn-lt"/>
-                <a:ea typeface="+mn-ea"/>
-                <a:cs typeface="+mn-cs"/>
-              </a:rPr>
-              <a:t> attribute for the target URI and a </a:t>
-            </a:r>
-            <a:r>
-              <a:rPr lang="en-US" sz="1200" b="0" i="0" kern="1200" dirty="0" err="1" smtClean="0">
-                <a:solidFill>
-                  <a:schemeClr val="tx1"/>
-                </a:solidFill>
-                <a:effectLst/>
-                <a:latin typeface="+mn-lt"/>
-                <a:ea typeface="+mn-ea"/>
-                <a:cs typeface="+mn-cs"/>
-              </a:rPr>
-              <a:t>rel</a:t>
-            </a:r>
-            <a:r>
-              <a:rPr lang="en-US" sz="1200" b="0" i="0" kern="1200" dirty="0" smtClean="0">
-                <a:solidFill>
-                  <a:schemeClr val="tx1"/>
-                </a:solidFill>
-                <a:effectLst/>
-                <a:latin typeface="+mn-lt"/>
-                <a:ea typeface="+mn-ea"/>
-                <a:cs typeface="+mn-cs"/>
-              </a:rPr>
-              <a:t> attribute for to describe the kind of relationship. A well known relationship (such as self for a reference to the element itself) is bare, any specific to that server is a fully qualified URI. ATOM states that the definition for well-known </a:t>
-            </a:r>
-            <a:r>
-              <a:rPr lang="en-US" sz="1200" b="0" i="0" kern="1200" dirty="0" err="1" smtClean="0">
-                <a:solidFill>
-                  <a:schemeClr val="tx1"/>
-                </a:solidFill>
-                <a:effectLst/>
-                <a:latin typeface="+mn-lt"/>
-                <a:ea typeface="+mn-ea"/>
-                <a:cs typeface="+mn-cs"/>
-              </a:rPr>
-              <a:t>linkrels</a:t>
-            </a:r>
-            <a:r>
-              <a:rPr lang="en-US" sz="1200" b="0" i="0" kern="1200" dirty="0" smtClean="0">
-                <a:solidFill>
-                  <a:schemeClr val="tx1"/>
-                </a:solidFill>
-                <a:effectLst/>
-                <a:latin typeface="+mn-lt"/>
-                <a:ea typeface="+mn-ea"/>
-                <a:cs typeface="+mn-cs"/>
-              </a:rPr>
-              <a:t> is the </a:t>
-            </a:r>
-            <a:r>
-              <a:rPr lang="en-US" sz="1200" b="0" i="0" u="none" strike="noStrike" kern="1200" dirty="0" smtClean="0">
-                <a:solidFill>
-                  <a:schemeClr val="tx1"/>
-                </a:solidFill>
-                <a:effectLst/>
-                <a:latin typeface="+mn-lt"/>
-                <a:ea typeface="+mn-ea"/>
-                <a:cs typeface="+mn-cs"/>
-                <a:hlinkClick r:id="rId4"/>
-              </a:rPr>
-              <a:t>Registry of Link Relations </a:t>
-            </a:r>
-            <a:r>
-              <a:rPr lang="en-US" sz="1200" b="0" i="0" kern="1200" dirty="0" smtClean="0">
-                <a:solidFill>
-                  <a:schemeClr val="tx1"/>
-                </a:solidFill>
-                <a:effectLst/>
-                <a:latin typeface="+mn-lt"/>
-                <a:ea typeface="+mn-ea"/>
-                <a:cs typeface="+mn-cs"/>
-              </a:rPr>
-              <a:t>. As I write these are confined to what's done by ATOM, which is generally seen as a leader in level 3 restfulness.</a:t>
-            </a:r>
-          </a:p>
-          <a:p>
-            <a:pPr fontAlgn="base"/>
-            <a:endParaRPr lang="en-US" sz="1200" b="0" i="0" kern="1200" dirty="0" smtClean="0">
-              <a:solidFill>
-                <a:schemeClr val="tx1"/>
-              </a:solidFill>
-              <a:effectLst/>
-              <a:latin typeface="+mn-lt"/>
-              <a:ea typeface="+mn-ea"/>
-              <a:cs typeface="+mn-cs"/>
-            </a:endParaRPr>
-          </a:p>
-          <a:p>
-            <a:pPr fontAlgn="base"/>
-            <a:r>
-              <a:rPr lang="en-US" sz="1200" b="1" i="0" kern="1200" dirty="0" smtClean="0">
-                <a:solidFill>
-                  <a:schemeClr val="tx1"/>
-                </a:solidFill>
-                <a:effectLst/>
-                <a:latin typeface="+mn-lt"/>
-                <a:ea typeface="+mn-ea"/>
-                <a:cs typeface="+mn-cs"/>
-              </a:rPr>
-              <a:t>The Meaning of the Levels</a:t>
-            </a:r>
-          </a:p>
-          <a:p>
-            <a:pPr fontAlgn="base"/>
-            <a:r>
-              <a:rPr lang="en-US" sz="1200" b="0" i="0" kern="1200" dirty="0" smtClean="0">
-                <a:solidFill>
-                  <a:schemeClr val="tx1"/>
-                </a:solidFill>
-                <a:effectLst/>
-                <a:latin typeface="+mn-lt"/>
-                <a:ea typeface="+mn-ea"/>
-                <a:cs typeface="+mn-cs"/>
-              </a:rPr>
-              <a:t>I should stress that the RMM, while a good way to think about what the elements of REST, is not a definition of levels of REST itself. Roy Fielding has made it clear that </a:t>
-            </a:r>
-            <a:r>
-              <a:rPr lang="en-US" sz="1200" b="0" i="0" u="none" strike="noStrike" kern="1200" dirty="0" smtClean="0">
-                <a:solidFill>
-                  <a:schemeClr val="tx1"/>
-                </a:solidFill>
-                <a:effectLst/>
-                <a:latin typeface="+mn-lt"/>
-                <a:ea typeface="+mn-ea"/>
-                <a:cs typeface="+mn-cs"/>
-                <a:hlinkClick r:id="rId5"/>
-              </a:rPr>
-              <a:t>level 3 RMM is a pre-condition of REST</a:t>
-            </a:r>
-            <a:r>
-              <a:rPr lang="en-US" sz="1200" b="0" i="0" kern="1200" dirty="0" smtClean="0">
-                <a:solidFill>
-                  <a:schemeClr val="tx1"/>
-                </a:solidFill>
-                <a:effectLst/>
-                <a:latin typeface="+mn-lt"/>
-                <a:ea typeface="+mn-ea"/>
-                <a:cs typeface="+mn-cs"/>
-              </a:rPr>
-              <a:t>. Like many terms in software, REST gets lots of definitions, but since Roy Fielding coined the term, his definition should carry more weight than most.</a:t>
-            </a:r>
-          </a:p>
-          <a:p>
-            <a:pPr fontAlgn="base"/>
-            <a:r>
-              <a:rPr lang="en-US" sz="1200" b="0" i="0" kern="1200" dirty="0" smtClean="0">
-                <a:solidFill>
-                  <a:schemeClr val="tx1"/>
-                </a:solidFill>
-                <a:effectLst/>
-                <a:latin typeface="+mn-lt"/>
-                <a:ea typeface="+mn-ea"/>
-                <a:cs typeface="+mn-cs"/>
-              </a:rPr>
-              <a:t>What I find useful about this RMM is that it provides a good step by step way to understand the basic ideas behind restful thinking. As such I see it as tool to help us learn about the concepts and not something that should be used in some kind of assessment mechanism. I don't think we have enough examples yet to be really sure that the restful approach is the right way to integrate systems, I do think it's a very attractive approach and the one that I would recommend in most situations.</a:t>
-            </a:r>
-          </a:p>
-          <a:p>
-            <a:pPr fontAlgn="base"/>
-            <a:r>
-              <a:rPr lang="en-US" sz="1200" b="0" i="0" kern="1200" dirty="0" smtClean="0">
-                <a:solidFill>
-                  <a:schemeClr val="tx1"/>
-                </a:solidFill>
-                <a:effectLst/>
-                <a:latin typeface="+mn-lt"/>
-                <a:ea typeface="+mn-ea"/>
-                <a:cs typeface="+mn-cs"/>
-              </a:rPr>
-              <a:t>Talking about this with Ian Robinson, he stressed that something he found attractive about this model when Leonard Richardson first presented it was its relationship to common design techniques.</a:t>
-            </a:r>
-          </a:p>
-          <a:p>
-            <a:pPr fontAlgn="base"/>
-            <a:r>
-              <a:rPr lang="en-US" sz="1200" b="0" i="0" kern="1200" dirty="0" smtClean="0">
-                <a:solidFill>
-                  <a:schemeClr val="tx1"/>
-                </a:solidFill>
-                <a:effectLst/>
-                <a:latin typeface="+mn-lt"/>
-                <a:ea typeface="+mn-ea"/>
-                <a:cs typeface="+mn-cs"/>
-              </a:rPr>
-              <a:t>Level 1 tackles the question of handling complexity by using divide and conquer, breaking a large service endpoint down into multiple resources.</a:t>
-            </a:r>
-          </a:p>
-          <a:p>
-            <a:pPr fontAlgn="base"/>
-            <a:r>
-              <a:rPr lang="en-US" sz="1200" b="0" i="0" kern="1200" dirty="0" smtClean="0">
-                <a:solidFill>
-                  <a:schemeClr val="tx1"/>
-                </a:solidFill>
-                <a:effectLst/>
-                <a:latin typeface="+mn-lt"/>
-                <a:ea typeface="+mn-ea"/>
-                <a:cs typeface="+mn-cs"/>
-              </a:rPr>
-              <a:t>Level 2 introduces a standard set of verbs so that we handle similar situations in the same way, removing unnecessary variation.</a:t>
-            </a:r>
-          </a:p>
-          <a:p>
-            <a:pPr fontAlgn="base"/>
-            <a:r>
-              <a:rPr lang="en-US" sz="1200" b="0" i="0" kern="1200" dirty="0" smtClean="0">
-                <a:solidFill>
-                  <a:schemeClr val="tx1"/>
-                </a:solidFill>
-                <a:effectLst/>
-                <a:latin typeface="+mn-lt"/>
-                <a:ea typeface="+mn-ea"/>
-                <a:cs typeface="+mn-cs"/>
-              </a:rPr>
-              <a:t>Level 3 introduces discoverability, providing a way of making a protocol more self-documenting.</a:t>
-            </a:r>
-          </a:p>
-          <a:p>
-            <a:pPr fontAlgn="base"/>
-            <a:r>
-              <a:rPr lang="en-US" sz="1200" b="0" i="0" kern="1200" dirty="0" smtClean="0">
-                <a:solidFill>
-                  <a:schemeClr val="tx1"/>
-                </a:solidFill>
-                <a:effectLst/>
-                <a:latin typeface="+mn-lt"/>
-                <a:ea typeface="+mn-ea"/>
-                <a:cs typeface="+mn-cs"/>
-              </a:rPr>
-              <a:t>The result is a model that helps us think about the kind of HTTP service we want to provide and frame the expectations of people looking to interact with it.</a:t>
-            </a:r>
+              <a:t> GET) and non-safe operations, together with using status codes to help communicate the kinds of errors you run into.</a:t>
+            </a:r>
+          </a:p>
+          <a:p>
+            <a:endParaRPr lang="en-US" b="0" dirty="0" smtClean="0"/>
           </a:p>
         </p:txBody>
       </p:sp>
@@ -2909,6 +1666,1637 @@
             <a:fld id="{5C84FE02-A589-41E9-8DDF-29CEE6AB9026}" type="slidenum">
               <a:rPr lang="en-US" smtClean="0"/>
               <a:t>16</a:t>
+            </a:fld>
+            <a:endParaRPr lang="en-US"/>
+          </a:p>
+        </p:txBody>
+      </p:sp>
+    </p:spTree>
+    <p:extLst>
+      <p:ext uri="{BB962C8B-B14F-4D97-AF65-F5344CB8AC3E}">
+        <p14:creationId xmlns:p14="http://schemas.microsoft.com/office/powerpoint/2010/main" val="3850911502"/>
+      </p:ext>
+    </p:extLst>
+  </p:cSld>
+  <p:clrMapOvr>
+    <a:masterClrMapping/>
+  </p:clrMapOvr>
+</p:notes>
+</file>
+
+<file path=ppt/notesSlides/notesSlide12.xml><?xml version="1.0" encoding="utf-8"?>
+<p:notes xmlns:a="http://schemas.openxmlformats.org/drawingml/2006/main" xmlns:r="http://schemas.openxmlformats.org/officeDocument/2006/relationships" xmlns:p="http://schemas.openxmlformats.org/presentationml/2006/main">
+  <p:cSld>
+    <p:spTree>
+      <p:nvGrpSpPr>
+        <p:cNvPr id="1" name=""/>
+        <p:cNvGrpSpPr/>
+        <p:nvPr/>
+      </p:nvGrpSpPr>
+      <p:grpSpPr>
+        <a:xfrm>
+          <a:off x="0" y="0"/>
+          <a:ext cx="0" cy="0"/>
+          <a:chOff x="0" y="0"/>
+          <a:chExt cx="0" cy="0"/>
+        </a:xfrm>
+      </p:grpSpPr>
+      <p:sp>
+        <p:nvSpPr>
+          <p:cNvPr id="2" name="Slide Image Placeholder 1"/>
+          <p:cNvSpPr>
+            <a:spLocks noGrp="1" noRot="1" noChangeAspect="1"/>
+          </p:cNvSpPr>
+          <p:nvPr>
+            <p:ph type="sldImg"/>
+          </p:nvPr>
+        </p:nvSpPr>
+        <p:spPr/>
+      </p:sp>
+      <p:sp>
+        <p:nvSpPr>
+          <p:cNvPr id="3" name="Notes Placeholder 2"/>
+          <p:cNvSpPr>
+            <a:spLocks noGrp="1"/>
+          </p:cNvSpPr>
+          <p:nvPr>
+            <p:ph type="body" idx="1"/>
+          </p:nvPr>
+        </p:nvSpPr>
+        <p:spPr/>
+        <p:txBody>
+          <a:bodyPr/>
+          <a:lstStyle/>
+          <a:p>
+            <a:r>
+              <a:rPr lang="en-US" dirty="0" smtClean="0"/>
+              <a:t/>
+            </a:r>
+            <a:br>
+              <a:rPr lang="en-US" dirty="0" smtClean="0"/>
+            </a:br>
+            <a:r>
+              <a:rPr lang="en-US" sz="1200" b="0" i="0" kern="1200" dirty="0" smtClean="0">
+                <a:solidFill>
+                  <a:schemeClr val="tx1"/>
+                </a:solidFill>
+                <a:effectLst/>
+                <a:latin typeface="+mn-lt"/>
+                <a:ea typeface="+mn-ea"/>
+                <a:cs typeface="+mn-cs"/>
+              </a:rPr>
+              <a:t>The final level introduces something that you often hear referred to under the ugly acronym of HATEOAS (Hypertext As The Engine Of Application State). It addresses the question of how to get from a list open slots to knowing what to do to book an appointment.</a:t>
+            </a:r>
+          </a:p>
+          <a:p>
+            <a:r>
+              <a:rPr lang="en-US" sz="1200" b="0" i="0" kern="1200" dirty="0" smtClean="0">
+                <a:solidFill>
+                  <a:schemeClr val="tx1"/>
+                </a:solidFill>
+                <a:effectLst/>
+                <a:latin typeface="+mn-lt"/>
+                <a:ea typeface="+mn-ea"/>
+                <a:cs typeface="+mn-cs"/>
+              </a:rPr>
+              <a:t>We begin with the same initial GET that we sent in level 2</a:t>
+            </a:r>
+          </a:p>
+          <a:p>
+            <a:r>
+              <a:rPr lang="en-US" b="0" dirty="0" smtClean="0"/>
+              <a:t>GET /doctors/</a:t>
+            </a:r>
+            <a:r>
+              <a:rPr lang="en-US" b="0" dirty="0" err="1" smtClean="0"/>
+              <a:t>mjones</a:t>
+            </a:r>
+            <a:r>
+              <a:rPr lang="en-US" b="0" dirty="0" smtClean="0"/>
+              <a:t>/</a:t>
+            </a:r>
+            <a:r>
+              <a:rPr lang="en-US" b="0" dirty="0" err="1" smtClean="0"/>
+              <a:t>slots?date</a:t>
+            </a:r>
+            <a:r>
+              <a:rPr lang="en-US" b="0" dirty="0" smtClean="0"/>
+              <a:t>=20100104&amp;status=open HTTP/1.1</a:t>
+            </a:r>
+          </a:p>
+          <a:p>
+            <a:r>
+              <a:rPr lang="en-US" b="0" dirty="0" smtClean="0"/>
+              <a:t>Host: royalhope.nhs.uk</a:t>
+            </a:r>
+          </a:p>
+          <a:p>
+            <a:endParaRPr lang="en-US" b="0" dirty="0" smtClean="0"/>
+          </a:p>
+          <a:p>
+            <a:r>
+              <a:rPr lang="en-US" sz="1200" b="0" i="0" kern="1200" dirty="0" smtClean="0">
+                <a:solidFill>
+                  <a:schemeClr val="tx1"/>
+                </a:solidFill>
+                <a:effectLst/>
+                <a:latin typeface="+mn-lt"/>
+                <a:ea typeface="+mn-ea"/>
+                <a:cs typeface="+mn-cs"/>
+              </a:rPr>
+              <a:t>But the response has a new element</a:t>
+            </a:r>
+          </a:p>
+          <a:p>
+            <a:r>
+              <a:rPr lang="ro-RO" b="0" dirty="0" smtClean="0"/>
+              <a:t>HTTP/1.1 200 OK</a:t>
+            </a:r>
+          </a:p>
+          <a:p>
+            <a:r>
+              <a:rPr lang="ro-RO" b="0" dirty="0" smtClean="0"/>
+              <a:t>[various headers]</a:t>
+            </a:r>
+          </a:p>
+          <a:p>
+            <a:endParaRPr lang="ro-RO" b="0" dirty="0" smtClean="0"/>
+          </a:p>
+          <a:p>
+            <a:r>
+              <a:rPr lang="ro-RO" b="0" dirty="0" smtClean="0"/>
+              <a:t>&lt;openSlotList&gt;</a:t>
+            </a:r>
+          </a:p>
+          <a:p>
+            <a:r>
+              <a:rPr lang="ro-RO" b="0" dirty="0" smtClean="0"/>
+              <a:t>  &lt;slot id = "1234" doctor = "mjones" start = "1400" end = "1450"&gt;</a:t>
+            </a:r>
+          </a:p>
+          <a:p>
+            <a:r>
+              <a:rPr lang="ro-RO" b="0" dirty="0" smtClean="0"/>
+              <a:t>     &lt;link rel = "/linkrels/slot/book" </a:t>
+            </a:r>
+          </a:p>
+          <a:p>
+            <a:r>
+              <a:rPr lang="ro-RO" b="0" dirty="0" smtClean="0"/>
+              <a:t>           uri = "/slots/1234"/&gt;</a:t>
+            </a:r>
+          </a:p>
+          <a:p>
+            <a:r>
+              <a:rPr lang="ro-RO" b="0" dirty="0" smtClean="0"/>
+              <a:t>  &lt;/slot&gt;</a:t>
+            </a:r>
+          </a:p>
+          <a:p>
+            <a:r>
+              <a:rPr lang="ro-RO" b="0" dirty="0" smtClean="0"/>
+              <a:t>  &lt;slot id = "5678" doctor = "mjones" start = "1600" end = "1650"&gt;</a:t>
+            </a:r>
+          </a:p>
+          <a:p>
+            <a:r>
+              <a:rPr lang="ro-RO" b="0" dirty="0" smtClean="0"/>
+              <a:t>     &lt;link rel = "/linkrels/slot/book" </a:t>
+            </a:r>
+          </a:p>
+          <a:p>
+            <a:r>
+              <a:rPr lang="ro-RO" b="0" dirty="0" smtClean="0"/>
+              <a:t>           uri = "/slots/5678"/&gt;</a:t>
+            </a:r>
+          </a:p>
+          <a:p>
+            <a:r>
+              <a:rPr lang="ro-RO" b="0" dirty="0" smtClean="0"/>
+              <a:t>  &lt;/slot&gt;</a:t>
+            </a:r>
+          </a:p>
+          <a:p>
+            <a:r>
+              <a:rPr lang="ro-RO" b="0" dirty="0" smtClean="0"/>
+              <a:t>&lt;/openSlotList&gt;</a:t>
+            </a:r>
+            <a:endParaRPr lang="en-US" b="0" dirty="0" smtClean="0"/>
+          </a:p>
+          <a:p>
+            <a:endParaRPr lang="en-US" b="0" dirty="0" smtClean="0"/>
+          </a:p>
+          <a:p>
+            <a:pPr fontAlgn="base"/>
+            <a:r>
+              <a:rPr lang="en-US" sz="1200" b="0" i="0" kern="1200" dirty="0" smtClean="0">
+                <a:solidFill>
+                  <a:schemeClr val="tx1"/>
+                </a:solidFill>
+                <a:effectLst/>
+                <a:latin typeface="+mn-lt"/>
+                <a:ea typeface="+mn-ea"/>
+                <a:cs typeface="+mn-cs"/>
+              </a:rPr>
+              <a:t>Each slot now has a link element which contains a URI to tell us how to book an appointment.</a:t>
+            </a:r>
+          </a:p>
+          <a:p>
+            <a:pPr fontAlgn="base"/>
+            <a:r>
+              <a:rPr lang="en-US" sz="1200" b="0" i="0" kern="1200" dirty="0" smtClean="0">
+                <a:solidFill>
+                  <a:schemeClr val="tx1"/>
+                </a:solidFill>
+                <a:effectLst/>
+                <a:latin typeface="+mn-lt"/>
+                <a:ea typeface="+mn-ea"/>
+                <a:cs typeface="+mn-cs"/>
+              </a:rPr>
+              <a:t>The point of hypermedia controls is that they tell us what we can do next, and the URI of the resource we need to manipulate to do it. Rather than us having to know where to post our appointment request, the hypermedia controls in the response tell us how to do it.</a:t>
+            </a:r>
+          </a:p>
+          <a:p>
+            <a:pPr fontAlgn="base"/>
+            <a:r>
+              <a:rPr lang="en-US" sz="1200" b="0" i="0" kern="1200" dirty="0" smtClean="0">
+                <a:solidFill>
+                  <a:schemeClr val="tx1"/>
+                </a:solidFill>
+                <a:effectLst/>
+                <a:latin typeface="+mn-lt"/>
+                <a:ea typeface="+mn-ea"/>
+                <a:cs typeface="+mn-cs"/>
+              </a:rPr>
+              <a:t>The POST would again copy that of level 2</a:t>
+            </a:r>
+          </a:p>
+          <a:p>
+            <a:r>
+              <a:rPr lang="en-US" b="0" dirty="0" smtClean="0"/>
+              <a:t>POST /slots/1234 HTTP/1.1</a:t>
+            </a:r>
+          </a:p>
+          <a:p>
+            <a:r>
+              <a:rPr lang="en-US" b="0" dirty="0" smtClean="0"/>
+              <a:t>[various other headers]</a:t>
+            </a:r>
+          </a:p>
+          <a:p>
+            <a:endParaRPr lang="en-US" b="0" dirty="0" smtClean="0"/>
+          </a:p>
+          <a:p>
+            <a:r>
+              <a:rPr lang="en-US" b="0" dirty="0" smtClean="0"/>
+              <a:t>&lt;</a:t>
+            </a:r>
+            <a:r>
+              <a:rPr lang="en-US" b="0" dirty="0" err="1" smtClean="0"/>
+              <a:t>appointmentRequest</a:t>
+            </a:r>
+            <a:r>
+              <a:rPr lang="en-US" b="0" dirty="0" smtClean="0"/>
+              <a:t>&gt;</a:t>
+            </a:r>
+          </a:p>
+          <a:p>
+            <a:r>
+              <a:rPr lang="en-US" b="0" dirty="0" smtClean="0"/>
+              <a:t>  &lt;patient id = "</a:t>
+            </a:r>
+            <a:r>
+              <a:rPr lang="en-US" b="0" dirty="0" err="1" smtClean="0"/>
+              <a:t>jsmith</a:t>
+            </a:r>
+            <a:r>
+              <a:rPr lang="en-US" b="0" dirty="0" smtClean="0"/>
+              <a:t>"/&gt;</a:t>
+            </a:r>
+          </a:p>
+          <a:p>
+            <a:r>
+              <a:rPr lang="en-US" b="0" dirty="0" smtClean="0"/>
+              <a:t>&lt;/</a:t>
+            </a:r>
+            <a:r>
+              <a:rPr lang="en-US" b="0" dirty="0" err="1" smtClean="0"/>
+              <a:t>appointmentRequest</a:t>
+            </a:r>
+            <a:r>
+              <a:rPr lang="en-US" b="0" dirty="0" smtClean="0"/>
+              <a:t>&gt;</a:t>
+            </a:r>
+          </a:p>
+          <a:p>
+            <a:r>
+              <a:rPr lang="en-US" sz="1200" b="0" i="0" kern="1200" dirty="0" smtClean="0">
+                <a:solidFill>
+                  <a:schemeClr val="tx1"/>
+                </a:solidFill>
+                <a:effectLst/>
+                <a:latin typeface="+mn-lt"/>
+                <a:ea typeface="+mn-ea"/>
+                <a:cs typeface="+mn-cs"/>
+              </a:rPr>
+              <a:t>And the reply contains a number of hypermedia controls for different things to do next.</a:t>
+            </a:r>
+          </a:p>
+          <a:p>
+            <a:r>
+              <a:rPr lang="en-US" sz="1200" b="0" i="0" kern="1200" dirty="0" smtClean="0">
+                <a:solidFill>
+                  <a:schemeClr val="tx1"/>
+                </a:solidFill>
+                <a:effectLst/>
+                <a:latin typeface="+mn-lt"/>
+                <a:ea typeface="+mn-ea"/>
+                <a:cs typeface="+mn-cs"/>
+              </a:rPr>
+              <a:t>HTTP/1.1 201 Created</a:t>
+            </a:r>
+          </a:p>
+          <a:p>
+            <a:r>
+              <a:rPr lang="en-US" sz="1200" b="0" i="0" kern="1200" dirty="0" smtClean="0">
+                <a:solidFill>
+                  <a:schemeClr val="tx1"/>
+                </a:solidFill>
+                <a:effectLst/>
+                <a:latin typeface="+mn-lt"/>
+                <a:ea typeface="+mn-ea"/>
+                <a:cs typeface="+mn-cs"/>
+              </a:rPr>
+              <a:t>Location: http://royalhope.nhs.uk/slots/1234/appointment</a:t>
+            </a:r>
+          </a:p>
+          <a:p>
+            <a:r>
+              <a:rPr lang="en-US" sz="1200" b="0" i="0" kern="1200" dirty="0" smtClean="0">
+                <a:solidFill>
+                  <a:schemeClr val="tx1"/>
+                </a:solidFill>
+                <a:effectLst/>
+                <a:latin typeface="+mn-lt"/>
+                <a:ea typeface="+mn-ea"/>
+                <a:cs typeface="+mn-cs"/>
+              </a:rPr>
+              <a:t>[various headers]</a:t>
+            </a:r>
+          </a:p>
+          <a:p>
+            <a:endParaRPr lang="en-US" sz="1200" b="0" i="0" kern="1200" dirty="0" smtClean="0">
+              <a:solidFill>
+                <a:schemeClr val="tx1"/>
+              </a:solidFill>
+              <a:effectLst/>
+              <a:latin typeface="+mn-lt"/>
+              <a:ea typeface="+mn-ea"/>
+              <a:cs typeface="+mn-cs"/>
+            </a:endParaRPr>
+          </a:p>
+          <a:p>
+            <a:r>
+              <a:rPr lang="en-US" sz="1200" b="0" i="0" kern="1200" dirty="0" smtClean="0">
+                <a:solidFill>
+                  <a:schemeClr val="tx1"/>
+                </a:solidFill>
+                <a:effectLst/>
+                <a:latin typeface="+mn-lt"/>
+                <a:ea typeface="+mn-ea"/>
+                <a:cs typeface="+mn-cs"/>
+              </a:rPr>
+              <a:t>&lt;appointment&gt;</a:t>
+            </a:r>
+          </a:p>
+          <a:p>
+            <a:r>
+              <a:rPr lang="en-US" sz="1200" b="0" i="0" kern="1200" dirty="0" smtClean="0">
+                <a:solidFill>
+                  <a:schemeClr val="tx1"/>
+                </a:solidFill>
+                <a:effectLst/>
+                <a:latin typeface="+mn-lt"/>
+                <a:ea typeface="+mn-ea"/>
+                <a:cs typeface="+mn-cs"/>
+              </a:rPr>
+              <a:t>  &lt;slot id = "1234" doctor = "</a:t>
+            </a:r>
+            <a:r>
+              <a:rPr lang="en-US" sz="1200" b="0" i="0" kern="1200" dirty="0" err="1" smtClean="0">
+                <a:solidFill>
+                  <a:schemeClr val="tx1"/>
+                </a:solidFill>
+                <a:effectLst/>
+                <a:latin typeface="+mn-lt"/>
+                <a:ea typeface="+mn-ea"/>
+                <a:cs typeface="+mn-cs"/>
+              </a:rPr>
+              <a:t>mjones</a:t>
+            </a:r>
+            <a:r>
+              <a:rPr lang="en-US" sz="1200" b="0" i="0" kern="1200" dirty="0" smtClean="0">
+                <a:solidFill>
+                  <a:schemeClr val="tx1"/>
+                </a:solidFill>
+                <a:effectLst/>
+                <a:latin typeface="+mn-lt"/>
+                <a:ea typeface="+mn-ea"/>
+                <a:cs typeface="+mn-cs"/>
+              </a:rPr>
+              <a:t>" start = "1400" end = "1450"/&gt;</a:t>
+            </a:r>
+          </a:p>
+          <a:p>
+            <a:r>
+              <a:rPr lang="en-US" sz="1200" b="0" i="0" kern="1200" dirty="0" smtClean="0">
+                <a:solidFill>
+                  <a:schemeClr val="tx1"/>
+                </a:solidFill>
+                <a:effectLst/>
+                <a:latin typeface="+mn-lt"/>
+                <a:ea typeface="+mn-ea"/>
+                <a:cs typeface="+mn-cs"/>
+              </a:rPr>
+              <a:t>  &lt;patient id = "</a:t>
+            </a:r>
+            <a:r>
+              <a:rPr lang="en-US" sz="1200" b="0" i="0" kern="1200" dirty="0" err="1" smtClean="0">
+                <a:solidFill>
+                  <a:schemeClr val="tx1"/>
+                </a:solidFill>
+                <a:effectLst/>
+                <a:latin typeface="+mn-lt"/>
+                <a:ea typeface="+mn-ea"/>
+                <a:cs typeface="+mn-cs"/>
+              </a:rPr>
+              <a:t>jsmith</a:t>
+            </a:r>
+            <a:r>
+              <a:rPr lang="en-US" sz="1200" b="0" i="0" kern="1200" dirty="0" smtClean="0">
+                <a:solidFill>
+                  <a:schemeClr val="tx1"/>
+                </a:solidFill>
+                <a:effectLst/>
+                <a:latin typeface="+mn-lt"/>
+                <a:ea typeface="+mn-ea"/>
+                <a:cs typeface="+mn-cs"/>
+              </a:rPr>
+              <a:t>"/&gt;</a:t>
+            </a:r>
+          </a:p>
+          <a:p>
+            <a:r>
+              <a:rPr lang="en-US" sz="1200" b="0" i="0" kern="1200" dirty="0" smtClean="0">
+                <a:solidFill>
+                  <a:schemeClr val="tx1"/>
+                </a:solidFill>
+                <a:effectLst/>
+                <a:latin typeface="+mn-lt"/>
+                <a:ea typeface="+mn-ea"/>
+                <a:cs typeface="+mn-cs"/>
+              </a:rPr>
+              <a:t>  &lt;link </a:t>
+            </a:r>
+            <a:r>
+              <a:rPr lang="en-US" sz="1200" b="0" i="0" kern="1200" dirty="0" err="1" smtClean="0">
+                <a:solidFill>
+                  <a:schemeClr val="tx1"/>
+                </a:solidFill>
+                <a:effectLst/>
+                <a:latin typeface="+mn-lt"/>
+                <a:ea typeface="+mn-ea"/>
+                <a:cs typeface="+mn-cs"/>
+              </a:rPr>
+              <a:t>rel</a:t>
+            </a:r>
+            <a:r>
+              <a:rPr lang="en-US" sz="1200" b="0" i="0" kern="1200" dirty="0" smtClean="0">
+                <a:solidFill>
+                  <a:schemeClr val="tx1"/>
+                </a:solidFill>
+                <a:effectLst/>
+                <a:latin typeface="+mn-lt"/>
+                <a:ea typeface="+mn-ea"/>
+                <a:cs typeface="+mn-cs"/>
+              </a:rPr>
+              <a:t> = "/</a:t>
+            </a:r>
+            <a:r>
+              <a:rPr lang="en-US" sz="1200" b="0" i="0" kern="1200" dirty="0" err="1" smtClean="0">
+                <a:solidFill>
+                  <a:schemeClr val="tx1"/>
+                </a:solidFill>
+                <a:effectLst/>
+                <a:latin typeface="+mn-lt"/>
+                <a:ea typeface="+mn-ea"/>
+                <a:cs typeface="+mn-cs"/>
+              </a:rPr>
+              <a:t>linkrels</a:t>
+            </a:r>
+            <a:r>
+              <a:rPr lang="en-US" sz="1200" b="0" i="0" kern="1200" dirty="0" smtClean="0">
+                <a:solidFill>
+                  <a:schemeClr val="tx1"/>
+                </a:solidFill>
+                <a:effectLst/>
+                <a:latin typeface="+mn-lt"/>
+                <a:ea typeface="+mn-ea"/>
+                <a:cs typeface="+mn-cs"/>
+              </a:rPr>
+              <a:t>/appointment/cancel"</a:t>
+            </a:r>
+          </a:p>
+          <a:p>
+            <a:r>
+              <a:rPr lang="en-US" sz="1200" b="0" i="0" kern="1200" dirty="0" smtClean="0">
+                <a:solidFill>
+                  <a:schemeClr val="tx1"/>
+                </a:solidFill>
+                <a:effectLst/>
+                <a:latin typeface="+mn-lt"/>
+                <a:ea typeface="+mn-ea"/>
+                <a:cs typeface="+mn-cs"/>
+              </a:rPr>
+              <a:t>        </a:t>
+            </a:r>
+            <a:r>
+              <a:rPr lang="en-US" sz="1200" b="0" i="0" kern="1200" dirty="0" err="1" smtClean="0">
+                <a:solidFill>
+                  <a:schemeClr val="tx1"/>
+                </a:solidFill>
+                <a:effectLst/>
+                <a:latin typeface="+mn-lt"/>
+                <a:ea typeface="+mn-ea"/>
+                <a:cs typeface="+mn-cs"/>
+              </a:rPr>
+              <a:t>uri</a:t>
+            </a:r>
+            <a:r>
+              <a:rPr lang="en-US" sz="1200" b="0" i="0" kern="1200" dirty="0" smtClean="0">
+                <a:solidFill>
+                  <a:schemeClr val="tx1"/>
+                </a:solidFill>
+                <a:effectLst/>
+                <a:latin typeface="+mn-lt"/>
+                <a:ea typeface="+mn-ea"/>
+                <a:cs typeface="+mn-cs"/>
+              </a:rPr>
+              <a:t> = "/slots/1234/appointment"/&gt;</a:t>
+            </a:r>
+          </a:p>
+          <a:p>
+            <a:r>
+              <a:rPr lang="en-US" sz="1200" b="0" i="0" kern="1200" dirty="0" smtClean="0">
+                <a:solidFill>
+                  <a:schemeClr val="tx1"/>
+                </a:solidFill>
+                <a:effectLst/>
+                <a:latin typeface="+mn-lt"/>
+                <a:ea typeface="+mn-ea"/>
+                <a:cs typeface="+mn-cs"/>
+              </a:rPr>
+              <a:t>  &lt;link </a:t>
+            </a:r>
+            <a:r>
+              <a:rPr lang="en-US" sz="1200" b="0" i="0" kern="1200" dirty="0" err="1" smtClean="0">
+                <a:solidFill>
+                  <a:schemeClr val="tx1"/>
+                </a:solidFill>
+                <a:effectLst/>
+                <a:latin typeface="+mn-lt"/>
+                <a:ea typeface="+mn-ea"/>
+                <a:cs typeface="+mn-cs"/>
+              </a:rPr>
+              <a:t>rel</a:t>
+            </a:r>
+            <a:r>
+              <a:rPr lang="en-US" sz="1200" b="0" i="0" kern="1200" dirty="0" smtClean="0">
+                <a:solidFill>
+                  <a:schemeClr val="tx1"/>
+                </a:solidFill>
+                <a:effectLst/>
+                <a:latin typeface="+mn-lt"/>
+                <a:ea typeface="+mn-ea"/>
+                <a:cs typeface="+mn-cs"/>
+              </a:rPr>
+              <a:t> = "/</a:t>
+            </a:r>
+            <a:r>
+              <a:rPr lang="en-US" sz="1200" b="0" i="0" kern="1200" dirty="0" err="1" smtClean="0">
+                <a:solidFill>
+                  <a:schemeClr val="tx1"/>
+                </a:solidFill>
+                <a:effectLst/>
+                <a:latin typeface="+mn-lt"/>
+                <a:ea typeface="+mn-ea"/>
+                <a:cs typeface="+mn-cs"/>
+              </a:rPr>
+              <a:t>linkrels</a:t>
+            </a:r>
+            <a:r>
+              <a:rPr lang="en-US" sz="1200" b="0" i="0" kern="1200" dirty="0" smtClean="0">
+                <a:solidFill>
+                  <a:schemeClr val="tx1"/>
+                </a:solidFill>
+                <a:effectLst/>
+                <a:latin typeface="+mn-lt"/>
+                <a:ea typeface="+mn-ea"/>
+                <a:cs typeface="+mn-cs"/>
+              </a:rPr>
+              <a:t>/appointment/</a:t>
+            </a:r>
+            <a:r>
+              <a:rPr lang="en-US" sz="1200" b="0" i="0" kern="1200" dirty="0" err="1" smtClean="0">
+                <a:solidFill>
+                  <a:schemeClr val="tx1"/>
+                </a:solidFill>
+                <a:effectLst/>
+                <a:latin typeface="+mn-lt"/>
+                <a:ea typeface="+mn-ea"/>
+                <a:cs typeface="+mn-cs"/>
+              </a:rPr>
+              <a:t>addTest</a:t>
+            </a:r>
+            <a:r>
+              <a:rPr lang="en-US" sz="1200" b="0" i="0" kern="1200" dirty="0" smtClean="0">
+                <a:solidFill>
+                  <a:schemeClr val="tx1"/>
+                </a:solidFill>
+                <a:effectLst/>
+                <a:latin typeface="+mn-lt"/>
+                <a:ea typeface="+mn-ea"/>
+                <a:cs typeface="+mn-cs"/>
+              </a:rPr>
+              <a:t>"</a:t>
+            </a:r>
+          </a:p>
+          <a:p>
+            <a:r>
+              <a:rPr lang="en-US" sz="1200" b="0" i="0" kern="1200" dirty="0" smtClean="0">
+                <a:solidFill>
+                  <a:schemeClr val="tx1"/>
+                </a:solidFill>
+                <a:effectLst/>
+                <a:latin typeface="+mn-lt"/>
+                <a:ea typeface="+mn-ea"/>
+                <a:cs typeface="+mn-cs"/>
+              </a:rPr>
+              <a:t>        </a:t>
+            </a:r>
+            <a:r>
+              <a:rPr lang="en-US" sz="1200" b="0" i="0" kern="1200" dirty="0" err="1" smtClean="0">
+                <a:solidFill>
+                  <a:schemeClr val="tx1"/>
+                </a:solidFill>
+                <a:effectLst/>
+                <a:latin typeface="+mn-lt"/>
+                <a:ea typeface="+mn-ea"/>
+                <a:cs typeface="+mn-cs"/>
+              </a:rPr>
+              <a:t>uri</a:t>
+            </a:r>
+            <a:r>
+              <a:rPr lang="en-US" sz="1200" b="0" i="0" kern="1200" dirty="0" smtClean="0">
+                <a:solidFill>
+                  <a:schemeClr val="tx1"/>
+                </a:solidFill>
+                <a:effectLst/>
+                <a:latin typeface="+mn-lt"/>
+                <a:ea typeface="+mn-ea"/>
+                <a:cs typeface="+mn-cs"/>
+              </a:rPr>
+              <a:t> = "/slots/1234/appointment/tests"/&gt;</a:t>
+            </a:r>
+          </a:p>
+          <a:p>
+            <a:r>
+              <a:rPr lang="en-US" sz="1200" b="0" i="0" kern="1200" dirty="0" smtClean="0">
+                <a:solidFill>
+                  <a:schemeClr val="tx1"/>
+                </a:solidFill>
+                <a:effectLst/>
+                <a:latin typeface="+mn-lt"/>
+                <a:ea typeface="+mn-ea"/>
+                <a:cs typeface="+mn-cs"/>
+              </a:rPr>
+              <a:t>  &lt;link </a:t>
+            </a:r>
+            <a:r>
+              <a:rPr lang="en-US" sz="1200" b="0" i="0" kern="1200" dirty="0" err="1" smtClean="0">
+                <a:solidFill>
+                  <a:schemeClr val="tx1"/>
+                </a:solidFill>
+                <a:effectLst/>
+                <a:latin typeface="+mn-lt"/>
+                <a:ea typeface="+mn-ea"/>
+                <a:cs typeface="+mn-cs"/>
+              </a:rPr>
+              <a:t>rel</a:t>
+            </a:r>
+            <a:r>
+              <a:rPr lang="en-US" sz="1200" b="0" i="0" kern="1200" dirty="0" smtClean="0">
+                <a:solidFill>
+                  <a:schemeClr val="tx1"/>
+                </a:solidFill>
+                <a:effectLst/>
+                <a:latin typeface="+mn-lt"/>
+                <a:ea typeface="+mn-ea"/>
+                <a:cs typeface="+mn-cs"/>
+              </a:rPr>
+              <a:t> = "self"</a:t>
+            </a:r>
+          </a:p>
+          <a:p>
+            <a:r>
+              <a:rPr lang="en-US" sz="1200" b="0" i="0" kern="1200" dirty="0" smtClean="0">
+                <a:solidFill>
+                  <a:schemeClr val="tx1"/>
+                </a:solidFill>
+                <a:effectLst/>
+                <a:latin typeface="+mn-lt"/>
+                <a:ea typeface="+mn-ea"/>
+                <a:cs typeface="+mn-cs"/>
+              </a:rPr>
+              <a:t>        </a:t>
+            </a:r>
+            <a:r>
+              <a:rPr lang="en-US" sz="1200" b="0" i="0" kern="1200" dirty="0" err="1" smtClean="0">
+                <a:solidFill>
+                  <a:schemeClr val="tx1"/>
+                </a:solidFill>
+                <a:effectLst/>
+                <a:latin typeface="+mn-lt"/>
+                <a:ea typeface="+mn-ea"/>
+                <a:cs typeface="+mn-cs"/>
+              </a:rPr>
+              <a:t>uri</a:t>
+            </a:r>
+            <a:r>
+              <a:rPr lang="en-US" sz="1200" b="0" i="0" kern="1200" dirty="0" smtClean="0">
+                <a:solidFill>
+                  <a:schemeClr val="tx1"/>
+                </a:solidFill>
+                <a:effectLst/>
+                <a:latin typeface="+mn-lt"/>
+                <a:ea typeface="+mn-ea"/>
+                <a:cs typeface="+mn-cs"/>
+              </a:rPr>
+              <a:t> = "/slots/1234/appointment"/&gt;</a:t>
+            </a:r>
+          </a:p>
+          <a:p>
+            <a:r>
+              <a:rPr lang="en-US" sz="1200" b="0" i="0" kern="1200" dirty="0" smtClean="0">
+                <a:solidFill>
+                  <a:schemeClr val="tx1"/>
+                </a:solidFill>
+                <a:effectLst/>
+                <a:latin typeface="+mn-lt"/>
+                <a:ea typeface="+mn-ea"/>
+                <a:cs typeface="+mn-cs"/>
+              </a:rPr>
+              <a:t>  &lt;link </a:t>
+            </a:r>
+            <a:r>
+              <a:rPr lang="en-US" sz="1200" b="0" i="0" kern="1200" dirty="0" err="1" smtClean="0">
+                <a:solidFill>
+                  <a:schemeClr val="tx1"/>
+                </a:solidFill>
+                <a:effectLst/>
+                <a:latin typeface="+mn-lt"/>
+                <a:ea typeface="+mn-ea"/>
+                <a:cs typeface="+mn-cs"/>
+              </a:rPr>
+              <a:t>rel</a:t>
+            </a:r>
+            <a:r>
+              <a:rPr lang="en-US" sz="1200" b="0" i="0" kern="1200" dirty="0" smtClean="0">
+                <a:solidFill>
+                  <a:schemeClr val="tx1"/>
+                </a:solidFill>
+                <a:effectLst/>
+                <a:latin typeface="+mn-lt"/>
+                <a:ea typeface="+mn-ea"/>
+                <a:cs typeface="+mn-cs"/>
+              </a:rPr>
+              <a:t> = "/</a:t>
+            </a:r>
+            <a:r>
+              <a:rPr lang="en-US" sz="1200" b="0" i="0" kern="1200" dirty="0" err="1" smtClean="0">
+                <a:solidFill>
+                  <a:schemeClr val="tx1"/>
+                </a:solidFill>
+                <a:effectLst/>
+                <a:latin typeface="+mn-lt"/>
+                <a:ea typeface="+mn-ea"/>
+                <a:cs typeface="+mn-cs"/>
+              </a:rPr>
+              <a:t>linkrels</a:t>
+            </a:r>
+            <a:r>
+              <a:rPr lang="en-US" sz="1200" b="0" i="0" kern="1200" dirty="0" smtClean="0">
+                <a:solidFill>
+                  <a:schemeClr val="tx1"/>
+                </a:solidFill>
+                <a:effectLst/>
+                <a:latin typeface="+mn-lt"/>
+                <a:ea typeface="+mn-ea"/>
+                <a:cs typeface="+mn-cs"/>
+              </a:rPr>
+              <a:t>/appointment/</a:t>
+            </a:r>
+            <a:r>
+              <a:rPr lang="en-US" sz="1200" b="0" i="0" kern="1200" dirty="0" err="1" smtClean="0">
+                <a:solidFill>
+                  <a:schemeClr val="tx1"/>
+                </a:solidFill>
+                <a:effectLst/>
+                <a:latin typeface="+mn-lt"/>
+                <a:ea typeface="+mn-ea"/>
+                <a:cs typeface="+mn-cs"/>
+              </a:rPr>
+              <a:t>changeTime</a:t>
+            </a:r>
+            <a:r>
+              <a:rPr lang="en-US" sz="1200" b="0" i="0" kern="1200" dirty="0" smtClean="0">
+                <a:solidFill>
+                  <a:schemeClr val="tx1"/>
+                </a:solidFill>
+                <a:effectLst/>
+                <a:latin typeface="+mn-lt"/>
+                <a:ea typeface="+mn-ea"/>
+                <a:cs typeface="+mn-cs"/>
+              </a:rPr>
+              <a:t>"</a:t>
+            </a:r>
+          </a:p>
+          <a:p>
+            <a:r>
+              <a:rPr lang="en-US" sz="1200" b="0" i="0" kern="1200" dirty="0" smtClean="0">
+                <a:solidFill>
+                  <a:schemeClr val="tx1"/>
+                </a:solidFill>
+                <a:effectLst/>
+                <a:latin typeface="+mn-lt"/>
+                <a:ea typeface="+mn-ea"/>
+                <a:cs typeface="+mn-cs"/>
+              </a:rPr>
+              <a:t>        </a:t>
+            </a:r>
+            <a:r>
+              <a:rPr lang="en-US" sz="1200" b="0" i="0" kern="1200" dirty="0" err="1" smtClean="0">
+                <a:solidFill>
+                  <a:schemeClr val="tx1"/>
+                </a:solidFill>
+                <a:effectLst/>
+                <a:latin typeface="+mn-lt"/>
+                <a:ea typeface="+mn-ea"/>
+                <a:cs typeface="+mn-cs"/>
+              </a:rPr>
+              <a:t>uri</a:t>
+            </a:r>
+            <a:r>
+              <a:rPr lang="en-US" sz="1200" b="0" i="0" kern="1200" dirty="0" smtClean="0">
+                <a:solidFill>
+                  <a:schemeClr val="tx1"/>
+                </a:solidFill>
+                <a:effectLst/>
+                <a:latin typeface="+mn-lt"/>
+                <a:ea typeface="+mn-ea"/>
+                <a:cs typeface="+mn-cs"/>
+              </a:rPr>
+              <a:t> = "/doctors/</a:t>
+            </a:r>
+            <a:r>
+              <a:rPr lang="en-US" sz="1200" b="0" i="0" kern="1200" dirty="0" err="1" smtClean="0">
+                <a:solidFill>
+                  <a:schemeClr val="tx1"/>
+                </a:solidFill>
+                <a:effectLst/>
+                <a:latin typeface="+mn-lt"/>
+                <a:ea typeface="+mn-ea"/>
+                <a:cs typeface="+mn-cs"/>
+              </a:rPr>
+              <a:t>mjones</a:t>
+            </a:r>
+            <a:r>
+              <a:rPr lang="en-US" sz="1200" b="0" i="0" kern="1200" dirty="0" smtClean="0">
+                <a:solidFill>
+                  <a:schemeClr val="tx1"/>
+                </a:solidFill>
+                <a:effectLst/>
+                <a:latin typeface="+mn-lt"/>
+                <a:ea typeface="+mn-ea"/>
+                <a:cs typeface="+mn-cs"/>
+              </a:rPr>
+              <a:t>/</a:t>
+            </a:r>
+            <a:r>
+              <a:rPr lang="en-US" sz="1200" b="0" i="0" kern="1200" dirty="0" err="1" smtClean="0">
+                <a:solidFill>
+                  <a:schemeClr val="tx1"/>
+                </a:solidFill>
+                <a:effectLst/>
+                <a:latin typeface="+mn-lt"/>
+                <a:ea typeface="+mn-ea"/>
+                <a:cs typeface="+mn-cs"/>
+              </a:rPr>
+              <a:t>slots?date</a:t>
+            </a:r>
+            <a:r>
+              <a:rPr lang="en-US" sz="1200" b="0" i="0" kern="1200" dirty="0" smtClean="0">
+                <a:solidFill>
+                  <a:schemeClr val="tx1"/>
+                </a:solidFill>
+                <a:effectLst/>
+                <a:latin typeface="+mn-lt"/>
+                <a:ea typeface="+mn-ea"/>
+                <a:cs typeface="+mn-cs"/>
+              </a:rPr>
+              <a:t>=20100104@status=open"/&gt;</a:t>
+            </a:r>
+          </a:p>
+          <a:p>
+            <a:r>
+              <a:rPr lang="en-US" sz="1200" b="0" i="0" kern="1200" dirty="0" smtClean="0">
+                <a:solidFill>
+                  <a:schemeClr val="tx1"/>
+                </a:solidFill>
+                <a:effectLst/>
+                <a:latin typeface="+mn-lt"/>
+                <a:ea typeface="+mn-ea"/>
+                <a:cs typeface="+mn-cs"/>
+              </a:rPr>
+              <a:t>  &lt;link </a:t>
+            </a:r>
+            <a:r>
+              <a:rPr lang="en-US" sz="1200" b="0" i="0" kern="1200" dirty="0" err="1" smtClean="0">
+                <a:solidFill>
+                  <a:schemeClr val="tx1"/>
+                </a:solidFill>
+                <a:effectLst/>
+                <a:latin typeface="+mn-lt"/>
+                <a:ea typeface="+mn-ea"/>
+                <a:cs typeface="+mn-cs"/>
+              </a:rPr>
+              <a:t>rel</a:t>
+            </a:r>
+            <a:r>
+              <a:rPr lang="en-US" sz="1200" b="0" i="0" kern="1200" dirty="0" smtClean="0">
+                <a:solidFill>
+                  <a:schemeClr val="tx1"/>
+                </a:solidFill>
+                <a:effectLst/>
+                <a:latin typeface="+mn-lt"/>
+                <a:ea typeface="+mn-ea"/>
+                <a:cs typeface="+mn-cs"/>
+              </a:rPr>
+              <a:t> = "/</a:t>
+            </a:r>
+            <a:r>
+              <a:rPr lang="en-US" sz="1200" b="0" i="0" kern="1200" dirty="0" err="1" smtClean="0">
+                <a:solidFill>
+                  <a:schemeClr val="tx1"/>
+                </a:solidFill>
+                <a:effectLst/>
+                <a:latin typeface="+mn-lt"/>
+                <a:ea typeface="+mn-ea"/>
+                <a:cs typeface="+mn-cs"/>
+              </a:rPr>
+              <a:t>linkrels</a:t>
+            </a:r>
+            <a:r>
+              <a:rPr lang="en-US" sz="1200" b="0" i="0" kern="1200" dirty="0" smtClean="0">
+                <a:solidFill>
+                  <a:schemeClr val="tx1"/>
+                </a:solidFill>
+                <a:effectLst/>
+                <a:latin typeface="+mn-lt"/>
+                <a:ea typeface="+mn-ea"/>
+                <a:cs typeface="+mn-cs"/>
+              </a:rPr>
+              <a:t>/appointment/</a:t>
+            </a:r>
+            <a:r>
+              <a:rPr lang="en-US" sz="1200" b="0" i="0" kern="1200" dirty="0" err="1" smtClean="0">
+                <a:solidFill>
+                  <a:schemeClr val="tx1"/>
+                </a:solidFill>
+                <a:effectLst/>
+                <a:latin typeface="+mn-lt"/>
+                <a:ea typeface="+mn-ea"/>
+                <a:cs typeface="+mn-cs"/>
+              </a:rPr>
+              <a:t>updateContactInfo</a:t>
+            </a:r>
+            <a:r>
+              <a:rPr lang="en-US" sz="1200" b="0" i="0" kern="1200" dirty="0" smtClean="0">
+                <a:solidFill>
+                  <a:schemeClr val="tx1"/>
+                </a:solidFill>
+                <a:effectLst/>
+                <a:latin typeface="+mn-lt"/>
+                <a:ea typeface="+mn-ea"/>
+                <a:cs typeface="+mn-cs"/>
+              </a:rPr>
+              <a:t>"</a:t>
+            </a:r>
+          </a:p>
+          <a:p>
+            <a:r>
+              <a:rPr lang="en-US" sz="1200" b="0" i="0" kern="1200" dirty="0" smtClean="0">
+                <a:solidFill>
+                  <a:schemeClr val="tx1"/>
+                </a:solidFill>
+                <a:effectLst/>
+                <a:latin typeface="+mn-lt"/>
+                <a:ea typeface="+mn-ea"/>
+                <a:cs typeface="+mn-cs"/>
+              </a:rPr>
+              <a:t>        </a:t>
+            </a:r>
+            <a:r>
+              <a:rPr lang="en-US" sz="1200" b="0" i="0" kern="1200" dirty="0" err="1" smtClean="0">
+                <a:solidFill>
+                  <a:schemeClr val="tx1"/>
+                </a:solidFill>
+                <a:effectLst/>
+                <a:latin typeface="+mn-lt"/>
+                <a:ea typeface="+mn-ea"/>
+                <a:cs typeface="+mn-cs"/>
+              </a:rPr>
+              <a:t>uri</a:t>
+            </a:r>
+            <a:r>
+              <a:rPr lang="en-US" sz="1200" b="0" i="0" kern="1200" dirty="0" smtClean="0">
+                <a:solidFill>
+                  <a:schemeClr val="tx1"/>
+                </a:solidFill>
+                <a:effectLst/>
+                <a:latin typeface="+mn-lt"/>
+                <a:ea typeface="+mn-ea"/>
+                <a:cs typeface="+mn-cs"/>
+              </a:rPr>
+              <a:t> = "/patients/</a:t>
+            </a:r>
+            <a:r>
+              <a:rPr lang="en-US" sz="1200" b="0" i="0" kern="1200" dirty="0" err="1" smtClean="0">
+                <a:solidFill>
+                  <a:schemeClr val="tx1"/>
+                </a:solidFill>
+                <a:effectLst/>
+                <a:latin typeface="+mn-lt"/>
+                <a:ea typeface="+mn-ea"/>
+                <a:cs typeface="+mn-cs"/>
+              </a:rPr>
+              <a:t>jsmith</a:t>
+            </a:r>
+            <a:r>
+              <a:rPr lang="en-US" sz="1200" b="0" i="0" kern="1200" dirty="0" smtClean="0">
+                <a:solidFill>
+                  <a:schemeClr val="tx1"/>
+                </a:solidFill>
+                <a:effectLst/>
+                <a:latin typeface="+mn-lt"/>
+                <a:ea typeface="+mn-ea"/>
+                <a:cs typeface="+mn-cs"/>
+              </a:rPr>
+              <a:t>/</a:t>
+            </a:r>
+            <a:r>
+              <a:rPr lang="en-US" sz="1200" b="0" i="0" kern="1200" dirty="0" err="1" smtClean="0">
+                <a:solidFill>
+                  <a:schemeClr val="tx1"/>
+                </a:solidFill>
+                <a:effectLst/>
+                <a:latin typeface="+mn-lt"/>
+                <a:ea typeface="+mn-ea"/>
+                <a:cs typeface="+mn-cs"/>
+              </a:rPr>
+              <a:t>contactInfo</a:t>
+            </a:r>
+            <a:r>
+              <a:rPr lang="en-US" sz="1200" b="0" i="0" kern="1200" dirty="0" smtClean="0">
+                <a:solidFill>
+                  <a:schemeClr val="tx1"/>
+                </a:solidFill>
+                <a:effectLst/>
+                <a:latin typeface="+mn-lt"/>
+                <a:ea typeface="+mn-ea"/>
+                <a:cs typeface="+mn-cs"/>
+              </a:rPr>
+              <a:t>"/&gt;</a:t>
+            </a:r>
+          </a:p>
+          <a:p>
+            <a:r>
+              <a:rPr lang="en-US" sz="1200" b="0" i="0" kern="1200" dirty="0" smtClean="0">
+                <a:solidFill>
+                  <a:schemeClr val="tx1"/>
+                </a:solidFill>
+                <a:effectLst/>
+                <a:latin typeface="+mn-lt"/>
+                <a:ea typeface="+mn-ea"/>
+                <a:cs typeface="+mn-cs"/>
+              </a:rPr>
+              <a:t>  &lt;link </a:t>
+            </a:r>
+            <a:r>
+              <a:rPr lang="en-US" sz="1200" b="0" i="0" kern="1200" dirty="0" err="1" smtClean="0">
+                <a:solidFill>
+                  <a:schemeClr val="tx1"/>
+                </a:solidFill>
+                <a:effectLst/>
+                <a:latin typeface="+mn-lt"/>
+                <a:ea typeface="+mn-ea"/>
+                <a:cs typeface="+mn-cs"/>
+              </a:rPr>
+              <a:t>rel</a:t>
+            </a:r>
+            <a:r>
+              <a:rPr lang="en-US" sz="1200" b="0" i="0" kern="1200" dirty="0" smtClean="0">
+                <a:solidFill>
+                  <a:schemeClr val="tx1"/>
+                </a:solidFill>
+                <a:effectLst/>
+                <a:latin typeface="+mn-lt"/>
+                <a:ea typeface="+mn-ea"/>
+                <a:cs typeface="+mn-cs"/>
+              </a:rPr>
+              <a:t> = "/</a:t>
+            </a:r>
+            <a:r>
+              <a:rPr lang="en-US" sz="1200" b="0" i="0" kern="1200" dirty="0" err="1" smtClean="0">
+                <a:solidFill>
+                  <a:schemeClr val="tx1"/>
+                </a:solidFill>
+                <a:effectLst/>
+                <a:latin typeface="+mn-lt"/>
+                <a:ea typeface="+mn-ea"/>
+                <a:cs typeface="+mn-cs"/>
+              </a:rPr>
+              <a:t>linkrels</a:t>
+            </a:r>
+            <a:r>
+              <a:rPr lang="en-US" sz="1200" b="0" i="0" kern="1200" dirty="0" smtClean="0">
+                <a:solidFill>
+                  <a:schemeClr val="tx1"/>
+                </a:solidFill>
+                <a:effectLst/>
+                <a:latin typeface="+mn-lt"/>
+                <a:ea typeface="+mn-ea"/>
+                <a:cs typeface="+mn-cs"/>
+              </a:rPr>
+              <a:t>/help"</a:t>
+            </a:r>
+          </a:p>
+          <a:p>
+            <a:r>
+              <a:rPr lang="en-US" sz="1200" b="0" i="0" kern="1200" dirty="0" smtClean="0">
+                <a:solidFill>
+                  <a:schemeClr val="tx1"/>
+                </a:solidFill>
+                <a:effectLst/>
+                <a:latin typeface="+mn-lt"/>
+                <a:ea typeface="+mn-ea"/>
+                <a:cs typeface="+mn-cs"/>
+              </a:rPr>
+              <a:t>        </a:t>
+            </a:r>
+            <a:r>
+              <a:rPr lang="en-US" sz="1200" b="0" i="0" kern="1200" dirty="0" err="1" smtClean="0">
+                <a:solidFill>
+                  <a:schemeClr val="tx1"/>
+                </a:solidFill>
+                <a:effectLst/>
+                <a:latin typeface="+mn-lt"/>
+                <a:ea typeface="+mn-ea"/>
+                <a:cs typeface="+mn-cs"/>
+              </a:rPr>
+              <a:t>uri</a:t>
+            </a:r>
+            <a:r>
+              <a:rPr lang="en-US" sz="1200" b="0" i="0" kern="1200" dirty="0" smtClean="0">
+                <a:solidFill>
+                  <a:schemeClr val="tx1"/>
+                </a:solidFill>
+                <a:effectLst/>
+                <a:latin typeface="+mn-lt"/>
+                <a:ea typeface="+mn-ea"/>
+                <a:cs typeface="+mn-cs"/>
+              </a:rPr>
+              <a:t> = "/help/appointment"/&gt;</a:t>
+            </a:r>
+          </a:p>
+          <a:p>
+            <a:r>
+              <a:rPr lang="en-US" sz="1200" b="0" i="0" kern="1200" dirty="0" smtClean="0">
+                <a:solidFill>
+                  <a:schemeClr val="tx1"/>
+                </a:solidFill>
+                <a:effectLst/>
+                <a:latin typeface="+mn-lt"/>
+                <a:ea typeface="+mn-ea"/>
+                <a:cs typeface="+mn-cs"/>
+              </a:rPr>
+              <a:t>&lt;/appointment&gt;</a:t>
+            </a:r>
+          </a:p>
+          <a:p>
+            <a:endParaRPr lang="en-US" sz="1200" b="0" i="0" kern="1200" dirty="0" smtClean="0">
+              <a:solidFill>
+                <a:schemeClr val="tx1"/>
+              </a:solidFill>
+              <a:effectLst/>
+              <a:latin typeface="+mn-lt"/>
+              <a:ea typeface="+mn-ea"/>
+              <a:cs typeface="+mn-cs"/>
+            </a:endParaRPr>
+          </a:p>
+          <a:p>
+            <a:pPr fontAlgn="base"/>
+            <a:r>
+              <a:rPr lang="en-US" sz="1200" b="0" i="0" kern="1200" dirty="0" smtClean="0">
+                <a:solidFill>
+                  <a:schemeClr val="tx1"/>
+                </a:solidFill>
+                <a:effectLst/>
+                <a:latin typeface="+mn-lt"/>
+                <a:ea typeface="+mn-ea"/>
+                <a:cs typeface="+mn-cs"/>
+              </a:rPr>
+              <a:t>One obvious benefit of hypermedia controls is that it allows the server to change its URI scheme without breaking clients. As long as clients look up the "</a:t>
+            </a:r>
+            <a:r>
+              <a:rPr lang="en-US" sz="1200" b="0" i="0" kern="1200" dirty="0" err="1" smtClean="0">
+                <a:solidFill>
+                  <a:schemeClr val="tx1"/>
+                </a:solidFill>
+                <a:effectLst/>
+                <a:latin typeface="+mn-lt"/>
+                <a:ea typeface="+mn-ea"/>
+                <a:cs typeface="+mn-cs"/>
+              </a:rPr>
+              <a:t>addTest</a:t>
+            </a:r>
+            <a:r>
+              <a:rPr lang="en-US" sz="1200" b="0" i="0" kern="1200" dirty="0" smtClean="0">
+                <a:solidFill>
+                  <a:schemeClr val="tx1"/>
+                </a:solidFill>
+                <a:effectLst/>
+                <a:latin typeface="+mn-lt"/>
+                <a:ea typeface="+mn-ea"/>
+                <a:cs typeface="+mn-cs"/>
+              </a:rPr>
+              <a:t>" link URI then the server team can juggle all URIs other than the initial entry points.</a:t>
+            </a:r>
+          </a:p>
+          <a:p>
+            <a:pPr fontAlgn="base"/>
+            <a:r>
+              <a:rPr lang="en-US" sz="1200" b="0" i="0" kern="1200" dirty="0" smtClean="0">
+                <a:solidFill>
+                  <a:schemeClr val="tx1"/>
+                </a:solidFill>
+                <a:effectLst/>
+                <a:latin typeface="+mn-lt"/>
+                <a:ea typeface="+mn-ea"/>
+                <a:cs typeface="+mn-cs"/>
+              </a:rPr>
+              <a:t>A further benefit is that it helps client developers explore the protocol. The links give client developers a hint as to what may be possible next. It doesn't give all the information: both the "latest" and "cancel" controls point to the same URI - they need to figure out that one is a GET and the other a DELETE. But at least it gives them a starting point as to what to think about for more information and to look for a similar URI in the protocol documentation.</a:t>
+            </a:r>
+          </a:p>
+          <a:p>
+            <a:pPr fontAlgn="base"/>
+            <a:r>
+              <a:rPr lang="en-US" sz="1200" b="0" i="0" kern="1200" dirty="0" smtClean="0">
+                <a:solidFill>
+                  <a:schemeClr val="tx1"/>
+                </a:solidFill>
+                <a:effectLst/>
+                <a:latin typeface="+mn-lt"/>
+                <a:ea typeface="+mn-ea"/>
+                <a:cs typeface="+mn-cs"/>
+              </a:rPr>
+              <a:t>Similarly it allows the server team to advertise new capabilities by putting new links in the responses. If the client developers are keeping an eye out for unknown links these links can be a trigger for further exploration.</a:t>
+            </a:r>
+          </a:p>
+          <a:p>
+            <a:pPr fontAlgn="base"/>
+            <a:r>
+              <a:rPr lang="en-US" sz="1200" b="0" i="0" kern="1200" dirty="0" smtClean="0">
+                <a:solidFill>
+                  <a:schemeClr val="tx1"/>
+                </a:solidFill>
+                <a:effectLst/>
+                <a:latin typeface="+mn-lt"/>
+                <a:ea typeface="+mn-ea"/>
+                <a:cs typeface="+mn-cs"/>
+              </a:rPr>
+              <a:t>There's no absolute standard as to how to represent hypermedia controls. What I've done here is to use the current recommendations of the REST in Practice team, which is to follow ATOM (</a:t>
+            </a:r>
+            <a:r>
+              <a:rPr lang="en-US" sz="1200" b="0" i="0" u="none" strike="noStrike" kern="1200" dirty="0" smtClean="0">
+                <a:solidFill>
+                  <a:schemeClr val="tx1"/>
+                </a:solidFill>
+                <a:effectLst/>
+                <a:latin typeface="+mn-lt"/>
+                <a:ea typeface="+mn-ea"/>
+                <a:cs typeface="+mn-cs"/>
+                <a:hlinkClick r:id="rId3"/>
+              </a:rPr>
+              <a:t>RFC 4287</a:t>
+            </a:r>
+            <a:r>
+              <a:rPr lang="en-US" sz="1200" b="0" i="0" kern="1200" dirty="0" smtClean="0">
+                <a:solidFill>
+                  <a:schemeClr val="tx1"/>
+                </a:solidFill>
+                <a:effectLst/>
+                <a:latin typeface="+mn-lt"/>
+                <a:ea typeface="+mn-ea"/>
+                <a:cs typeface="+mn-cs"/>
+              </a:rPr>
+              <a:t>) I use a &lt;link&gt; element with a </a:t>
+            </a:r>
+            <a:r>
+              <a:rPr lang="en-US" sz="1200" b="0" i="0" kern="1200" dirty="0" err="1" smtClean="0">
+                <a:solidFill>
+                  <a:schemeClr val="tx1"/>
+                </a:solidFill>
+                <a:effectLst/>
+                <a:latin typeface="+mn-lt"/>
+                <a:ea typeface="+mn-ea"/>
+                <a:cs typeface="+mn-cs"/>
+              </a:rPr>
+              <a:t>uri</a:t>
+            </a:r>
+            <a:r>
+              <a:rPr lang="en-US" sz="1200" b="0" i="0" kern="1200" dirty="0" smtClean="0">
+                <a:solidFill>
+                  <a:schemeClr val="tx1"/>
+                </a:solidFill>
+                <a:effectLst/>
+                <a:latin typeface="+mn-lt"/>
+                <a:ea typeface="+mn-ea"/>
+                <a:cs typeface="+mn-cs"/>
+              </a:rPr>
+              <a:t> attribute for the target URI and a </a:t>
+            </a:r>
+            <a:r>
+              <a:rPr lang="en-US" sz="1200" b="0" i="0" kern="1200" dirty="0" err="1" smtClean="0">
+                <a:solidFill>
+                  <a:schemeClr val="tx1"/>
+                </a:solidFill>
+                <a:effectLst/>
+                <a:latin typeface="+mn-lt"/>
+                <a:ea typeface="+mn-ea"/>
+                <a:cs typeface="+mn-cs"/>
+              </a:rPr>
+              <a:t>rel</a:t>
+            </a:r>
+            <a:r>
+              <a:rPr lang="en-US" sz="1200" b="0" i="0" kern="1200" dirty="0" smtClean="0">
+                <a:solidFill>
+                  <a:schemeClr val="tx1"/>
+                </a:solidFill>
+                <a:effectLst/>
+                <a:latin typeface="+mn-lt"/>
+                <a:ea typeface="+mn-ea"/>
+                <a:cs typeface="+mn-cs"/>
+              </a:rPr>
+              <a:t> attribute for to describe the kind of relationship. A well known relationship (such as self for a reference to the element itself) is bare, any specific to that server is a fully qualified URI. ATOM states that the definition for well-known </a:t>
+            </a:r>
+            <a:r>
+              <a:rPr lang="en-US" sz="1200" b="0" i="0" kern="1200" dirty="0" err="1" smtClean="0">
+                <a:solidFill>
+                  <a:schemeClr val="tx1"/>
+                </a:solidFill>
+                <a:effectLst/>
+                <a:latin typeface="+mn-lt"/>
+                <a:ea typeface="+mn-ea"/>
+                <a:cs typeface="+mn-cs"/>
+              </a:rPr>
+              <a:t>linkrels</a:t>
+            </a:r>
+            <a:r>
+              <a:rPr lang="en-US" sz="1200" b="0" i="0" kern="1200" dirty="0" smtClean="0">
+                <a:solidFill>
+                  <a:schemeClr val="tx1"/>
+                </a:solidFill>
+                <a:effectLst/>
+                <a:latin typeface="+mn-lt"/>
+                <a:ea typeface="+mn-ea"/>
+                <a:cs typeface="+mn-cs"/>
+              </a:rPr>
+              <a:t> is the </a:t>
+            </a:r>
+            <a:r>
+              <a:rPr lang="en-US" sz="1200" b="0" i="0" u="none" strike="noStrike" kern="1200" dirty="0" smtClean="0">
+                <a:solidFill>
+                  <a:schemeClr val="tx1"/>
+                </a:solidFill>
+                <a:effectLst/>
+                <a:latin typeface="+mn-lt"/>
+                <a:ea typeface="+mn-ea"/>
+                <a:cs typeface="+mn-cs"/>
+                <a:hlinkClick r:id="rId4"/>
+              </a:rPr>
+              <a:t>Registry of Link Relations </a:t>
+            </a:r>
+            <a:r>
+              <a:rPr lang="en-US" sz="1200" b="0" i="0" kern="1200" dirty="0" smtClean="0">
+                <a:solidFill>
+                  <a:schemeClr val="tx1"/>
+                </a:solidFill>
+                <a:effectLst/>
+                <a:latin typeface="+mn-lt"/>
+                <a:ea typeface="+mn-ea"/>
+                <a:cs typeface="+mn-cs"/>
+              </a:rPr>
+              <a:t>. As I write these are confined to what's done by ATOM, which is generally seen as a leader in level 3 restfulness.</a:t>
+            </a:r>
+          </a:p>
+          <a:p>
+            <a:pPr fontAlgn="base"/>
+            <a:endParaRPr lang="en-US" sz="1200" b="0" i="0" kern="1200" dirty="0" smtClean="0">
+              <a:solidFill>
+                <a:schemeClr val="tx1"/>
+              </a:solidFill>
+              <a:effectLst/>
+              <a:latin typeface="+mn-lt"/>
+              <a:ea typeface="+mn-ea"/>
+              <a:cs typeface="+mn-cs"/>
+            </a:endParaRPr>
+          </a:p>
+          <a:p>
+            <a:pPr fontAlgn="base"/>
+            <a:r>
+              <a:rPr lang="en-US" sz="1200" b="1" i="0" kern="1200" dirty="0" smtClean="0">
+                <a:solidFill>
+                  <a:schemeClr val="tx1"/>
+                </a:solidFill>
+                <a:effectLst/>
+                <a:latin typeface="+mn-lt"/>
+                <a:ea typeface="+mn-ea"/>
+                <a:cs typeface="+mn-cs"/>
+              </a:rPr>
+              <a:t>The Meaning of the Levels</a:t>
+            </a:r>
+          </a:p>
+          <a:p>
+            <a:pPr fontAlgn="base"/>
+            <a:r>
+              <a:rPr lang="en-US" sz="1200" b="0" i="0" kern="1200" dirty="0" smtClean="0">
+                <a:solidFill>
+                  <a:schemeClr val="tx1"/>
+                </a:solidFill>
+                <a:effectLst/>
+                <a:latin typeface="+mn-lt"/>
+                <a:ea typeface="+mn-ea"/>
+                <a:cs typeface="+mn-cs"/>
+              </a:rPr>
+              <a:t>I should stress that the RMM, while a good way to think about what the elements of REST, is not a definition of levels of REST itself. Roy Fielding has made it clear that </a:t>
+            </a:r>
+            <a:r>
+              <a:rPr lang="en-US" sz="1200" b="0" i="0" u="none" strike="noStrike" kern="1200" dirty="0" smtClean="0">
+                <a:solidFill>
+                  <a:schemeClr val="tx1"/>
+                </a:solidFill>
+                <a:effectLst/>
+                <a:latin typeface="+mn-lt"/>
+                <a:ea typeface="+mn-ea"/>
+                <a:cs typeface="+mn-cs"/>
+                <a:hlinkClick r:id="rId5"/>
+              </a:rPr>
+              <a:t>level 3 RMM is a pre-condition of REST</a:t>
+            </a:r>
+            <a:r>
+              <a:rPr lang="en-US" sz="1200" b="0" i="0" kern="1200" dirty="0" smtClean="0">
+                <a:solidFill>
+                  <a:schemeClr val="tx1"/>
+                </a:solidFill>
+                <a:effectLst/>
+                <a:latin typeface="+mn-lt"/>
+                <a:ea typeface="+mn-ea"/>
+                <a:cs typeface="+mn-cs"/>
+              </a:rPr>
+              <a:t>. Like many terms in software, REST gets lots of definitions, but since Roy Fielding coined the term, his definition should carry more weight than most.</a:t>
+            </a:r>
+          </a:p>
+          <a:p>
+            <a:pPr fontAlgn="base"/>
+            <a:r>
+              <a:rPr lang="en-US" sz="1200" b="0" i="0" kern="1200" dirty="0" smtClean="0">
+                <a:solidFill>
+                  <a:schemeClr val="tx1"/>
+                </a:solidFill>
+                <a:effectLst/>
+                <a:latin typeface="+mn-lt"/>
+                <a:ea typeface="+mn-ea"/>
+                <a:cs typeface="+mn-cs"/>
+              </a:rPr>
+              <a:t>What I find useful about this RMM is that it provides a good step by step way to understand the basic ideas behind restful thinking. As such I see it as tool to help us learn about the concepts and not something that should be used in some kind of assessment mechanism. I don't think we have enough examples yet to be really sure that the restful approach is the right way to integrate systems, I do think it's a very attractive approach and the one that I would recommend in most situations.</a:t>
+            </a:r>
+          </a:p>
+          <a:p>
+            <a:pPr fontAlgn="base"/>
+            <a:r>
+              <a:rPr lang="en-US" sz="1200" b="0" i="0" kern="1200" dirty="0" smtClean="0">
+                <a:solidFill>
+                  <a:schemeClr val="tx1"/>
+                </a:solidFill>
+                <a:effectLst/>
+                <a:latin typeface="+mn-lt"/>
+                <a:ea typeface="+mn-ea"/>
+                <a:cs typeface="+mn-cs"/>
+              </a:rPr>
+              <a:t>Talking about this with Ian Robinson, he stressed that something he found attractive about this model when Leonard Richardson first presented it was its relationship to common design techniques.</a:t>
+            </a:r>
+          </a:p>
+          <a:p>
+            <a:pPr fontAlgn="base"/>
+            <a:r>
+              <a:rPr lang="en-US" sz="1200" b="0" i="0" kern="1200" dirty="0" smtClean="0">
+                <a:solidFill>
+                  <a:schemeClr val="tx1"/>
+                </a:solidFill>
+                <a:effectLst/>
+                <a:latin typeface="+mn-lt"/>
+                <a:ea typeface="+mn-ea"/>
+                <a:cs typeface="+mn-cs"/>
+              </a:rPr>
+              <a:t>Level 1 tackles the question of handling complexity by using divide and conquer, breaking a large service endpoint down into multiple resources.</a:t>
+            </a:r>
+          </a:p>
+          <a:p>
+            <a:pPr fontAlgn="base"/>
+            <a:r>
+              <a:rPr lang="en-US" sz="1200" b="0" i="0" kern="1200" dirty="0" smtClean="0">
+                <a:solidFill>
+                  <a:schemeClr val="tx1"/>
+                </a:solidFill>
+                <a:effectLst/>
+                <a:latin typeface="+mn-lt"/>
+                <a:ea typeface="+mn-ea"/>
+                <a:cs typeface="+mn-cs"/>
+              </a:rPr>
+              <a:t>Level 2 introduces a standard set of verbs so that we handle similar situations in the same way, removing unnecessary variation.</a:t>
+            </a:r>
+          </a:p>
+          <a:p>
+            <a:pPr fontAlgn="base"/>
+            <a:r>
+              <a:rPr lang="en-US" sz="1200" b="0" i="0" kern="1200" dirty="0" smtClean="0">
+                <a:solidFill>
+                  <a:schemeClr val="tx1"/>
+                </a:solidFill>
+                <a:effectLst/>
+                <a:latin typeface="+mn-lt"/>
+                <a:ea typeface="+mn-ea"/>
+                <a:cs typeface="+mn-cs"/>
+              </a:rPr>
+              <a:t>Level 3 introduces discoverability, providing a way of making a protocol more self-documenting.</a:t>
+            </a:r>
+          </a:p>
+          <a:p>
+            <a:pPr fontAlgn="base"/>
+            <a:r>
+              <a:rPr lang="en-US" sz="1200" b="0" i="0" kern="1200" dirty="0" smtClean="0">
+                <a:solidFill>
+                  <a:schemeClr val="tx1"/>
+                </a:solidFill>
+                <a:effectLst/>
+                <a:latin typeface="+mn-lt"/>
+                <a:ea typeface="+mn-ea"/>
+                <a:cs typeface="+mn-cs"/>
+              </a:rPr>
+              <a:t>The result is a model that helps us think about the kind of HTTP service we want to provide and frame the expectations of people looking to interact with it.</a:t>
+            </a:r>
+          </a:p>
+        </p:txBody>
+      </p:sp>
+      <p:sp>
+        <p:nvSpPr>
+          <p:cNvPr id="4" name="Slide Number Placeholder 3"/>
+          <p:cNvSpPr>
+            <a:spLocks noGrp="1"/>
+          </p:cNvSpPr>
+          <p:nvPr>
+            <p:ph type="sldNum" sz="quarter" idx="10"/>
+          </p:nvPr>
+        </p:nvSpPr>
+        <p:spPr/>
+        <p:txBody>
+          <a:bodyPr/>
+          <a:lstStyle/>
+          <a:p>
+            <a:fld id="{5C84FE02-A589-41E9-8DDF-29CEE6AB9026}" type="slidenum">
+              <a:rPr lang="en-US" smtClean="0"/>
+              <a:t>17</a:t>
             </a:fld>
             <a:endParaRPr lang="en-US"/>
           </a:p>
@@ -3415,6 +3803,18 @@
               </a:rPr>
               <a:t>No</a:t>
             </a:r>
+          </a:p>
+          <a:p>
+            <a:endParaRPr lang="en-US" dirty="0" smtClean="0">
+              <a:effectLst/>
+            </a:endParaRPr>
+          </a:p>
+          <a:p>
+            <a:endParaRPr lang="en-US" dirty="0" smtClean="0">
+              <a:effectLst/>
+            </a:endParaRPr>
+          </a:p>
+          <a:p>
             <a:r>
               <a:rPr lang="en-US" dirty="0" smtClean="0"/>
               <a:t/>
@@ -3645,43 +4045,7 @@
                 <a:ea typeface="+mn-ea"/>
                 <a:cs typeface="+mn-cs"/>
               </a:rPr>
-              <a:t>REST expose information as </a:t>
-            </a:r>
-            <a:r>
-              <a:rPr lang="en-US" sz="1200" b="0" i="0" kern="1200" baseline="0" dirty="0" smtClean="0">
-                <a:solidFill>
-                  <a:schemeClr val="tx1"/>
-                </a:solidFill>
-                <a:effectLst/>
-                <a:latin typeface="+mn-lt"/>
-                <a:ea typeface="+mn-ea"/>
-                <a:cs typeface="+mn-cs"/>
-              </a:rPr>
-              <a:t>resources </a:t>
-            </a:r>
-            <a:r>
-              <a:rPr lang="en-US" sz="1200" b="0" i="0" kern="1200" baseline="0" dirty="0" smtClean="0">
-                <a:solidFill>
-                  <a:schemeClr val="tx1"/>
-                </a:solidFill>
-                <a:effectLst/>
-                <a:latin typeface="+mn-lt"/>
-                <a:ea typeface="+mn-ea"/>
-                <a:cs typeface="+mn-cs"/>
-              </a:rPr>
-              <a:t>through URIs (uniform resource identifiers) and executes actions using HTTP verbs</a:t>
-            </a:r>
-            <a:r>
-              <a:rPr lang="en-US" sz="1200" b="0" i="0" kern="1200" baseline="0" dirty="0" smtClean="0">
-                <a:solidFill>
-                  <a:schemeClr val="tx1"/>
-                </a:solidFill>
-                <a:effectLst/>
-                <a:latin typeface="+mn-lt"/>
-                <a:ea typeface="+mn-ea"/>
-                <a:cs typeface="+mn-cs"/>
-              </a:rPr>
-              <a:t>.</a:t>
+              <a:t>REST expose information as resources through URIs (uniform resource identifiers) and executes actions using HTTP verbs.</a:t>
             </a:r>
           </a:p>
           <a:p>
@@ -4274,14 +4638,7 @@
           <a:bodyPr/>
           <a:lstStyle/>
           <a:p>
-            <a:r>
-              <a:rPr lang="en-US" dirty="0" smtClean="0"/>
-              <a:t/>
-            </a:r>
-            <a:br>
-              <a:rPr lang="en-US" dirty="0" smtClean="0"/>
-            </a:br>
-            <a:endParaRPr lang="ro-RO" b="0" dirty="0" smtClean="0"/>
+            <a:endParaRPr lang="en-US" dirty="0"/>
           </a:p>
         </p:txBody>
       </p:sp>
@@ -4302,7 +4659,7 @@
           <a:p>
             <a:fld id="{5C84FE02-A589-41E9-8DDF-29CEE6AB9026}" type="slidenum">
               <a:rPr lang="en-US" smtClean="0"/>
-              <a:t>12</a:t>
+              <a:t>11</a:t>
             </a:fld>
             <a:endParaRPr lang="en-US"/>
           </a:p>
@@ -4311,7 +4668,7 @@
     </p:spTree>
     <p:extLst>
       <p:ext uri="{BB962C8B-B14F-4D97-AF65-F5344CB8AC3E}">
-        <p14:creationId xmlns:p14="http://schemas.microsoft.com/office/powerpoint/2010/main" val="1172823052"/>
+        <p14:creationId xmlns:p14="http://schemas.microsoft.com/office/powerpoint/2010/main" val="3249857496"/>
       </p:ext>
     </p:extLst>
   </p:cSld>
@@ -4372,460 +4729,6 @@
             <a:br>
               <a:rPr lang="en-US" dirty="0" smtClean="0"/>
             </a:br>
-            <a:r>
-              <a:rPr lang="en-US" dirty="0" smtClean="0"/>
-              <a:t>The starting point for the model is using HTTP as a transport system for remote interactions, but without using any of the mechanisms of the web. Essentially what you are doing here is using HTTP as a tunneling mechanism for your own remote interaction mechanism, usually based on Remote Procedure Invocation.</a:t>
-            </a:r>
-          </a:p>
-          <a:p>
-            <a:endParaRPr lang="en-US" b="0" dirty="0" smtClean="0"/>
-          </a:p>
-          <a:p>
-            <a:r>
-              <a:rPr lang="en-US" sz="1200" b="0" i="0" kern="1200" dirty="0" smtClean="0">
-                <a:solidFill>
-                  <a:schemeClr val="tx1"/>
-                </a:solidFill>
-                <a:effectLst/>
-                <a:latin typeface="+mn-lt"/>
-                <a:ea typeface="+mn-ea"/>
-                <a:cs typeface="+mn-cs"/>
-              </a:rPr>
-              <a:t>Let's assume I want to book an appointment with my doctor. My appointment software first needs to know what open slots my doctor has on a given date, so it makes a request of the hospital appointment system to obtain that information. In a level 0 scenario, the hospital will expose a service endpoint at some URI. I then post to that endpoint a document containing the details of my request.</a:t>
-            </a:r>
-          </a:p>
-          <a:p>
-            <a:endParaRPr lang="en-US" sz="1200" b="0" i="0" kern="1200" dirty="0" smtClean="0">
-              <a:solidFill>
-                <a:schemeClr val="tx1"/>
-              </a:solidFill>
-              <a:effectLst/>
-              <a:latin typeface="+mn-lt"/>
-              <a:ea typeface="+mn-ea"/>
-              <a:cs typeface="+mn-cs"/>
-            </a:endParaRPr>
-          </a:p>
-          <a:p>
-            <a:r>
-              <a:rPr lang="en-US" b="0" dirty="0" smtClean="0"/>
-              <a:t>POST /</a:t>
-            </a:r>
-            <a:r>
-              <a:rPr lang="en-US" b="0" dirty="0" err="1" smtClean="0"/>
-              <a:t>appointmentService</a:t>
-            </a:r>
-            <a:r>
-              <a:rPr lang="en-US" b="0" dirty="0" smtClean="0"/>
-              <a:t> HTTP/1.1</a:t>
-            </a:r>
-          </a:p>
-          <a:p>
-            <a:r>
-              <a:rPr lang="en-US" b="0" dirty="0" smtClean="0"/>
-              <a:t>[various other headers]</a:t>
-            </a:r>
-          </a:p>
-          <a:p>
-            <a:r>
-              <a:rPr lang="en-US" b="0" dirty="0" smtClean="0"/>
-              <a:t>&lt;</a:t>
-            </a:r>
-            <a:r>
-              <a:rPr lang="en-US" b="0" dirty="0" err="1" smtClean="0"/>
-              <a:t>openSlotRequest</a:t>
-            </a:r>
-            <a:r>
-              <a:rPr lang="en-US" b="0" dirty="0" smtClean="0"/>
-              <a:t> date = "2010-01-04" doctor = "</a:t>
-            </a:r>
-            <a:r>
-              <a:rPr lang="en-US" b="0" dirty="0" err="1" smtClean="0"/>
-              <a:t>mjones</a:t>
-            </a:r>
-            <a:r>
-              <a:rPr lang="en-US" b="0" dirty="0" smtClean="0"/>
-              <a:t>"/&gt;</a:t>
-            </a:r>
-          </a:p>
-          <a:p>
-            <a:endParaRPr lang="en-US" b="0" dirty="0" smtClean="0"/>
-          </a:p>
-          <a:p>
-            <a:r>
-              <a:rPr lang="ro-RO" b="0" dirty="0" smtClean="0"/>
-              <a:t>The server then will return a document giving me this information</a:t>
-            </a:r>
-          </a:p>
-          <a:p>
-            <a:endParaRPr lang="ro-RO" b="0" dirty="0" smtClean="0"/>
-          </a:p>
-          <a:p>
-            <a:r>
-              <a:rPr lang="ro-RO" b="0" dirty="0" smtClean="0"/>
-              <a:t>HTTP/1.1 200 OK</a:t>
-            </a:r>
-          </a:p>
-          <a:p>
-            <a:r>
-              <a:rPr lang="ro-RO" b="0" dirty="0" smtClean="0"/>
-              <a:t>[various headers]</a:t>
-            </a:r>
-          </a:p>
-          <a:p>
-            <a:endParaRPr lang="ro-RO" b="0" dirty="0" smtClean="0"/>
-          </a:p>
-          <a:p>
-            <a:r>
-              <a:rPr lang="ro-RO" b="0" dirty="0" smtClean="0"/>
-              <a:t>&lt;openSlotList&gt;</a:t>
-            </a:r>
-          </a:p>
-          <a:p>
-            <a:r>
-              <a:rPr lang="ro-RO" b="0" dirty="0" smtClean="0"/>
-              <a:t>  &lt;slot start = "1400" end = "1450"&gt;</a:t>
-            </a:r>
-          </a:p>
-          <a:p>
-            <a:r>
-              <a:rPr lang="ro-RO" b="0" dirty="0" smtClean="0"/>
-              <a:t>    &lt;doctor id = "mjones"/&gt;</a:t>
-            </a:r>
-          </a:p>
-          <a:p>
-            <a:r>
-              <a:rPr lang="ro-RO" b="0" dirty="0" smtClean="0"/>
-              <a:t>  &lt;/slot&gt;</a:t>
-            </a:r>
-          </a:p>
-          <a:p>
-            <a:r>
-              <a:rPr lang="ro-RO" b="0" dirty="0" smtClean="0"/>
-              <a:t>  &lt;slot start = "1600" end = "1650"&gt;</a:t>
-            </a:r>
-          </a:p>
-          <a:p>
-            <a:r>
-              <a:rPr lang="ro-RO" b="0" dirty="0" smtClean="0"/>
-              <a:t>    &lt;doctor id = "mjones"/&gt;</a:t>
-            </a:r>
-          </a:p>
-          <a:p>
-            <a:r>
-              <a:rPr lang="ro-RO" b="0" dirty="0" smtClean="0"/>
-              <a:t>  &lt;/slot&gt;</a:t>
-            </a:r>
-          </a:p>
-          <a:p>
-            <a:r>
-              <a:rPr lang="ro-RO" b="0" dirty="0" smtClean="0"/>
-              <a:t>&lt;/openSlotList&gt;</a:t>
-            </a:r>
-            <a:endParaRPr lang="en-US" b="0" dirty="0" smtClean="0"/>
-          </a:p>
-          <a:p>
-            <a:endParaRPr lang="en-US" b="0" dirty="0" smtClean="0"/>
-          </a:p>
-          <a:p>
-            <a:endParaRPr lang="en-US" b="0" dirty="0" smtClean="0"/>
-          </a:p>
-          <a:p>
-            <a:pPr fontAlgn="base"/>
-            <a:r>
-              <a:rPr lang="en-US" sz="1200" b="0" i="0" kern="1200" dirty="0" smtClean="0">
-                <a:solidFill>
-                  <a:schemeClr val="tx1"/>
-                </a:solidFill>
-                <a:effectLst/>
-                <a:latin typeface="+mn-lt"/>
-                <a:ea typeface="+mn-ea"/>
-                <a:cs typeface="+mn-cs"/>
-              </a:rPr>
-              <a:t>I'm using XML here for the example, but the content can actually be anything: JSON, YAML, key-value pairs, or any custom format.</a:t>
-            </a:r>
-          </a:p>
-          <a:p>
-            <a:pPr fontAlgn="base"/>
-            <a:r>
-              <a:rPr lang="en-US" sz="1200" b="0" i="0" kern="1200" dirty="0" smtClean="0">
-                <a:solidFill>
-                  <a:schemeClr val="tx1"/>
-                </a:solidFill>
-                <a:effectLst/>
-                <a:latin typeface="+mn-lt"/>
-                <a:ea typeface="+mn-ea"/>
-                <a:cs typeface="+mn-cs"/>
-              </a:rPr>
-              <a:t>My next step is to book an appointment, which I can again do by posting a document to the endpoint.</a:t>
-            </a:r>
-          </a:p>
-          <a:p>
-            <a:r>
-              <a:rPr lang="en-US" b="0" dirty="0" smtClean="0"/>
-              <a:t>POST /</a:t>
-            </a:r>
-            <a:r>
-              <a:rPr lang="en-US" b="0" dirty="0" err="1" smtClean="0"/>
-              <a:t>appointmentService</a:t>
-            </a:r>
-            <a:r>
-              <a:rPr lang="en-US" b="0" dirty="0" smtClean="0"/>
-              <a:t> HTTP/1.1</a:t>
-            </a:r>
-          </a:p>
-          <a:p>
-            <a:r>
-              <a:rPr lang="en-US" b="0" dirty="0" smtClean="0"/>
-              <a:t>[various other headers]</a:t>
-            </a:r>
-          </a:p>
-          <a:p>
-            <a:endParaRPr lang="en-US" b="0" dirty="0" smtClean="0"/>
-          </a:p>
-          <a:p>
-            <a:r>
-              <a:rPr lang="en-US" b="0" dirty="0" smtClean="0"/>
-              <a:t>&lt;</a:t>
-            </a:r>
-            <a:r>
-              <a:rPr lang="en-US" b="0" dirty="0" err="1" smtClean="0"/>
-              <a:t>appointmentRequest</a:t>
-            </a:r>
-            <a:r>
-              <a:rPr lang="en-US" b="0" dirty="0" smtClean="0"/>
-              <a:t>&gt;</a:t>
-            </a:r>
-          </a:p>
-          <a:p>
-            <a:r>
-              <a:rPr lang="en-US" b="0" dirty="0" smtClean="0"/>
-              <a:t>  &lt;slot doctor = "</a:t>
-            </a:r>
-            <a:r>
-              <a:rPr lang="en-US" b="0" dirty="0" err="1" smtClean="0"/>
-              <a:t>mjones</a:t>
-            </a:r>
-            <a:r>
-              <a:rPr lang="en-US" b="0" dirty="0" smtClean="0"/>
-              <a:t>" start = "1400" end = "1450"/&gt;</a:t>
-            </a:r>
-          </a:p>
-          <a:p>
-            <a:r>
-              <a:rPr lang="en-US" b="0" dirty="0" smtClean="0"/>
-              <a:t>  &lt;patient id = "</a:t>
-            </a:r>
-            <a:r>
-              <a:rPr lang="en-US" b="0" dirty="0" err="1" smtClean="0"/>
-              <a:t>jsmith</a:t>
-            </a:r>
-            <a:r>
-              <a:rPr lang="en-US" b="0" dirty="0" smtClean="0"/>
-              <a:t>"/&gt;</a:t>
-            </a:r>
-          </a:p>
-          <a:p>
-            <a:r>
-              <a:rPr lang="en-US" b="0" dirty="0" smtClean="0"/>
-              <a:t>&lt;/</a:t>
-            </a:r>
-            <a:r>
-              <a:rPr lang="en-US" b="0" dirty="0" err="1" smtClean="0"/>
-              <a:t>appointmentRequest</a:t>
-            </a:r>
-            <a:r>
-              <a:rPr lang="en-US" b="0" dirty="0" smtClean="0"/>
-              <a:t>&gt;</a:t>
-            </a:r>
-          </a:p>
-          <a:p>
-            <a:endParaRPr lang="en-US" b="0" dirty="0" smtClean="0"/>
-          </a:p>
-          <a:p>
-            <a:r>
-              <a:rPr lang="en-US" sz="1200" b="0" i="0" kern="1200" dirty="0" smtClean="0">
-                <a:solidFill>
-                  <a:schemeClr val="tx1"/>
-                </a:solidFill>
-                <a:effectLst/>
-                <a:latin typeface="+mn-lt"/>
-                <a:ea typeface="+mn-ea"/>
-                <a:cs typeface="+mn-cs"/>
-              </a:rPr>
-              <a:t>If all is well I get a response saying my appointment is booked.</a:t>
-            </a:r>
-          </a:p>
-          <a:p>
-            <a:endParaRPr lang="en-US" sz="1200" b="0" i="0" kern="1200" dirty="0" smtClean="0">
-              <a:solidFill>
-                <a:schemeClr val="tx1"/>
-              </a:solidFill>
-              <a:effectLst/>
-              <a:latin typeface="+mn-lt"/>
-              <a:ea typeface="+mn-ea"/>
-              <a:cs typeface="+mn-cs"/>
-            </a:endParaRPr>
-          </a:p>
-          <a:p>
-            <a:r>
-              <a:rPr lang="en-US" b="0" dirty="0" smtClean="0"/>
-              <a:t>HTTP/1.1 200 OK</a:t>
-            </a:r>
-          </a:p>
-          <a:p>
-            <a:r>
-              <a:rPr lang="en-US" b="0" dirty="0" smtClean="0"/>
-              <a:t>[various headers]</a:t>
-            </a:r>
-          </a:p>
-          <a:p>
-            <a:endParaRPr lang="en-US" b="0" dirty="0" smtClean="0"/>
-          </a:p>
-          <a:p>
-            <a:r>
-              <a:rPr lang="en-US" b="0" dirty="0" smtClean="0"/>
-              <a:t>&lt;appointment&gt;</a:t>
-            </a:r>
-          </a:p>
-          <a:p>
-            <a:r>
-              <a:rPr lang="en-US" b="0" dirty="0" smtClean="0"/>
-              <a:t>  &lt;slot doctor = "</a:t>
-            </a:r>
-            <a:r>
-              <a:rPr lang="en-US" b="0" dirty="0" err="1" smtClean="0"/>
-              <a:t>mjones</a:t>
-            </a:r>
-            <a:r>
-              <a:rPr lang="en-US" b="0" dirty="0" smtClean="0"/>
-              <a:t>" start = "1400" end = "1450"/&gt;</a:t>
-            </a:r>
-          </a:p>
-          <a:p>
-            <a:r>
-              <a:rPr lang="en-US" b="0" dirty="0" smtClean="0"/>
-              <a:t>  &lt;patient id = "</a:t>
-            </a:r>
-            <a:r>
-              <a:rPr lang="en-US" b="0" dirty="0" err="1" smtClean="0"/>
-              <a:t>jsmith</a:t>
-            </a:r>
-            <a:r>
-              <a:rPr lang="en-US" b="0" dirty="0" smtClean="0"/>
-              <a:t>"/&gt;</a:t>
-            </a:r>
-          </a:p>
-          <a:p>
-            <a:r>
-              <a:rPr lang="en-US" b="0" dirty="0" smtClean="0"/>
-              <a:t>&lt;/appointment&gt;</a:t>
-            </a:r>
-          </a:p>
-          <a:p>
-            <a:endParaRPr lang="en-US" b="0" dirty="0" smtClean="0"/>
-          </a:p>
-          <a:p>
-            <a:r>
-              <a:rPr lang="en-US" b="0" dirty="0" smtClean="0"/>
-              <a:t>If there is a problem, say someone else got in before me, then I'll get some kind of error message in the reply body.</a:t>
-            </a:r>
-          </a:p>
-          <a:p>
-            <a:endParaRPr lang="en-US" b="0" dirty="0" smtClean="0"/>
-          </a:p>
-          <a:p>
-            <a:r>
-              <a:rPr lang="en-US" b="0" dirty="0" smtClean="0"/>
-              <a:t>HTTP/1.1 200 OK</a:t>
-            </a:r>
-          </a:p>
-          <a:p>
-            <a:r>
-              <a:rPr lang="en-US" b="0" dirty="0" smtClean="0"/>
-              <a:t>[various headers]</a:t>
-            </a:r>
-          </a:p>
-          <a:p>
-            <a:endParaRPr lang="en-US" b="0" dirty="0" smtClean="0"/>
-          </a:p>
-          <a:p>
-            <a:r>
-              <a:rPr lang="en-US" b="0" dirty="0" smtClean="0"/>
-              <a:t>&lt;</a:t>
-            </a:r>
-            <a:r>
-              <a:rPr lang="en-US" b="0" dirty="0" err="1" smtClean="0"/>
-              <a:t>appointmentRequestFailure</a:t>
-            </a:r>
-            <a:r>
-              <a:rPr lang="en-US" b="0" dirty="0" smtClean="0"/>
-              <a:t>&gt;</a:t>
-            </a:r>
-          </a:p>
-          <a:p>
-            <a:r>
-              <a:rPr lang="en-US" b="0" dirty="0" smtClean="0"/>
-              <a:t>  &lt;slot doctor = "</a:t>
-            </a:r>
-            <a:r>
-              <a:rPr lang="en-US" b="0" dirty="0" err="1" smtClean="0"/>
-              <a:t>mjones</a:t>
-            </a:r>
-            <a:r>
-              <a:rPr lang="en-US" b="0" dirty="0" smtClean="0"/>
-              <a:t>" start = "1400" end = "1450"/&gt;</a:t>
-            </a:r>
-          </a:p>
-          <a:p>
-            <a:r>
-              <a:rPr lang="en-US" b="0" dirty="0" smtClean="0"/>
-              <a:t>  &lt;patient id = "</a:t>
-            </a:r>
-            <a:r>
-              <a:rPr lang="en-US" b="0" dirty="0" err="1" smtClean="0"/>
-              <a:t>jsmith</a:t>
-            </a:r>
-            <a:r>
-              <a:rPr lang="en-US" b="0" dirty="0" smtClean="0"/>
-              <a:t>"/&gt;</a:t>
-            </a:r>
-          </a:p>
-          <a:p>
-            <a:r>
-              <a:rPr lang="en-US" b="0" dirty="0" smtClean="0"/>
-              <a:t>  &lt;reason&gt;Slot not available&lt;/reason&gt;</a:t>
-            </a:r>
-          </a:p>
-          <a:p>
-            <a:r>
-              <a:rPr lang="en-US" b="0" dirty="0" smtClean="0"/>
-              <a:t>&lt;/</a:t>
-            </a:r>
-            <a:r>
-              <a:rPr lang="en-US" b="0" dirty="0" err="1" smtClean="0"/>
-              <a:t>appointmentRequestFailure</a:t>
-            </a:r>
-            <a:r>
-              <a:rPr lang="en-US" b="0" dirty="0" smtClean="0"/>
-              <a:t>&gt;</a:t>
-            </a:r>
-          </a:p>
-          <a:p>
-            <a:endParaRPr lang="en-US" b="0" dirty="0" smtClean="0"/>
-          </a:p>
-          <a:p>
-            <a:r>
-              <a:rPr lang="en-US" sz="1200" b="0" i="0" kern="1200" dirty="0" smtClean="0">
-                <a:solidFill>
-                  <a:schemeClr val="tx1"/>
-                </a:solidFill>
-                <a:effectLst/>
-                <a:latin typeface="+mn-lt"/>
-                <a:ea typeface="+mn-ea"/>
-                <a:cs typeface="+mn-cs"/>
-              </a:rPr>
-              <a:t>So far this is a straightforward RPC style system. It's simple as it's just slinging plain old XML (POX) back and forth. If you use SOAP or XML-RPC it's basically the same mechanism, the only difference is that you wrap the XML messages in some kind of envelope.</a:t>
-            </a:r>
             <a:endParaRPr lang="ro-RO" b="0" dirty="0" smtClean="0"/>
           </a:p>
         </p:txBody>
@@ -4856,7 +4759,7 @@
     </p:spTree>
     <p:extLst>
       <p:ext uri="{BB962C8B-B14F-4D97-AF65-F5344CB8AC3E}">
-        <p14:creationId xmlns:p14="http://schemas.microsoft.com/office/powerpoint/2010/main" val="2506377283"/>
+        <p14:creationId xmlns:p14="http://schemas.microsoft.com/office/powerpoint/2010/main" val="1172823052"/>
       </p:ext>
     </p:extLst>
   </p:cSld>
@@ -4918,6 +4821,15 @@
               <a:rPr lang="en-US" dirty="0" smtClean="0"/>
             </a:br>
             <a:r>
+              <a:rPr lang="en-US" dirty="0" smtClean="0"/>
+              <a:t>The starting point for the model is using HTTP as a transport system for remote interactions, but without using any of the mechanisms of the web. Essentially what you are doing here is using HTTP as a tunneling mechanism for your own remote interaction mechanism, usually based on Remote Procedure Invocation.</a:t>
+            </a:r>
+          </a:p>
+          <a:p>
+            <a:endParaRPr lang="en-US" b="0" dirty="0" smtClean="0"/>
+          </a:p>
+          <a:p>
+            <a:r>
               <a:rPr lang="en-US" sz="1200" b="0" i="0" kern="1200" dirty="0" smtClean="0">
                 <a:solidFill>
                   <a:schemeClr val="tx1"/>
@@ -4927,7 +4839,7 @@
                 <a:ea typeface="+mn-ea"/>
                 <a:cs typeface="+mn-cs"/>
               </a:rPr>
-              <a:t>The first step towards the Glory of Rest in the RMM is to introduce resources. So now rather than making all our requests to a singular service endpoint, we now start talking to individual resources.</a:t>
+              <a:t>Let's assume I want to book an appointment with my doctor. My appointment software first needs to know what open slots my doctor has on a given date, so it makes a request of the hospital appointment system to obtain that information. In a level 0 scenario, the hospital will expose a service endpoint at some URI. I then post to that endpoint a document containing the details of my request.</a:t>
             </a:r>
           </a:p>
           <a:p>
@@ -4943,6 +4855,131 @@
           </a:p>
           <a:p>
             <a:r>
+              <a:rPr lang="en-US" b="0" dirty="0" smtClean="0"/>
+              <a:t>POST /</a:t>
+            </a:r>
+            <a:r>
+              <a:rPr lang="en-US" b="0" dirty="0" err="1" smtClean="0"/>
+              <a:t>appointmentService</a:t>
+            </a:r>
+            <a:r>
+              <a:rPr lang="en-US" b="0" dirty="0" smtClean="0"/>
+              <a:t> HTTP/1.1</a:t>
+            </a:r>
+          </a:p>
+          <a:p>
+            <a:r>
+              <a:rPr lang="en-US" b="0" dirty="0" smtClean="0"/>
+              <a:t>[various other headers]</a:t>
+            </a:r>
+          </a:p>
+          <a:p>
+            <a:r>
+              <a:rPr lang="en-US" b="0" dirty="0" smtClean="0"/>
+              <a:t>&lt;</a:t>
+            </a:r>
+            <a:r>
+              <a:rPr lang="en-US" b="0" dirty="0" err="1" smtClean="0"/>
+              <a:t>openSlotRequest</a:t>
+            </a:r>
+            <a:r>
+              <a:rPr lang="en-US" b="0" dirty="0" smtClean="0"/>
+              <a:t> date = "2010-01-04" doctor = "</a:t>
+            </a:r>
+            <a:r>
+              <a:rPr lang="en-US" b="0" dirty="0" err="1" smtClean="0"/>
+              <a:t>mjones</a:t>
+            </a:r>
+            <a:r>
+              <a:rPr lang="en-US" b="0" dirty="0" smtClean="0"/>
+              <a:t>"/&gt;</a:t>
+            </a:r>
+          </a:p>
+          <a:p>
+            <a:endParaRPr lang="en-US" b="0" dirty="0" smtClean="0"/>
+          </a:p>
+          <a:p>
+            <a:r>
+              <a:rPr lang="ro-RO" b="0" dirty="0" smtClean="0"/>
+              <a:t>The server then will return a document giving me this information</a:t>
+            </a:r>
+          </a:p>
+          <a:p>
+            <a:endParaRPr lang="ro-RO" b="0" dirty="0" smtClean="0"/>
+          </a:p>
+          <a:p>
+            <a:r>
+              <a:rPr lang="ro-RO" b="0" dirty="0" smtClean="0"/>
+              <a:t>HTTP/1.1 200 OK</a:t>
+            </a:r>
+          </a:p>
+          <a:p>
+            <a:r>
+              <a:rPr lang="ro-RO" b="0" dirty="0" smtClean="0"/>
+              <a:t>[various headers]</a:t>
+            </a:r>
+          </a:p>
+          <a:p>
+            <a:endParaRPr lang="ro-RO" b="0" dirty="0" smtClean="0"/>
+          </a:p>
+          <a:p>
+            <a:r>
+              <a:rPr lang="ro-RO" b="0" dirty="0" smtClean="0"/>
+              <a:t>&lt;openSlotList&gt;</a:t>
+            </a:r>
+          </a:p>
+          <a:p>
+            <a:r>
+              <a:rPr lang="ro-RO" b="0" dirty="0" smtClean="0"/>
+              <a:t>  &lt;slot start = "1400" end = "1450"&gt;</a:t>
+            </a:r>
+          </a:p>
+          <a:p>
+            <a:r>
+              <a:rPr lang="ro-RO" b="0" dirty="0" smtClean="0"/>
+              <a:t>    &lt;doctor id = "mjones"/&gt;</a:t>
+            </a:r>
+          </a:p>
+          <a:p>
+            <a:r>
+              <a:rPr lang="ro-RO" b="0" dirty="0" smtClean="0"/>
+              <a:t>  &lt;/slot&gt;</a:t>
+            </a:r>
+          </a:p>
+          <a:p>
+            <a:r>
+              <a:rPr lang="ro-RO" b="0" dirty="0" smtClean="0"/>
+              <a:t>  &lt;slot start = "1600" end = "1650"&gt;</a:t>
+            </a:r>
+          </a:p>
+          <a:p>
+            <a:r>
+              <a:rPr lang="ro-RO" b="0" dirty="0" smtClean="0"/>
+              <a:t>    &lt;doctor id = "mjones"/&gt;</a:t>
+            </a:r>
+          </a:p>
+          <a:p>
+            <a:r>
+              <a:rPr lang="ro-RO" b="0" dirty="0" smtClean="0"/>
+              <a:t>  &lt;/slot&gt;</a:t>
+            </a:r>
+          </a:p>
+          <a:p>
+            <a:r>
+              <a:rPr lang="ro-RO" b="0" dirty="0" smtClean="0"/>
+              <a:t>&lt;/openSlotList&gt;</a:t>
+            </a:r>
+            <a:endParaRPr lang="en-US" b="0" dirty="0" smtClean="0"/>
+          </a:p>
+          <a:p>
+            <a:endParaRPr lang="en-US" b="0" dirty="0" smtClean="0"/>
+          </a:p>
+          <a:p>
+            <a:endParaRPr lang="en-US" b="0" dirty="0" smtClean="0"/>
+          </a:p>
+          <a:p>
+            <a:pPr fontAlgn="base"/>
+            <a:r>
               <a:rPr lang="en-US" sz="1200" b="0" i="0" kern="1200" dirty="0" smtClean="0">
                 <a:solidFill>
                   <a:schemeClr val="tx1"/>
@@ -4952,13 +4989,65 @@
                 <a:ea typeface="+mn-ea"/>
                 <a:cs typeface="+mn-cs"/>
               </a:rPr>
-              <a:t>So with our initial query, we might have a resource for given doctor.</a:t>
+              <a:t>I'm using XML here for the example, but the content can actually be anything: JSON, YAML, key-value pairs, or any custom format.</a:t>
+            </a:r>
+          </a:p>
+          <a:p>
+            <a:pPr fontAlgn="base"/>
+            <a:r>
+              <a:rPr lang="en-US" sz="1200" b="0" i="0" kern="1200" dirty="0" smtClean="0">
+                <a:solidFill>
+                  <a:schemeClr val="tx1"/>
+                </a:solidFill>
+                <a:effectLst/>
+                <a:latin typeface="+mn-lt"/>
+                <a:ea typeface="+mn-ea"/>
+                <a:cs typeface="+mn-cs"/>
+              </a:rPr>
+              <a:t>My next step is to book an appointment, which I can again do by posting a document to the endpoint.</a:t>
             </a:r>
           </a:p>
           <a:p>
             <a:r>
               <a:rPr lang="en-US" b="0" dirty="0" smtClean="0"/>
-              <a:t>POST /doctors/</a:t>
+              <a:t>POST /</a:t>
+            </a:r>
+            <a:r>
+              <a:rPr lang="en-US" b="0" dirty="0" err="1" smtClean="0"/>
+              <a:t>appointmentService</a:t>
+            </a:r>
+            <a:r>
+              <a:rPr lang="en-US" b="0" dirty="0" smtClean="0"/>
+              <a:t> HTTP/1.1</a:t>
+            </a:r>
+          </a:p>
+          <a:p>
+            <a:r>
+              <a:rPr lang="en-US" b="0" dirty="0" smtClean="0"/>
+              <a:t>[various other headers]</a:t>
+            </a:r>
+          </a:p>
+          <a:p>
+            <a:endParaRPr lang="en-US" b="0" dirty="0" smtClean="0"/>
+          </a:p>
+          <a:p>
+            <a:r>
+              <a:rPr lang="en-US" b="0" dirty="0" smtClean="0"/>
+              <a:t>&lt;</a:t>
+            </a:r>
+            <a:r>
+              <a:rPr lang="en-US" b="0" dirty="0" err="1" smtClean="0"/>
+              <a:t>appointmentRequest</a:t>
+            </a:r>
+            <a:r>
+              <a:rPr lang="en-US" b="0" dirty="0" smtClean="0"/>
+              <a:t>&gt;</a:t>
+            </a:r>
+          </a:p>
+          <a:p>
+            <a:r>
+              <a:rPr lang="en-US" b="0" dirty="0" smtClean="0"/>
+              <a:t>  &lt;slot doctor = "</a:t>
             </a:r>
             <a:r>
               <a:rPr lang="en-US" b="0" dirty="0" err="1" smtClean="0"/>
@@ -4966,13 +5055,142 @@
             </a:r>
             <a:r>
               <a:rPr lang="en-US" b="0" dirty="0" smtClean="0"/>
-              <a:t> HTTP/1.1</a:t>
+              <a:t>" start = "1400" end = "1450"/&gt;</a:t>
             </a:r>
           </a:p>
           <a:p>
             <a:r>
               <a:rPr lang="en-US" b="0" dirty="0" smtClean="0"/>
-              <a:t>[various other headers]</a:t>
+              <a:t>  &lt;patient id = "</a:t>
+            </a:r>
+            <a:r>
+              <a:rPr lang="en-US" b="0" dirty="0" err="1" smtClean="0"/>
+              <a:t>jsmith</a:t>
+            </a:r>
+            <a:r>
+              <a:rPr lang="en-US" b="0" dirty="0" smtClean="0"/>
+              <a:t>"/&gt;</a:t>
+            </a:r>
+          </a:p>
+          <a:p>
+            <a:r>
+              <a:rPr lang="en-US" b="0" dirty="0" smtClean="0"/>
+              <a:t>&lt;/</a:t>
+            </a:r>
+            <a:r>
+              <a:rPr lang="en-US" b="0" dirty="0" err="1" smtClean="0"/>
+              <a:t>appointmentRequest</a:t>
+            </a:r>
+            <a:r>
+              <a:rPr lang="en-US" b="0" dirty="0" smtClean="0"/>
+              <a:t>&gt;</a:t>
+            </a:r>
+          </a:p>
+          <a:p>
+            <a:endParaRPr lang="en-US" b="0" dirty="0" smtClean="0"/>
+          </a:p>
+          <a:p>
+            <a:r>
+              <a:rPr lang="en-US" sz="1200" b="0" i="0" kern="1200" dirty="0" smtClean="0">
+                <a:solidFill>
+                  <a:schemeClr val="tx1"/>
+                </a:solidFill>
+                <a:effectLst/>
+                <a:latin typeface="+mn-lt"/>
+                <a:ea typeface="+mn-ea"/>
+                <a:cs typeface="+mn-cs"/>
+              </a:rPr>
+              <a:t>If all is well I get a response saying my appointment is booked.</a:t>
+            </a:r>
+          </a:p>
+          <a:p>
+            <a:endParaRPr lang="en-US" sz="1200" b="0" i="0" kern="1200" dirty="0" smtClean="0">
+              <a:solidFill>
+                <a:schemeClr val="tx1"/>
+              </a:solidFill>
+              <a:effectLst/>
+              <a:latin typeface="+mn-lt"/>
+              <a:ea typeface="+mn-ea"/>
+              <a:cs typeface="+mn-cs"/>
+            </a:endParaRPr>
+          </a:p>
+          <a:p>
+            <a:r>
+              <a:rPr lang="en-US" b="0" dirty="0" smtClean="0"/>
+              <a:t>HTTP/1.1 200 OK</a:t>
+            </a:r>
+          </a:p>
+          <a:p>
+            <a:r>
+              <a:rPr lang="en-US" b="0" dirty="0" smtClean="0"/>
+              <a:t>[various headers]</a:t>
+            </a:r>
+          </a:p>
+          <a:p>
+            <a:endParaRPr lang="en-US" b="0" dirty="0" smtClean="0"/>
+          </a:p>
+          <a:p>
+            <a:r>
+              <a:rPr lang="en-US" b="0" dirty="0" smtClean="0"/>
+              <a:t>&lt;appointment&gt;</a:t>
+            </a:r>
+          </a:p>
+          <a:p>
+            <a:r>
+              <a:rPr lang="en-US" b="0" dirty="0" smtClean="0"/>
+              <a:t>  &lt;slot doctor = "</a:t>
+            </a:r>
+            <a:r>
+              <a:rPr lang="en-US" b="0" dirty="0" err="1" smtClean="0"/>
+              <a:t>mjones</a:t>
+            </a:r>
+            <a:r>
+              <a:rPr lang="en-US" b="0" dirty="0" smtClean="0"/>
+              <a:t>" start = "1400" end = "1450"/&gt;</a:t>
+            </a:r>
+          </a:p>
+          <a:p>
+            <a:r>
+              <a:rPr lang="en-US" b="0" dirty="0" smtClean="0"/>
+              <a:t>  &lt;patient id = "</a:t>
+            </a:r>
+            <a:r>
+              <a:rPr lang="en-US" b="0" dirty="0" err="1" smtClean="0"/>
+              <a:t>jsmith</a:t>
+            </a:r>
+            <a:r>
+              <a:rPr lang="en-US" b="0" dirty="0" smtClean="0"/>
+              <a:t>"/&gt;</a:t>
+            </a:r>
+          </a:p>
+          <a:p>
+            <a:r>
+              <a:rPr lang="en-US" b="0" dirty="0" smtClean="0"/>
+              <a:t>&lt;/appointment&gt;</a:t>
+            </a:r>
+          </a:p>
+          <a:p>
+            <a:endParaRPr lang="en-US" b="0" dirty="0" smtClean="0"/>
+          </a:p>
+          <a:p>
+            <a:r>
+              <a:rPr lang="en-US" b="0" dirty="0" smtClean="0"/>
+              <a:t>If there is a problem, say someone else got in before me, then I'll get some kind of error message in the reply body.</a:t>
+            </a:r>
+          </a:p>
+          <a:p>
+            <a:endParaRPr lang="en-US" b="0" dirty="0" smtClean="0"/>
+          </a:p>
+          <a:p>
+            <a:r>
+              <a:rPr lang="en-US" b="0" dirty="0" smtClean="0"/>
+              <a:t>HTTP/1.1 200 OK</a:t>
+            </a:r>
+          </a:p>
+          <a:p>
+            <a:r>
+              <a:rPr lang="en-US" b="0" dirty="0" smtClean="0"/>
+              <a:t>[various headers]</a:t>
             </a:r>
           </a:p>
           <a:p>
@@ -4985,12 +5203,63 @@
             </a:r>
             <a:r>
               <a:rPr lang="en-US" b="0" dirty="0" err="1" smtClean="0"/>
-              <a:t>openSlotRequest</a:t>
+              <a:t>appointmentRequestFailure</a:t>
             </a:r>
             <a:r>
               <a:rPr lang="en-US" b="0" dirty="0" smtClean="0"/>
-              <a:t> date = "2010-01-04"/&gt;</a:t>
-            </a:r>
+              <a:t>&gt;</a:t>
+            </a:r>
+          </a:p>
+          <a:p>
+            <a:r>
+              <a:rPr lang="en-US" b="0" dirty="0" smtClean="0"/>
+              <a:t>  &lt;slot doctor = "</a:t>
+            </a:r>
+            <a:r>
+              <a:rPr lang="en-US" b="0" dirty="0" err="1" smtClean="0"/>
+              <a:t>mjones</a:t>
+            </a:r>
+            <a:r>
+              <a:rPr lang="en-US" b="0" dirty="0" smtClean="0"/>
+              <a:t>" start = "1400" end = "1450"/&gt;</a:t>
+            </a:r>
+          </a:p>
+          <a:p>
+            <a:r>
+              <a:rPr lang="en-US" b="0" dirty="0" smtClean="0"/>
+              <a:t>  &lt;patient id = "</a:t>
+            </a:r>
+            <a:r>
+              <a:rPr lang="en-US" b="0" dirty="0" err="1" smtClean="0"/>
+              <a:t>jsmith</a:t>
+            </a:r>
+            <a:r>
+              <a:rPr lang="en-US" b="0" dirty="0" smtClean="0"/>
+              <a:t>"/&gt;</a:t>
+            </a:r>
+          </a:p>
+          <a:p>
+            <a:r>
+              <a:rPr lang="en-US" b="0" dirty="0" smtClean="0"/>
+              <a:t>  &lt;reason&gt;Slot not available&lt;/reason&gt;</a:t>
+            </a:r>
+          </a:p>
+          <a:p>
+            <a:r>
+              <a:rPr lang="en-US" b="0" dirty="0" smtClean="0"/>
+              <a:t>&lt;/</a:t>
+            </a:r>
+            <a:r>
+              <a:rPr lang="en-US" b="0" dirty="0" err="1" smtClean="0"/>
+              <a:t>appointmentRequestFailure</a:t>
+            </a:r>
+            <a:r>
+              <a:rPr lang="en-US" b="0" dirty="0" smtClean="0"/>
+              <a:t>&gt;</a:t>
+            </a:r>
+          </a:p>
+          <a:p>
+            <a:endParaRPr lang="en-US" b="0" dirty="0" smtClean="0"/>
           </a:p>
           <a:p>
             <a:r>
@@ -5003,217 +5272,9 @@
                 <a:ea typeface="+mn-ea"/>
                 <a:cs typeface="+mn-cs"/>
               </a:rPr>
-              <a:t>The reply carries the same basic information, but each slot is now a resource that can be addressed individually.</a:t>
-            </a:r>
-          </a:p>
-          <a:p>
-            <a:r>
-              <a:rPr lang="ro-RO" b="0" dirty="0" smtClean="0"/>
-              <a:t>HTTP/1.1 200 OK</a:t>
-            </a:r>
-          </a:p>
-          <a:p>
-            <a:r>
-              <a:rPr lang="ro-RO" b="0" dirty="0" smtClean="0"/>
-              <a:t>[various headers]</a:t>
-            </a:r>
-          </a:p>
-          <a:p>
+              <a:t>So far this is a straightforward RPC style system. It's simple as it's just slinging plain old XML (POX) back and forth. If you use SOAP or XML-RPC it's basically the same mechanism, the only difference is that you wrap the XML messages in some kind of envelope.</a:t>
+            </a:r>
             <a:endParaRPr lang="ro-RO" b="0" dirty="0" smtClean="0"/>
-          </a:p>
-          <a:p>
-            <a:r>
-              <a:rPr lang="ro-RO" b="0" dirty="0" smtClean="0"/>
-              <a:t>&lt;openSlotList&gt;</a:t>
-            </a:r>
-          </a:p>
-          <a:p>
-            <a:r>
-              <a:rPr lang="ro-RO" b="0" dirty="0" smtClean="0"/>
-              <a:t>  &lt;slot id = "1234" doctor = "mjones" start = "1400" end = "1450"/&gt;</a:t>
-            </a:r>
-          </a:p>
-          <a:p>
-            <a:r>
-              <a:rPr lang="ro-RO" b="0" dirty="0" smtClean="0"/>
-              <a:t>  &lt;slot id = "5678" doctor = "mjones" start = "1600" end = "1650"/&gt;</a:t>
-            </a:r>
-          </a:p>
-          <a:p>
-            <a:r>
-              <a:rPr lang="ro-RO" b="0" dirty="0" smtClean="0"/>
-              <a:t>&lt;/openSlotList&gt;</a:t>
-            </a:r>
-            <a:endParaRPr lang="en-US" b="0" dirty="0" smtClean="0"/>
-          </a:p>
-          <a:p>
-            <a:endParaRPr lang="en-US" b="0" dirty="0" smtClean="0"/>
-          </a:p>
-          <a:p>
-            <a:r>
-              <a:rPr lang="en-US" b="0" dirty="0" smtClean="0"/>
-              <a:t>With specific resources booking an appointment means posting to a particular slot.</a:t>
-            </a:r>
-          </a:p>
-          <a:p>
-            <a:r>
-              <a:rPr lang="en-US" b="0" dirty="0" smtClean="0"/>
-              <a:t>POST /slots/1234 HTTP/1.1</a:t>
-            </a:r>
-          </a:p>
-          <a:p>
-            <a:r>
-              <a:rPr lang="en-US" b="0" dirty="0" smtClean="0"/>
-              <a:t>[various other headers]</a:t>
-            </a:r>
-          </a:p>
-          <a:p>
-            <a:endParaRPr lang="en-US" b="0" dirty="0" smtClean="0"/>
-          </a:p>
-          <a:p>
-            <a:r>
-              <a:rPr lang="en-US" b="0" dirty="0" smtClean="0"/>
-              <a:t>&lt;</a:t>
-            </a:r>
-            <a:r>
-              <a:rPr lang="en-US" b="0" dirty="0" err="1" smtClean="0"/>
-              <a:t>appointmentRequest</a:t>
-            </a:r>
-            <a:r>
-              <a:rPr lang="en-US" b="0" dirty="0" smtClean="0"/>
-              <a:t>&gt;</a:t>
-            </a:r>
-          </a:p>
-          <a:p>
-            <a:r>
-              <a:rPr lang="en-US" b="0" dirty="0" smtClean="0"/>
-              <a:t>  &lt;patient id = "</a:t>
-            </a:r>
-            <a:r>
-              <a:rPr lang="en-US" b="0" dirty="0" err="1" smtClean="0"/>
-              <a:t>jsmith</a:t>
-            </a:r>
-            <a:r>
-              <a:rPr lang="en-US" b="0" dirty="0" smtClean="0"/>
-              <a:t>"/&gt;</a:t>
-            </a:r>
-          </a:p>
-          <a:p>
-            <a:r>
-              <a:rPr lang="en-US" b="0" dirty="0" smtClean="0"/>
-              <a:t>&lt;/</a:t>
-            </a:r>
-            <a:r>
-              <a:rPr lang="en-US" b="0" dirty="0" err="1" smtClean="0"/>
-              <a:t>appointmentRequest</a:t>
-            </a:r>
-            <a:r>
-              <a:rPr lang="en-US" b="0" dirty="0" smtClean="0"/>
-              <a:t>&gt;</a:t>
-            </a:r>
-          </a:p>
-          <a:p>
-            <a:endParaRPr lang="en-US" b="0" dirty="0" smtClean="0"/>
-          </a:p>
-          <a:p>
-            <a:r>
-              <a:rPr lang="en-US" b="0" dirty="0" smtClean="0"/>
-              <a:t>If all goes well I get a similar reply to before.</a:t>
-            </a:r>
-          </a:p>
-          <a:p>
-            <a:endParaRPr lang="en-US" b="0" dirty="0" smtClean="0"/>
-          </a:p>
-          <a:p>
-            <a:r>
-              <a:rPr lang="en-US" b="0" dirty="0" smtClean="0"/>
-              <a:t>HTTP/1.1 200 OK</a:t>
-            </a:r>
-          </a:p>
-          <a:p>
-            <a:r>
-              <a:rPr lang="en-US" b="0" dirty="0" smtClean="0"/>
-              <a:t>[various headers]</a:t>
-            </a:r>
-          </a:p>
-          <a:p>
-            <a:endParaRPr lang="en-US" b="0" dirty="0" smtClean="0"/>
-          </a:p>
-          <a:p>
-            <a:r>
-              <a:rPr lang="en-US" b="0" dirty="0" smtClean="0"/>
-              <a:t>&lt;appointment&gt;</a:t>
-            </a:r>
-          </a:p>
-          <a:p>
-            <a:r>
-              <a:rPr lang="en-US" b="0" dirty="0" smtClean="0"/>
-              <a:t>  &lt;slot id = "1234" doctor = "</a:t>
-            </a:r>
-            <a:r>
-              <a:rPr lang="en-US" b="0" dirty="0" err="1" smtClean="0"/>
-              <a:t>mjones</a:t>
-            </a:r>
-            <a:r>
-              <a:rPr lang="en-US" b="0" dirty="0" smtClean="0"/>
-              <a:t>" start = "1400" end = "1450"/&gt;</a:t>
-            </a:r>
-          </a:p>
-          <a:p>
-            <a:r>
-              <a:rPr lang="en-US" b="0" dirty="0" smtClean="0"/>
-              <a:t>  &lt;patient id = "</a:t>
-            </a:r>
-            <a:r>
-              <a:rPr lang="en-US" b="0" dirty="0" err="1" smtClean="0"/>
-              <a:t>jsmith</a:t>
-            </a:r>
-            <a:r>
-              <a:rPr lang="en-US" b="0" dirty="0" smtClean="0"/>
-              <a:t>"/&gt;</a:t>
-            </a:r>
-          </a:p>
-          <a:p>
-            <a:r>
-              <a:rPr lang="en-US" b="0" dirty="0" smtClean="0"/>
-              <a:t>&lt;/appointment&gt;</a:t>
-            </a:r>
-          </a:p>
-          <a:p>
-            <a:endParaRPr lang="en-US" b="0" dirty="0" smtClean="0"/>
-          </a:p>
-          <a:p>
-            <a:pPr fontAlgn="base"/>
-            <a:r>
-              <a:rPr lang="en-US" sz="1200" b="0" i="0" kern="1200" dirty="0" smtClean="0">
-                <a:solidFill>
-                  <a:schemeClr val="tx1"/>
-                </a:solidFill>
-                <a:effectLst/>
-                <a:latin typeface="+mn-lt"/>
-                <a:ea typeface="+mn-ea"/>
-                <a:cs typeface="+mn-cs"/>
-              </a:rPr>
-              <a:t>The difference now is that if anyone needs to do anything about the appointment, like book some tests, they first get hold of the appointment resource, which might have a URI like http://royalhope.nhs.uk/slots/1234/appointment, and post to that resource.</a:t>
-            </a:r>
-          </a:p>
-          <a:p>
-            <a:pPr fontAlgn="base"/>
-            <a:r>
-              <a:rPr lang="en-US" sz="1200" b="0" i="0" kern="1200" dirty="0" smtClean="0">
-                <a:solidFill>
-                  <a:schemeClr val="tx1"/>
-                </a:solidFill>
-                <a:effectLst/>
-                <a:latin typeface="+mn-lt"/>
-                <a:ea typeface="+mn-ea"/>
-                <a:cs typeface="+mn-cs"/>
-              </a:rPr>
-              <a:t>To an object guy like me this is like the notion of object identity. Rather than calling some function in the ether and passing arguments, we call a method on one particular object providing arguments for the other information.</a:t>
-            </a:r>
-          </a:p>
-          <a:p>
-            <a:endParaRPr lang="en-US" b="0" dirty="0" smtClean="0"/>
           </a:p>
         </p:txBody>
       </p:sp>
@@ -5243,7 +5304,7 @@
     </p:spTree>
     <p:extLst>
       <p:ext uri="{BB962C8B-B14F-4D97-AF65-F5344CB8AC3E}">
-        <p14:creationId xmlns:p14="http://schemas.microsoft.com/office/powerpoint/2010/main" val="2904026228"/>
+        <p14:creationId xmlns:p14="http://schemas.microsoft.com/office/powerpoint/2010/main" val="2506377283"/>
       </p:ext>
     </p:extLst>
   </p:cSld>
@@ -8347,6 +8408,243 @@
           <a:chExt cx="0" cy="0"/>
         </a:xfrm>
       </p:grpSpPr>
+      <p:pic>
+        <p:nvPicPr>
+          <p:cNvPr id="6" name="Afbeelding 4"/>
+          <p:cNvPicPr>
+            <a:picLocks noChangeAspect="1"/>
+          </p:cNvPicPr>
+          <p:nvPr/>
+        </p:nvPicPr>
+        <p:blipFill>
+          <a:blip r:embed="rId3">
+            <a:extLst>
+              <a:ext uri="{28A0092B-C50C-407E-A947-70E740481C1C}">
+                <a14:useLocalDpi xmlns:a14="http://schemas.microsoft.com/office/drawing/2010/main"/>
+              </a:ext>
+            </a:extLst>
+          </a:blip>
+          <a:stretch>
+            <a:fillRect/>
+          </a:stretch>
+        </p:blipFill>
+        <p:spPr>
+          <a:xfrm>
+            <a:off x="390071" y="492902"/>
+            <a:ext cx="8363858" cy="934179"/>
+          </a:xfrm>
+          <a:prstGeom prst="rect">
+            <a:avLst/>
+          </a:prstGeom>
+        </p:spPr>
+      </p:pic>
+      <p:sp>
+        <p:nvSpPr>
+          <p:cNvPr id="8" name="TextBox 7"/>
+          <p:cNvSpPr txBox="1"/>
+          <p:nvPr/>
+        </p:nvSpPr>
+        <p:spPr>
+          <a:xfrm>
+            <a:off x="3329603" y="707060"/>
+            <a:ext cx="2395471" cy="505861"/>
+          </a:xfrm>
+          <a:prstGeom prst="rect">
+            <a:avLst/>
+          </a:prstGeom>
+          <a:noFill/>
+        </p:spPr>
+        <p:txBody>
+          <a:bodyPr wrap="none" rtlCol="0">
+            <a:normAutofit lnSpcReduction="10000"/>
+          </a:bodyPr>
+          <a:lstStyle/>
+          <a:p>
+            <a:pPr algn="ctr"/>
+            <a:r>
+              <a:rPr lang="en-US" sz="2800" dirty="0" smtClean="0">
+                <a:solidFill>
+                  <a:schemeClr val="bg1"/>
+                </a:solidFill>
+                <a:latin typeface="Helvetica Neue Light"/>
+              </a:rPr>
+              <a:t>Who uses REST</a:t>
+            </a:r>
+            <a:endParaRPr lang="en-US" sz="2800" dirty="0" smtClean="0">
+              <a:solidFill>
+                <a:schemeClr val="bg1"/>
+              </a:solidFill>
+              <a:latin typeface="Helvetica Neue Light"/>
+            </a:endParaRPr>
+          </a:p>
+        </p:txBody>
+      </p:sp>
+      <p:pic>
+        <p:nvPicPr>
+          <p:cNvPr id="1030" name="Picture 6" descr="https://g.twimg.com/Twitter_logo_blue.png">
+            <a:hlinkClick r:id="rId4"/>
+          </p:cNvPr>
+          <p:cNvPicPr>
+            <a:picLocks noChangeAspect="1" noChangeArrowheads="1"/>
+          </p:cNvPicPr>
+          <p:nvPr/>
+        </p:nvPicPr>
+        <p:blipFill>
+          <a:blip r:embed="rId5">
+            <a:extLst>
+              <a:ext uri="{28A0092B-C50C-407E-A947-70E740481C1C}">
+                <a14:useLocalDpi xmlns:a14="http://schemas.microsoft.com/office/drawing/2010/main" val="0"/>
+              </a:ext>
+            </a:extLst>
+          </a:blip>
+          <a:srcRect/>
+          <a:stretch>
+            <a:fillRect/>
+          </a:stretch>
+        </p:blipFill>
+        <p:spPr bwMode="auto">
+          <a:xfrm>
+            <a:off x="1728494" y="4188227"/>
+            <a:ext cx="1978967" cy="1608888"/>
+          </a:xfrm>
+          <a:prstGeom prst="rect">
+            <a:avLst/>
+          </a:prstGeom>
+          <a:noFill/>
+          <a:extLst>
+            <a:ext uri="{909E8E84-426E-40DD-AFC4-6F175D3DCCD1}">
+              <a14:hiddenFill xmlns:a14="http://schemas.microsoft.com/office/drawing/2010/main">
+                <a:solidFill>
+                  <a:srgbClr val="FFFFFF"/>
+                </a:solidFill>
+              </a14:hiddenFill>
+            </a:ext>
+          </a:extLst>
+        </p:spPr>
+      </p:pic>
+      <p:pic>
+        <p:nvPicPr>
+          <p:cNvPr id="1032" name="Picture 8" descr="https://www.facebookbrand.com/img/fb-art.jpg">
+            <a:hlinkClick r:id="rId6"/>
+          </p:cNvPr>
+          <p:cNvPicPr>
+            <a:picLocks noChangeAspect="1" noChangeArrowheads="1"/>
+          </p:cNvPicPr>
+          <p:nvPr/>
+        </p:nvPicPr>
+        <p:blipFill>
+          <a:blip r:embed="rId7">
+            <a:extLst>
+              <a:ext uri="{28A0092B-C50C-407E-A947-70E740481C1C}">
+                <a14:useLocalDpi xmlns:a14="http://schemas.microsoft.com/office/drawing/2010/main" val="0"/>
+              </a:ext>
+            </a:extLst>
+          </a:blip>
+          <a:srcRect/>
+          <a:stretch>
+            <a:fillRect/>
+          </a:stretch>
+        </p:blipFill>
+        <p:spPr bwMode="auto">
+          <a:xfrm>
+            <a:off x="5587719" y="2876785"/>
+            <a:ext cx="1905000" cy="1905000"/>
+          </a:xfrm>
+          <a:prstGeom prst="rect">
+            <a:avLst/>
+          </a:prstGeom>
+          <a:noFill/>
+          <a:extLst>
+            <a:ext uri="{909E8E84-426E-40DD-AFC4-6F175D3DCCD1}">
+              <a14:hiddenFill xmlns:a14="http://schemas.microsoft.com/office/drawing/2010/main">
+                <a:solidFill>
+                  <a:srgbClr val="FFFFFF"/>
+                </a:solidFill>
+              </a14:hiddenFill>
+            </a:ext>
+          </a:extLst>
+        </p:spPr>
+      </p:pic>
+      <p:pic>
+        <p:nvPicPr>
+          <p:cNvPr id="1034" name="Picture 10" descr="http://res.cloudinary.com/demo/image/fetch/fl_png8/https:/www.google.com/images/branding/googlelogo/2x/googlelogo_color_272x92dp.png">
+            <a:hlinkClick r:id="rId8"/>
+          </p:cNvPr>
+          <p:cNvPicPr>
+            <a:picLocks noChangeAspect="1" noChangeArrowheads="1"/>
+          </p:cNvPicPr>
+          <p:nvPr/>
+        </p:nvPicPr>
+        <p:blipFill>
+          <a:blip r:embed="rId9">
+            <a:extLst>
+              <a:ext uri="{28A0092B-C50C-407E-A947-70E740481C1C}">
+                <a14:useLocalDpi xmlns:a14="http://schemas.microsoft.com/office/drawing/2010/main" val="0"/>
+              </a:ext>
+            </a:extLst>
+          </a:blip>
+          <a:srcRect/>
+          <a:stretch>
+            <a:fillRect/>
+          </a:stretch>
+        </p:blipFill>
+        <p:spPr bwMode="auto">
+          <a:xfrm>
+            <a:off x="994134" y="2296779"/>
+            <a:ext cx="3447686" cy="1166129"/>
+          </a:xfrm>
+          <a:prstGeom prst="rect">
+            <a:avLst/>
+          </a:prstGeom>
+          <a:noFill/>
+          <a:extLst>
+            <a:ext uri="{909E8E84-426E-40DD-AFC4-6F175D3DCCD1}">
+              <a14:hiddenFill xmlns:a14="http://schemas.microsoft.com/office/drawing/2010/main">
+                <a:solidFill>
+                  <a:srgbClr val="FFFFFF"/>
+                </a:solidFill>
+              </a14:hiddenFill>
+            </a:ext>
+          </a:extLst>
+        </p:spPr>
+      </p:pic>
+    </p:spTree>
+    <p:extLst>
+      <p:ext uri="{BB962C8B-B14F-4D97-AF65-F5344CB8AC3E}">
+        <p14:creationId xmlns:p14="http://schemas.microsoft.com/office/powerpoint/2010/main" val="2766852194"/>
+      </p:ext>
+    </p:extLst>
+  </p:cSld>
+  <p:clrMapOvr>
+    <a:masterClrMapping/>
+  </p:clrMapOvr>
+  <p:timing>
+    <p:tnLst>
+      <p:par>
+        <p:cTn id="1" dur="indefinite" restart="never" nodeType="tmRoot"/>
+      </p:par>
+    </p:tnLst>
+  </p:timing>
+</p:sld>
+</file>
+
+<file path=ppt/slides/slide12.xml><?xml version="1.0" encoding="utf-8"?>
+<p:sld xmlns:a="http://schemas.openxmlformats.org/drawingml/2006/main" xmlns:r="http://schemas.openxmlformats.org/officeDocument/2006/relationships" xmlns:p="http://schemas.openxmlformats.org/presentationml/2006/main">
+  <p:cSld>
+    <p:spTree>
+      <p:nvGrpSpPr>
+        <p:cNvPr id="1" name=""/>
+        <p:cNvGrpSpPr/>
+        <p:nvPr/>
+      </p:nvGrpSpPr>
+      <p:grpSpPr>
+        <a:xfrm>
+          <a:off x="0" y="0"/>
+          <a:ext cx="0" cy="0"/>
+          <a:chOff x="0" y="0"/>
+          <a:chExt cx="0" cy="0"/>
+        </a:xfrm>
+      </p:grpSpPr>
       <p:sp>
         <p:nvSpPr>
           <p:cNvPr id="3" name="Rechthoek 2"/>
@@ -8539,301 +8837,6 @@
       <p:transition spd="slow" advClick="0" advTm="10000"/>
     </mc:Fallback>
   </mc:AlternateContent>
-  <p:timing>
-    <p:tnLst>
-      <p:par>
-        <p:cTn id="1" dur="indefinite" restart="never" nodeType="tmRoot"/>
-      </p:par>
-    </p:tnLst>
-  </p:timing>
-</p:sld>
-</file>
-
-<file path=ppt/slides/slide12.xml><?xml version="1.0" encoding="utf-8"?>
-<p:sld xmlns:a="http://schemas.openxmlformats.org/drawingml/2006/main" xmlns:r="http://schemas.openxmlformats.org/officeDocument/2006/relationships" xmlns:p="http://schemas.openxmlformats.org/presentationml/2006/main">
-  <p:cSld>
-    <p:spTree>
-      <p:nvGrpSpPr>
-        <p:cNvPr id="1" name=""/>
-        <p:cNvGrpSpPr/>
-        <p:nvPr/>
-      </p:nvGrpSpPr>
-      <p:grpSpPr>
-        <a:xfrm>
-          <a:off x="0" y="0"/>
-          <a:ext cx="0" cy="0"/>
-          <a:chOff x="0" y="0"/>
-          <a:chExt cx="0" cy="0"/>
-        </a:xfrm>
-      </p:grpSpPr>
-      <p:pic>
-        <p:nvPicPr>
-          <p:cNvPr id="6" name="Afbeelding 4"/>
-          <p:cNvPicPr>
-            <a:picLocks noChangeAspect="1"/>
-          </p:cNvPicPr>
-          <p:nvPr/>
-        </p:nvPicPr>
-        <p:blipFill>
-          <a:blip r:embed="rId3">
-            <a:extLst>
-              <a:ext uri="{28A0092B-C50C-407E-A947-70E740481C1C}">
-                <a14:useLocalDpi xmlns:a14="http://schemas.microsoft.com/office/drawing/2010/main"/>
-              </a:ext>
-            </a:extLst>
-          </a:blip>
-          <a:stretch>
-            <a:fillRect/>
-          </a:stretch>
-        </p:blipFill>
-        <p:spPr>
-          <a:xfrm>
-            <a:off x="390071" y="492902"/>
-            <a:ext cx="8363858" cy="934179"/>
-          </a:xfrm>
-          <a:prstGeom prst="rect">
-            <a:avLst/>
-          </a:prstGeom>
-        </p:spPr>
-      </p:pic>
-      <p:sp>
-        <p:nvSpPr>
-          <p:cNvPr id="8" name="TextBox 7"/>
-          <p:cNvSpPr txBox="1"/>
-          <p:nvPr/>
-        </p:nvSpPr>
-        <p:spPr>
-          <a:xfrm>
-            <a:off x="3329603" y="707060"/>
-            <a:ext cx="2395471" cy="505861"/>
-          </a:xfrm>
-          <a:prstGeom prst="rect">
-            <a:avLst/>
-          </a:prstGeom>
-          <a:noFill/>
-        </p:spPr>
-        <p:txBody>
-          <a:bodyPr wrap="none" rtlCol="0">
-            <a:normAutofit lnSpcReduction="10000"/>
-          </a:bodyPr>
-          <a:lstStyle/>
-          <a:p>
-            <a:pPr algn="ctr"/>
-            <a:r>
-              <a:rPr lang="en-US" sz="2800" dirty="0">
-                <a:solidFill>
-                  <a:schemeClr val="bg1"/>
-                </a:solidFill>
-                <a:latin typeface="Helvetica Neue Light"/>
-              </a:rPr>
-              <a:t>Richardson Maturity Model</a:t>
-            </a:r>
-            <a:endParaRPr lang="en-US" sz="2800" dirty="0" smtClean="0">
-              <a:solidFill>
-                <a:schemeClr val="bg1"/>
-              </a:solidFill>
-              <a:latin typeface="Helvetica Neue Light"/>
-            </a:endParaRPr>
-          </a:p>
-        </p:txBody>
-      </p:sp>
-      <p:sp>
-        <p:nvSpPr>
-          <p:cNvPr id="4" name="TextBox 3"/>
-          <p:cNvSpPr txBox="1"/>
-          <p:nvPr/>
-        </p:nvSpPr>
-        <p:spPr>
-          <a:xfrm>
-            <a:off x="390071" y="1641239"/>
-            <a:ext cx="8363858" cy="4936025"/>
-          </a:xfrm>
-          <a:prstGeom prst="rect">
-            <a:avLst/>
-          </a:prstGeom>
-        </p:spPr>
-        <p:txBody>
-          <a:bodyPr>
-            <a:normAutofit/>
-          </a:bodyPr>
-          <a:lstStyle>
-            <a:lvl1pPr lvl="0" indent="0">
-              <a:lnSpc>
-                <a:spcPct val="120000"/>
-              </a:lnSpc>
-              <a:spcBef>
-                <a:spcPts val="0"/>
-              </a:spcBef>
-              <a:buFont typeface="Arial"/>
-              <a:buNone/>
-              <a:defRPr sz="1600" b="1" i="0">
-                <a:solidFill>
-                  <a:srgbClr val="424D43"/>
-                </a:solidFill>
-                <a:latin typeface="Helvetica Neue Light"/>
-                <a:ea typeface="ヒラギノ明朝 ProN W3" pitchFamily="-84" charset="-128"/>
-              </a:defRPr>
-            </a:lvl1pPr>
-            <a:lvl2pPr marL="742950" indent="-285750">
-              <a:spcBef>
-                <a:spcPct val="20000"/>
-              </a:spcBef>
-              <a:buSzPct val="100000"/>
-              <a:buFont typeface="Arial"/>
-              <a:buChar char="•"/>
-              <a:defRPr sz="2400" b="0" i="0">
-                <a:solidFill>
-                  <a:schemeClr val="tx1">
-                    <a:lumMod val="75000"/>
-                    <a:lumOff val="25000"/>
-                  </a:schemeClr>
-                </a:solidFill>
-                <a:latin typeface="Helvetica Neue Light"/>
-                <a:cs typeface="Helvetica Neue Light"/>
-              </a:defRPr>
-            </a:lvl2pPr>
-            <a:lvl3pPr marL="1143000" indent="-228600">
-              <a:spcBef>
-                <a:spcPct val="20000"/>
-              </a:spcBef>
-              <a:buSzPct val="100000"/>
-              <a:buFont typeface="Arial"/>
-              <a:buChar char="•"/>
-              <a:defRPr sz="2000" b="0" i="0">
-                <a:solidFill>
-                  <a:schemeClr val="tx1">
-                    <a:lumMod val="75000"/>
-                    <a:lumOff val="25000"/>
-                  </a:schemeClr>
-                </a:solidFill>
-                <a:latin typeface="Helvetica Neue Light"/>
-                <a:cs typeface="Helvetica Neue Light"/>
-              </a:defRPr>
-            </a:lvl3pPr>
-            <a:lvl4pPr marL="1600200" indent="-228600">
-              <a:spcBef>
-                <a:spcPct val="20000"/>
-              </a:spcBef>
-              <a:buSzPct val="100000"/>
-              <a:buFont typeface="Arial"/>
-              <a:buChar char="•"/>
-              <a:defRPr b="0" i="0">
-                <a:solidFill>
-                  <a:schemeClr val="tx1">
-                    <a:lumMod val="75000"/>
-                    <a:lumOff val="25000"/>
-                  </a:schemeClr>
-                </a:solidFill>
-                <a:latin typeface="Helvetica Neue Light"/>
-                <a:cs typeface="Helvetica Neue Light"/>
-              </a:defRPr>
-            </a:lvl4pPr>
-            <a:lvl5pPr marL="2057400" indent="-228600">
-              <a:spcBef>
-                <a:spcPct val="20000"/>
-              </a:spcBef>
-              <a:buSzPct val="100000"/>
-              <a:buFont typeface="Arial"/>
-              <a:buChar char="•"/>
-              <a:defRPr sz="1600" b="0" i="0" baseline="0">
-                <a:solidFill>
-                  <a:schemeClr val="tx1">
-                    <a:lumMod val="75000"/>
-                    <a:lumOff val="25000"/>
-                  </a:schemeClr>
-                </a:solidFill>
-                <a:latin typeface="Helvetica Neue Light"/>
-                <a:cs typeface="Helvetica Neue Light"/>
-              </a:defRPr>
-            </a:lvl5pPr>
-            <a:lvl6pPr marL="2514600" indent="-228600">
-              <a:spcBef>
-                <a:spcPct val="20000"/>
-              </a:spcBef>
-              <a:buFont typeface="Arial"/>
-              <a:buChar char="•"/>
-            </a:lvl6pPr>
-            <a:lvl7pPr marL="2971800" indent="-228600">
-              <a:spcBef>
-                <a:spcPct val="20000"/>
-              </a:spcBef>
-              <a:buFont typeface="Arial"/>
-              <a:buChar char="•"/>
-            </a:lvl7pPr>
-            <a:lvl8pPr marL="3429000" indent="-228600">
-              <a:spcBef>
-                <a:spcPct val="20000"/>
-              </a:spcBef>
-              <a:buFont typeface="Arial"/>
-              <a:buChar char="•"/>
-            </a:lvl8pPr>
-            <a:lvl9pPr marL="3886200" indent="-228600">
-              <a:spcBef>
-                <a:spcPct val="20000"/>
-              </a:spcBef>
-              <a:buFont typeface="Arial"/>
-              <a:buChar char="•"/>
-            </a:lvl9pPr>
-          </a:lstStyle>
-          <a:p>
-            <a:r>
-              <a:rPr lang="en-US" b="0" dirty="0"/>
-              <a:t>A model (developed by Leonard Richardson) that breaks down the principal elements of a REST approach into three steps. These introduce resources, http verbs, and hypermedia controls.</a:t>
-            </a:r>
-          </a:p>
-        </p:txBody>
-      </p:sp>
-      <p:pic>
-        <p:nvPicPr>
-          <p:cNvPr id="1026" name="Picture 2" descr="Figure 1"/>
-          <p:cNvPicPr>
-            <a:picLocks noChangeAspect="1" noChangeArrowheads="1"/>
-          </p:cNvPicPr>
-          <p:nvPr/>
-        </p:nvPicPr>
-        <p:blipFill>
-          <a:blip r:embed="rId4">
-            <a:extLst>
-              <a:ext uri="{28A0092B-C50C-407E-A947-70E740481C1C}">
-                <a14:useLocalDpi xmlns:a14="http://schemas.microsoft.com/office/drawing/2010/main" val="0"/>
-              </a:ext>
-            </a:extLst>
-          </a:blip>
-          <a:srcRect/>
-          <a:stretch>
-            <a:fillRect/>
-          </a:stretch>
-        </p:blipFill>
-        <p:spPr bwMode="auto">
-          <a:xfrm>
-            <a:off x="1322175" y="2786314"/>
-            <a:ext cx="6410325" cy="3790950"/>
-          </a:xfrm>
-          <a:prstGeom prst="rect">
-            <a:avLst/>
-          </a:prstGeom>
-          <a:noFill/>
-          <a:extLst>
-            <a:ext uri="{909E8E84-426E-40DD-AFC4-6F175D3DCCD1}">
-              <a14:hiddenFill xmlns:a14="http://schemas.microsoft.com/office/drawing/2010/main">
-                <a:solidFill>
-                  <a:srgbClr val="FFFFFF"/>
-                </a:solidFill>
-              </a14:hiddenFill>
-            </a:ext>
-          </a:extLst>
-        </p:spPr>
-      </p:pic>
-    </p:spTree>
-    <p:extLst>
-      <p:ext uri="{BB962C8B-B14F-4D97-AF65-F5344CB8AC3E}">
-        <p14:creationId xmlns:p14="http://schemas.microsoft.com/office/powerpoint/2010/main" val="3048168643"/>
-      </p:ext>
-    </p:extLst>
-  </p:cSld>
-  <p:clrMapOvr>
-    <a:masterClrMapping/>
-  </p:clrMapOvr>
   <p:timing>
     <p:tnLst>
       <p:par>
@@ -8921,17 +8924,14 @@
                 </a:solidFill>
                 <a:latin typeface="Helvetica Neue Light"/>
               </a:rPr>
-              <a:t>Richardson Maturity </a:t>
-            </a:r>
-            <a:r>
-              <a:rPr lang="en-US" sz="2800" dirty="0" smtClean="0">
-                <a:solidFill>
-                  <a:schemeClr val="bg1"/>
-                </a:solidFill>
-                <a:latin typeface="Helvetica Neue Light"/>
-              </a:rPr>
-              <a:t>Model – Level 0</a:t>
-            </a:r>
+              <a:t>Richardson Maturity Model</a:t>
+            </a:r>
+            <a:endParaRPr lang="en-US" sz="2800" dirty="0" smtClean="0">
+              <a:solidFill>
+                <a:schemeClr val="bg1"/>
+              </a:solidFill>
+              <a:latin typeface="Helvetica Neue Light"/>
+            </a:endParaRPr>
           </a:p>
         </p:txBody>
       </p:sp>
@@ -8943,8 +8943,8 @@
         </p:nvSpPr>
         <p:spPr>
           <a:xfrm>
-            <a:off x="624566" y="4288186"/>
-            <a:ext cx="9787271" cy="7676717"/>
+            <a:off x="390071" y="1641239"/>
+            <a:ext cx="8363858" cy="4936025"/>
           </a:xfrm>
           <a:prstGeom prst="rect">
             <a:avLst/>
@@ -9074,13 +9074,16 @@
             </a:lvl9pPr>
           </a:lstStyle>
           <a:p>
-            <a:endParaRPr lang="en-US" b="0" dirty="0"/>
+            <a:r>
+              <a:rPr lang="en-US" b="0" dirty="0"/>
+              <a:t>A model (developed by Leonard Richardson) that breaks down the principal elements of a REST approach into three steps. These introduce resources, http verbs, and hypermedia controls.</a:t>
+            </a:r>
           </a:p>
         </p:txBody>
       </p:sp>
       <p:pic>
         <p:nvPicPr>
-          <p:cNvPr id="2050" name="Picture 2" descr="Figure 2"/>
+          <p:cNvPr id="1026" name="Picture 2" descr="Figure 1"/>
           <p:cNvPicPr>
             <a:picLocks noChangeAspect="1" noChangeArrowheads="1"/>
           </p:cNvPicPr>
@@ -9101,8 +9104,8 @@
         </p:blipFill>
         <p:spPr bwMode="auto">
           <a:xfrm>
-            <a:off x="390070" y="2448509"/>
-            <a:ext cx="8363859" cy="2852046"/>
+            <a:off x="1322175" y="2786314"/>
+            <a:ext cx="6410325" cy="3790950"/>
           </a:xfrm>
           <a:prstGeom prst="rect">
             <a:avLst/>
@@ -9122,7 +9125,7 @@
     </p:spTree>
     <p:extLst>
       <p:ext uri="{BB962C8B-B14F-4D97-AF65-F5344CB8AC3E}">
-        <p14:creationId xmlns:p14="http://schemas.microsoft.com/office/powerpoint/2010/main" val="3755039426"/>
+        <p14:creationId xmlns:p14="http://schemas.microsoft.com/office/powerpoint/2010/main" val="3048168643"/>
       </p:ext>
     </p:extLst>
   </p:cSld>
@@ -9216,7 +9219,7 @@
                 </a:solidFill>
                 <a:latin typeface="Helvetica Neue Light"/>
               </a:rPr>
-              <a:t>Richardson Maturity Model – Level </a:t>
+              <a:t>Richardson Maturity </a:t>
             </a:r>
             <a:r>
               <a:rPr lang="en-US" sz="2800" dirty="0" smtClean="0">
@@ -9225,7 +9228,7 @@
                 </a:solidFill>
                 <a:latin typeface="Helvetica Neue Light"/>
               </a:rPr>
-              <a:t>1</a:t>
+              <a:t>Model – Level 0</a:t>
             </a:r>
           </a:p>
         </p:txBody>
@@ -9238,8 +9241,8 @@
         </p:nvSpPr>
         <p:spPr>
           <a:xfrm>
-            <a:off x="390071" y="1641239"/>
-            <a:ext cx="8363858" cy="4936025"/>
+            <a:off x="624566" y="4288186"/>
+            <a:ext cx="9787271" cy="7676717"/>
           </a:xfrm>
           <a:prstGeom prst="rect">
             <a:avLst/>
@@ -9375,7 +9378,7 @@
       </p:sp>
       <p:pic>
         <p:nvPicPr>
-          <p:cNvPr id="3074" name="Picture 2" descr="Figure 3"/>
+          <p:cNvPr id="2050" name="Picture 2" descr="Figure 2"/>
           <p:cNvPicPr>
             <a:picLocks noChangeAspect="1" noChangeArrowheads="1"/>
           </p:cNvPicPr>
@@ -9396,8 +9399,8 @@
         </p:blipFill>
         <p:spPr bwMode="auto">
           <a:xfrm>
-            <a:off x="390071" y="2395216"/>
-            <a:ext cx="8363858" cy="2852045"/>
+            <a:off x="390070" y="2448509"/>
+            <a:ext cx="8363859" cy="2852046"/>
           </a:xfrm>
           <a:prstGeom prst="rect">
             <a:avLst/>
@@ -9417,7 +9420,7 @@
     </p:spTree>
     <p:extLst>
       <p:ext uri="{BB962C8B-B14F-4D97-AF65-F5344CB8AC3E}">
-        <p14:creationId xmlns:p14="http://schemas.microsoft.com/office/powerpoint/2010/main" val="59128595"/>
+        <p14:creationId xmlns:p14="http://schemas.microsoft.com/office/powerpoint/2010/main" val="3755039426"/>
       </p:ext>
     </p:extLst>
   </p:cSld>
@@ -9520,14 +9523,157 @@
                 </a:solidFill>
                 <a:latin typeface="Helvetica Neue Light"/>
               </a:rPr>
-              <a:t>2</a:t>
-            </a:r>
+              <a:t>1</a:t>
+            </a:r>
+          </a:p>
+        </p:txBody>
+      </p:sp>
+      <p:sp>
+        <p:nvSpPr>
+          <p:cNvPr id="4" name="TextBox 3"/>
+          <p:cNvSpPr txBox="1"/>
+          <p:nvPr/>
+        </p:nvSpPr>
+        <p:spPr>
+          <a:xfrm>
+            <a:off x="390071" y="1641239"/>
+            <a:ext cx="8363858" cy="4936025"/>
+          </a:xfrm>
+          <a:prstGeom prst="rect">
+            <a:avLst/>
+          </a:prstGeom>
+        </p:spPr>
+        <p:txBody>
+          <a:bodyPr>
+            <a:normAutofit/>
+          </a:bodyPr>
+          <a:lstStyle>
+            <a:lvl1pPr lvl="0" indent="0">
+              <a:lnSpc>
+                <a:spcPct val="120000"/>
+              </a:lnSpc>
+              <a:spcBef>
+                <a:spcPts val="0"/>
+              </a:spcBef>
+              <a:buFont typeface="Arial"/>
+              <a:buNone/>
+              <a:defRPr sz="1600" b="1" i="0">
+                <a:solidFill>
+                  <a:srgbClr val="424D43"/>
+                </a:solidFill>
+                <a:latin typeface="Helvetica Neue Light"/>
+                <a:ea typeface="ヒラギノ明朝 ProN W3" pitchFamily="-84" charset="-128"/>
+              </a:defRPr>
+            </a:lvl1pPr>
+            <a:lvl2pPr marL="742950" indent="-285750">
+              <a:spcBef>
+                <a:spcPct val="20000"/>
+              </a:spcBef>
+              <a:buSzPct val="100000"/>
+              <a:buFont typeface="Arial"/>
+              <a:buChar char="•"/>
+              <a:defRPr sz="2400" b="0" i="0">
+                <a:solidFill>
+                  <a:schemeClr val="tx1">
+                    <a:lumMod val="75000"/>
+                    <a:lumOff val="25000"/>
+                  </a:schemeClr>
+                </a:solidFill>
+                <a:latin typeface="Helvetica Neue Light"/>
+                <a:cs typeface="Helvetica Neue Light"/>
+              </a:defRPr>
+            </a:lvl2pPr>
+            <a:lvl3pPr marL="1143000" indent="-228600">
+              <a:spcBef>
+                <a:spcPct val="20000"/>
+              </a:spcBef>
+              <a:buSzPct val="100000"/>
+              <a:buFont typeface="Arial"/>
+              <a:buChar char="•"/>
+              <a:defRPr sz="2000" b="0" i="0">
+                <a:solidFill>
+                  <a:schemeClr val="tx1">
+                    <a:lumMod val="75000"/>
+                    <a:lumOff val="25000"/>
+                  </a:schemeClr>
+                </a:solidFill>
+                <a:latin typeface="Helvetica Neue Light"/>
+                <a:cs typeface="Helvetica Neue Light"/>
+              </a:defRPr>
+            </a:lvl3pPr>
+            <a:lvl4pPr marL="1600200" indent="-228600">
+              <a:spcBef>
+                <a:spcPct val="20000"/>
+              </a:spcBef>
+              <a:buSzPct val="100000"/>
+              <a:buFont typeface="Arial"/>
+              <a:buChar char="•"/>
+              <a:defRPr b="0" i="0">
+                <a:solidFill>
+                  <a:schemeClr val="tx1">
+                    <a:lumMod val="75000"/>
+                    <a:lumOff val="25000"/>
+                  </a:schemeClr>
+                </a:solidFill>
+                <a:latin typeface="Helvetica Neue Light"/>
+                <a:cs typeface="Helvetica Neue Light"/>
+              </a:defRPr>
+            </a:lvl4pPr>
+            <a:lvl5pPr marL="2057400" indent="-228600">
+              <a:spcBef>
+                <a:spcPct val="20000"/>
+              </a:spcBef>
+              <a:buSzPct val="100000"/>
+              <a:buFont typeface="Arial"/>
+              <a:buChar char="•"/>
+              <a:defRPr sz="1600" b="0" i="0" baseline="0">
+                <a:solidFill>
+                  <a:schemeClr val="tx1">
+                    <a:lumMod val="75000"/>
+                    <a:lumOff val="25000"/>
+                  </a:schemeClr>
+                </a:solidFill>
+                <a:latin typeface="Helvetica Neue Light"/>
+                <a:cs typeface="Helvetica Neue Light"/>
+              </a:defRPr>
+            </a:lvl5pPr>
+            <a:lvl6pPr marL="2514600" indent="-228600">
+              <a:spcBef>
+                <a:spcPct val="20000"/>
+              </a:spcBef>
+              <a:buFont typeface="Arial"/>
+              <a:buChar char="•"/>
+            </a:lvl6pPr>
+            <a:lvl7pPr marL="2971800" indent="-228600">
+              <a:spcBef>
+                <a:spcPct val="20000"/>
+              </a:spcBef>
+              <a:buFont typeface="Arial"/>
+              <a:buChar char="•"/>
+            </a:lvl7pPr>
+            <a:lvl8pPr marL="3429000" indent="-228600">
+              <a:spcBef>
+                <a:spcPct val="20000"/>
+              </a:spcBef>
+              <a:buFont typeface="Arial"/>
+              <a:buChar char="•"/>
+            </a:lvl8pPr>
+            <a:lvl9pPr marL="3886200" indent="-228600">
+              <a:spcBef>
+                <a:spcPct val="20000"/>
+              </a:spcBef>
+              <a:buFont typeface="Arial"/>
+              <a:buChar char="•"/>
+            </a:lvl9pPr>
+          </a:lstStyle>
+          <a:p>
+            <a:endParaRPr lang="en-US" b="0" dirty="0"/>
           </a:p>
         </p:txBody>
       </p:sp>
       <p:pic>
         <p:nvPicPr>
-          <p:cNvPr id="4098" name="Picture 2" descr="Figure 4"/>
+          <p:cNvPr id="3074" name="Picture 2" descr="Figure 3"/>
           <p:cNvPicPr>
             <a:picLocks noChangeAspect="1" noChangeArrowheads="1"/>
           </p:cNvPicPr>
@@ -9548,7 +9694,7 @@
         </p:blipFill>
         <p:spPr bwMode="auto">
           <a:xfrm>
-            <a:off x="390071" y="2432467"/>
+            <a:off x="390071" y="2395216"/>
             <a:ext cx="8363858" cy="2852045"/>
           </a:xfrm>
           <a:prstGeom prst="rect">
@@ -9569,7 +9715,7 @@
     </p:spTree>
     <p:extLst>
       <p:ext uri="{BB962C8B-B14F-4D97-AF65-F5344CB8AC3E}">
-        <p14:creationId xmlns:p14="http://schemas.microsoft.com/office/powerpoint/2010/main" val="963248993"/>
+        <p14:creationId xmlns:p14="http://schemas.microsoft.com/office/powerpoint/2010/main" val="59128595"/>
       </p:ext>
     </p:extLst>
   </p:cSld>
@@ -9672,6 +9818,158 @@
                 </a:solidFill>
                 <a:latin typeface="Helvetica Neue Light"/>
               </a:rPr>
+              <a:t>2</a:t>
+            </a:r>
+          </a:p>
+        </p:txBody>
+      </p:sp>
+      <p:pic>
+        <p:nvPicPr>
+          <p:cNvPr id="4098" name="Picture 2" descr="Figure 4"/>
+          <p:cNvPicPr>
+            <a:picLocks noChangeAspect="1" noChangeArrowheads="1"/>
+          </p:cNvPicPr>
+          <p:nvPr/>
+        </p:nvPicPr>
+        <p:blipFill>
+          <a:blip r:embed="rId4">
+            <a:extLst>
+              <a:ext uri="{28A0092B-C50C-407E-A947-70E740481C1C}">
+                <a14:useLocalDpi xmlns:a14="http://schemas.microsoft.com/office/drawing/2010/main" val="0"/>
+              </a:ext>
+            </a:extLst>
+          </a:blip>
+          <a:srcRect/>
+          <a:stretch>
+            <a:fillRect/>
+          </a:stretch>
+        </p:blipFill>
+        <p:spPr bwMode="auto">
+          <a:xfrm>
+            <a:off x="390071" y="2432467"/>
+            <a:ext cx="8363858" cy="2852045"/>
+          </a:xfrm>
+          <a:prstGeom prst="rect">
+            <a:avLst/>
+          </a:prstGeom>
+          <a:noFill/>
+          <a:extLst>
+            <a:ext uri="{909E8E84-426E-40DD-AFC4-6F175D3DCCD1}">
+              <a14:hiddenFill xmlns:a14="http://schemas.microsoft.com/office/drawing/2010/main">
+                <a:solidFill>
+                  <a:srgbClr val="FFFFFF"/>
+                </a:solidFill>
+              </a14:hiddenFill>
+            </a:ext>
+          </a:extLst>
+        </p:spPr>
+      </p:pic>
+    </p:spTree>
+    <p:extLst>
+      <p:ext uri="{BB962C8B-B14F-4D97-AF65-F5344CB8AC3E}">
+        <p14:creationId xmlns:p14="http://schemas.microsoft.com/office/powerpoint/2010/main" val="963248993"/>
+      </p:ext>
+    </p:extLst>
+  </p:cSld>
+  <p:clrMapOvr>
+    <a:masterClrMapping/>
+  </p:clrMapOvr>
+  <p:timing>
+    <p:tnLst>
+      <p:par>
+        <p:cTn id="1" dur="indefinite" restart="never" nodeType="tmRoot"/>
+      </p:par>
+    </p:tnLst>
+  </p:timing>
+</p:sld>
+</file>
+
+<file path=ppt/slides/slide17.xml><?xml version="1.0" encoding="utf-8"?>
+<p:sld xmlns:a="http://schemas.openxmlformats.org/drawingml/2006/main" xmlns:r="http://schemas.openxmlformats.org/officeDocument/2006/relationships" xmlns:p="http://schemas.openxmlformats.org/presentationml/2006/main">
+  <p:cSld>
+    <p:spTree>
+      <p:nvGrpSpPr>
+        <p:cNvPr id="1" name=""/>
+        <p:cNvGrpSpPr/>
+        <p:nvPr/>
+      </p:nvGrpSpPr>
+      <p:grpSpPr>
+        <a:xfrm>
+          <a:off x="0" y="0"/>
+          <a:ext cx="0" cy="0"/>
+          <a:chOff x="0" y="0"/>
+          <a:chExt cx="0" cy="0"/>
+        </a:xfrm>
+      </p:grpSpPr>
+      <p:pic>
+        <p:nvPicPr>
+          <p:cNvPr id="6" name="Afbeelding 4"/>
+          <p:cNvPicPr>
+            <a:picLocks noChangeAspect="1"/>
+          </p:cNvPicPr>
+          <p:nvPr/>
+        </p:nvPicPr>
+        <p:blipFill>
+          <a:blip r:embed="rId3">
+            <a:extLst>
+              <a:ext uri="{28A0092B-C50C-407E-A947-70E740481C1C}">
+                <a14:useLocalDpi xmlns:a14="http://schemas.microsoft.com/office/drawing/2010/main"/>
+              </a:ext>
+            </a:extLst>
+          </a:blip>
+          <a:stretch>
+            <a:fillRect/>
+          </a:stretch>
+        </p:blipFill>
+        <p:spPr>
+          <a:xfrm>
+            <a:off x="390071" y="492902"/>
+            <a:ext cx="8363858" cy="934179"/>
+          </a:xfrm>
+          <a:prstGeom prst="rect">
+            <a:avLst/>
+          </a:prstGeom>
+        </p:spPr>
+      </p:pic>
+      <p:sp>
+        <p:nvSpPr>
+          <p:cNvPr id="8" name="TextBox 7"/>
+          <p:cNvSpPr txBox="1"/>
+          <p:nvPr/>
+        </p:nvSpPr>
+        <p:spPr>
+          <a:xfrm>
+            <a:off x="3329603" y="707060"/>
+            <a:ext cx="2395471" cy="505861"/>
+          </a:xfrm>
+          <a:prstGeom prst="rect">
+            <a:avLst/>
+          </a:prstGeom>
+          <a:noFill/>
+        </p:spPr>
+        <p:txBody>
+          <a:bodyPr wrap="none" rtlCol="0">
+            <a:normAutofit lnSpcReduction="10000"/>
+          </a:bodyPr>
+          <a:lstStyle/>
+          <a:p>
+            <a:pPr algn="ctr"/>
+            <a:r>
+              <a:rPr lang="en-US" sz="2800" dirty="0">
+                <a:solidFill>
+                  <a:schemeClr val="bg1"/>
+                </a:solidFill>
+                <a:latin typeface="Helvetica Neue Light"/>
+              </a:rPr>
+              <a:t>Richardson Maturity Model – Level </a:t>
+            </a:r>
+            <a:r>
+              <a:rPr lang="en-US" sz="2800" dirty="0" smtClean="0">
+                <a:solidFill>
+                  <a:schemeClr val="bg1"/>
+                </a:solidFill>
+                <a:latin typeface="Helvetica Neue Light"/>
+              </a:rPr>
               <a:t>3</a:t>
             </a:r>
           </a:p>
@@ -9738,7 +10036,7 @@
 </p:sld>
 </file>
 
-<file path=ppt/slides/slide17.xml><?xml version="1.0" encoding="utf-8"?>
+<file path=ppt/slides/slide18.xml><?xml version="1.0" encoding="utf-8"?>
 <p:sld xmlns:a="http://schemas.openxmlformats.org/drawingml/2006/main" xmlns:r="http://schemas.openxmlformats.org/officeDocument/2006/relationships" xmlns:p="http://schemas.openxmlformats.org/presentationml/2006/main">
   <p:cSld>
     <p:spTree>
@@ -11115,7 +11413,7 @@
         <p:spPr>
           <a:xfrm>
             <a:off x="318685" y="1641238"/>
-            <a:ext cx="8764395" cy="4759561"/>
+            <a:ext cx="7846747" cy="4759561"/>
           </a:xfrm>
         </p:spPr>
         <p:txBody>
@@ -11655,8 +11953,8 @@
         </p:blipFill>
         <p:spPr>
           <a:xfrm>
-            <a:off x="3158086" y="2678494"/>
-            <a:ext cx="5133975" cy="2781300"/>
+            <a:off x="3158086" y="2678493"/>
+            <a:ext cx="5360272" cy="2984369"/>
           </a:xfrm>
           <a:prstGeom prst="rect">
             <a:avLst/>
@@ -11687,7 +11985,7 @@
         <p:spPr bwMode="auto">
           <a:xfrm>
             <a:off x="479105" y="2626106"/>
-            <a:ext cx="2276475" cy="2886076"/>
+            <a:ext cx="2276475" cy="3036756"/>
           </a:xfrm>
           <a:prstGeom prst="rect">
             <a:avLst/>
@@ -11717,7 +12015,182 @@
   <p:timing>
     <p:tnLst>
       <p:par>
-        <p:cTn id="1" dur="indefinite" restart="never" nodeType="tmRoot"/>
+        <p:cTn id="1" dur="indefinite" restart="never" nodeType="tmRoot">
+          <p:childTnLst>
+            <p:seq concurrent="1" nextAc="seek">
+              <p:cTn id="2" dur="indefinite" nodeType="mainSeq">
+                <p:childTnLst>
+                  <p:par>
+                    <p:cTn id="3" fill="hold">
+                      <p:stCondLst>
+                        <p:cond delay="indefinite"/>
+                      </p:stCondLst>
+                      <p:childTnLst>
+                        <p:par>
+                          <p:cTn id="4" fill="hold">
+                            <p:stCondLst>
+                              <p:cond delay="0"/>
+                            </p:stCondLst>
+                            <p:childTnLst>
+                              <p:par>
+                                <p:cTn id="5" presetID="1" presetClass="entr" presetSubtype="0" fill="hold" nodeType="clickEffect">
+                                  <p:stCondLst>
+                                    <p:cond delay="0"/>
+                                  </p:stCondLst>
+                                  <p:childTnLst>
+                                    <p:set>
+                                      <p:cBhvr>
+                                        <p:cTn id="6" dur="1" fill="hold">
+                                          <p:stCondLst>
+                                            <p:cond delay="0"/>
+                                          </p:stCondLst>
+                                        </p:cTn>
+                                        <p:tgtEl>
+                                          <p:spTgt spid="1029"/>
+                                        </p:tgtEl>
+                                        <p:attrNameLst>
+                                          <p:attrName>style.visibility</p:attrName>
+                                        </p:attrNameLst>
+                                      </p:cBhvr>
+                                      <p:to>
+                                        <p:strVal val="visible"/>
+                                      </p:to>
+                                    </p:set>
+                                  </p:childTnLst>
+                                </p:cTn>
+                              </p:par>
+                              <p:par>
+                                <p:cTn id="7" presetID="1" presetClass="entr" presetSubtype="0" fill="hold" nodeType="withEffect">
+                                  <p:stCondLst>
+                                    <p:cond delay="0"/>
+                                  </p:stCondLst>
+                                  <p:childTnLst>
+                                    <p:set>
+                                      <p:cBhvr>
+                                        <p:cTn id="8" dur="1" fill="hold">
+                                          <p:stCondLst>
+                                            <p:cond delay="0"/>
+                                          </p:stCondLst>
+                                        </p:cTn>
+                                        <p:tgtEl>
+                                          <p:spTgt spid="5"/>
+                                        </p:tgtEl>
+                                        <p:attrNameLst>
+                                          <p:attrName>style.visibility</p:attrName>
+                                        </p:attrNameLst>
+                                      </p:cBhvr>
+                                      <p:to>
+                                        <p:strVal val="visible"/>
+                                      </p:to>
+                                    </p:set>
+                                  </p:childTnLst>
+                                </p:cTn>
+                              </p:par>
+                            </p:childTnLst>
+                          </p:cTn>
+                        </p:par>
+                      </p:childTnLst>
+                    </p:cTn>
+                  </p:par>
+                  <p:par>
+                    <p:cTn id="9" fill="hold">
+                      <p:stCondLst>
+                        <p:cond delay="indefinite"/>
+                      </p:stCondLst>
+                      <p:childTnLst>
+                        <p:par>
+                          <p:cTn id="10" fill="hold">
+                            <p:stCondLst>
+                              <p:cond delay="0"/>
+                            </p:stCondLst>
+                            <p:childTnLst>
+                              <p:par>
+                                <p:cTn id="11" presetID="1" presetClass="entr" presetSubtype="0" fill="hold" nodeType="clickEffect">
+                                  <p:stCondLst>
+                                    <p:cond delay="0"/>
+                                  </p:stCondLst>
+                                  <p:childTnLst>
+                                    <p:set>
+                                      <p:cBhvr>
+                                        <p:cTn id="12" dur="1" fill="hold">
+                                          <p:stCondLst>
+                                            <p:cond delay="0"/>
+                                          </p:stCondLst>
+                                        </p:cTn>
+                                        <p:tgtEl>
+                                          <p:spTgt spid="3">
+                                            <p:txEl>
+                                              <p:pRg st="15" end="15"/>
+                                            </p:txEl>
+                                          </p:spTgt>
+                                        </p:tgtEl>
+                                        <p:attrNameLst>
+                                          <p:attrName>style.visibility</p:attrName>
+                                        </p:attrNameLst>
+                                      </p:cBhvr>
+                                      <p:to>
+                                        <p:strVal val="visible"/>
+                                      </p:to>
+                                    </p:set>
+                                  </p:childTnLst>
+                                </p:cTn>
+                              </p:par>
+                              <p:par>
+                                <p:cTn id="13" presetID="1" presetClass="entr" presetSubtype="0" fill="hold" nodeType="withEffect">
+                                  <p:stCondLst>
+                                    <p:cond delay="0"/>
+                                  </p:stCondLst>
+                                  <p:childTnLst>
+                                    <p:set>
+                                      <p:cBhvr>
+                                        <p:cTn id="14" dur="1" fill="hold">
+                                          <p:stCondLst>
+                                            <p:cond delay="0"/>
+                                          </p:stCondLst>
+                                        </p:cTn>
+                                        <p:tgtEl>
+                                          <p:spTgt spid="3">
+                                            <p:txEl>
+                                              <p:pRg st="16" end="16"/>
+                                            </p:txEl>
+                                          </p:spTgt>
+                                        </p:tgtEl>
+                                        <p:attrNameLst>
+                                          <p:attrName>style.visibility</p:attrName>
+                                        </p:attrNameLst>
+                                      </p:cBhvr>
+                                      <p:to>
+                                        <p:strVal val="visible"/>
+                                      </p:to>
+                                    </p:set>
+                                  </p:childTnLst>
+                                </p:cTn>
+                              </p:par>
+                            </p:childTnLst>
+                          </p:cTn>
+                        </p:par>
+                      </p:childTnLst>
+                    </p:cTn>
+                  </p:par>
+                </p:childTnLst>
+              </p:cTn>
+              <p:prevCondLst>
+                <p:cond evt="onPrev" delay="0">
+                  <p:tgtEl>
+                    <p:sldTgt/>
+                  </p:tgtEl>
+                </p:cond>
+              </p:prevCondLst>
+              <p:nextCondLst>
+                <p:cond evt="onNext" delay="0">
+                  <p:tgtEl>
+                    <p:sldTgt/>
+                  </p:tgtEl>
+                </p:cond>
+              </p:nextCondLst>
+            </p:seq>
+          </p:childTnLst>
+        </p:cTn>
       </p:par>
     </p:tnLst>
   </p:timing>
@@ -11790,7 +12263,27 @@
                 <a:ea typeface="ヒラギノ明朝 ProN W3" pitchFamily="-84" charset="-128"/>
                 <a:cs typeface="+mn-cs"/>
               </a:rPr>
-              <a:t>REST</a:t>
+              <a:t>R</a:t>
+            </a:r>
+            <a:r>
+              <a:rPr lang="en-US" sz="1600" b="1" noProof="1" smtClean="0">
+                <a:solidFill>
+                  <a:srgbClr val="424D43"/>
+                </a:solidFill>
+                <a:ea typeface="ヒラギノ明朝 ProN W3" pitchFamily="-84" charset="-128"/>
+                <a:cs typeface="+mn-cs"/>
+              </a:rPr>
+              <a:t>e</a:t>
+            </a:r>
+            <a:r>
+              <a:rPr lang="ro-RO" sz="1600" b="1" noProof="1" smtClean="0">
+                <a:solidFill>
+                  <a:srgbClr val="424D43"/>
+                </a:solidFill>
+                <a:ea typeface="ヒラギノ明朝 ProN W3" pitchFamily="-84" charset="-128"/>
+                <a:cs typeface="+mn-cs"/>
+              </a:rPr>
+              <a:t>ST</a:t>
             </a:r>
             <a:r>
               <a:rPr lang="nl-NL" sz="1600" b="1" noProof="1" smtClean="0">
@@ -12263,7 +12756,25 @@
                 </a:solidFill>
                 <a:latin typeface="Helvetica Neue Light"/>
               </a:rPr>
-              <a:t>Types of Web Services – </a:t>
+              <a:t>Types of Web </a:t>
+            </a:r>
+            <a:r>
+              <a:rPr lang="en-US" sz="2800" dirty="0" smtClean="0">
+                <a:solidFill>
+                  <a:schemeClr val="bg1"/>
+                </a:solidFill>
+                <a:latin typeface="Helvetica Neue Light"/>
+              </a:rPr>
+              <a:t>Services </a:t>
+            </a:r>
+            <a:r>
+              <a:rPr lang="en-US" sz="2800" dirty="0" smtClean="0">
+                <a:solidFill>
+                  <a:schemeClr val="bg1"/>
+                </a:solidFill>
+                <a:latin typeface="Helvetica Neue Light"/>
+              </a:rPr>
+              <a:t>– </a:t>
             </a:r>
             <a:r>
               <a:rPr lang="ro-RO" sz="2800" dirty="0" smtClean="0">
@@ -12272,7 +12783,16 @@
                 </a:solidFill>
                 <a:latin typeface="Helvetica Neue Light"/>
               </a:rPr>
-              <a:t>Rest</a:t>
+              <a:t>R</a:t>
+            </a:r>
+            <a:r>
+              <a:rPr lang="en-US" sz="2800" dirty="0" smtClean="0">
+                <a:solidFill>
+                  <a:schemeClr val="bg1"/>
+                </a:solidFill>
+                <a:latin typeface="Helvetica Neue Light"/>
+              </a:rPr>
+              <a:t>EST</a:t>
             </a:r>
             <a:endParaRPr lang="en-US" sz="2800" dirty="0" smtClean="0">
               <a:solidFill>
@@ -12734,7 +13254,469 @@
   <p:timing>
     <p:tnLst>
       <p:par>
-        <p:cTn id="1" dur="indefinite" restart="never" nodeType="tmRoot"/>
+        <p:cTn id="1" dur="indefinite" restart="never" nodeType="tmRoot">
+          <p:childTnLst>
+            <p:seq concurrent="1" nextAc="seek">
+              <p:cTn id="2" dur="indefinite" nodeType="mainSeq">
+                <p:childTnLst>
+                  <p:par>
+                    <p:cTn id="3" fill="hold">
+                      <p:stCondLst>
+                        <p:cond delay="indefinite"/>
+                      </p:stCondLst>
+                      <p:childTnLst>
+                        <p:par>
+                          <p:cTn id="4" fill="hold">
+                            <p:stCondLst>
+                              <p:cond delay="0"/>
+                            </p:stCondLst>
+                            <p:childTnLst>
+                              <p:par>
+                                <p:cTn id="5" presetID="1" presetClass="entr" presetSubtype="0" fill="hold" nodeType="clickEffect">
+                                  <p:stCondLst>
+                                    <p:cond delay="0"/>
+                                  </p:stCondLst>
+                                  <p:childTnLst>
+                                    <p:set>
+                                      <p:cBhvr>
+                                        <p:cTn id="6" dur="1" fill="hold">
+                                          <p:stCondLst>
+                                            <p:cond delay="0"/>
+                                          </p:stCondLst>
+                                        </p:cTn>
+                                        <p:tgtEl>
+                                          <p:spTgt spid="4">
+                                            <p:txEl>
+                                              <p:pRg st="0" end="0"/>
+                                            </p:txEl>
+                                          </p:spTgt>
+                                        </p:tgtEl>
+                                        <p:attrNameLst>
+                                          <p:attrName>style.visibility</p:attrName>
+                                        </p:attrNameLst>
+                                      </p:cBhvr>
+                                      <p:to>
+                                        <p:strVal val="visible"/>
+                                      </p:to>
+                                    </p:set>
+                                  </p:childTnLst>
+                                </p:cTn>
+                              </p:par>
+                              <p:par>
+                                <p:cTn id="7" presetID="1" presetClass="entr" presetSubtype="0" fill="hold" nodeType="withEffect">
+                                  <p:stCondLst>
+                                    <p:cond delay="0"/>
+                                  </p:stCondLst>
+                                  <p:childTnLst>
+                                    <p:set>
+                                      <p:cBhvr>
+                                        <p:cTn id="8" dur="1" fill="hold">
+                                          <p:stCondLst>
+                                            <p:cond delay="0"/>
+                                          </p:stCondLst>
+                                        </p:cTn>
+                                        <p:tgtEl>
+                                          <p:spTgt spid="4">
+                                            <p:txEl>
+                                              <p:pRg st="1" end="1"/>
+                                            </p:txEl>
+                                          </p:spTgt>
+                                        </p:tgtEl>
+                                        <p:attrNameLst>
+                                          <p:attrName>style.visibility</p:attrName>
+                                        </p:attrNameLst>
+                                      </p:cBhvr>
+                                      <p:to>
+                                        <p:strVal val="visible"/>
+                                      </p:to>
+                                    </p:set>
+                                  </p:childTnLst>
+                                </p:cTn>
+                              </p:par>
+                              <p:par>
+                                <p:cTn id="9" presetID="1" presetClass="entr" presetSubtype="0" fill="hold" nodeType="withEffect">
+                                  <p:stCondLst>
+                                    <p:cond delay="0"/>
+                                  </p:stCondLst>
+                                  <p:childTnLst>
+                                    <p:set>
+                                      <p:cBhvr>
+                                        <p:cTn id="10" dur="1" fill="hold">
+                                          <p:stCondLst>
+                                            <p:cond delay="0"/>
+                                          </p:stCondLst>
+                                        </p:cTn>
+                                        <p:tgtEl>
+                                          <p:spTgt spid="4">
+                                            <p:txEl>
+                                              <p:pRg st="2" end="2"/>
+                                            </p:txEl>
+                                          </p:spTgt>
+                                        </p:tgtEl>
+                                        <p:attrNameLst>
+                                          <p:attrName>style.visibility</p:attrName>
+                                        </p:attrNameLst>
+                                      </p:cBhvr>
+                                      <p:to>
+                                        <p:strVal val="visible"/>
+                                      </p:to>
+                                    </p:set>
+                                  </p:childTnLst>
+                                </p:cTn>
+                              </p:par>
+                              <p:par>
+                                <p:cTn id="11" presetID="1" presetClass="entr" presetSubtype="0" fill="hold" nodeType="withEffect">
+                                  <p:stCondLst>
+                                    <p:cond delay="0"/>
+                                  </p:stCondLst>
+                                  <p:childTnLst>
+                                    <p:set>
+                                      <p:cBhvr>
+                                        <p:cTn id="12" dur="1" fill="hold">
+                                          <p:stCondLst>
+                                            <p:cond delay="0"/>
+                                          </p:stCondLst>
+                                        </p:cTn>
+                                        <p:tgtEl>
+                                          <p:spTgt spid="4">
+                                            <p:txEl>
+                                              <p:pRg st="3" end="3"/>
+                                            </p:txEl>
+                                          </p:spTgt>
+                                        </p:tgtEl>
+                                        <p:attrNameLst>
+                                          <p:attrName>style.visibility</p:attrName>
+                                        </p:attrNameLst>
+                                      </p:cBhvr>
+                                      <p:to>
+                                        <p:strVal val="visible"/>
+                                      </p:to>
+                                    </p:set>
+                                  </p:childTnLst>
+                                </p:cTn>
+                              </p:par>
+                              <p:par>
+                                <p:cTn id="13" presetID="1" presetClass="entr" presetSubtype="0" fill="hold" nodeType="withEffect">
+                                  <p:stCondLst>
+                                    <p:cond delay="0"/>
+                                  </p:stCondLst>
+                                  <p:childTnLst>
+                                    <p:set>
+                                      <p:cBhvr>
+                                        <p:cTn id="14" dur="1" fill="hold">
+                                          <p:stCondLst>
+                                            <p:cond delay="0"/>
+                                          </p:stCondLst>
+                                        </p:cTn>
+                                        <p:tgtEl>
+                                          <p:spTgt spid="4">
+                                            <p:txEl>
+                                              <p:pRg st="4" end="4"/>
+                                            </p:txEl>
+                                          </p:spTgt>
+                                        </p:tgtEl>
+                                        <p:attrNameLst>
+                                          <p:attrName>style.visibility</p:attrName>
+                                        </p:attrNameLst>
+                                      </p:cBhvr>
+                                      <p:to>
+                                        <p:strVal val="visible"/>
+                                      </p:to>
+                                    </p:set>
+                                  </p:childTnLst>
+                                </p:cTn>
+                              </p:par>
+                              <p:par>
+                                <p:cTn id="15" presetID="1" presetClass="entr" presetSubtype="0" fill="hold" nodeType="withEffect">
+                                  <p:stCondLst>
+                                    <p:cond delay="0"/>
+                                  </p:stCondLst>
+                                  <p:childTnLst>
+                                    <p:set>
+                                      <p:cBhvr>
+                                        <p:cTn id="16" dur="1" fill="hold">
+                                          <p:stCondLst>
+                                            <p:cond delay="0"/>
+                                          </p:stCondLst>
+                                        </p:cTn>
+                                        <p:tgtEl>
+                                          <p:spTgt spid="4">
+                                            <p:txEl>
+                                              <p:pRg st="5" end="5"/>
+                                            </p:txEl>
+                                          </p:spTgt>
+                                        </p:tgtEl>
+                                        <p:attrNameLst>
+                                          <p:attrName>style.visibility</p:attrName>
+                                        </p:attrNameLst>
+                                      </p:cBhvr>
+                                      <p:to>
+                                        <p:strVal val="visible"/>
+                                      </p:to>
+                                    </p:set>
+                                  </p:childTnLst>
+                                </p:cTn>
+                              </p:par>
+                              <p:par>
+                                <p:cTn id="17" presetID="1" presetClass="entr" presetSubtype="0" fill="hold" nodeType="withEffect">
+                                  <p:stCondLst>
+                                    <p:cond delay="0"/>
+                                  </p:stCondLst>
+                                  <p:childTnLst>
+                                    <p:set>
+                                      <p:cBhvr>
+                                        <p:cTn id="18" dur="1" fill="hold">
+                                          <p:stCondLst>
+                                            <p:cond delay="0"/>
+                                          </p:stCondLst>
+                                        </p:cTn>
+                                        <p:tgtEl>
+                                          <p:spTgt spid="4">
+                                            <p:txEl>
+                                              <p:pRg st="6" end="6"/>
+                                            </p:txEl>
+                                          </p:spTgt>
+                                        </p:tgtEl>
+                                        <p:attrNameLst>
+                                          <p:attrName>style.visibility</p:attrName>
+                                        </p:attrNameLst>
+                                      </p:cBhvr>
+                                      <p:to>
+                                        <p:strVal val="visible"/>
+                                      </p:to>
+                                    </p:set>
+                                  </p:childTnLst>
+                                </p:cTn>
+                              </p:par>
+                            </p:childTnLst>
+                          </p:cTn>
+                        </p:par>
+                      </p:childTnLst>
+                    </p:cTn>
+                  </p:par>
+                  <p:par>
+                    <p:cTn id="19" fill="hold">
+                      <p:stCondLst>
+                        <p:cond delay="indefinite"/>
+                      </p:stCondLst>
+                      <p:childTnLst>
+                        <p:par>
+                          <p:cTn id="20" fill="hold">
+                            <p:stCondLst>
+                              <p:cond delay="0"/>
+                            </p:stCondLst>
+                            <p:childTnLst>
+                              <p:par>
+                                <p:cTn id="21" presetID="1" presetClass="entr" presetSubtype="0" fill="hold" nodeType="clickEffect">
+                                  <p:stCondLst>
+                                    <p:cond delay="0"/>
+                                  </p:stCondLst>
+                                  <p:childTnLst>
+                                    <p:set>
+                                      <p:cBhvr>
+                                        <p:cTn id="22" dur="1" fill="hold">
+                                          <p:stCondLst>
+                                            <p:cond delay="0"/>
+                                          </p:stCondLst>
+                                        </p:cTn>
+                                        <p:tgtEl>
+                                          <p:spTgt spid="4">
+                                            <p:txEl>
+                                              <p:pRg st="8" end="8"/>
+                                            </p:txEl>
+                                          </p:spTgt>
+                                        </p:tgtEl>
+                                        <p:attrNameLst>
+                                          <p:attrName>style.visibility</p:attrName>
+                                        </p:attrNameLst>
+                                      </p:cBhvr>
+                                      <p:to>
+                                        <p:strVal val="visible"/>
+                                      </p:to>
+                                    </p:set>
+                                  </p:childTnLst>
+                                </p:cTn>
+                              </p:par>
+                              <p:par>
+                                <p:cTn id="23" presetID="1" presetClass="entr" presetSubtype="0" fill="hold" nodeType="withEffect">
+                                  <p:stCondLst>
+                                    <p:cond delay="0"/>
+                                  </p:stCondLst>
+                                  <p:childTnLst>
+                                    <p:set>
+                                      <p:cBhvr>
+                                        <p:cTn id="24" dur="1" fill="hold">
+                                          <p:stCondLst>
+                                            <p:cond delay="0"/>
+                                          </p:stCondLst>
+                                        </p:cTn>
+                                        <p:tgtEl>
+                                          <p:spTgt spid="4">
+                                            <p:txEl>
+                                              <p:pRg st="9" end="9"/>
+                                            </p:txEl>
+                                          </p:spTgt>
+                                        </p:tgtEl>
+                                        <p:attrNameLst>
+                                          <p:attrName>style.visibility</p:attrName>
+                                        </p:attrNameLst>
+                                      </p:cBhvr>
+                                      <p:to>
+                                        <p:strVal val="visible"/>
+                                      </p:to>
+                                    </p:set>
+                                  </p:childTnLst>
+                                </p:cTn>
+                              </p:par>
+                              <p:par>
+                                <p:cTn id="25" presetID="1" presetClass="entr" presetSubtype="0" fill="hold" nodeType="withEffect">
+                                  <p:stCondLst>
+                                    <p:cond delay="0"/>
+                                  </p:stCondLst>
+                                  <p:childTnLst>
+                                    <p:set>
+                                      <p:cBhvr>
+                                        <p:cTn id="26" dur="1" fill="hold">
+                                          <p:stCondLst>
+                                            <p:cond delay="0"/>
+                                          </p:stCondLst>
+                                        </p:cTn>
+                                        <p:tgtEl>
+                                          <p:spTgt spid="4">
+                                            <p:txEl>
+                                              <p:pRg st="10" end="10"/>
+                                            </p:txEl>
+                                          </p:spTgt>
+                                        </p:tgtEl>
+                                        <p:attrNameLst>
+                                          <p:attrName>style.visibility</p:attrName>
+                                        </p:attrNameLst>
+                                      </p:cBhvr>
+                                      <p:to>
+                                        <p:strVal val="visible"/>
+                                      </p:to>
+                                    </p:set>
+                                  </p:childTnLst>
+                                </p:cTn>
+                              </p:par>
+                              <p:par>
+                                <p:cTn id="27" presetID="1" presetClass="entr" presetSubtype="0" fill="hold" nodeType="withEffect">
+                                  <p:stCondLst>
+                                    <p:cond delay="0"/>
+                                  </p:stCondLst>
+                                  <p:childTnLst>
+                                    <p:set>
+                                      <p:cBhvr>
+                                        <p:cTn id="28" dur="1" fill="hold">
+                                          <p:stCondLst>
+                                            <p:cond delay="0"/>
+                                          </p:stCondLst>
+                                        </p:cTn>
+                                        <p:tgtEl>
+                                          <p:spTgt spid="4">
+                                            <p:txEl>
+                                              <p:pRg st="11" end="11"/>
+                                            </p:txEl>
+                                          </p:spTgt>
+                                        </p:tgtEl>
+                                        <p:attrNameLst>
+                                          <p:attrName>style.visibility</p:attrName>
+                                        </p:attrNameLst>
+                                      </p:cBhvr>
+                                      <p:to>
+                                        <p:strVal val="visible"/>
+                                      </p:to>
+                                    </p:set>
+                                  </p:childTnLst>
+                                </p:cTn>
+                              </p:par>
+                              <p:par>
+                                <p:cTn id="29" presetID="1" presetClass="entr" presetSubtype="0" fill="hold" nodeType="withEffect">
+                                  <p:stCondLst>
+                                    <p:cond delay="0"/>
+                                  </p:stCondLst>
+                                  <p:childTnLst>
+                                    <p:set>
+                                      <p:cBhvr>
+                                        <p:cTn id="30" dur="1" fill="hold">
+                                          <p:stCondLst>
+                                            <p:cond delay="0"/>
+                                          </p:stCondLst>
+                                        </p:cTn>
+                                        <p:tgtEl>
+                                          <p:spTgt spid="4">
+                                            <p:txEl>
+                                              <p:pRg st="12" end="12"/>
+                                            </p:txEl>
+                                          </p:spTgt>
+                                        </p:tgtEl>
+                                        <p:attrNameLst>
+                                          <p:attrName>style.visibility</p:attrName>
+                                        </p:attrNameLst>
+                                      </p:cBhvr>
+                                      <p:to>
+                                        <p:strVal val="visible"/>
+                                      </p:to>
+                                    </p:set>
+                                  </p:childTnLst>
+                                </p:cTn>
+                              </p:par>
+                              <p:par>
+                                <p:cTn id="31" presetID="1" presetClass="entr" presetSubtype="0" fill="hold" nodeType="withEffect">
+                                  <p:stCondLst>
+                                    <p:cond delay="0"/>
+                                  </p:stCondLst>
+                                  <p:childTnLst>
+                                    <p:set>
+                                      <p:cBhvr>
+                                        <p:cTn id="32" dur="1" fill="hold">
+                                          <p:stCondLst>
+                                            <p:cond delay="0"/>
+                                          </p:stCondLst>
+                                        </p:cTn>
+                                        <p:tgtEl>
+                                          <p:spTgt spid="4">
+                                            <p:txEl>
+                                              <p:pRg st="13" end="13"/>
+                                            </p:txEl>
+                                          </p:spTgt>
+                                        </p:tgtEl>
+                                        <p:attrNameLst>
+                                          <p:attrName>style.visibility</p:attrName>
+                                        </p:attrNameLst>
+                                      </p:cBhvr>
+                                      <p:to>
+                                        <p:strVal val="visible"/>
+                                      </p:to>
+                                    </p:set>
+                                  </p:childTnLst>
+                                </p:cTn>
+                              </p:par>
+                            </p:childTnLst>
+                          </p:cTn>
+                        </p:par>
+                      </p:childTnLst>
+                    </p:cTn>
+                  </p:par>
+                </p:childTnLst>
+              </p:cTn>
+              <p:prevCondLst>
+                <p:cond evt="onPrev" delay="0">
+                  <p:tgtEl>
+                    <p:sldTgt/>
+                  </p:tgtEl>
+                </p:cond>
+              </p:prevCondLst>
+              <p:nextCondLst>
+                <p:cond evt="onNext" delay="0">
+                  <p:tgtEl>
+                    <p:sldTgt/>
+                  </p:tgtEl>
+                </p:cond>
+              </p:nextCondLst>
+            </p:seq>
+          </p:childTnLst>
+        </p:cTn>
       </p:par>
     </p:tnLst>
   </p:timing>
@@ -14020,34 +15002,6 @@
 </file>
 
 <file path=customXml/item1.xml><?xml version="1.0" encoding="utf-8"?>
-<p:properties xmlns:p="http://schemas.microsoft.com/office/2006/metadata/properties" xmlns:xsi="http://www.w3.org/2001/XMLSchema-instance" xmlns:pc="http://schemas.microsoft.com/office/infopath/2007/PartnerControls">
-  <documentManagement>
-    <TemplateUrl xmlns="http://schemas.microsoft.com/sharepoint/v3" xsi:nil="true"/>
-    <_SourceUrl xmlns="http://schemas.microsoft.com/sharepoint/v3" xsi:nil="true"/>
-    <xd_ProgID xmlns="http://schemas.microsoft.com/sharepoint/v3" xsi:nil="true"/>
-    <Order xmlns="http://schemas.microsoft.com/sharepoint/v3" xsi:nil="true"/>
-    <_SharedFileIndex xmlns="http://schemas.microsoft.com/sharepoint/v3" xsi:nil="true"/>
-    <MetaInfo xmlns="http://schemas.microsoft.com/sharepoint/v3" xsi:nil="true"/>
-    <ContentTypeId xmlns="http://schemas.microsoft.com/sharepoint/v3">0x010100E25DA1609B7607469C1AC9B6F8A6FE9D</ContentTypeId>
-    <_dlc_DocId xmlns="696890a7-2738-473a-8580-15948eca3069">Y5ANCCKZ2MDQ-10-1542</_dlc_DocId>
-    <_dlc_DocIdUrl xmlns="696890a7-2738-473a-8580-15948eca3069">
-      <Url>https://internal.levi9.com/_layouts/15/DocIdRedir.aspx?ID=Y5ANCCKZ2MDQ-10-1542</Url>
-      <Description>Y5ANCCKZ2MDQ-10-1542</Description>
-    </_dlc_DocIdUrl>
-  </documentManagement>
-</p:properties>
-</file>
-
-<file path=customXml/item2.xml><?xml version="1.0" encoding="utf-8"?>
-<?mso-contentType ?>
-<FormTemplates xmlns="http://schemas.microsoft.com/sharepoint/v3/contenttype/forms">
-  <Display>DocumentLibraryForm</Display>
-  <Edit>DocumentLibraryForm</Edit>
-  <New>DocumentLibraryForm</New>
-</FormTemplates>
-</file>
-
-<file path=customXml/item3.xml><?xml version="1.0" encoding="utf-8"?>
 <?mso-contentType ?>
 <spe:Receivers xmlns:spe="http://schemas.microsoft.com/sharepoint/events">
   <Receiver>
@@ -14095,6 +15049,34 @@
     <Filter/>
   </Receiver>
 </spe:Receivers>
+</file>
+
+<file path=customXml/item2.xml><?xml version="1.0" encoding="utf-8"?>
+<?mso-contentType ?>
+<FormTemplates xmlns="http://schemas.microsoft.com/sharepoint/v3/contenttype/forms">
+  <Display>DocumentLibraryForm</Display>
+  <Edit>DocumentLibraryForm</Edit>
+  <New>DocumentLibraryForm</New>
+</FormTemplates>
+</file>
+
+<file path=customXml/item3.xml><?xml version="1.0" encoding="utf-8"?>
+<p:properties xmlns:p="http://schemas.microsoft.com/office/2006/metadata/properties" xmlns:xsi="http://www.w3.org/2001/XMLSchema-instance" xmlns:pc="http://schemas.microsoft.com/office/infopath/2007/PartnerControls">
+  <documentManagement>
+    <TemplateUrl xmlns="http://schemas.microsoft.com/sharepoint/v3" xsi:nil="true"/>
+    <_SourceUrl xmlns="http://schemas.microsoft.com/sharepoint/v3" xsi:nil="true"/>
+    <xd_ProgID xmlns="http://schemas.microsoft.com/sharepoint/v3" xsi:nil="true"/>
+    <Order xmlns="http://schemas.microsoft.com/sharepoint/v3" xsi:nil="true"/>
+    <_SharedFileIndex xmlns="http://schemas.microsoft.com/sharepoint/v3" xsi:nil="true"/>
+    <MetaInfo xmlns="http://schemas.microsoft.com/sharepoint/v3" xsi:nil="true"/>
+    <ContentTypeId xmlns="http://schemas.microsoft.com/sharepoint/v3">0x010100E25DA1609B7607469C1AC9B6F8A6FE9D</ContentTypeId>
+    <_dlc_DocId xmlns="696890a7-2738-473a-8580-15948eca3069">Y5ANCCKZ2MDQ-10-1542</_dlc_DocId>
+    <_dlc_DocIdUrl xmlns="696890a7-2738-473a-8580-15948eca3069">
+      <Url>https://internal.levi9.com/_layouts/15/DocIdRedir.aspx?ID=Y5ANCCKZ2MDQ-10-1542</Url>
+      <Description>Y5ANCCKZ2MDQ-10-1542</Description>
+    </_dlc_DocIdUrl>
+  </documentManagement>
+</p:properties>
 </file>
 
 <file path=customXml/item4.xml><?xml version="1.0" encoding="utf-8"?>
@@ -14590,18 +15572,9 @@
 </file>
 
 <file path=customXml/itemProps1.xml><?xml version="1.0" encoding="utf-8"?>
-<ds:datastoreItem xmlns:ds="http://schemas.openxmlformats.org/officeDocument/2006/customXml" ds:itemID="{61631425-235C-4781-93DD-7928AF7173EF}">
+<ds:datastoreItem xmlns:ds="http://schemas.openxmlformats.org/officeDocument/2006/customXml" ds:itemID="{DFBE2CE3-A764-49E9-945D-1AE464F7016A}">
   <ds:schemaRefs>
-    <ds:schemaRef ds:uri="http://schemas.microsoft.com/office/2006/metadata/properties"/>
-    <ds:schemaRef ds:uri="http://schemas.microsoft.com/sharepoint/v3"/>
-    <ds:schemaRef ds:uri="http://www.w3.org/XML/1998/namespace"/>
-    <ds:schemaRef ds:uri="696890a7-2738-473a-8580-15948eca3069"/>
-    <ds:schemaRef ds:uri="http://schemas.microsoft.com/office/2006/documentManagement/types"/>
-    <ds:schemaRef ds:uri="http://purl.org/dc/dcmitype/"/>
-    <ds:schemaRef ds:uri="http://purl.org/dc/elements/1.1/"/>
-    <ds:schemaRef ds:uri="http://schemas.microsoft.com/office/infopath/2007/PartnerControls"/>
-    <ds:schemaRef ds:uri="http://schemas.openxmlformats.org/package/2006/metadata/core-properties"/>
-    <ds:schemaRef ds:uri="http://purl.org/dc/terms/"/>
+    <ds:schemaRef ds:uri="http://schemas.microsoft.com/sharepoint/events"/>
   </ds:schemaRefs>
 </ds:datastoreItem>
 </file>
@@ -14615,9 +15588,18 @@
 </file>
 
 <file path=customXml/itemProps3.xml><?xml version="1.0" encoding="utf-8"?>
-<ds:datastoreItem xmlns:ds="http://schemas.openxmlformats.org/officeDocument/2006/customXml" ds:itemID="{DFBE2CE3-A764-49E9-945D-1AE464F7016A}">
+<ds:datastoreItem xmlns:ds="http://schemas.openxmlformats.org/officeDocument/2006/customXml" ds:itemID="{61631425-235C-4781-93DD-7928AF7173EF}">
   <ds:schemaRefs>
-    <ds:schemaRef ds:uri="http://schemas.microsoft.com/sharepoint/events"/>
+    <ds:schemaRef ds:uri="http://schemas.microsoft.com/office/2006/metadata/properties"/>
+    <ds:schemaRef ds:uri="http://schemas.microsoft.com/sharepoint/v3"/>
+    <ds:schemaRef ds:uri="http://www.w3.org/XML/1998/namespace"/>
+    <ds:schemaRef ds:uri="696890a7-2738-473a-8580-15948eca3069"/>
+    <ds:schemaRef ds:uri="http://schemas.microsoft.com/office/2006/documentManagement/types"/>
+    <ds:schemaRef ds:uri="http://purl.org/dc/dcmitype/"/>
+    <ds:schemaRef ds:uri="http://purl.org/dc/elements/1.1/"/>
+    <ds:schemaRef ds:uri="http://schemas.microsoft.com/office/infopath/2007/PartnerControls"/>
+    <ds:schemaRef ds:uri="http://schemas.openxmlformats.org/package/2006/metadata/core-properties"/>
+    <ds:schemaRef ds:uri="http://purl.org/dc/terms/"/>
   </ds:schemaRefs>
 </ds:datastoreItem>
 </file>
